--- a/01_FoundationProjects/10_Car-3_Sine_Trajectory/10_Car-3_Sine_Trajectory.pptx
+++ b/01_FoundationProjects/10_Car-3_Sine_Trajectory/10_Car-3_Sine_Trajectory.pptx
@@ -157,7 +157,7 @@
       </p:grpSpPr>
       <p:sp>
         <p:nvSpPr>
-          <p:cNvPr id="483406134" name="Header Placeholder 1"/>
+          <p:cNvPr id="871070545" name="Header Placeholder 1"/>
           <p:cNvSpPr>
             <a:spLocks noGrp="1"/>
           </p:cNvSpPr>
@@ -191,7 +191,7 @@
       </p:sp>
       <p:sp>
         <p:nvSpPr>
-          <p:cNvPr id="2048932650" name="Date Placeholder 2"/>
+          <p:cNvPr id="680065948" name="Date Placeholder 2"/>
           <p:cNvSpPr>
             <a:spLocks noGrp="1"/>
           </p:cNvSpPr>
@@ -225,7 +225,7 @@
       </p:sp>
       <p:sp>
         <p:nvSpPr>
-          <p:cNvPr id="466301795" name="Date Placeholder 2"/>
+          <p:cNvPr id="1024116491" name="Date Placeholder 2"/>
           <p:cNvSpPr>
             <a:spLocks noGrp="1"/>
           </p:cNvSpPr>
@@ -259,7 +259,7 @@
       </p:sp>
       <p:sp>
         <p:nvSpPr>
-          <p:cNvPr id="1961712344" name="Notes Placeholder 4"/>
+          <p:cNvPr id="892110928" name="Notes Placeholder 4"/>
           <p:cNvSpPr>
             <a:spLocks noGrp="1"/>
           </p:cNvSpPr>
@@ -289,7 +289,7 @@
       </p:sp>
       <p:sp>
         <p:nvSpPr>
-          <p:cNvPr id="2122523638" name="Footer Placeholder 5"/>
+          <p:cNvPr id="547992348" name="Footer Placeholder 5"/>
           <p:cNvSpPr>
             <a:spLocks noGrp="1"/>
           </p:cNvSpPr>
@@ -323,7 +323,7 @@
       </p:sp>
       <p:sp>
         <p:nvSpPr>
-          <p:cNvPr id="1029224764" name="Slide Number Placeholder 6"/>
+          <p:cNvPr id="1422297030" name="Slide Number Placeholder 6"/>
           <p:cNvSpPr>
             <a:spLocks noGrp="1"/>
           </p:cNvSpPr>
@@ -472,7 +472,7 @@
       </p:grpSpPr>
       <p:sp>
         <p:nvSpPr>
-          <p:cNvPr id="1007182221" name="Slide Image Placeholder 1"/>
+          <p:cNvPr id="223708460" name="Slide Image Placeholder 1"/>
           <p:cNvSpPr>
             <a:spLocks noChangeAspect="1" noGrp="1" noRot="1"/>
           </p:cNvSpPr>
@@ -484,7 +484,7 @@
       </p:sp>
       <p:sp>
         <p:nvSpPr>
-          <p:cNvPr id="1523375797" name="Notes Placeholder 2"/>
+          <p:cNvPr id="491065941" name="Notes Placeholder 2"/>
           <p:cNvSpPr>
             <a:spLocks noGrp="1"/>
           </p:cNvSpPr>
@@ -506,7 +506,7 @@
       </p:sp>
       <p:sp>
         <p:nvSpPr>
-          <p:cNvPr id="237470743" name="Slide Number Placeholder 3"/>
+          <p:cNvPr id="115231372" name="Slide Number Placeholder 3"/>
           <p:cNvSpPr>
             <a:spLocks noGrp="1"/>
           </p:cNvSpPr>
@@ -1374,7 +1374,7 @@
       </p:grpSpPr>
       <p:sp>
         <p:nvSpPr>
-          <p:cNvPr id="233481611" name="Slide Image Placeholder 1"/>
+          <p:cNvPr id="1868024650" name="Slide Image Placeholder 1"/>
           <p:cNvSpPr>
             <a:spLocks noChangeAspect="1" noGrp="1" noRot="1"/>
           </p:cNvSpPr>
@@ -1386,7 +1386,7 @@
       </p:sp>
       <p:sp>
         <p:nvSpPr>
-          <p:cNvPr id="896389697" name="Notes Placeholder 2"/>
+          <p:cNvPr id="1187872478" name="Notes Placeholder 2"/>
           <p:cNvSpPr>
             <a:spLocks noGrp="1"/>
           </p:cNvSpPr>
@@ -1408,7 +1408,7 @@
       </p:sp>
       <p:sp>
         <p:nvSpPr>
-          <p:cNvPr id="2015119850" name="Slide Number Placeholder 3"/>
+          <p:cNvPr id="1148673574" name="Slide Number Placeholder 3"/>
           <p:cNvSpPr>
             <a:spLocks noGrp="1"/>
           </p:cNvSpPr>
@@ -1538,7 +1538,7 @@
       </p:grpSpPr>
       <p:sp>
         <p:nvSpPr>
-          <p:cNvPr id="599998798" name="Slide Image Placeholder 1"/>
+          <p:cNvPr id="980497740" name="Slide Image Placeholder 1"/>
           <p:cNvSpPr>
             <a:spLocks noChangeAspect="1" noGrp="1" noRot="1"/>
           </p:cNvSpPr>
@@ -1550,7 +1550,7 @@
       </p:sp>
       <p:sp>
         <p:nvSpPr>
-          <p:cNvPr id="1163332168" name="Notes Placeholder 2"/>
+          <p:cNvPr id="1966541120" name="Notes Placeholder 2"/>
           <p:cNvSpPr>
             <a:spLocks noGrp="1"/>
           </p:cNvSpPr>
@@ -1572,7 +1572,7 @@
       </p:sp>
       <p:sp>
         <p:nvSpPr>
-          <p:cNvPr id="1753387021" name="Slide Number Placeholder 3"/>
+          <p:cNvPr id="1262800398" name="Slide Number Placeholder 3"/>
           <p:cNvSpPr>
             <a:spLocks noGrp="1"/>
           </p:cNvSpPr>
@@ -1620,7 +1620,7 @@
       </p:grpSpPr>
       <p:sp>
         <p:nvSpPr>
-          <p:cNvPr id="1705107405" name="Slide Image Placeholder 1"/>
+          <p:cNvPr id="963113744" name="Slide Image Placeholder 1"/>
           <p:cNvSpPr>
             <a:spLocks noChangeAspect="1" noGrp="1" noRot="1"/>
           </p:cNvSpPr>
@@ -1632,7 +1632,7 @@
       </p:sp>
       <p:sp>
         <p:nvSpPr>
-          <p:cNvPr id="928682491" name="Notes Placeholder 2"/>
+          <p:cNvPr id="1927502478" name="Notes Placeholder 2"/>
           <p:cNvSpPr>
             <a:spLocks noGrp="1"/>
           </p:cNvSpPr>
@@ -1654,7 +1654,7 @@
       </p:sp>
       <p:sp>
         <p:nvSpPr>
-          <p:cNvPr id="1267567028" name="Slide Number Placeholder 3"/>
+          <p:cNvPr id="960029615" name="Slide Number Placeholder 3"/>
           <p:cNvSpPr>
             <a:spLocks noGrp="1"/>
           </p:cNvSpPr>
@@ -1702,7 +1702,7 @@
       </p:grpSpPr>
       <p:sp>
         <p:nvSpPr>
-          <p:cNvPr id="1327664693" name="Slide Image Placeholder 1"/>
+          <p:cNvPr id="1765407333" name="Slide Image Placeholder 1"/>
           <p:cNvSpPr>
             <a:spLocks noChangeAspect="1" noGrp="1" noRot="1"/>
           </p:cNvSpPr>
@@ -1714,7 +1714,7 @@
       </p:sp>
       <p:sp>
         <p:nvSpPr>
-          <p:cNvPr id="1306024308" name="Notes Placeholder 2"/>
+          <p:cNvPr id="1412069554" name="Notes Placeholder 2"/>
           <p:cNvSpPr>
             <a:spLocks noGrp="1"/>
           </p:cNvSpPr>
@@ -1736,7 +1736,7 @@
       </p:sp>
       <p:sp>
         <p:nvSpPr>
-          <p:cNvPr id="1384193437" name="Slide Number Placeholder 3"/>
+          <p:cNvPr id="1913588535" name="Slide Number Placeholder 3"/>
           <p:cNvSpPr>
             <a:spLocks noGrp="1"/>
           </p:cNvSpPr>
@@ -1784,7 +1784,7 @@
       </p:grpSpPr>
       <p:sp>
         <p:nvSpPr>
-          <p:cNvPr id="1994082840" name="Slide Image Placeholder 1"/>
+          <p:cNvPr id="1861171355" name="Slide Image Placeholder 1"/>
           <p:cNvSpPr>
             <a:spLocks noChangeAspect="1" noGrp="1" noRot="1"/>
           </p:cNvSpPr>
@@ -1796,7 +1796,7 @@
       </p:sp>
       <p:sp>
         <p:nvSpPr>
-          <p:cNvPr id="392366330" name="Notes Placeholder 2"/>
+          <p:cNvPr id="1336954938" name="Notes Placeholder 2"/>
           <p:cNvSpPr>
             <a:spLocks noGrp="1"/>
           </p:cNvSpPr>
@@ -1818,7 +1818,7 @@
       </p:sp>
       <p:sp>
         <p:nvSpPr>
-          <p:cNvPr id="13358438" name="Slide Number Placeholder 3"/>
+          <p:cNvPr id="1774938643" name="Slide Number Placeholder 3"/>
           <p:cNvSpPr>
             <a:spLocks noGrp="1"/>
           </p:cNvSpPr>
@@ -1866,7 +1866,7 @@
       </p:grpSpPr>
       <p:sp>
         <p:nvSpPr>
-          <p:cNvPr id="1910040611" name="Slide Image Placeholder 1"/>
+          <p:cNvPr id="93504098" name="Slide Image Placeholder 1"/>
           <p:cNvSpPr>
             <a:spLocks noChangeAspect="1" noGrp="1" noRot="1"/>
           </p:cNvSpPr>
@@ -1878,7 +1878,7 @@
       </p:sp>
       <p:sp>
         <p:nvSpPr>
-          <p:cNvPr id="2092320479" name="Notes Placeholder 2"/>
+          <p:cNvPr id="494256564" name="Notes Placeholder 2"/>
           <p:cNvSpPr>
             <a:spLocks noGrp="1"/>
           </p:cNvSpPr>
@@ -1900,7 +1900,7 @@
       </p:sp>
       <p:sp>
         <p:nvSpPr>
-          <p:cNvPr id="1499173943" name="Slide Number Placeholder 3"/>
+          <p:cNvPr id="1308272055" name="Slide Number Placeholder 3"/>
           <p:cNvSpPr>
             <a:spLocks noGrp="1"/>
           </p:cNvSpPr>
@@ -1948,7 +1948,7 @@
       </p:grpSpPr>
       <p:sp>
         <p:nvSpPr>
-          <p:cNvPr id="2133841820" name="Slide Image Placeholder 1"/>
+          <p:cNvPr id="26340326" name="Slide Image Placeholder 1"/>
           <p:cNvSpPr>
             <a:spLocks noChangeAspect="1" noGrp="1" noRot="1"/>
           </p:cNvSpPr>
@@ -1960,7 +1960,7 @@
       </p:sp>
       <p:sp>
         <p:nvSpPr>
-          <p:cNvPr id="1417533358" name="Notes Placeholder 2"/>
+          <p:cNvPr id="1691924279" name="Notes Placeholder 2"/>
           <p:cNvSpPr>
             <a:spLocks noGrp="1"/>
           </p:cNvSpPr>
@@ -1982,7 +1982,7 @@
       </p:sp>
       <p:sp>
         <p:nvSpPr>
-          <p:cNvPr id="974352799" name="Slide Number Placeholder 3"/>
+          <p:cNvPr id="1715903002" name="Slide Number Placeholder 3"/>
           <p:cNvSpPr>
             <a:spLocks noGrp="1"/>
           </p:cNvSpPr>
@@ -2440,7 +2440,7 @@
       </p:grpSpPr>
       <p:sp>
         <p:nvSpPr>
-          <p:cNvPr id="1741324203" name="Title 1"/>
+          <p:cNvPr id="641478345" name="Title 1"/>
           <p:cNvSpPr>
             <a:spLocks noGrp="1"/>
           </p:cNvSpPr>
@@ -2475,7 +2475,7 @@
       </p:sp>
       <p:sp>
         <p:nvSpPr>
-          <p:cNvPr id="1443123035" name="Subtitle 2"/>
+          <p:cNvPr id="2074280918" name="Subtitle 2"/>
           <p:cNvSpPr>
             <a:spLocks noGrp="1"/>
           </p:cNvSpPr>
@@ -2543,7 +2543,7 @@
       </p:sp>
       <p:sp>
         <p:nvSpPr>
-          <p:cNvPr id="2122613953" name="Date Placeholder 3"/>
+          <p:cNvPr id="291676308" name="Date Placeholder 3"/>
           <p:cNvSpPr>
             <a:spLocks noGrp="1"/>
           </p:cNvSpPr>
@@ -2569,7 +2569,7 @@
       </p:sp>
       <p:sp>
         <p:nvSpPr>
-          <p:cNvPr id="5891281" name="Footer Placeholder 4"/>
+          <p:cNvPr id="1417837334" name="Footer Placeholder 4"/>
           <p:cNvSpPr>
             <a:spLocks noGrp="1"/>
           </p:cNvSpPr>
@@ -2591,7 +2591,7 @@
       </p:sp>
       <p:sp>
         <p:nvSpPr>
-          <p:cNvPr id="2127061719" name="Slide Number Placeholder 5"/>
+          <p:cNvPr id="263216335" name="Slide Number Placeholder 5"/>
           <p:cNvSpPr>
             <a:spLocks noGrp="1"/>
           </p:cNvSpPr>
@@ -2642,7 +2642,7 @@
       </p:grpSpPr>
       <p:sp>
         <p:nvSpPr>
-          <p:cNvPr id="390039119" name="Title 1"/>
+          <p:cNvPr id="737114313" name="Title 1"/>
           <p:cNvSpPr>
             <a:spLocks noGrp="1"/>
           </p:cNvSpPr>
@@ -2668,7 +2668,7 @@
       </p:sp>
       <p:sp>
         <p:nvSpPr>
-          <p:cNvPr id="214411052" name="Vertical Text Placeholder 2"/>
+          <p:cNvPr id="1208268428" name="Vertical Text Placeholder 2"/>
           <p:cNvSpPr>
             <a:spLocks noGrp="1"/>
           </p:cNvSpPr>
@@ -2734,7 +2734,7 @@
       </p:sp>
       <p:sp>
         <p:nvSpPr>
-          <p:cNvPr id="1869076464" name="Date Placeholder 3"/>
+          <p:cNvPr id="531822092" name="Date Placeholder 3"/>
           <p:cNvSpPr>
             <a:spLocks noGrp="1"/>
           </p:cNvSpPr>
@@ -2760,7 +2760,7 @@
       </p:sp>
       <p:sp>
         <p:nvSpPr>
-          <p:cNvPr id="1884621469" name="Footer Placeholder 4"/>
+          <p:cNvPr id="238529782" name="Footer Placeholder 4"/>
           <p:cNvSpPr>
             <a:spLocks noGrp="1"/>
           </p:cNvSpPr>
@@ -2782,7 +2782,7 @@
       </p:sp>
       <p:sp>
         <p:nvSpPr>
-          <p:cNvPr id="1643865808" name="Slide Number Placeholder 5"/>
+          <p:cNvPr id="2068283532" name="Slide Number Placeholder 5"/>
           <p:cNvSpPr>
             <a:spLocks noGrp="1"/>
           </p:cNvSpPr>
@@ -2833,7 +2833,7 @@
       </p:grpSpPr>
       <p:sp>
         <p:nvSpPr>
-          <p:cNvPr id="1637119602" name="Vertical Title 1"/>
+          <p:cNvPr id="489614159" name="Vertical Title 1"/>
           <p:cNvSpPr>
             <a:spLocks noGrp="1"/>
           </p:cNvSpPr>
@@ -2864,7 +2864,7 @@
       </p:sp>
       <p:sp>
         <p:nvSpPr>
-          <p:cNvPr id="2054940128" name="Vertical Text Placeholder 2"/>
+          <p:cNvPr id="1114801188" name="Vertical Text Placeholder 2"/>
           <p:cNvSpPr>
             <a:spLocks noGrp="1"/>
           </p:cNvSpPr>
@@ -2935,7 +2935,7 @@
       </p:sp>
       <p:sp>
         <p:nvSpPr>
-          <p:cNvPr id="1886239478" name="Date Placeholder 3"/>
+          <p:cNvPr id="1334536162" name="Date Placeholder 3"/>
           <p:cNvSpPr>
             <a:spLocks noGrp="1"/>
           </p:cNvSpPr>
@@ -2961,7 +2961,7 @@
       </p:sp>
       <p:sp>
         <p:nvSpPr>
-          <p:cNvPr id="2089769413" name="Footer Placeholder 4"/>
+          <p:cNvPr id="1734693367" name="Footer Placeholder 4"/>
           <p:cNvSpPr>
             <a:spLocks noGrp="1"/>
           </p:cNvSpPr>
@@ -2983,7 +2983,7 @@
       </p:sp>
       <p:sp>
         <p:nvSpPr>
-          <p:cNvPr id="144125629" name="Slide Number Placeholder 5"/>
+          <p:cNvPr id="2021250060" name="Slide Number Placeholder 5"/>
           <p:cNvSpPr>
             <a:spLocks noGrp="1"/>
           </p:cNvSpPr>
@@ -3034,7 +3034,7 @@
       </p:grpSpPr>
       <p:sp>
         <p:nvSpPr>
-          <p:cNvPr id="248829562" name="Title 1"/>
+          <p:cNvPr id="1408622994" name="Title 1"/>
           <p:cNvSpPr>
             <a:spLocks noGrp="1"/>
           </p:cNvSpPr>
@@ -3060,7 +3060,7 @@
       </p:sp>
       <p:sp>
         <p:nvSpPr>
-          <p:cNvPr id="1855985814" name="Content Placeholder 2"/>
+          <p:cNvPr id="1134125629" name="Content Placeholder 2"/>
           <p:cNvSpPr>
             <a:spLocks noGrp="1"/>
           </p:cNvSpPr>
@@ -3126,7 +3126,7 @@
       </p:sp>
       <p:sp>
         <p:nvSpPr>
-          <p:cNvPr id="1077929654" name="Date Placeholder 3"/>
+          <p:cNvPr id="1589966683" name="Date Placeholder 3"/>
           <p:cNvSpPr>
             <a:spLocks noGrp="1"/>
           </p:cNvSpPr>
@@ -3152,7 +3152,7 @@
       </p:sp>
       <p:sp>
         <p:nvSpPr>
-          <p:cNvPr id="1857638581" name="Footer Placeholder 4"/>
+          <p:cNvPr id="1797141113" name="Footer Placeholder 4"/>
           <p:cNvSpPr>
             <a:spLocks noGrp="1"/>
           </p:cNvSpPr>
@@ -3174,7 +3174,7 @@
       </p:sp>
       <p:sp>
         <p:nvSpPr>
-          <p:cNvPr id="775813625" name="Slide Number Placeholder 5"/>
+          <p:cNvPr id="305028711" name="Slide Number Placeholder 5"/>
           <p:cNvSpPr>
             <a:spLocks noGrp="1"/>
           </p:cNvSpPr>
@@ -3225,7 +3225,7 @@
       </p:grpSpPr>
       <p:sp>
         <p:nvSpPr>
-          <p:cNvPr id="1047351936" name="Title 1"/>
+          <p:cNvPr id="684025818" name="Title 1"/>
           <p:cNvSpPr>
             <a:spLocks noGrp="1"/>
           </p:cNvSpPr>
@@ -3260,7 +3260,7 @@
       </p:sp>
       <p:sp>
         <p:nvSpPr>
-          <p:cNvPr id="1025252846" name="Text Placeholder 2"/>
+          <p:cNvPr id="2123170945" name="Text Placeholder 2"/>
           <p:cNvSpPr>
             <a:spLocks noGrp="1"/>
           </p:cNvSpPr>
@@ -3382,7 +3382,7 @@
       </p:sp>
       <p:sp>
         <p:nvSpPr>
-          <p:cNvPr id="1262206629" name="Date Placeholder 3"/>
+          <p:cNvPr id="1622748241" name="Date Placeholder 3"/>
           <p:cNvSpPr>
             <a:spLocks noGrp="1"/>
           </p:cNvSpPr>
@@ -3408,7 +3408,7 @@
       </p:sp>
       <p:sp>
         <p:nvSpPr>
-          <p:cNvPr id="628079336" name="Footer Placeholder 4"/>
+          <p:cNvPr id="77836713" name="Footer Placeholder 4"/>
           <p:cNvSpPr>
             <a:spLocks noGrp="1"/>
           </p:cNvSpPr>
@@ -3430,7 +3430,7 @@
       </p:sp>
       <p:sp>
         <p:nvSpPr>
-          <p:cNvPr id="1532820395" name="Slide Number Placeholder 5"/>
+          <p:cNvPr id="1436968799" name="Slide Number Placeholder 5"/>
           <p:cNvSpPr>
             <a:spLocks noGrp="1"/>
           </p:cNvSpPr>
@@ -3481,7 +3481,7 @@
       </p:grpSpPr>
       <p:sp>
         <p:nvSpPr>
-          <p:cNvPr id="937971257" name="Title 1"/>
+          <p:cNvPr id="1467493291" name="Title 1"/>
           <p:cNvSpPr>
             <a:spLocks noGrp="1"/>
           </p:cNvSpPr>
@@ -3507,7 +3507,7 @@
       </p:sp>
       <p:sp>
         <p:nvSpPr>
-          <p:cNvPr id="2039493164" name="Content Placeholder 2"/>
+          <p:cNvPr id="129120348" name="Content Placeholder 2"/>
           <p:cNvSpPr>
             <a:spLocks noGrp="1"/>
           </p:cNvSpPr>
@@ -3578,7 +3578,7 @@
       </p:sp>
       <p:sp>
         <p:nvSpPr>
-          <p:cNvPr id="1739841504" name="Content Placeholder 3"/>
+          <p:cNvPr id="1950748389" name="Content Placeholder 3"/>
           <p:cNvSpPr>
             <a:spLocks noGrp="1"/>
           </p:cNvSpPr>
@@ -3649,7 +3649,7 @@
       </p:sp>
       <p:sp>
         <p:nvSpPr>
-          <p:cNvPr id="936857805" name="Date Placeholder 4"/>
+          <p:cNvPr id="1367054119" name="Date Placeholder 4"/>
           <p:cNvSpPr>
             <a:spLocks noGrp="1"/>
           </p:cNvSpPr>
@@ -3675,7 +3675,7 @@
       </p:sp>
       <p:sp>
         <p:nvSpPr>
-          <p:cNvPr id="489755195" name="Footer Placeholder 5"/>
+          <p:cNvPr id="171464726" name="Footer Placeholder 5"/>
           <p:cNvSpPr>
             <a:spLocks noGrp="1"/>
           </p:cNvSpPr>
@@ -3697,7 +3697,7 @@
       </p:sp>
       <p:sp>
         <p:nvSpPr>
-          <p:cNvPr id="147470930" name="Slide Number Placeholder 6"/>
+          <p:cNvPr id="290877549" name="Slide Number Placeholder 6"/>
           <p:cNvSpPr>
             <a:spLocks noGrp="1"/>
           </p:cNvSpPr>
@@ -3748,7 +3748,7 @@
       </p:grpSpPr>
       <p:sp>
         <p:nvSpPr>
-          <p:cNvPr id="1057679885" name="Title 1"/>
+          <p:cNvPr id="2146344308" name="Title 1"/>
           <p:cNvSpPr>
             <a:spLocks noGrp="1"/>
           </p:cNvSpPr>
@@ -3779,7 +3779,7 @@
       </p:sp>
       <p:sp>
         <p:nvSpPr>
-          <p:cNvPr id="217115406" name="Text Placeholder 2"/>
+          <p:cNvPr id="1632286899" name="Text Placeholder 2"/>
           <p:cNvSpPr>
             <a:spLocks noGrp="1"/>
           </p:cNvSpPr>
@@ -3847,7 +3847,7 @@
       </p:sp>
       <p:sp>
         <p:nvSpPr>
-          <p:cNvPr id="348093921" name="Content Placeholder 3"/>
+          <p:cNvPr id="1808612759" name="Content Placeholder 3"/>
           <p:cNvSpPr>
             <a:spLocks noGrp="1"/>
           </p:cNvSpPr>
@@ -3918,7 +3918,7 @@
       </p:sp>
       <p:sp>
         <p:nvSpPr>
-          <p:cNvPr id="818169141" name="Text Placeholder 4"/>
+          <p:cNvPr id="1765423050" name="Text Placeholder 4"/>
           <p:cNvSpPr>
             <a:spLocks noGrp="1"/>
           </p:cNvSpPr>
@@ -3986,7 +3986,7 @@
       </p:sp>
       <p:sp>
         <p:nvSpPr>
-          <p:cNvPr id="973726257" name="Content Placeholder 5"/>
+          <p:cNvPr id="979791431" name="Content Placeholder 5"/>
           <p:cNvSpPr>
             <a:spLocks noGrp="1"/>
           </p:cNvSpPr>
@@ -4057,7 +4057,7 @@
       </p:sp>
       <p:sp>
         <p:nvSpPr>
-          <p:cNvPr id="1864778130" name="Date Placeholder 6"/>
+          <p:cNvPr id="1122891703" name="Date Placeholder 6"/>
           <p:cNvSpPr>
             <a:spLocks noGrp="1"/>
           </p:cNvSpPr>
@@ -4083,7 +4083,7 @@
       </p:sp>
       <p:sp>
         <p:nvSpPr>
-          <p:cNvPr id="720433724" name="Footer Placeholder 7"/>
+          <p:cNvPr id="1346540129" name="Footer Placeholder 7"/>
           <p:cNvSpPr>
             <a:spLocks noGrp="1"/>
           </p:cNvSpPr>
@@ -4105,7 +4105,7 @@
       </p:sp>
       <p:sp>
         <p:nvSpPr>
-          <p:cNvPr id="1222578460" name="Slide Number Placeholder 8"/>
+          <p:cNvPr id="1519901340" name="Slide Number Placeholder 8"/>
           <p:cNvSpPr>
             <a:spLocks noGrp="1"/>
           </p:cNvSpPr>
@@ -4156,7 +4156,7 @@
       </p:grpSpPr>
       <p:sp>
         <p:nvSpPr>
-          <p:cNvPr id="1317149704" name="Title 1"/>
+          <p:cNvPr id="1726168708" name="Title 1"/>
           <p:cNvSpPr>
             <a:spLocks noGrp="1"/>
           </p:cNvSpPr>
@@ -4182,7 +4182,7 @@
       </p:sp>
       <p:sp>
         <p:nvSpPr>
-          <p:cNvPr id="86695845" name="Date Placeholder 2"/>
+          <p:cNvPr id="571946827" name="Date Placeholder 2"/>
           <p:cNvSpPr>
             <a:spLocks noGrp="1"/>
           </p:cNvSpPr>
@@ -4208,7 +4208,7 @@
       </p:sp>
       <p:sp>
         <p:nvSpPr>
-          <p:cNvPr id="1118606197" name="Footer Placeholder 3"/>
+          <p:cNvPr id="371886782" name="Footer Placeholder 3"/>
           <p:cNvSpPr>
             <a:spLocks noGrp="1"/>
           </p:cNvSpPr>
@@ -4230,7 +4230,7 @@
       </p:sp>
       <p:sp>
         <p:nvSpPr>
-          <p:cNvPr id="1949068881" name="Slide Number Placeholder 4"/>
+          <p:cNvPr id="390389839" name="Slide Number Placeholder 4"/>
           <p:cNvSpPr>
             <a:spLocks noGrp="1"/>
           </p:cNvSpPr>
@@ -4281,7 +4281,7 @@
       </p:grpSpPr>
       <p:sp>
         <p:nvSpPr>
-          <p:cNvPr id="822610991" name="Date Placeholder 1"/>
+          <p:cNvPr id="1265213969" name="Date Placeholder 1"/>
           <p:cNvSpPr>
             <a:spLocks noGrp="1"/>
           </p:cNvSpPr>
@@ -4307,7 +4307,7 @@
       </p:sp>
       <p:sp>
         <p:nvSpPr>
-          <p:cNvPr id="1888093641" name="Footer Placeholder 2"/>
+          <p:cNvPr id="1826917117" name="Footer Placeholder 2"/>
           <p:cNvSpPr>
             <a:spLocks noGrp="1"/>
           </p:cNvSpPr>
@@ -4329,7 +4329,7 @@
       </p:sp>
       <p:sp>
         <p:nvSpPr>
-          <p:cNvPr id="1276714189" name="Slide Number Placeholder 3"/>
+          <p:cNvPr id="582829216" name="Slide Number Placeholder 3"/>
           <p:cNvSpPr>
             <a:spLocks noGrp="1"/>
           </p:cNvSpPr>
@@ -4380,7 +4380,7 @@
       </p:grpSpPr>
       <p:sp>
         <p:nvSpPr>
-          <p:cNvPr id="1235078879" name="Title 1"/>
+          <p:cNvPr id="1567720615" name="Title 1"/>
           <p:cNvSpPr>
             <a:spLocks noGrp="1"/>
           </p:cNvSpPr>
@@ -4415,7 +4415,7 @@
       </p:sp>
       <p:sp>
         <p:nvSpPr>
-          <p:cNvPr id="1938384876" name="Content Placeholder 2"/>
+          <p:cNvPr id="1970591549" name="Content Placeholder 2"/>
           <p:cNvSpPr>
             <a:spLocks noGrp="1"/>
           </p:cNvSpPr>
@@ -4514,7 +4514,7 @@
       </p:sp>
       <p:sp>
         <p:nvSpPr>
-          <p:cNvPr id="1456402374" name="Text Placeholder 3"/>
+          <p:cNvPr id="980005271" name="Text Placeholder 3"/>
           <p:cNvSpPr>
             <a:spLocks noGrp="1"/>
           </p:cNvSpPr>
@@ -4582,7 +4582,7 @@
       </p:sp>
       <p:sp>
         <p:nvSpPr>
-          <p:cNvPr id="1767216112" name="Date Placeholder 4"/>
+          <p:cNvPr id="1195266433" name="Date Placeholder 4"/>
           <p:cNvSpPr>
             <a:spLocks noGrp="1"/>
           </p:cNvSpPr>
@@ -4608,7 +4608,7 @@
       </p:sp>
       <p:sp>
         <p:nvSpPr>
-          <p:cNvPr id="1414815406" name="Footer Placeholder 5"/>
+          <p:cNvPr id="332941987" name="Footer Placeholder 5"/>
           <p:cNvSpPr>
             <a:spLocks noGrp="1"/>
           </p:cNvSpPr>
@@ -4630,7 +4630,7 @@
       </p:sp>
       <p:sp>
         <p:nvSpPr>
-          <p:cNvPr id="1461896286" name="Slide Number Placeholder 6"/>
+          <p:cNvPr id="2098536218" name="Slide Number Placeholder 6"/>
           <p:cNvSpPr>
             <a:spLocks noGrp="1"/>
           </p:cNvSpPr>
@@ -4681,7 +4681,7 @@
       </p:grpSpPr>
       <p:sp>
         <p:nvSpPr>
-          <p:cNvPr id="647749018" name="Title 1"/>
+          <p:cNvPr id="809036109" name="Title 1"/>
           <p:cNvSpPr>
             <a:spLocks noGrp="1"/>
           </p:cNvSpPr>
@@ -4716,7 +4716,7 @@
       </p:sp>
       <p:sp>
         <p:nvSpPr>
-          <p:cNvPr id="1319072427" name="Picture Placeholder 2"/>
+          <p:cNvPr id="513598805" name="Picture Placeholder 2"/>
           <p:cNvSpPr>
             <a:spLocks noGrp="1"/>
           </p:cNvSpPr>
@@ -4780,7 +4780,7 @@
       </p:sp>
       <p:sp>
         <p:nvSpPr>
-          <p:cNvPr id="1127091066" name="Text Placeholder 3"/>
+          <p:cNvPr id="749337388" name="Text Placeholder 3"/>
           <p:cNvSpPr>
             <a:spLocks noGrp="1"/>
           </p:cNvSpPr>
@@ -4848,7 +4848,7 @@
       </p:sp>
       <p:sp>
         <p:nvSpPr>
-          <p:cNvPr id="1123015920" name="Date Placeholder 4"/>
+          <p:cNvPr id="134090712" name="Date Placeholder 4"/>
           <p:cNvSpPr>
             <a:spLocks noGrp="1"/>
           </p:cNvSpPr>
@@ -4874,7 +4874,7 @@
       </p:sp>
       <p:sp>
         <p:nvSpPr>
-          <p:cNvPr id="459041784" name="Footer Placeholder 5"/>
+          <p:cNvPr id="94786229" name="Footer Placeholder 5"/>
           <p:cNvSpPr>
             <a:spLocks noGrp="1"/>
           </p:cNvSpPr>
@@ -4896,7 +4896,7 @@
       </p:sp>
       <p:sp>
         <p:nvSpPr>
-          <p:cNvPr id="2028454651" name="Slide Number Placeholder 6"/>
+          <p:cNvPr id="1250601428" name="Slide Number Placeholder 6"/>
           <p:cNvSpPr>
             <a:spLocks noGrp="1"/>
           </p:cNvSpPr>
@@ -4952,7 +4952,7 @@
       </p:grpSpPr>
       <p:sp>
         <p:nvSpPr>
-          <p:cNvPr id="1775742251" name="Title Placeholder 1"/>
+          <p:cNvPr id="1347348241" name="Title Placeholder 1"/>
           <p:cNvSpPr>
             <a:spLocks noGrp="1"/>
           </p:cNvSpPr>
@@ -4988,7 +4988,7 @@
       </p:sp>
       <p:sp>
         <p:nvSpPr>
-          <p:cNvPr id="1941576123" name="Text Placeholder 2"/>
+          <p:cNvPr id="439718116" name="Text Placeholder 2"/>
           <p:cNvSpPr>
             <a:spLocks noGrp="1"/>
           </p:cNvSpPr>
@@ -5064,7 +5064,7 @@
       </p:sp>
       <p:sp>
         <p:nvSpPr>
-          <p:cNvPr id="67085993" name="Date Placeholder 3"/>
+          <p:cNvPr id="65480294" name="Date Placeholder 3"/>
           <p:cNvSpPr>
             <a:spLocks noGrp="1"/>
           </p:cNvSpPr>
@@ -5108,7 +5108,7 @@
       </p:sp>
       <p:sp>
         <p:nvSpPr>
-          <p:cNvPr id="309026712" name="Footer Placeholder 4"/>
+          <p:cNvPr id="765570991" name="Footer Placeholder 4"/>
           <p:cNvSpPr>
             <a:spLocks noGrp="1"/>
           </p:cNvSpPr>
@@ -5148,7 +5148,7 @@
       </p:sp>
       <p:sp>
         <p:nvSpPr>
-          <p:cNvPr id="168914577" name="Slide Number Placeholder 5"/>
+          <p:cNvPr id="356143454" name="Slide Number Placeholder 5"/>
           <p:cNvSpPr>
             <a:spLocks noGrp="1"/>
           </p:cNvSpPr>
@@ -5515,7 +5515,7 @@
       </p:grpSpPr>
       <p:sp>
         <p:nvSpPr>
-          <p:cNvPr id="1666743441" name="Title 1"/>
+          <p:cNvPr id="1667163504" name="Title 1"/>
           <p:cNvSpPr>
             <a:spLocks noGrp="1"/>
           </p:cNvSpPr>
@@ -5550,7 +5550,7 @@
       </p:sp>
       <p:sp>
         <p:nvSpPr>
-          <p:cNvPr id="655036727" name="Subtitle 2"/>
+          <p:cNvPr id="822787633" name="Subtitle 2"/>
           <p:cNvSpPr>
             <a:spLocks noGrp="1"/>
           </p:cNvSpPr>
@@ -5733,7 +5733,7 @@
       </p:sp>
       <p:pic>
         <p:nvPicPr>
-          <p:cNvPr id="490581931" name="Picture 3"/>
+          <p:cNvPr id="832058960" name="Picture 3"/>
           <p:cNvPicPr>
             <a:picLocks noChangeAspect="1"/>
           </p:cNvPicPr>
@@ -9171,7 +9171,7 @@
       </p:grpSpPr>
       <p:sp>
         <p:nvSpPr>
-          <p:cNvPr id="1875451529" name="Title 1"/>
+          <p:cNvPr id="121317270" name="Title 1"/>
           <p:cNvSpPr>
             <a:spLocks noGrp="1"/>
           </p:cNvSpPr>
@@ -9211,7 +9211,7 @@
       </p:sp>
       <p:sp>
         <p:nvSpPr>
-          <p:cNvPr id="1900952768" name="Content Placeholder 2"/>
+          <p:cNvPr id="1720896823" name="Content Placeholder 2"/>
           <p:cNvSpPr>
             <a:spLocks noGrp="1"/>
           </p:cNvSpPr>
@@ -9516,7 +9516,7 @@
       </p:sp>
       <p:pic>
         <p:nvPicPr>
-          <p:cNvPr id="1302965780" name="Picture 3"/>
+          <p:cNvPr id="1102610361" name="Picture 3"/>
           <p:cNvPicPr>
             <a:picLocks noChangeAspect="1"/>
           </p:cNvPicPr>
@@ -9906,7 +9906,7 @@
       </p:grpSpPr>
       <p:sp>
         <p:nvSpPr>
-          <p:cNvPr id="1411502253" name="Title 1"/>
+          <p:cNvPr id="1008314179" name="Title 1"/>
           <p:cNvSpPr>
             <a:spLocks noGrp="1"/>
           </p:cNvSpPr>
@@ -9946,7 +9946,7 @@
       </p:sp>
       <p:sp>
         <p:nvSpPr>
-          <p:cNvPr id="695763577" name="Content Placeholder 2"/>
+          <p:cNvPr id="630741570" name="Content Placeholder 2"/>
           <p:cNvSpPr>
             <a:spLocks noGrp="1"/>
           </p:cNvSpPr>
@@ -10012,7 +10012,7 @@
       </p:sp>
       <p:pic>
         <p:nvPicPr>
-          <p:cNvPr id="441025818" name="Picture 3"/>
+          <p:cNvPr id="2016858145" name="Picture 3"/>
           <p:cNvPicPr>
             <a:picLocks noChangeAspect="1"/>
           </p:cNvPicPr>
@@ -10034,7 +10034,7 @@
       </p:pic>
       <p:graphicFrame>
         <p:nvGraphicFramePr>
-          <p:cNvPr id="880251176" name=""/>
+          <p:cNvPr id="649575991" name=""/>
           <p:cNvGraphicFramePr>
             <a:graphicFrameLocks xmlns:a="http://schemas.openxmlformats.org/drawingml/2006/main"/>
           </p:cNvGraphicFramePr>
@@ -11357,7 +11357,7 @@
       </p:grpSpPr>
       <p:sp>
         <p:nvSpPr>
-          <p:cNvPr id="1064983429" name="Title 1"/>
+          <p:cNvPr id="1717450292" name="Title 1"/>
           <p:cNvSpPr>
             <a:spLocks noGrp="1"/>
           </p:cNvSpPr>
@@ -11395,7 +11395,7 @@
       </p:sp>
       <p:sp>
         <p:nvSpPr>
-          <p:cNvPr id="2092676754" name="Content Placeholder 2"/>
+          <p:cNvPr id="282923642" name="Content Placeholder 2"/>
           <p:cNvSpPr>
             <a:spLocks noGrp="1"/>
           </p:cNvSpPr>
@@ -11649,7 +11649,7 @@
       </p:sp>
       <p:pic>
         <p:nvPicPr>
-          <p:cNvPr id="1818925633" name="Picture 3"/>
+          <p:cNvPr id="68711810" name="Picture 3"/>
           <p:cNvPicPr>
             <a:picLocks noChangeAspect="1"/>
           </p:cNvPicPr>
@@ -11671,7 +11671,7 @@
       </p:pic>
       <p:sp>
         <p:nvSpPr>
-          <p:cNvPr id="122966354" name=""/>
+          <p:cNvPr id="795196045" name=""/>
           <p:cNvSpPr txBox="1"/>
           <p:nvPr/>
         </p:nvSpPr>
@@ -11699,7 +11699,7 @@
       </p:sp>
       <p:pic>
         <p:nvPicPr>
-          <p:cNvPr id="1869373925" name=""/>
+          <p:cNvPr id="274255101" name=""/>
           <p:cNvPicPr>
             <a:picLocks noChangeAspect="1"/>
           </p:cNvPicPr>
@@ -11761,7 +11761,7 @@
       </p:grpSpPr>
       <p:sp>
         <p:nvSpPr>
-          <p:cNvPr id="1459878268" name="Title 1"/>
+          <p:cNvPr id="1815508960" name="Title 1"/>
           <p:cNvSpPr>
             <a:spLocks noGrp="1"/>
           </p:cNvSpPr>
@@ -11799,7 +11799,7 @@
       </p:sp>
       <p:sp>
         <p:nvSpPr>
-          <p:cNvPr id="793510178" name="Content Placeholder 2"/>
+          <p:cNvPr id="257511806" name="Content Placeholder 2"/>
           <p:cNvSpPr>
             <a:spLocks noGrp="1"/>
           </p:cNvSpPr>
@@ -12250,7 +12250,7 @@
       </p:sp>
       <p:pic>
         <p:nvPicPr>
-          <p:cNvPr id="210720820" name="Picture 3"/>
+          <p:cNvPr id="375698662" name="Picture 3"/>
           <p:cNvPicPr>
             <a:picLocks noChangeAspect="1"/>
           </p:cNvPicPr>
@@ -12272,7 +12272,7 @@
       </p:pic>
       <p:sp>
         <p:nvSpPr>
-          <p:cNvPr id="1192051433" name=""/>
+          <p:cNvPr id="2046003631" name=""/>
           <p:cNvSpPr txBox="1"/>
           <p:nvPr/>
         </p:nvSpPr>
@@ -12300,7 +12300,7 @@
       </p:sp>
       <p:sp>
         <p:nvSpPr>
-          <p:cNvPr id="720415093" name=""/>
+          <p:cNvPr id="1341695195" name=""/>
           <p:cNvSpPr txBox="1"/>
           <p:nvPr/>
         </p:nvSpPr>
@@ -12332,6 +12332,42 @@
                 <a:cs typeface="Times New Roman"/>
               </a:rPr>
               <a:t>Lesson Code – GitHub URL:</a:t>
+            </a:r>
+            <a:endParaRPr/>
+          </a:p>
+        </p:txBody>
+      </p:sp>
+      <p:sp>
+        <p:nvSpPr>
+          <p:cNvPr id="258553512" name=""/>
+          <p:cNvSpPr txBox="1"/>
+          <p:nvPr/>
+        </p:nvSpPr>
+        <p:spPr bwMode="auto">
+          <a:xfrm flipH="0" flipV="0">
+            <a:off x="4351745" y="6173767"/>
+            <a:ext cx="7276086" cy="640440"/>
+          </a:xfrm>
+          <a:prstGeom prst="rect">
+            <a:avLst/>
+          </a:prstGeom>
+          <a:noFill/>
+        </p:spPr>
+        <p:txBody>
+          <a:bodyPr vertOverflow="overflow" horzOverflow="overflow" vert="horz" wrap="square" lIns="91440" tIns="45720" rIns="91440" bIns="45720" numCol="1" spcCol="0" rtlCol="0" fromWordArt="0" anchor="t" anchorCtr="0" forceAA="0" upright="0" compatLnSpc="0">
+            <a:spAutoFit/>
+          </a:bodyPr>
+          <a:p>
+            <a:pPr algn="l">
+              <a:defRPr/>
+            </a:pPr>
+            <a:r>
+              <a:rPr>
+                <a:solidFill>
+                  <a:schemeClr val="bg1"/>
+                </a:solidFill>
+              </a:rPr>
+              <a:t>https://github.com/info-zas/zas-robotics-car-3-encoders-imu-gps/tree/main/01_FoundationProjects/10_Car-3_Sine_Trajectory</a:t>
             </a:r>
             <a:endParaRPr/>
           </a:p>
@@ -12379,7 +12415,7 @@
       </p:grpSpPr>
       <p:sp>
         <p:nvSpPr>
-          <p:cNvPr id="2074060562" name="Title 1"/>
+          <p:cNvPr id="1628688435" name="Title 1"/>
           <p:cNvSpPr>
             <a:spLocks noGrp="1"/>
           </p:cNvSpPr>
@@ -12414,7 +12450,7 @@
       </p:sp>
       <p:sp>
         <p:nvSpPr>
-          <p:cNvPr id="1944401055" name="Content Placeholder 2"/>
+          <p:cNvPr id="2014701037" name="Content Placeholder 2"/>
           <p:cNvSpPr>
             <a:spLocks noGrp="1"/>
           </p:cNvSpPr>
@@ -12496,7 +12532,7 @@
       </p:sp>
       <p:pic>
         <p:nvPicPr>
-          <p:cNvPr id="1325821606" name="Picture 3"/>
+          <p:cNvPr id="1420597050" name="Picture 3"/>
           <p:cNvPicPr>
             <a:picLocks noChangeAspect="1"/>
           </p:cNvPicPr>
@@ -12558,7 +12594,7 @@
       </p:grpSpPr>
       <p:sp>
         <p:nvSpPr>
-          <p:cNvPr id="602359250" name="Title 1"/>
+          <p:cNvPr id="419065916" name="Title 1"/>
           <p:cNvSpPr>
             <a:spLocks noGrp="1"/>
           </p:cNvSpPr>
@@ -12598,7 +12634,7 @@
       </p:sp>
       <p:sp>
         <p:nvSpPr>
-          <p:cNvPr id="1986723007" name="Content Placeholder 2"/>
+          <p:cNvPr id="1092693333" name="Content Placeholder 2"/>
           <p:cNvSpPr>
             <a:spLocks noGrp="1"/>
           </p:cNvSpPr>
@@ -12645,7 +12681,7 @@
       </p:sp>
       <p:pic>
         <p:nvPicPr>
-          <p:cNvPr id="1872324413" name="Picture 3"/>
+          <p:cNvPr id="80309166" name="Picture 3"/>
           <p:cNvPicPr>
             <a:picLocks noChangeAspect="1"/>
           </p:cNvPicPr>
@@ -12667,7 +12703,7 @@
       </p:pic>
       <p:pic>
         <p:nvPicPr>
-          <p:cNvPr id="268171711" name=""/>
+          <p:cNvPr id="1466744258" name=""/>
           <p:cNvPicPr>
             <a:picLocks noChangeAspect="1"/>
           </p:cNvPicPr>
@@ -12689,7 +12725,7 @@
       </p:pic>
       <p:sp>
         <p:nvSpPr>
-          <p:cNvPr id="1445399726" name=""/>
+          <p:cNvPr id="891797594" name=""/>
           <p:cNvSpPr/>
           <p:nvPr/>
         </p:nvSpPr>
@@ -12724,7 +12760,7 @@
       </p:sp>
       <p:pic>
         <p:nvPicPr>
-          <p:cNvPr id="585568180" name=""/>
+          <p:cNvPr id="1170212665" name=""/>
           <p:cNvPicPr>
             <a:picLocks noChangeAspect="1"/>
           </p:cNvPicPr>
@@ -12786,7 +12822,7 @@
       </p:grpSpPr>
       <p:sp>
         <p:nvSpPr>
-          <p:cNvPr id="1796337694" name="Title 1"/>
+          <p:cNvPr id="1161213594" name="Title 1"/>
           <p:cNvSpPr>
             <a:spLocks noGrp="1"/>
           </p:cNvSpPr>
@@ -12826,7 +12862,7 @@
       </p:sp>
       <p:sp>
         <p:nvSpPr>
-          <p:cNvPr id="1584003358" name="Content Placeholder 2"/>
+          <p:cNvPr id="1074141751" name="Content Placeholder 2"/>
           <p:cNvSpPr>
             <a:spLocks noGrp="1"/>
           </p:cNvSpPr>
@@ -13111,7 +13147,7 @@
       </p:sp>
       <p:pic>
         <p:nvPicPr>
-          <p:cNvPr id="1793503842" name="Picture 3"/>
+          <p:cNvPr id="1268797769" name="Picture 3"/>
           <p:cNvPicPr>
             <a:picLocks noChangeAspect="1"/>
           </p:cNvPicPr>

--- a/01_FoundationProjects/10_Car-3_Sine_Trajectory/10_Car-3_Sine_Trajectory.pptx
+++ b/01_FoundationProjects/10_Car-3_Sine_Trajectory/10_Car-3_Sine_Trajectory.pptx
@@ -157,7 +157,7 @@
       </p:grpSpPr>
       <p:sp>
         <p:nvSpPr>
-          <p:cNvPr id="871070545" name="Header Placeholder 1"/>
+          <p:cNvPr id="130867614" name="Header Placeholder 1"/>
           <p:cNvSpPr>
             <a:spLocks noGrp="1"/>
           </p:cNvSpPr>
@@ -191,7 +191,7 @@
       </p:sp>
       <p:sp>
         <p:nvSpPr>
-          <p:cNvPr id="680065948" name="Date Placeholder 2"/>
+          <p:cNvPr id="451336516" name="Date Placeholder 2"/>
           <p:cNvSpPr>
             <a:spLocks noGrp="1"/>
           </p:cNvSpPr>
@@ -225,7 +225,7 @@
       </p:sp>
       <p:sp>
         <p:nvSpPr>
-          <p:cNvPr id="1024116491" name="Date Placeholder 2"/>
+          <p:cNvPr id="1400624009" name="Date Placeholder 2"/>
           <p:cNvSpPr>
             <a:spLocks noGrp="1"/>
           </p:cNvSpPr>
@@ -259,7 +259,7 @@
       </p:sp>
       <p:sp>
         <p:nvSpPr>
-          <p:cNvPr id="892110928" name="Notes Placeholder 4"/>
+          <p:cNvPr id="1288001763" name="Notes Placeholder 4"/>
           <p:cNvSpPr>
             <a:spLocks noGrp="1"/>
           </p:cNvSpPr>
@@ -289,7 +289,7 @@
       </p:sp>
       <p:sp>
         <p:nvSpPr>
-          <p:cNvPr id="547992348" name="Footer Placeholder 5"/>
+          <p:cNvPr id="996320706" name="Footer Placeholder 5"/>
           <p:cNvSpPr>
             <a:spLocks noGrp="1"/>
           </p:cNvSpPr>
@@ -323,7 +323,7 @@
       </p:sp>
       <p:sp>
         <p:nvSpPr>
-          <p:cNvPr id="1422297030" name="Slide Number Placeholder 6"/>
+          <p:cNvPr id="784723513" name="Slide Number Placeholder 6"/>
           <p:cNvSpPr>
             <a:spLocks noGrp="1"/>
           </p:cNvSpPr>
@@ -472,7 +472,7 @@
       </p:grpSpPr>
       <p:sp>
         <p:nvSpPr>
-          <p:cNvPr id="223708460" name="Slide Image Placeholder 1"/>
+          <p:cNvPr id="721586286" name="Slide Image Placeholder 1"/>
           <p:cNvSpPr>
             <a:spLocks noChangeAspect="1" noGrp="1" noRot="1"/>
           </p:cNvSpPr>
@@ -484,7 +484,7 @@
       </p:sp>
       <p:sp>
         <p:nvSpPr>
-          <p:cNvPr id="491065941" name="Notes Placeholder 2"/>
+          <p:cNvPr id="561591725" name="Notes Placeholder 2"/>
           <p:cNvSpPr>
             <a:spLocks noGrp="1"/>
           </p:cNvSpPr>
@@ -506,7 +506,7 @@
       </p:sp>
       <p:sp>
         <p:nvSpPr>
-          <p:cNvPr id="115231372" name="Slide Number Placeholder 3"/>
+          <p:cNvPr id="577519494" name="Slide Number Placeholder 3"/>
           <p:cNvSpPr>
             <a:spLocks noGrp="1"/>
           </p:cNvSpPr>
@@ -554,7 +554,7 @@
       </p:grpSpPr>
       <p:sp>
         <p:nvSpPr>
-          <p:cNvPr id="494886671" name="Slide Image Placeholder 1"/>
+          <p:cNvPr id="477490453" name="Slide Image Placeholder 1"/>
           <p:cNvSpPr>
             <a:spLocks noChangeAspect="1" noGrp="1" noRot="1"/>
           </p:cNvSpPr>
@@ -566,7 +566,7 @@
       </p:sp>
       <p:sp>
         <p:nvSpPr>
-          <p:cNvPr id="1465103833" name="Notes Placeholder 2"/>
+          <p:cNvPr id="1794095659" name="Notes Placeholder 2"/>
           <p:cNvSpPr>
             <a:spLocks noGrp="1"/>
           </p:cNvSpPr>
@@ -588,7 +588,7 @@
       </p:sp>
       <p:sp>
         <p:nvSpPr>
-          <p:cNvPr id="1504708103" name="Slide Number Placeholder 3"/>
+          <p:cNvPr id="1567355263" name="Slide Number Placeholder 3"/>
           <p:cNvSpPr>
             <a:spLocks noGrp="1"/>
           </p:cNvSpPr>
@@ -604,7 +604,7 @@
             <a:pPr>
               <a:defRPr/>
             </a:pPr>
-            <a:fld id="{AAD4A0DB-7BA5-FE0E-8545-FD5BAC9C800B}" type="slidenum">
+            <a:fld id="{8729C0BF-D5C8-4209-972E-D3A8C8BFF8B3}" type="slidenum">
               <a:rPr/>
               <a:t/>
             </a:fld>
@@ -636,7 +636,7 @@
       </p:grpSpPr>
       <p:sp>
         <p:nvSpPr>
-          <p:cNvPr id="1755632328" name="Slide Image Placeholder 1"/>
+          <p:cNvPr id="494886671" name="Slide Image Placeholder 1"/>
           <p:cNvSpPr>
             <a:spLocks noChangeAspect="1" noGrp="1" noRot="1"/>
           </p:cNvSpPr>
@@ -648,7 +648,7 @@
       </p:sp>
       <p:sp>
         <p:nvSpPr>
-          <p:cNvPr id="2069785109" name="Notes Placeholder 2"/>
+          <p:cNvPr id="1465103833" name="Notes Placeholder 2"/>
           <p:cNvSpPr>
             <a:spLocks noGrp="1"/>
           </p:cNvSpPr>
@@ -670,7 +670,7 @@
       </p:sp>
       <p:sp>
         <p:nvSpPr>
-          <p:cNvPr id="773532275" name="Slide Number Placeholder 3"/>
+          <p:cNvPr id="1504708103" name="Slide Number Placeholder 3"/>
           <p:cNvSpPr>
             <a:spLocks noGrp="1"/>
           </p:cNvSpPr>
@@ -686,7 +686,7 @@
             <a:pPr>
               <a:defRPr/>
             </a:pPr>
-            <a:fld id="{ABBD2B82-E452-9945-0478-D5B027D87ACE}" type="slidenum">
+            <a:fld id="{AAD4A0DB-7BA5-FE0E-8545-FD5BAC9C800B}" type="slidenum">
               <a:rPr/>
               <a:t/>
             </a:fld>
@@ -718,7 +718,7 @@
       </p:grpSpPr>
       <p:sp>
         <p:nvSpPr>
-          <p:cNvPr id="1259973911" name="Slide Image Placeholder 1"/>
+          <p:cNvPr id="1755632328" name="Slide Image Placeholder 1"/>
           <p:cNvSpPr>
             <a:spLocks noChangeAspect="1" noGrp="1" noRot="1"/>
           </p:cNvSpPr>
@@ -730,7 +730,7 @@
       </p:sp>
       <p:sp>
         <p:nvSpPr>
-          <p:cNvPr id="1873308496" name="Notes Placeholder 2"/>
+          <p:cNvPr id="2069785109" name="Notes Placeholder 2"/>
           <p:cNvSpPr>
             <a:spLocks noGrp="1"/>
           </p:cNvSpPr>
@@ -752,7 +752,7 @@
       </p:sp>
       <p:sp>
         <p:nvSpPr>
-          <p:cNvPr id="869832387" name="Slide Number Placeholder 3"/>
+          <p:cNvPr id="773532275" name="Slide Number Placeholder 3"/>
           <p:cNvSpPr>
             <a:spLocks noGrp="1"/>
           </p:cNvSpPr>
@@ -768,7 +768,7 @@
             <a:pPr>
               <a:defRPr/>
             </a:pPr>
-            <a:fld id="{331F02C7-66EF-9298-1637-34F11E67DF66}" type="slidenum">
+            <a:fld id="{ABBD2B82-E452-9945-0478-D5B027D87ACE}" type="slidenum">
               <a:rPr/>
               <a:t/>
             </a:fld>
@@ -800,7 +800,7 @@
       </p:grpSpPr>
       <p:sp>
         <p:nvSpPr>
-          <p:cNvPr id="840786684" name="Slide Image Placeholder 1"/>
+          <p:cNvPr id="1259973911" name="Slide Image Placeholder 1"/>
           <p:cNvSpPr>
             <a:spLocks noChangeAspect="1" noGrp="1" noRot="1"/>
           </p:cNvSpPr>
@@ -812,7 +812,7 @@
       </p:sp>
       <p:sp>
         <p:nvSpPr>
-          <p:cNvPr id="1854427199" name="Notes Placeholder 2"/>
+          <p:cNvPr id="1873308496" name="Notes Placeholder 2"/>
           <p:cNvSpPr>
             <a:spLocks noGrp="1"/>
           </p:cNvSpPr>
@@ -834,7 +834,7 @@
       </p:sp>
       <p:sp>
         <p:nvSpPr>
-          <p:cNvPr id="1723315315" name="Slide Number Placeholder 3"/>
+          <p:cNvPr id="869832387" name="Slide Number Placeholder 3"/>
           <p:cNvSpPr>
             <a:spLocks noGrp="1"/>
           </p:cNvSpPr>
@@ -850,7 +850,7 @@
             <a:pPr>
               <a:defRPr/>
             </a:pPr>
-            <a:fld id="{4797D102-083D-4227-7887-7586DD412EB6}" type="slidenum">
+            <a:fld id="{331F02C7-66EF-9298-1637-34F11E67DF66}" type="slidenum">
               <a:rPr/>
               <a:t/>
             </a:fld>
@@ -882,7 +882,7 @@
       </p:grpSpPr>
       <p:sp>
         <p:nvSpPr>
-          <p:cNvPr id="241254812" name="Slide Image Placeholder 1"/>
+          <p:cNvPr id="840786684" name="Slide Image Placeholder 1"/>
           <p:cNvSpPr>
             <a:spLocks noChangeAspect="1" noGrp="1" noRot="1"/>
           </p:cNvSpPr>
@@ -894,7 +894,7 @@
       </p:sp>
       <p:sp>
         <p:nvSpPr>
-          <p:cNvPr id="1777137938" name="Notes Placeholder 2"/>
+          <p:cNvPr id="1854427199" name="Notes Placeholder 2"/>
           <p:cNvSpPr>
             <a:spLocks noGrp="1"/>
           </p:cNvSpPr>
@@ -916,7 +916,7 @@
       </p:sp>
       <p:sp>
         <p:nvSpPr>
-          <p:cNvPr id="169098714" name="Slide Number Placeholder 3"/>
+          <p:cNvPr id="1723315315" name="Slide Number Placeholder 3"/>
           <p:cNvSpPr>
             <a:spLocks noGrp="1"/>
           </p:cNvSpPr>
@@ -932,7 +932,7 @@
             <a:pPr>
               <a:defRPr/>
             </a:pPr>
-            <a:fld id="{A808EA2D-6B47-7419-5E9D-09CACAFCA9BE}" type="slidenum">
+            <a:fld id="{4797D102-083D-4227-7887-7586DD412EB6}" type="slidenum">
               <a:rPr/>
               <a:t/>
             </a:fld>
@@ -964,7 +964,7 @@
       </p:grpSpPr>
       <p:sp>
         <p:nvSpPr>
-          <p:cNvPr id="1738065248" name="Slide Image Placeholder 1"/>
+          <p:cNvPr id="241254812" name="Slide Image Placeholder 1"/>
           <p:cNvSpPr>
             <a:spLocks noChangeAspect="1" noGrp="1" noRot="1"/>
           </p:cNvSpPr>
@@ -976,7 +976,7 @@
       </p:sp>
       <p:sp>
         <p:nvSpPr>
-          <p:cNvPr id="154280233" name="Notes Placeholder 2"/>
+          <p:cNvPr id="1777137938" name="Notes Placeholder 2"/>
           <p:cNvSpPr>
             <a:spLocks noGrp="1"/>
           </p:cNvSpPr>
@@ -998,7 +998,7 @@
       </p:sp>
       <p:sp>
         <p:nvSpPr>
-          <p:cNvPr id="231899487" name="Slide Number Placeholder 3"/>
+          <p:cNvPr id="169098714" name="Slide Number Placeholder 3"/>
           <p:cNvSpPr>
             <a:spLocks noGrp="1"/>
           </p:cNvSpPr>
@@ -1014,7 +1014,7 @@
             <a:pPr>
               <a:defRPr/>
             </a:pPr>
-            <a:fld id="{F298B37C-71D4-B5E4-1529-50BBDA733E75}" type="slidenum">
+            <a:fld id="{A808EA2D-6B47-7419-5E9D-09CACAFCA9BE}" type="slidenum">
               <a:rPr/>
               <a:t/>
             </a:fld>
@@ -1046,7 +1046,7 @@
       </p:grpSpPr>
       <p:sp>
         <p:nvSpPr>
-          <p:cNvPr id="874916700" name="Slide Image Placeholder 1"/>
+          <p:cNvPr id="1738065248" name="Slide Image Placeholder 1"/>
           <p:cNvSpPr>
             <a:spLocks noChangeAspect="1" noGrp="1" noRot="1"/>
           </p:cNvSpPr>
@@ -1058,7 +1058,7 @@
       </p:sp>
       <p:sp>
         <p:nvSpPr>
-          <p:cNvPr id="547163934" name="Notes Placeholder 2"/>
+          <p:cNvPr id="154280233" name="Notes Placeholder 2"/>
           <p:cNvSpPr>
             <a:spLocks noGrp="1"/>
           </p:cNvSpPr>
@@ -1080,7 +1080,7 @@
       </p:sp>
       <p:sp>
         <p:nvSpPr>
-          <p:cNvPr id="1899341574" name="Slide Number Placeholder 3"/>
+          <p:cNvPr id="231899487" name="Slide Number Placeholder 3"/>
           <p:cNvSpPr>
             <a:spLocks noGrp="1"/>
           </p:cNvSpPr>
@@ -1096,7 +1096,7 @@
             <a:pPr>
               <a:defRPr/>
             </a:pPr>
-            <a:fld id="{ED3F3C90-E6E5-3CAC-9DF6-C786B42DCDC7}" type="slidenum">
+            <a:fld id="{F298B37C-71D4-B5E4-1529-50BBDA733E75}" type="slidenum">
               <a:rPr/>
               <a:t/>
             </a:fld>
@@ -1128,7 +1128,7 @@
       </p:grpSpPr>
       <p:sp>
         <p:nvSpPr>
-          <p:cNvPr id="2047071095" name="Slide Image Placeholder 1"/>
+          <p:cNvPr id="874916700" name="Slide Image Placeholder 1"/>
           <p:cNvSpPr>
             <a:spLocks noChangeAspect="1" noGrp="1" noRot="1"/>
           </p:cNvSpPr>
@@ -1140,7 +1140,7 @@
       </p:sp>
       <p:sp>
         <p:nvSpPr>
-          <p:cNvPr id="456283127" name="Notes Placeholder 2"/>
+          <p:cNvPr id="547163934" name="Notes Placeholder 2"/>
           <p:cNvSpPr>
             <a:spLocks noGrp="1"/>
           </p:cNvSpPr>
@@ -1162,7 +1162,7 @@
       </p:sp>
       <p:sp>
         <p:nvSpPr>
-          <p:cNvPr id="1074410045" name="Slide Number Placeholder 3"/>
+          <p:cNvPr id="1899341574" name="Slide Number Placeholder 3"/>
           <p:cNvSpPr>
             <a:spLocks noGrp="1"/>
           </p:cNvSpPr>
@@ -1178,7 +1178,7 @@
             <a:pPr>
               <a:defRPr/>
             </a:pPr>
-            <a:fld id="{66ACBD03-6531-1035-48C0-B10690455162}" type="slidenum">
+            <a:fld id="{ED3F3C90-E6E5-3CAC-9DF6-C786B42DCDC7}" type="slidenum">
               <a:rPr/>
               <a:t/>
             </a:fld>
@@ -1210,7 +1210,7 @@
       </p:grpSpPr>
       <p:sp>
         <p:nvSpPr>
-          <p:cNvPr id="310157374" name="Slide Image Placeholder 1"/>
+          <p:cNvPr id="2047071095" name="Slide Image Placeholder 1"/>
           <p:cNvSpPr>
             <a:spLocks noChangeAspect="1" noGrp="1" noRot="1"/>
           </p:cNvSpPr>
@@ -1222,7 +1222,7 @@
       </p:sp>
       <p:sp>
         <p:nvSpPr>
-          <p:cNvPr id="1437930733" name="Notes Placeholder 2"/>
+          <p:cNvPr id="456283127" name="Notes Placeholder 2"/>
           <p:cNvSpPr>
             <a:spLocks noGrp="1"/>
           </p:cNvSpPr>
@@ -1244,7 +1244,7 @@
       </p:sp>
       <p:sp>
         <p:nvSpPr>
-          <p:cNvPr id="2007667555" name="Slide Number Placeholder 3"/>
+          <p:cNvPr id="1074410045" name="Slide Number Placeholder 3"/>
           <p:cNvSpPr>
             <a:spLocks noGrp="1"/>
           </p:cNvSpPr>
@@ -1260,7 +1260,7 @@
             <a:pPr>
               <a:defRPr/>
             </a:pPr>
-            <a:fld id="{8C1B827A-A340-72F5-3CC1-2751C20721E2}" type="slidenum">
+            <a:fld id="{66ACBD03-6531-1035-48C0-B10690455162}" type="slidenum">
               <a:rPr/>
               <a:t/>
             </a:fld>
@@ -1292,7 +1292,7 @@
       </p:grpSpPr>
       <p:sp>
         <p:nvSpPr>
-          <p:cNvPr id="1487310135" name="Slide Image Placeholder 1"/>
+          <p:cNvPr id="310157374" name="Slide Image Placeholder 1"/>
           <p:cNvSpPr>
             <a:spLocks noChangeAspect="1" noGrp="1" noRot="1"/>
           </p:cNvSpPr>
@@ -1304,7 +1304,7 @@
       </p:sp>
       <p:sp>
         <p:nvSpPr>
-          <p:cNvPr id="359278386" name="Notes Placeholder 2"/>
+          <p:cNvPr id="1437930733" name="Notes Placeholder 2"/>
           <p:cNvSpPr>
             <a:spLocks noGrp="1"/>
           </p:cNvSpPr>
@@ -1326,7 +1326,7 @@
       </p:sp>
       <p:sp>
         <p:nvSpPr>
-          <p:cNvPr id="2125874211" name="Slide Number Placeholder 3"/>
+          <p:cNvPr id="2007667555" name="Slide Number Placeholder 3"/>
           <p:cNvSpPr>
             <a:spLocks noGrp="1"/>
           </p:cNvSpPr>
@@ -1342,7 +1342,7 @@
             <a:pPr>
               <a:defRPr/>
             </a:pPr>
-            <a:fld id="{87C99DED-E246-C65E-8EA2-A5241D0A683D}" type="slidenum">
+            <a:fld id="{8C1B827A-A340-72F5-3CC1-2751C20721E2}" type="slidenum">
               <a:rPr/>
               <a:t/>
             </a:fld>
@@ -1374,7 +1374,7 @@
       </p:grpSpPr>
       <p:sp>
         <p:nvSpPr>
-          <p:cNvPr id="1868024650" name="Slide Image Placeholder 1"/>
+          <p:cNvPr id="44217725" name="Slide Image Placeholder 1"/>
           <p:cNvSpPr>
             <a:spLocks noChangeAspect="1" noGrp="1" noRot="1"/>
           </p:cNvSpPr>
@@ -1386,7 +1386,7 @@
       </p:sp>
       <p:sp>
         <p:nvSpPr>
-          <p:cNvPr id="1187872478" name="Notes Placeholder 2"/>
+          <p:cNvPr id="1632662386" name="Notes Placeholder 2"/>
           <p:cNvSpPr>
             <a:spLocks noGrp="1"/>
           </p:cNvSpPr>
@@ -1408,7 +1408,7 @@
       </p:sp>
       <p:sp>
         <p:nvSpPr>
-          <p:cNvPr id="1148673574" name="Slide Number Placeholder 3"/>
+          <p:cNvPr id="1743323562" name="Slide Number Placeholder 3"/>
           <p:cNvSpPr>
             <a:spLocks noGrp="1"/>
           </p:cNvSpPr>
@@ -1456,7 +1456,7 @@
       </p:grpSpPr>
       <p:sp>
         <p:nvSpPr>
-          <p:cNvPr id="82361271" name="Slide Image Placeholder 1"/>
+          <p:cNvPr id="1487310135" name="Slide Image Placeholder 1"/>
           <p:cNvSpPr>
             <a:spLocks noChangeAspect="1" noGrp="1" noRot="1"/>
           </p:cNvSpPr>
@@ -1468,7 +1468,7 @@
       </p:sp>
       <p:sp>
         <p:nvSpPr>
-          <p:cNvPr id="911267976" name="Notes Placeholder 2"/>
+          <p:cNvPr id="359278386" name="Notes Placeholder 2"/>
           <p:cNvSpPr>
             <a:spLocks noGrp="1"/>
           </p:cNvSpPr>
@@ -1490,7 +1490,7 @@
       </p:sp>
       <p:sp>
         <p:nvSpPr>
-          <p:cNvPr id="2041992070" name="Slide Number Placeholder 3"/>
+          <p:cNvPr id="2125874211" name="Slide Number Placeholder 3"/>
           <p:cNvSpPr>
             <a:spLocks noGrp="1"/>
           </p:cNvSpPr>
@@ -1506,7 +1506,7 @@
             <a:pPr>
               <a:defRPr/>
             </a:pPr>
-            <a:fld id="{35CE2C0D-6683-D3E1-FABE-9E0749403957}" type="slidenum">
+            <a:fld id="{87C99DED-E246-C65E-8EA2-A5241D0A683D}" type="slidenum">
               <a:rPr/>
               <a:t/>
             </a:fld>
@@ -1538,7 +1538,7 @@
       </p:grpSpPr>
       <p:sp>
         <p:nvSpPr>
-          <p:cNvPr id="980497740" name="Slide Image Placeholder 1"/>
+          <p:cNvPr id="82361271" name="Slide Image Placeholder 1"/>
           <p:cNvSpPr>
             <a:spLocks noChangeAspect="1" noGrp="1" noRot="1"/>
           </p:cNvSpPr>
@@ -1550,7 +1550,7 @@
       </p:sp>
       <p:sp>
         <p:nvSpPr>
-          <p:cNvPr id="1966541120" name="Notes Placeholder 2"/>
+          <p:cNvPr id="911267976" name="Notes Placeholder 2"/>
           <p:cNvSpPr>
             <a:spLocks noGrp="1"/>
           </p:cNvSpPr>
@@ -1572,7 +1572,7 @@
       </p:sp>
       <p:sp>
         <p:nvSpPr>
-          <p:cNvPr id="1262800398" name="Slide Number Placeholder 3"/>
+          <p:cNvPr id="2041992070" name="Slide Number Placeholder 3"/>
           <p:cNvSpPr>
             <a:spLocks noGrp="1"/>
           </p:cNvSpPr>
@@ -1588,7 +1588,7 @@
             <a:pPr>
               <a:defRPr/>
             </a:pPr>
-            <a:fld id="{954D1FE8-A3A0-A1F5-7A90-3F800231A06B}" type="slidenum">
+            <a:fld id="{35CE2C0D-6683-D3E1-FABE-9E0749403957}" type="slidenum">
               <a:rPr/>
               <a:t/>
             </a:fld>
@@ -1620,7 +1620,7 @@
       </p:grpSpPr>
       <p:sp>
         <p:nvSpPr>
-          <p:cNvPr id="963113744" name="Slide Image Placeholder 1"/>
+          <p:cNvPr id="645851098" name="Slide Image Placeholder 1"/>
           <p:cNvSpPr>
             <a:spLocks noChangeAspect="1" noGrp="1" noRot="1"/>
           </p:cNvSpPr>
@@ -1632,7 +1632,7 @@
       </p:sp>
       <p:sp>
         <p:nvSpPr>
-          <p:cNvPr id="1927502478" name="Notes Placeholder 2"/>
+          <p:cNvPr id="1678445093" name="Notes Placeholder 2"/>
           <p:cNvSpPr>
             <a:spLocks noGrp="1"/>
           </p:cNvSpPr>
@@ -1654,7 +1654,7 @@
       </p:sp>
       <p:sp>
         <p:nvSpPr>
-          <p:cNvPr id="960029615" name="Slide Number Placeholder 3"/>
+          <p:cNvPr id="936466230" name="Slide Number Placeholder 3"/>
           <p:cNvSpPr>
             <a:spLocks noGrp="1"/>
           </p:cNvSpPr>
@@ -1702,7 +1702,7 @@
       </p:grpSpPr>
       <p:sp>
         <p:nvSpPr>
-          <p:cNvPr id="1765407333" name="Slide Image Placeholder 1"/>
+          <p:cNvPr id="2068820641" name="Slide Image Placeholder 1"/>
           <p:cNvSpPr>
             <a:spLocks noChangeAspect="1" noGrp="1" noRot="1"/>
           </p:cNvSpPr>
@@ -1714,7 +1714,7 @@
       </p:sp>
       <p:sp>
         <p:nvSpPr>
-          <p:cNvPr id="1412069554" name="Notes Placeholder 2"/>
+          <p:cNvPr id="978937705" name="Notes Placeholder 2"/>
           <p:cNvSpPr>
             <a:spLocks noGrp="1"/>
           </p:cNvSpPr>
@@ -1736,7 +1736,7 @@
       </p:sp>
       <p:sp>
         <p:nvSpPr>
-          <p:cNvPr id="1913588535" name="Slide Number Placeholder 3"/>
+          <p:cNvPr id="1669142431" name="Slide Number Placeholder 3"/>
           <p:cNvSpPr>
             <a:spLocks noGrp="1"/>
           </p:cNvSpPr>
@@ -1784,7 +1784,7 @@
       </p:grpSpPr>
       <p:sp>
         <p:nvSpPr>
-          <p:cNvPr id="1861171355" name="Slide Image Placeholder 1"/>
+          <p:cNvPr id="383407188" name="Slide Image Placeholder 1"/>
           <p:cNvSpPr>
             <a:spLocks noChangeAspect="1" noGrp="1" noRot="1"/>
           </p:cNvSpPr>
@@ -1796,7 +1796,7 @@
       </p:sp>
       <p:sp>
         <p:nvSpPr>
-          <p:cNvPr id="1336954938" name="Notes Placeholder 2"/>
+          <p:cNvPr id="1485299764" name="Notes Placeholder 2"/>
           <p:cNvSpPr>
             <a:spLocks noGrp="1"/>
           </p:cNvSpPr>
@@ -1818,7 +1818,7 @@
       </p:sp>
       <p:sp>
         <p:nvSpPr>
-          <p:cNvPr id="1774938643" name="Slide Number Placeholder 3"/>
+          <p:cNvPr id="1081091264" name="Slide Number Placeholder 3"/>
           <p:cNvSpPr>
             <a:spLocks noGrp="1"/>
           </p:cNvSpPr>
@@ -1866,7 +1866,7 @@
       </p:grpSpPr>
       <p:sp>
         <p:nvSpPr>
-          <p:cNvPr id="93504098" name="Slide Image Placeholder 1"/>
+          <p:cNvPr id="1041281558" name="Slide Image Placeholder 1"/>
           <p:cNvSpPr>
             <a:spLocks noChangeAspect="1" noGrp="1" noRot="1"/>
           </p:cNvSpPr>
@@ -1878,7 +1878,7 @@
       </p:sp>
       <p:sp>
         <p:nvSpPr>
-          <p:cNvPr id="494256564" name="Notes Placeholder 2"/>
+          <p:cNvPr id="1271092266" name="Notes Placeholder 2"/>
           <p:cNvSpPr>
             <a:spLocks noGrp="1"/>
           </p:cNvSpPr>
@@ -1900,7 +1900,7 @@
       </p:sp>
       <p:sp>
         <p:nvSpPr>
-          <p:cNvPr id="1308272055" name="Slide Number Placeholder 3"/>
+          <p:cNvPr id="1697330091" name="Slide Number Placeholder 3"/>
           <p:cNvSpPr>
             <a:spLocks noGrp="1"/>
           </p:cNvSpPr>
@@ -1948,7 +1948,7 @@
       </p:grpSpPr>
       <p:sp>
         <p:nvSpPr>
-          <p:cNvPr id="26340326" name="Slide Image Placeholder 1"/>
+          <p:cNvPr id="1230660328" name="Slide Image Placeholder 1"/>
           <p:cNvSpPr>
             <a:spLocks noChangeAspect="1" noGrp="1" noRot="1"/>
           </p:cNvSpPr>
@@ -1960,7 +1960,7 @@
       </p:sp>
       <p:sp>
         <p:nvSpPr>
-          <p:cNvPr id="1691924279" name="Notes Placeholder 2"/>
+          <p:cNvPr id="1968023500" name="Notes Placeholder 2"/>
           <p:cNvSpPr>
             <a:spLocks noGrp="1"/>
           </p:cNvSpPr>
@@ -1982,7 +1982,7 @@
       </p:sp>
       <p:sp>
         <p:nvSpPr>
-          <p:cNvPr id="1715903002" name="Slide Number Placeholder 3"/>
+          <p:cNvPr id="1282976858" name="Slide Number Placeholder 3"/>
           <p:cNvSpPr>
             <a:spLocks noGrp="1"/>
           </p:cNvSpPr>
@@ -1998,7 +1998,7 @@
             <a:pPr>
               <a:defRPr/>
             </a:pPr>
-            <a:fld id="{5FD98CCE-FE2C-5CA1-EAE1-2C238298F207}" type="slidenum">
+            <a:fld id="{954D1FE8-A3A0-A1F5-7A90-3F800231A06B}" type="slidenum">
               <a:rPr/>
               <a:t/>
             </a:fld>
@@ -2030,7 +2030,7 @@
       </p:grpSpPr>
       <p:sp>
         <p:nvSpPr>
-          <p:cNvPr id="188502106" name="Slide Image Placeholder 1"/>
+          <p:cNvPr id="956047815" name="Slide Image Placeholder 1"/>
           <p:cNvSpPr>
             <a:spLocks noChangeAspect="1" noGrp="1" noRot="1"/>
           </p:cNvSpPr>
@@ -2042,7 +2042,7 @@
       </p:sp>
       <p:sp>
         <p:nvSpPr>
-          <p:cNvPr id="1275804631" name="Notes Placeholder 2"/>
+          <p:cNvPr id="2136301301" name="Notes Placeholder 2"/>
           <p:cNvSpPr>
             <a:spLocks noGrp="1"/>
           </p:cNvSpPr>
@@ -2064,7 +2064,7 @@
       </p:sp>
       <p:sp>
         <p:nvSpPr>
-          <p:cNvPr id="1022134196" name="Slide Number Placeholder 3"/>
+          <p:cNvPr id="1649320646" name="Slide Number Placeholder 3"/>
           <p:cNvSpPr>
             <a:spLocks noGrp="1"/>
           </p:cNvSpPr>
@@ -2080,7 +2080,7 @@
             <a:pPr>
               <a:defRPr/>
             </a:pPr>
-            <a:fld id="{6D008127-2428-34D8-A16B-C4CCA32AFAF9}" type="slidenum">
+            <a:fld id="{5FD98CCE-FE2C-5CA1-EAE1-2C238298F207}" type="slidenum">
               <a:rPr/>
               <a:t/>
             </a:fld>
@@ -2112,7 +2112,7 @@
       </p:grpSpPr>
       <p:sp>
         <p:nvSpPr>
-          <p:cNvPr id="1705750282" name="Slide Image Placeholder 1"/>
+          <p:cNvPr id="188502106" name="Slide Image Placeholder 1"/>
           <p:cNvSpPr>
             <a:spLocks noChangeAspect="1" noGrp="1" noRot="1"/>
           </p:cNvSpPr>
@@ -2124,7 +2124,7 @@
       </p:sp>
       <p:sp>
         <p:nvSpPr>
-          <p:cNvPr id="1210337131" name="Notes Placeholder 2"/>
+          <p:cNvPr id="1275804631" name="Notes Placeholder 2"/>
           <p:cNvSpPr>
             <a:spLocks noGrp="1"/>
           </p:cNvSpPr>
@@ -2146,7 +2146,7 @@
       </p:sp>
       <p:sp>
         <p:nvSpPr>
-          <p:cNvPr id="1110142244" name="Slide Number Placeholder 3"/>
+          <p:cNvPr id="1022134196" name="Slide Number Placeholder 3"/>
           <p:cNvSpPr>
             <a:spLocks noGrp="1"/>
           </p:cNvSpPr>
@@ -2162,7 +2162,7 @@
             <a:pPr>
               <a:defRPr/>
             </a:pPr>
-            <a:fld id="{B7C92967-D3B8-3593-3002-C9C2CD98AF3F}" type="slidenum">
+            <a:fld id="{6D008127-2428-34D8-A16B-C4CCA32AFAF9}" type="slidenum">
               <a:rPr/>
               <a:t/>
             </a:fld>
@@ -2194,7 +2194,7 @@
       </p:grpSpPr>
       <p:sp>
         <p:nvSpPr>
-          <p:cNvPr id="1825129561" name="Slide Image Placeholder 1"/>
+          <p:cNvPr id="1705750282" name="Slide Image Placeholder 1"/>
           <p:cNvSpPr>
             <a:spLocks noChangeAspect="1" noGrp="1" noRot="1"/>
           </p:cNvSpPr>
@@ -2206,7 +2206,7 @@
       </p:sp>
       <p:sp>
         <p:nvSpPr>
-          <p:cNvPr id="2018484666" name="Notes Placeholder 2"/>
+          <p:cNvPr id="1210337131" name="Notes Placeholder 2"/>
           <p:cNvSpPr>
             <a:spLocks noGrp="1"/>
           </p:cNvSpPr>
@@ -2228,7 +2228,7 @@
       </p:sp>
       <p:sp>
         <p:nvSpPr>
-          <p:cNvPr id="2079714776" name="Slide Number Placeholder 3"/>
+          <p:cNvPr id="1110142244" name="Slide Number Placeholder 3"/>
           <p:cNvSpPr>
             <a:spLocks noGrp="1"/>
           </p:cNvSpPr>
@@ -2244,7 +2244,7 @@
             <a:pPr>
               <a:defRPr/>
             </a:pPr>
-            <a:fld id="{58A1F989-E042-9C57-84DB-46BEDD8C295E}" type="slidenum">
+            <a:fld id="{B7C92967-D3B8-3593-3002-C9C2CD98AF3F}" type="slidenum">
               <a:rPr/>
               <a:t/>
             </a:fld>
@@ -2276,7 +2276,7 @@
       </p:grpSpPr>
       <p:sp>
         <p:nvSpPr>
-          <p:cNvPr id="1859378923" name="Slide Image Placeholder 1"/>
+          <p:cNvPr id="1825129561" name="Slide Image Placeholder 1"/>
           <p:cNvSpPr>
             <a:spLocks noChangeAspect="1" noGrp="1" noRot="1"/>
           </p:cNvSpPr>
@@ -2288,7 +2288,7 @@
       </p:sp>
       <p:sp>
         <p:nvSpPr>
-          <p:cNvPr id="1766172285" name="Notes Placeholder 2"/>
+          <p:cNvPr id="2018484666" name="Notes Placeholder 2"/>
           <p:cNvSpPr>
             <a:spLocks noGrp="1"/>
           </p:cNvSpPr>
@@ -2310,7 +2310,7 @@
       </p:sp>
       <p:sp>
         <p:nvSpPr>
-          <p:cNvPr id="442357403" name="Slide Number Placeholder 3"/>
+          <p:cNvPr id="2079714776" name="Slide Number Placeholder 3"/>
           <p:cNvSpPr>
             <a:spLocks noGrp="1"/>
           </p:cNvSpPr>
@@ -2326,7 +2326,7 @@
             <a:pPr>
               <a:defRPr/>
             </a:pPr>
-            <a:fld id="{EB92CDA7-F30E-01A4-8D9E-8DD6CF3E8B7C}" type="slidenum">
+            <a:fld id="{58A1F989-E042-9C57-84DB-46BEDD8C295E}" type="slidenum">
               <a:rPr/>
               <a:t/>
             </a:fld>
@@ -2358,7 +2358,7 @@
       </p:grpSpPr>
       <p:sp>
         <p:nvSpPr>
-          <p:cNvPr id="477490453" name="Slide Image Placeholder 1"/>
+          <p:cNvPr id="1859378923" name="Slide Image Placeholder 1"/>
           <p:cNvSpPr>
             <a:spLocks noChangeAspect="1" noGrp="1" noRot="1"/>
           </p:cNvSpPr>
@@ -2370,7 +2370,7 @@
       </p:sp>
       <p:sp>
         <p:nvSpPr>
-          <p:cNvPr id="1794095659" name="Notes Placeholder 2"/>
+          <p:cNvPr id="1766172285" name="Notes Placeholder 2"/>
           <p:cNvSpPr>
             <a:spLocks noGrp="1"/>
           </p:cNvSpPr>
@@ -2392,7 +2392,7 @@
       </p:sp>
       <p:sp>
         <p:nvSpPr>
-          <p:cNvPr id="1567355263" name="Slide Number Placeholder 3"/>
+          <p:cNvPr id="442357403" name="Slide Number Placeholder 3"/>
           <p:cNvSpPr>
             <a:spLocks noGrp="1"/>
           </p:cNvSpPr>
@@ -2408,7 +2408,7 @@
             <a:pPr>
               <a:defRPr/>
             </a:pPr>
-            <a:fld id="{8729C0BF-D5C8-4209-972E-D3A8C8BFF8B3}" type="slidenum">
+            <a:fld id="{EB92CDA7-F30E-01A4-8D9E-8DD6CF3E8B7C}" type="slidenum">
               <a:rPr/>
               <a:t/>
             </a:fld>
@@ -2440,7 +2440,7 @@
       </p:grpSpPr>
       <p:sp>
         <p:nvSpPr>
-          <p:cNvPr id="641478345" name="Title 1"/>
+          <p:cNvPr id="1634817505" name="Title 1"/>
           <p:cNvSpPr>
             <a:spLocks noGrp="1"/>
           </p:cNvSpPr>
@@ -2475,7 +2475,7 @@
       </p:sp>
       <p:sp>
         <p:nvSpPr>
-          <p:cNvPr id="2074280918" name="Subtitle 2"/>
+          <p:cNvPr id="607166537" name="Subtitle 2"/>
           <p:cNvSpPr>
             <a:spLocks noGrp="1"/>
           </p:cNvSpPr>
@@ -2543,7 +2543,7 @@
       </p:sp>
       <p:sp>
         <p:nvSpPr>
-          <p:cNvPr id="291676308" name="Date Placeholder 3"/>
+          <p:cNvPr id="1590108901" name="Date Placeholder 3"/>
           <p:cNvSpPr>
             <a:spLocks noGrp="1"/>
           </p:cNvSpPr>
@@ -2569,7 +2569,7 @@
       </p:sp>
       <p:sp>
         <p:nvSpPr>
-          <p:cNvPr id="1417837334" name="Footer Placeholder 4"/>
+          <p:cNvPr id="1852583977" name="Footer Placeholder 4"/>
           <p:cNvSpPr>
             <a:spLocks noGrp="1"/>
           </p:cNvSpPr>
@@ -2591,7 +2591,7 @@
       </p:sp>
       <p:sp>
         <p:nvSpPr>
-          <p:cNvPr id="263216335" name="Slide Number Placeholder 5"/>
+          <p:cNvPr id="585570364" name="Slide Number Placeholder 5"/>
           <p:cNvSpPr>
             <a:spLocks noGrp="1"/>
           </p:cNvSpPr>
@@ -2642,7 +2642,7 @@
       </p:grpSpPr>
       <p:sp>
         <p:nvSpPr>
-          <p:cNvPr id="737114313" name="Title 1"/>
+          <p:cNvPr id="1967441698" name="Title 1"/>
           <p:cNvSpPr>
             <a:spLocks noGrp="1"/>
           </p:cNvSpPr>
@@ -2668,7 +2668,7 @@
       </p:sp>
       <p:sp>
         <p:nvSpPr>
-          <p:cNvPr id="1208268428" name="Vertical Text Placeholder 2"/>
+          <p:cNvPr id="284841766" name="Vertical Text Placeholder 2"/>
           <p:cNvSpPr>
             <a:spLocks noGrp="1"/>
           </p:cNvSpPr>
@@ -2734,7 +2734,7 @@
       </p:sp>
       <p:sp>
         <p:nvSpPr>
-          <p:cNvPr id="531822092" name="Date Placeholder 3"/>
+          <p:cNvPr id="1491045810" name="Date Placeholder 3"/>
           <p:cNvSpPr>
             <a:spLocks noGrp="1"/>
           </p:cNvSpPr>
@@ -2760,7 +2760,7 @@
       </p:sp>
       <p:sp>
         <p:nvSpPr>
-          <p:cNvPr id="238529782" name="Footer Placeholder 4"/>
+          <p:cNvPr id="1637412641" name="Footer Placeholder 4"/>
           <p:cNvSpPr>
             <a:spLocks noGrp="1"/>
           </p:cNvSpPr>
@@ -2782,7 +2782,7 @@
       </p:sp>
       <p:sp>
         <p:nvSpPr>
-          <p:cNvPr id="2068283532" name="Slide Number Placeholder 5"/>
+          <p:cNvPr id="545093284" name="Slide Number Placeholder 5"/>
           <p:cNvSpPr>
             <a:spLocks noGrp="1"/>
           </p:cNvSpPr>
@@ -2833,7 +2833,7 @@
       </p:grpSpPr>
       <p:sp>
         <p:nvSpPr>
-          <p:cNvPr id="489614159" name="Vertical Title 1"/>
+          <p:cNvPr id="1564636956" name="Vertical Title 1"/>
           <p:cNvSpPr>
             <a:spLocks noGrp="1"/>
           </p:cNvSpPr>
@@ -2864,7 +2864,7 @@
       </p:sp>
       <p:sp>
         <p:nvSpPr>
-          <p:cNvPr id="1114801188" name="Vertical Text Placeholder 2"/>
+          <p:cNvPr id="323377568" name="Vertical Text Placeholder 2"/>
           <p:cNvSpPr>
             <a:spLocks noGrp="1"/>
           </p:cNvSpPr>
@@ -2935,7 +2935,7 @@
       </p:sp>
       <p:sp>
         <p:nvSpPr>
-          <p:cNvPr id="1334536162" name="Date Placeholder 3"/>
+          <p:cNvPr id="680113408" name="Date Placeholder 3"/>
           <p:cNvSpPr>
             <a:spLocks noGrp="1"/>
           </p:cNvSpPr>
@@ -2961,7 +2961,7 @@
       </p:sp>
       <p:sp>
         <p:nvSpPr>
-          <p:cNvPr id="1734693367" name="Footer Placeholder 4"/>
+          <p:cNvPr id="961783862" name="Footer Placeholder 4"/>
           <p:cNvSpPr>
             <a:spLocks noGrp="1"/>
           </p:cNvSpPr>
@@ -2983,7 +2983,7 @@
       </p:sp>
       <p:sp>
         <p:nvSpPr>
-          <p:cNvPr id="2021250060" name="Slide Number Placeholder 5"/>
+          <p:cNvPr id="1135961775" name="Slide Number Placeholder 5"/>
           <p:cNvSpPr>
             <a:spLocks noGrp="1"/>
           </p:cNvSpPr>
@@ -3034,7 +3034,7 @@
       </p:grpSpPr>
       <p:sp>
         <p:nvSpPr>
-          <p:cNvPr id="1408622994" name="Title 1"/>
+          <p:cNvPr id="1793372089" name="Title 1"/>
           <p:cNvSpPr>
             <a:spLocks noGrp="1"/>
           </p:cNvSpPr>
@@ -3060,7 +3060,7 @@
       </p:sp>
       <p:sp>
         <p:nvSpPr>
-          <p:cNvPr id="1134125629" name="Content Placeholder 2"/>
+          <p:cNvPr id="1217680701" name="Content Placeholder 2"/>
           <p:cNvSpPr>
             <a:spLocks noGrp="1"/>
           </p:cNvSpPr>
@@ -3126,7 +3126,7 @@
       </p:sp>
       <p:sp>
         <p:nvSpPr>
-          <p:cNvPr id="1589966683" name="Date Placeholder 3"/>
+          <p:cNvPr id="1774519054" name="Date Placeholder 3"/>
           <p:cNvSpPr>
             <a:spLocks noGrp="1"/>
           </p:cNvSpPr>
@@ -3152,7 +3152,7 @@
       </p:sp>
       <p:sp>
         <p:nvSpPr>
-          <p:cNvPr id="1797141113" name="Footer Placeholder 4"/>
+          <p:cNvPr id="2113815562" name="Footer Placeholder 4"/>
           <p:cNvSpPr>
             <a:spLocks noGrp="1"/>
           </p:cNvSpPr>
@@ -3174,7 +3174,7 @@
       </p:sp>
       <p:sp>
         <p:nvSpPr>
-          <p:cNvPr id="305028711" name="Slide Number Placeholder 5"/>
+          <p:cNvPr id="904304651" name="Slide Number Placeholder 5"/>
           <p:cNvSpPr>
             <a:spLocks noGrp="1"/>
           </p:cNvSpPr>
@@ -3225,7 +3225,7 @@
       </p:grpSpPr>
       <p:sp>
         <p:nvSpPr>
-          <p:cNvPr id="684025818" name="Title 1"/>
+          <p:cNvPr id="1438872473" name="Title 1"/>
           <p:cNvSpPr>
             <a:spLocks noGrp="1"/>
           </p:cNvSpPr>
@@ -3260,7 +3260,7 @@
       </p:sp>
       <p:sp>
         <p:nvSpPr>
-          <p:cNvPr id="2123170945" name="Text Placeholder 2"/>
+          <p:cNvPr id="2034129081" name="Text Placeholder 2"/>
           <p:cNvSpPr>
             <a:spLocks noGrp="1"/>
           </p:cNvSpPr>
@@ -3382,7 +3382,7 @@
       </p:sp>
       <p:sp>
         <p:nvSpPr>
-          <p:cNvPr id="1622748241" name="Date Placeholder 3"/>
+          <p:cNvPr id="73117002" name="Date Placeholder 3"/>
           <p:cNvSpPr>
             <a:spLocks noGrp="1"/>
           </p:cNvSpPr>
@@ -3408,7 +3408,7 @@
       </p:sp>
       <p:sp>
         <p:nvSpPr>
-          <p:cNvPr id="77836713" name="Footer Placeholder 4"/>
+          <p:cNvPr id="1234260935" name="Footer Placeholder 4"/>
           <p:cNvSpPr>
             <a:spLocks noGrp="1"/>
           </p:cNvSpPr>
@@ -3430,7 +3430,7 @@
       </p:sp>
       <p:sp>
         <p:nvSpPr>
-          <p:cNvPr id="1436968799" name="Slide Number Placeholder 5"/>
+          <p:cNvPr id="1825937937" name="Slide Number Placeholder 5"/>
           <p:cNvSpPr>
             <a:spLocks noGrp="1"/>
           </p:cNvSpPr>
@@ -3481,7 +3481,7 @@
       </p:grpSpPr>
       <p:sp>
         <p:nvSpPr>
-          <p:cNvPr id="1467493291" name="Title 1"/>
+          <p:cNvPr id="1680271733" name="Title 1"/>
           <p:cNvSpPr>
             <a:spLocks noGrp="1"/>
           </p:cNvSpPr>
@@ -3507,7 +3507,7 @@
       </p:sp>
       <p:sp>
         <p:nvSpPr>
-          <p:cNvPr id="129120348" name="Content Placeholder 2"/>
+          <p:cNvPr id="113871416" name="Content Placeholder 2"/>
           <p:cNvSpPr>
             <a:spLocks noGrp="1"/>
           </p:cNvSpPr>
@@ -3578,7 +3578,7 @@
       </p:sp>
       <p:sp>
         <p:nvSpPr>
-          <p:cNvPr id="1950748389" name="Content Placeholder 3"/>
+          <p:cNvPr id="2130798408" name="Content Placeholder 3"/>
           <p:cNvSpPr>
             <a:spLocks noGrp="1"/>
           </p:cNvSpPr>
@@ -3649,7 +3649,7 @@
       </p:sp>
       <p:sp>
         <p:nvSpPr>
-          <p:cNvPr id="1367054119" name="Date Placeholder 4"/>
+          <p:cNvPr id="1388734067" name="Date Placeholder 4"/>
           <p:cNvSpPr>
             <a:spLocks noGrp="1"/>
           </p:cNvSpPr>
@@ -3675,7 +3675,7 @@
       </p:sp>
       <p:sp>
         <p:nvSpPr>
-          <p:cNvPr id="171464726" name="Footer Placeholder 5"/>
+          <p:cNvPr id="1658381007" name="Footer Placeholder 5"/>
           <p:cNvSpPr>
             <a:spLocks noGrp="1"/>
           </p:cNvSpPr>
@@ -3697,7 +3697,7 @@
       </p:sp>
       <p:sp>
         <p:nvSpPr>
-          <p:cNvPr id="290877549" name="Slide Number Placeholder 6"/>
+          <p:cNvPr id="870317375" name="Slide Number Placeholder 6"/>
           <p:cNvSpPr>
             <a:spLocks noGrp="1"/>
           </p:cNvSpPr>
@@ -3748,7 +3748,7 @@
       </p:grpSpPr>
       <p:sp>
         <p:nvSpPr>
-          <p:cNvPr id="2146344308" name="Title 1"/>
+          <p:cNvPr id="619302512" name="Title 1"/>
           <p:cNvSpPr>
             <a:spLocks noGrp="1"/>
           </p:cNvSpPr>
@@ -3779,7 +3779,7 @@
       </p:sp>
       <p:sp>
         <p:nvSpPr>
-          <p:cNvPr id="1632286899" name="Text Placeholder 2"/>
+          <p:cNvPr id="434246733" name="Text Placeholder 2"/>
           <p:cNvSpPr>
             <a:spLocks noGrp="1"/>
           </p:cNvSpPr>
@@ -3847,7 +3847,7 @@
       </p:sp>
       <p:sp>
         <p:nvSpPr>
-          <p:cNvPr id="1808612759" name="Content Placeholder 3"/>
+          <p:cNvPr id="997307736" name="Content Placeholder 3"/>
           <p:cNvSpPr>
             <a:spLocks noGrp="1"/>
           </p:cNvSpPr>
@@ -3918,7 +3918,7 @@
       </p:sp>
       <p:sp>
         <p:nvSpPr>
-          <p:cNvPr id="1765423050" name="Text Placeholder 4"/>
+          <p:cNvPr id="145173874" name="Text Placeholder 4"/>
           <p:cNvSpPr>
             <a:spLocks noGrp="1"/>
           </p:cNvSpPr>
@@ -3986,7 +3986,7 @@
       </p:sp>
       <p:sp>
         <p:nvSpPr>
-          <p:cNvPr id="979791431" name="Content Placeholder 5"/>
+          <p:cNvPr id="778923124" name="Content Placeholder 5"/>
           <p:cNvSpPr>
             <a:spLocks noGrp="1"/>
           </p:cNvSpPr>
@@ -4057,7 +4057,7 @@
       </p:sp>
       <p:sp>
         <p:nvSpPr>
-          <p:cNvPr id="1122891703" name="Date Placeholder 6"/>
+          <p:cNvPr id="1945893153" name="Date Placeholder 6"/>
           <p:cNvSpPr>
             <a:spLocks noGrp="1"/>
           </p:cNvSpPr>
@@ -4083,7 +4083,7 @@
       </p:sp>
       <p:sp>
         <p:nvSpPr>
-          <p:cNvPr id="1346540129" name="Footer Placeholder 7"/>
+          <p:cNvPr id="1119590349" name="Footer Placeholder 7"/>
           <p:cNvSpPr>
             <a:spLocks noGrp="1"/>
           </p:cNvSpPr>
@@ -4105,7 +4105,7 @@
       </p:sp>
       <p:sp>
         <p:nvSpPr>
-          <p:cNvPr id="1519901340" name="Slide Number Placeholder 8"/>
+          <p:cNvPr id="1679610817" name="Slide Number Placeholder 8"/>
           <p:cNvSpPr>
             <a:spLocks noGrp="1"/>
           </p:cNvSpPr>
@@ -4156,7 +4156,7 @@
       </p:grpSpPr>
       <p:sp>
         <p:nvSpPr>
-          <p:cNvPr id="1726168708" name="Title 1"/>
+          <p:cNvPr id="248734372" name="Title 1"/>
           <p:cNvSpPr>
             <a:spLocks noGrp="1"/>
           </p:cNvSpPr>
@@ -4182,7 +4182,7 @@
       </p:sp>
       <p:sp>
         <p:nvSpPr>
-          <p:cNvPr id="571946827" name="Date Placeholder 2"/>
+          <p:cNvPr id="251133748" name="Date Placeholder 2"/>
           <p:cNvSpPr>
             <a:spLocks noGrp="1"/>
           </p:cNvSpPr>
@@ -4208,7 +4208,7 @@
       </p:sp>
       <p:sp>
         <p:nvSpPr>
-          <p:cNvPr id="371886782" name="Footer Placeholder 3"/>
+          <p:cNvPr id="545562714" name="Footer Placeholder 3"/>
           <p:cNvSpPr>
             <a:spLocks noGrp="1"/>
           </p:cNvSpPr>
@@ -4230,7 +4230,7 @@
       </p:sp>
       <p:sp>
         <p:nvSpPr>
-          <p:cNvPr id="390389839" name="Slide Number Placeholder 4"/>
+          <p:cNvPr id="772411451" name="Slide Number Placeholder 4"/>
           <p:cNvSpPr>
             <a:spLocks noGrp="1"/>
           </p:cNvSpPr>
@@ -4281,7 +4281,7 @@
       </p:grpSpPr>
       <p:sp>
         <p:nvSpPr>
-          <p:cNvPr id="1265213969" name="Date Placeholder 1"/>
+          <p:cNvPr id="443282947" name="Date Placeholder 1"/>
           <p:cNvSpPr>
             <a:spLocks noGrp="1"/>
           </p:cNvSpPr>
@@ -4307,7 +4307,7 @@
       </p:sp>
       <p:sp>
         <p:nvSpPr>
-          <p:cNvPr id="1826917117" name="Footer Placeholder 2"/>
+          <p:cNvPr id="244633326" name="Footer Placeholder 2"/>
           <p:cNvSpPr>
             <a:spLocks noGrp="1"/>
           </p:cNvSpPr>
@@ -4329,7 +4329,7 @@
       </p:sp>
       <p:sp>
         <p:nvSpPr>
-          <p:cNvPr id="582829216" name="Slide Number Placeholder 3"/>
+          <p:cNvPr id="1030656022" name="Slide Number Placeholder 3"/>
           <p:cNvSpPr>
             <a:spLocks noGrp="1"/>
           </p:cNvSpPr>
@@ -4380,7 +4380,7 @@
       </p:grpSpPr>
       <p:sp>
         <p:nvSpPr>
-          <p:cNvPr id="1567720615" name="Title 1"/>
+          <p:cNvPr id="938290112" name="Title 1"/>
           <p:cNvSpPr>
             <a:spLocks noGrp="1"/>
           </p:cNvSpPr>
@@ -4415,7 +4415,7 @@
       </p:sp>
       <p:sp>
         <p:nvSpPr>
-          <p:cNvPr id="1970591549" name="Content Placeholder 2"/>
+          <p:cNvPr id="258638304" name="Content Placeholder 2"/>
           <p:cNvSpPr>
             <a:spLocks noGrp="1"/>
           </p:cNvSpPr>
@@ -4514,7 +4514,7 @@
       </p:sp>
       <p:sp>
         <p:nvSpPr>
-          <p:cNvPr id="980005271" name="Text Placeholder 3"/>
+          <p:cNvPr id="1242522699" name="Text Placeholder 3"/>
           <p:cNvSpPr>
             <a:spLocks noGrp="1"/>
           </p:cNvSpPr>
@@ -4582,7 +4582,7 @@
       </p:sp>
       <p:sp>
         <p:nvSpPr>
-          <p:cNvPr id="1195266433" name="Date Placeholder 4"/>
+          <p:cNvPr id="2022794470" name="Date Placeholder 4"/>
           <p:cNvSpPr>
             <a:spLocks noGrp="1"/>
           </p:cNvSpPr>
@@ -4608,7 +4608,7 @@
       </p:sp>
       <p:sp>
         <p:nvSpPr>
-          <p:cNvPr id="332941987" name="Footer Placeholder 5"/>
+          <p:cNvPr id="122308033" name="Footer Placeholder 5"/>
           <p:cNvSpPr>
             <a:spLocks noGrp="1"/>
           </p:cNvSpPr>
@@ -4630,7 +4630,7 @@
       </p:sp>
       <p:sp>
         <p:nvSpPr>
-          <p:cNvPr id="2098536218" name="Slide Number Placeholder 6"/>
+          <p:cNvPr id="8804974" name="Slide Number Placeholder 6"/>
           <p:cNvSpPr>
             <a:spLocks noGrp="1"/>
           </p:cNvSpPr>
@@ -4681,7 +4681,7 @@
       </p:grpSpPr>
       <p:sp>
         <p:nvSpPr>
-          <p:cNvPr id="809036109" name="Title 1"/>
+          <p:cNvPr id="1672806591" name="Title 1"/>
           <p:cNvSpPr>
             <a:spLocks noGrp="1"/>
           </p:cNvSpPr>
@@ -4716,7 +4716,7 @@
       </p:sp>
       <p:sp>
         <p:nvSpPr>
-          <p:cNvPr id="513598805" name="Picture Placeholder 2"/>
+          <p:cNvPr id="649593457" name="Picture Placeholder 2"/>
           <p:cNvSpPr>
             <a:spLocks noGrp="1"/>
           </p:cNvSpPr>
@@ -4780,7 +4780,7 @@
       </p:sp>
       <p:sp>
         <p:nvSpPr>
-          <p:cNvPr id="749337388" name="Text Placeholder 3"/>
+          <p:cNvPr id="1069452520" name="Text Placeholder 3"/>
           <p:cNvSpPr>
             <a:spLocks noGrp="1"/>
           </p:cNvSpPr>
@@ -4848,7 +4848,7 @@
       </p:sp>
       <p:sp>
         <p:nvSpPr>
-          <p:cNvPr id="134090712" name="Date Placeholder 4"/>
+          <p:cNvPr id="35415209" name="Date Placeholder 4"/>
           <p:cNvSpPr>
             <a:spLocks noGrp="1"/>
           </p:cNvSpPr>
@@ -4874,7 +4874,7 @@
       </p:sp>
       <p:sp>
         <p:nvSpPr>
-          <p:cNvPr id="94786229" name="Footer Placeholder 5"/>
+          <p:cNvPr id="1876782027" name="Footer Placeholder 5"/>
           <p:cNvSpPr>
             <a:spLocks noGrp="1"/>
           </p:cNvSpPr>
@@ -4896,7 +4896,7 @@
       </p:sp>
       <p:sp>
         <p:nvSpPr>
-          <p:cNvPr id="1250601428" name="Slide Number Placeholder 6"/>
+          <p:cNvPr id="1072896651" name="Slide Number Placeholder 6"/>
           <p:cNvSpPr>
             <a:spLocks noGrp="1"/>
           </p:cNvSpPr>
@@ -4952,7 +4952,7 @@
       </p:grpSpPr>
       <p:sp>
         <p:nvSpPr>
-          <p:cNvPr id="1347348241" name="Title Placeholder 1"/>
+          <p:cNvPr id="725132588" name="Title Placeholder 1"/>
           <p:cNvSpPr>
             <a:spLocks noGrp="1"/>
           </p:cNvSpPr>
@@ -4988,7 +4988,7 @@
       </p:sp>
       <p:sp>
         <p:nvSpPr>
-          <p:cNvPr id="439718116" name="Text Placeholder 2"/>
+          <p:cNvPr id="951118375" name="Text Placeholder 2"/>
           <p:cNvSpPr>
             <a:spLocks noGrp="1"/>
           </p:cNvSpPr>
@@ -5064,7 +5064,7 @@
       </p:sp>
       <p:sp>
         <p:nvSpPr>
-          <p:cNvPr id="65480294" name="Date Placeholder 3"/>
+          <p:cNvPr id="250398475" name="Date Placeholder 3"/>
           <p:cNvSpPr>
             <a:spLocks noGrp="1"/>
           </p:cNvSpPr>
@@ -5108,7 +5108,7 @@
       </p:sp>
       <p:sp>
         <p:nvSpPr>
-          <p:cNvPr id="765570991" name="Footer Placeholder 4"/>
+          <p:cNvPr id="1228740055" name="Footer Placeholder 4"/>
           <p:cNvSpPr>
             <a:spLocks noGrp="1"/>
           </p:cNvSpPr>
@@ -5148,7 +5148,7 @@
       </p:sp>
       <p:sp>
         <p:nvSpPr>
-          <p:cNvPr id="356143454" name="Slide Number Placeholder 5"/>
+          <p:cNvPr id="1174554419" name="Slide Number Placeholder 5"/>
           <p:cNvSpPr>
             <a:spLocks noGrp="1"/>
           </p:cNvSpPr>
@@ -5515,7 +5515,7 @@
       </p:grpSpPr>
       <p:sp>
         <p:nvSpPr>
-          <p:cNvPr id="1667163504" name="Title 1"/>
+          <p:cNvPr id="61835122" name="Title 1"/>
           <p:cNvSpPr>
             <a:spLocks noGrp="1"/>
           </p:cNvSpPr>
@@ -5550,7 +5550,7 @@
       </p:sp>
       <p:sp>
         <p:nvSpPr>
-          <p:cNvPr id="822787633" name="Subtitle 2"/>
+          <p:cNvPr id="1725896261" name="Subtitle 2"/>
           <p:cNvSpPr>
             <a:spLocks noGrp="1"/>
           </p:cNvSpPr>
@@ -5733,7 +5733,7 @@
       </p:sp>
       <p:pic>
         <p:nvPicPr>
-          <p:cNvPr id="832058960" name="Picture 3"/>
+          <p:cNvPr id="1909156459" name="Picture 3"/>
           <p:cNvPicPr>
             <a:picLocks noChangeAspect="1"/>
           </p:cNvPicPr>
@@ -5795,7 +5795,7 @@
       </p:grpSpPr>
       <p:sp>
         <p:nvSpPr>
-          <p:cNvPr id="960562864" name="Title 1"/>
+          <p:cNvPr id="795734793" name="Title 1"/>
           <p:cNvSpPr>
             <a:spLocks noGrp="1"/>
           </p:cNvSpPr>
@@ -5819,15 +5819,15 @@
               <a:defRPr/>
             </a:pPr>
             <a:r>
-              <a:rPr lang="en-US" sz="4400" b="0" i="0" u="none" strike="noStrike" cap="none" spc="0">
-                <a:solidFill>
-                  <a:schemeClr val="bg1"/>
-                </a:solidFill>
-                <a:latin typeface="Aptos Display"/>
-                <a:ea typeface="Aptos Display"/>
-                <a:cs typeface="Aptos Display"/>
-              </a:rPr>
-              <a:t>Encoder-Based Constant Speed Control using PI</a:t>
+              <a:rPr lang="en-US" sz="4400" b="1" i="0" u="none" strike="noStrike" cap="none" spc="0">
+                <a:solidFill>
+                  <a:schemeClr val="bg1"/>
+                </a:solidFill>
+                <a:latin typeface="Aptos Display"/>
+                <a:ea typeface="Aptos Display"/>
+                <a:cs typeface="Aptos Display"/>
+              </a:rPr>
+              <a:t>Sine Wave Trajectory Tracking</a:t>
             </a:r>
             <a:endParaRPr/>
           </a:p>
@@ -5835,7 +5835,7 @@
       </p:sp>
       <p:sp>
         <p:nvSpPr>
-          <p:cNvPr id="1397345578" name="Content Placeholder 2"/>
+          <p:cNvPr id="1850519925" name="Content Placeholder 2"/>
           <p:cNvSpPr>
             <a:spLocks noGrp="1"/>
           </p:cNvSpPr>
@@ -5867,7 +5867,7 @@
                 <a:ea typeface="Aptos Display"/>
                 <a:cs typeface="Aptos Display"/>
               </a:rPr>
-              <a:t>Encoder Role in This Experiment</a:t>
+              <a:t>Robot Coordinate System</a:t>
             </a:r>
             <a:endParaRPr sz="2800">
               <a:solidFill>
@@ -5890,7 +5890,7 @@
                 <a:ea typeface="Aptos Display"/>
                 <a:cs typeface="Aptos Display"/>
               </a:rPr>
-              <a:t>Why Encoders Are Critical</a:t>
+              <a:t>Robot Pose Definition</a:t>
             </a:r>
             <a:endParaRPr sz="2800">
               <a:solidFill>
@@ -5901,6 +5901,29 @@
             </a:endParaRPr>
           </a:p>
           <a:p>
+            <a:pPr>
+              <a:defRPr/>
+            </a:pPr>
+            <a:r>
+              <a:rPr sz="2800" b="0" i="0" u="none">
+                <a:solidFill>
+                  <a:schemeClr val="bg1"/>
+                </a:solidFill>
+                <a:latin typeface="Aptos Display"/>
+                <a:ea typeface="Aptos Display"/>
+                <a:cs typeface="Aptos Display"/>
+              </a:rPr>
+              <a:t>The robot state is represented as:</a:t>
+            </a:r>
+            <a:endParaRPr sz="2800">
+              <a:solidFill>
+                <a:schemeClr val="bg1"/>
+              </a:solidFill>
+              <a:latin typeface="Aptos Display"/>
+              <a:cs typeface="Aptos Display"/>
+            </a:endParaRPr>
+          </a:p>
+          <a:p>
             <a:pPr lvl="1">
               <a:defRPr/>
             </a:pPr>
@@ -5913,7 +5936,18 @@
                 <a:ea typeface="Aptos Display"/>
                 <a:cs typeface="Aptos Display"/>
               </a:rPr>
-              <a:t>Encoders provide:</a:t>
+              <a:t>x</a:t>
+            </a:r>
+            <a:r>
+              <a:rPr sz="2400" b="0" i="0" u="none">
+                <a:solidFill>
+                  <a:schemeClr val="bg1"/>
+                </a:solidFill>
+                <a:latin typeface="Aptos Display"/>
+                <a:ea typeface="Aptos Display"/>
+                <a:cs typeface="Aptos Display"/>
+              </a:rPr>
+              <a:t>: forward position (meters)</a:t>
             </a:r>
             <a:endParaRPr sz="2800">
               <a:solidFill>
@@ -5936,7 +5970,18 @@
                 <a:ea typeface="Aptos Display"/>
                 <a:cs typeface="Aptos Display"/>
               </a:rPr>
-              <a:t>Wheel rotation → distance</a:t>
+              <a:t>y</a:t>
+            </a:r>
+            <a:r>
+              <a:rPr sz="2400" b="0" i="0" u="none">
+                <a:solidFill>
+                  <a:schemeClr val="bg1"/>
+                </a:solidFill>
+                <a:latin typeface="Aptos Display"/>
+                <a:ea typeface="Aptos Display"/>
+                <a:cs typeface="Aptos Display"/>
+              </a:rPr>
+              <a:t>: sideways position (meters)</a:t>
             </a:r>
             <a:endParaRPr sz="2800">
               <a:solidFill>
@@ -5959,7 +6004,18 @@
                 <a:ea typeface="Aptos Display"/>
                 <a:cs typeface="Aptos Display"/>
               </a:rPr>
-              <a:t>Left vs right difference → turning</a:t>
+              <a:t>θ</a:t>
+            </a:r>
+            <a:r>
+              <a:rPr sz="2400" b="0" i="0" u="none">
+                <a:solidFill>
+                  <a:schemeClr val="bg1"/>
+                </a:solidFill>
+                <a:latin typeface="Aptos Display"/>
+                <a:ea typeface="Aptos Display"/>
+                <a:cs typeface="Aptos Display"/>
+              </a:rPr>
+              <a:t>: heading angle (radians)</a:t>
             </a:r>
             <a:endParaRPr sz="2800">
               <a:solidFill>
@@ -5970,19 +6026,41 @@
             </a:endParaRPr>
           </a:p>
           <a:p>
-            <a:pPr lvl="1">
-              <a:defRPr/>
-            </a:pPr>
-            <a:r>
-              <a:rPr sz="2400" b="0" i="0" u="none">
-                <a:solidFill>
-                  <a:schemeClr val="bg1"/>
-                </a:solidFill>
-                <a:latin typeface="Aptos Display"/>
-                <a:ea typeface="Aptos Display"/>
-                <a:cs typeface="Aptos Display"/>
-              </a:rPr>
-              <a:t>Continuous feedback</a:t>
+            <a:pPr>
+              <a:defRPr/>
+            </a:pPr>
+            <a:r>
+              <a:rPr sz="2800" b="0" i="0" u="none">
+                <a:solidFill>
+                  <a:schemeClr val="bg1"/>
+                </a:solidFill>
+                <a:latin typeface="Aptos Display"/>
+                <a:ea typeface="Aptos Display"/>
+                <a:cs typeface="Aptos Display"/>
+              </a:rPr>
+              <a:t>This is called the </a:t>
+            </a:r>
+            <a:r>
+              <a:rPr sz="2800" b="1" i="0" u="none">
+                <a:solidFill>
+                  <a:schemeClr val="bg1"/>
+                </a:solidFill>
+                <a:latin typeface="Aptos Display"/>
+                <a:ea typeface="Aptos Display"/>
+                <a:cs typeface="Aptos Display"/>
+              </a:rPr>
+              <a:t>robot pose</a:t>
+            </a:r>
+            <a:r>
+              <a:rPr sz="2800" b="0" i="0" u="none">
+                <a:solidFill>
+                  <a:schemeClr val="bg1"/>
+                </a:solidFill>
+                <a:latin typeface="Aptos Display"/>
+                <a:ea typeface="Aptos Display"/>
+                <a:cs typeface="Aptos Display"/>
+              </a:rPr>
+              <a:t>:</a:t>
             </a:r>
             <a:endParaRPr sz="2800">
               <a:solidFill>
@@ -5993,6 +6071,20 @@
             </a:endParaRPr>
           </a:p>
           <a:p>
+            <a:pPr marL="0" indent="0">
+              <a:buFont typeface="Arial"/>
+              <a:buNone/>
+              <a:defRPr/>
+            </a:pPr>
+            <a:endParaRPr sz="2800">
+              <a:solidFill>
+                <a:schemeClr val="bg1"/>
+              </a:solidFill>
+              <a:latin typeface="Aptos Display"/>
+              <a:cs typeface="Aptos Display"/>
+            </a:endParaRPr>
+          </a:p>
+          <a:p>
             <a:pPr>
               <a:defRPr/>
             </a:pPr>
@@ -6005,99 +6097,7 @@
                 <a:ea typeface="Aptos Display"/>
                 <a:cs typeface="Aptos Display"/>
               </a:rPr>
-              <a:t>Encoders enable:</a:t>
-            </a:r>
-            <a:endParaRPr sz="2800">
-              <a:solidFill>
-                <a:schemeClr val="bg1"/>
-              </a:solidFill>
-              <a:latin typeface="Aptos Display"/>
-              <a:cs typeface="Aptos Display"/>
-            </a:endParaRPr>
-          </a:p>
-          <a:p>
-            <a:pPr lvl="1">
-              <a:defRPr/>
-            </a:pPr>
-            <a:r>
-              <a:rPr sz="2400" b="0" i="0" u="none">
-                <a:solidFill>
-                  <a:schemeClr val="bg1"/>
-                </a:solidFill>
-                <a:latin typeface="Aptos Display"/>
-                <a:ea typeface="Aptos Display"/>
-                <a:cs typeface="Aptos Display"/>
-              </a:rPr>
-              <a:t>Position estimation</a:t>
-            </a:r>
-            <a:endParaRPr sz="2800">
-              <a:solidFill>
-                <a:schemeClr val="bg1"/>
-              </a:solidFill>
-              <a:latin typeface="Aptos Display"/>
-              <a:cs typeface="Aptos Display"/>
-            </a:endParaRPr>
-          </a:p>
-          <a:p>
-            <a:pPr lvl="1">
-              <a:defRPr/>
-            </a:pPr>
-            <a:r>
-              <a:rPr sz="2400" b="0" i="0" u="none">
-                <a:solidFill>
-                  <a:schemeClr val="bg1"/>
-                </a:solidFill>
-                <a:latin typeface="Aptos Display"/>
-                <a:ea typeface="Aptos Display"/>
-                <a:cs typeface="Aptos Display"/>
-              </a:rPr>
-              <a:t>Heading estimation</a:t>
-            </a:r>
-            <a:endParaRPr sz="2800">
-              <a:solidFill>
-                <a:schemeClr val="bg1"/>
-              </a:solidFill>
-              <a:latin typeface="Aptos Display"/>
-              <a:cs typeface="Aptos Display"/>
-            </a:endParaRPr>
-          </a:p>
-          <a:p>
-            <a:pPr lvl="1">
-              <a:defRPr/>
-            </a:pPr>
-            <a:r>
-              <a:rPr sz="2400" b="0" i="0" u="none">
-                <a:solidFill>
-                  <a:schemeClr val="bg1"/>
-                </a:solidFill>
-                <a:latin typeface="Aptos Display"/>
-                <a:ea typeface="Aptos Display"/>
-                <a:cs typeface="Aptos Display"/>
-              </a:rPr>
-              <a:t>Closed-loop motion</a:t>
-            </a:r>
-            <a:endParaRPr sz="2800">
-              <a:solidFill>
-                <a:schemeClr val="bg1"/>
-              </a:solidFill>
-              <a:latin typeface="Aptos Display"/>
-              <a:cs typeface="Aptos Display"/>
-            </a:endParaRPr>
-          </a:p>
-          <a:p>
-            <a:pPr>
-              <a:defRPr/>
-            </a:pPr>
-            <a:r>
-              <a:rPr sz="2800" b="0" i="0" u="none">
-                <a:solidFill>
-                  <a:schemeClr val="bg1"/>
-                </a:solidFill>
-                <a:latin typeface="Aptos Display"/>
-                <a:ea typeface="Aptos Display"/>
-                <a:cs typeface="Aptos Display"/>
-              </a:rPr>
-              <a:t> Without encoders, the robot is </a:t>
+              <a:t>📌 The robot estimates its pose using </a:t>
             </a:r>
             <a:r>
               <a:rPr sz="2800" b="1" i="0" u="none">
@@ -6108,7 +6108,7 @@
                 <a:ea typeface="Aptos Display"/>
                 <a:cs typeface="Aptos Display"/>
               </a:rPr>
-              <a:t>blind</a:t>
+              <a:t>encoder odometry</a:t>
             </a:r>
             <a:endParaRPr/>
           </a:p>
@@ -6116,7 +6116,7 @@
       </p:sp>
       <p:pic>
         <p:nvPicPr>
-          <p:cNvPr id="411967255" name="Picture 3"/>
+          <p:cNvPr id="222853969" name="Picture 3"/>
           <p:cNvPicPr>
             <a:picLocks noChangeAspect="1"/>
           </p:cNvPicPr>
@@ -6130,6 +6130,28 @@
           <a:xfrm>
             <a:off x="9971310" y="156098"/>
             <a:ext cx="2037717" cy="549225"/>
+          </a:xfrm>
+          <a:prstGeom prst="rect">
+            <a:avLst/>
+          </a:prstGeom>
+        </p:spPr>
+      </p:pic>
+      <p:pic>
+        <p:nvPicPr>
+          <p:cNvPr id="1888142977" name=""/>
+          <p:cNvPicPr>
+            <a:picLocks noChangeAspect="1"/>
+          </p:cNvPicPr>
+          <p:nvPr/>
+        </p:nvPicPr>
+        <p:blipFill>
+          <a:blip r:embed="rId4"/>
+          <a:stretch/>
+        </p:blipFill>
+        <p:spPr bwMode="auto">
+          <a:xfrm>
+            <a:off x="3594394" y="4424228"/>
+            <a:ext cx="1771650" cy="571500"/>
           </a:xfrm>
           <a:prstGeom prst="rect">
             <a:avLst/>
@@ -6178,7 +6200,7 @@
       </p:grpSpPr>
       <p:sp>
         <p:nvSpPr>
-          <p:cNvPr id="152615836" name="Title 1"/>
+          <p:cNvPr id="960562864" name="Title 1"/>
           <p:cNvSpPr>
             <a:spLocks noGrp="1"/>
           </p:cNvSpPr>
@@ -6202,15 +6224,15 @@
               <a:defRPr/>
             </a:pPr>
             <a:r>
-              <a:rPr lang="en-US" sz="4400" b="0" i="0" u="none" strike="noStrike" cap="none" spc="0">
-                <a:solidFill>
-                  <a:schemeClr val="bg1"/>
-                </a:solidFill>
-                <a:latin typeface="Aptos Display"/>
-                <a:ea typeface="Aptos Display"/>
-                <a:cs typeface="Aptos Display"/>
-              </a:rPr>
-              <a:t>Encoder-Based Constant Speed Control using PI</a:t>
+              <a:rPr lang="en-US" sz="4400" b="1" i="0" u="none" strike="noStrike" cap="none" spc="0">
+                <a:solidFill>
+                  <a:schemeClr val="bg1"/>
+                </a:solidFill>
+                <a:latin typeface="Aptos Display"/>
+                <a:ea typeface="Aptos Display"/>
+                <a:cs typeface="Aptos Display"/>
+              </a:rPr>
+              <a:t>Sine Wave Trajectory Tracking</a:t>
             </a:r>
             <a:endParaRPr/>
           </a:p>
@@ -6218,7 +6240,7 @@
       </p:sp>
       <p:sp>
         <p:nvSpPr>
-          <p:cNvPr id="1289267295" name="Content Placeholder 2"/>
+          <p:cNvPr id="1397345578" name="Content Placeholder 2"/>
           <p:cNvSpPr>
             <a:spLocks noGrp="1"/>
           </p:cNvSpPr>
@@ -6250,7 +6272,7 @@
                 <a:ea typeface="Aptos Display"/>
                 <a:cs typeface="Aptos Display"/>
               </a:rPr>
-              <a:t> Distance From Encoder Ticks</a:t>
+              <a:t>Encoder Role in This Experiment</a:t>
             </a:r>
             <a:endParaRPr sz="2800">
               <a:solidFill>
@@ -6273,7 +6295,7 @@
                 <a:ea typeface="Aptos Display"/>
                 <a:cs typeface="Aptos Display"/>
               </a:rPr>
-              <a:t>Distance Calculation Formula</a:t>
+              <a:t>Why Encoders Are Critical</a:t>
             </a:r>
             <a:endParaRPr sz="2800">
               <a:solidFill>
@@ -6284,11 +6306,20 @@
             </a:endParaRPr>
           </a:p>
           <a:p>
-            <a:pPr marL="0" indent="0">
-              <a:buFont typeface="Arial"/>
-              <a:buNone/>
-              <a:defRPr/>
-            </a:pPr>
+            <a:pPr lvl="1">
+              <a:defRPr/>
+            </a:pPr>
+            <a:r>
+              <a:rPr sz="2800" b="0" i="0" u="none">
+                <a:solidFill>
+                  <a:schemeClr val="bg1"/>
+                </a:solidFill>
+                <a:latin typeface="Aptos Display"/>
+                <a:ea typeface="Aptos Display"/>
+                <a:cs typeface="Aptos Display"/>
+              </a:rPr>
+              <a:t>Encoders provide:</a:t>
+            </a:r>
             <a:endParaRPr sz="2800">
               <a:solidFill>
                 <a:schemeClr val="bg1"/>
@@ -6298,7 +6329,7 @@
             </a:endParaRPr>
           </a:p>
           <a:p>
-            <a:pPr>
+            <a:pPr lvl="2">
               <a:defRPr/>
             </a:pPr>
             <a:r>
@@ -6310,7 +6341,179 @@
                 <a:ea typeface="Aptos Display"/>
                 <a:cs typeface="Aptos Display"/>
               </a:rPr>
-              <a:t>In code:</a:t>
+              <a:t>Wheel rotation → distance</a:t>
+            </a:r>
+            <a:endParaRPr sz="2800">
+              <a:solidFill>
+                <a:schemeClr val="bg1"/>
+              </a:solidFill>
+              <a:latin typeface="Aptos Display"/>
+              <a:cs typeface="Aptos Display"/>
+            </a:endParaRPr>
+          </a:p>
+          <a:p>
+            <a:pPr lvl="2">
+              <a:defRPr/>
+            </a:pPr>
+            <a:r>
+              <a:rPr sz="2800" b="0" i="0" u="none">
+                <a:solidFill>
+                  <a:schemeClr val="bg1"/>
+                </a:solidFill>
+                <a:latin typeface="Aptos Display"/>
+                <a:ea typeface="Aptos Display"/>
+                <a:cs typeface="Aptos Display"/>
+              </a:rPr>
+              <a:t>Left vs right difference → turning</a:t>
+            </a:r>
+            <a:endParaRPr sz="2800">
+              <a:solidFill>
+                <a:schemeClr val="bg1"/>
+              </a:solidFill>
+              <a:latin typeface="Aptos Display"/>
+              <a:cs typeface="Aptos Display"/>
+            </a:endParaRPr>
+          </a:p>
+          <a:p>
+            <a:pPr lvl="2">
+              <a:defRPr/>
+            </a:pPr>
+            <a:r>
+              <a:rPr sz="2800" b="0" i="0" u="none">
+                <a:solidFill>
+                  <a:schemeClr val="bg1"/>
+                </a:solidFill>
+                <a:latin typeface="Aptos Display"/>
+                <a:ea typeface="Aptos Display"/>
+                <a:cs typeface="Aptos Display"/>
+              </a:rPr>
+              <a:t>Continuous feedback</a:t>
+            </a:r>
+            <a:endParaRPr sz="2800">
+              <a:solidFill>
+                <a:schemeClr val="bg1"/>
+              </a:solidFill>
+              <a:latin typeface="Aptos Display"/>
+              <a:cs typeface="Aptos Display"/>
+            </a:endParaRPr>
+          </a:p>
+          <a:p>
+            <a:pPr lvl="1">
+              <a:defRPr/>
+            </a:pPr>
+            <a:r>
+              <a:rPr sz="2800" b="0" i="0" u="none">
+                <a:solidFill>
+                  <a:schemeClr val="bg1"/>
+                </a:solidFill>
+                <a:latin typeface="Aptos Display"/>
+                <a:ea typeface="Aptos Display"/>
+                <a:cs typeface="Aptos Display"/>
+              </a:rPr>
+              <a:t>Encoders enable:</a:t>
+            </a:r>
+            <a:endParaRPr sz="2800">
+              <a:solidFill>
+                <a:schemeClr val="bg1"/>
+              </a:solidFill>
+              <a:latin typeface="Aptos Display"/>
+              <a:cs typeface="Aptos Display"/>
+            </a:endParaRPr>
+          </a:p>
+          <a:p>
+            <a:pPr lvl="2">
+              <a:defRPr/>
+            </a:pPr>
+            <a:r>
+              <a:rPr sz="2800" b="0" i="0" u="none">
+                <a:solidFill>
+                  <a:schemeClr val="bg1"/>
+                </a:solidFill>
+                <a:latin typeface="Aptos Display"/>
+                <a:ea typeface="Aptos Display"/>
+                <a:cs typeface="Aptos Display"/>
+              </a:rPr>
+              <a:t>Position estimation</a:t>
+            </a:r>
+            <a:endParaRPr sz="2800">
+              <a:solidFill>
+                <a:schemeClr val="bg1"/>
+              </a:solidFill>
+              <a:latin typeface="Aptos Display"/>
+              <a:cs typeface="Aptos Display"/>
+            </a:endParaRPr>
+          </a:p>
+          <a:p>
+            <a:pPr lvl="2">
+              <a:defRPr/>
+            </a:pPr>
+            <a:r>
+              <a:rPr sz="2800" b="0" i="0" u="none">
+                <a:solidFill>
+                  <a:schemeClr val="bg1"/>
+                </a:solidFill>
+                <a:latin typeface="Aptos Display"/>
+                <a:ea typeface="Aptos Display"/>
+                <a:cs typeface="Aptos Display"/>
+              </a:rPr>
+              <a:t>Heading estimation</a:t>
+            </a:r>
+            <a:endParaRPr sz="2800">
+              <a:solidFill>
+                <a:schemeClr val="bg1"/>
+              </a:solidFill>
+              <a:latin typeface="Aptos Display"/>
+              <a:cs typeface="Aptos Display"/>
+            </a:endParaRPr>
+          </a:p>
+          <a:p>
+            <a:pPr lvl="2">
+              <a:defRPr/>
+            </a:pPr>
+            <a:r>
+              <a:rPr sz="2800" b="0" i="0" u="none">
+                <a:solidFill>
+                  <a:schemeClr val="bg1"/>
+                </a:solidFill>
+                <a:latin typeface="Aptos Display"/>
+                <a:ea typeface="Aptos Display"/>
+                <a:cs typeface="Aptos Display"/>
+              </a:rPr>
+              <a:t>Closed-loop motion</a:t>
+            </a:r>
+            <a:endParaRPr sz="2800">
+              <a:solidFill>
+                <a:schemeClr val="bg1"/>
+              </a:solidFill>
+              <a:latin typeface="Aptos Display"/>
+              <a:cs typeface="Aptos Display"/>
+            </a:endParaRPr>
+          </a:p>
+          <a:p>
+            <a:pPr>
+              <a:defRPr/>
+            </a:pPr>
+            <a:r>
+              <a:rPr sz="2800" b="0" i="0" u="none">
+                <a:solidFill>
+                  <a:schemeClr val="bg1"/>
+                </a:solidFill>
+                <a:latin typeface="Aptos Display"/>
+                <a:ea typeface="Aptos Display"/>
+                <a:cs typeface="Aptos Display"/>
+              </a:rPr>
+              <a:t> Without encoders, the robot is </a:t>
+            </a:r>
+            <a:r>
+              <a:rPr sz="2800" b="1" i="0" u="none">
+                <a:solidFill>
+                  <a:schemeClr val="bg1"/>
+                </a:solidFill>
+                <a:latin typeface="Aptos Display"/>
+                <a:ea typeface="Aptos Display"/>
+                <a:cs typeface="Aptos Display"/>
+              </a:rPr>
+              <a:t>blind</a:t>
             </a:r>
             <a:endParaRPr/>
           </a:p>
@@ -6318,7 +6521,7 @@
       </p:sp>
       <p:pic>
         <p:nvPicPr>
-          <p:cNvPr id="227904085" name="Picture 3"/>
+          <p:cNvPr id="411967255" name="Picture 3"/>
           <p:cNvPicPr>
             <a:picLocks noChangeAspect="1"/>
           </p:cNvPicPr>
@@ -6338,86 +6541,6 @@
           </a:prstGeom>
         </p:spPr>
       </p:pic>
-      <p:pic>
-        <p:nvPicPr>
-          <p:cNvPr id="756391904" name=""/>
-          <p:cNvPicPr>
-            <a:picLocks noChangeAspect="1"/>
-          </p:cNvPicPr>
-          <p:nvPr/>
-        </p:nvPicPr>
-        <p:blipFill>
-          <a:blip r:embed="rId4"/>
-          <a:stretch/>
-        </p:blipFill>
-        <p:spPr bwMode="auto">
-          <a:xfrm>
-            <a:off x="1851588" y="2261074"/>
-            <a:ext cx="3609974" cy="438149"/>
-          </a:xfrm>
-          <a:prstGeom prst="rect">
-            <a:avLst/>
-          </a:prstGeom>
-        </p:spPr>
-      </p:pic>
-      <p:pic>
-        <p:nvPicPr>
-          <p:cNvPr id="584401898" name=""/>
-          <p:cNvPicPr>
-            <a:picLocks noChangeAspect="1"/>
-          </p:cNvPicPr>
-          <p:nvPr/>
-        </p:nvPicPr>
-        <p:blipFill>
-          <a:blip r:embed="rId5"/>
-          <a:stretch/>
-        </p:blipFill>
-        <p:spPr bwMode="auto">
-          <a:xfrm>
-            <a:off x="1851588" y="3169065"/>
-            <a:ext cx="3905249" cy="790574"/>
-          </a:xfrm>
-          <a:prstGeom prst="rect">
-            <a:avLst/>
-          </a:prstGeom>
-        </p:spPr>
-      </p:pic>
-      <p:sp>
-        <p:nvSpPr>
-          <p:cNvPr id="920034930" name=""/>
-          <p:cNvSpPr/>
-          <p:nvPr/>
-        </p:nvSpPr>
-        <p:spPr bwMode="auto">
-          <a:xfrm flipH="0" flipV="0">
-            <a:off x="616132" y="4432489"/>
-            <a:ext cx="7050007" cy="518519"/>
-          </a:xfrm>
-        </p:spPr>
-        <p:txBody>
-          <a:bodyPr rot="0" spcFirstLastPara="0" vertOverflow="overflow" horzOverflow="overflow" vert="horz" wrap="square" lIns="91440" tIns="45720" rIns="91440" bIns="45720" numCol="1" spcCol="0" rtlCol="0" fromWordArt="0" anchor="t" anchorCtr="0" forceAA="0" upright="0" compatLnSpc="1">
-            <a:prstTxWarp prst="textNoShape"/>
-            <a:spAutoFit/>
-          </a:bodyPr>
-          <a:p>
-            <a:pPr>
-              <a:defRPr/>
-            </a:pPr>
-            <a:r>
-              <a:rPr sz="2800" b="0" i="0" u="none">
-                <a:solidFill>
-                  <a:schemeClr val="bg1"/>
-                </a:solidFill>
-                <a:latin typeface="Aptos Display"/>
-                <a:ea typeface="Aptos Display"/>
-                <a:cs typeface="Aptos Display"/>
-              </a:rPr>
-              <a:t>Converts raw pulses into real-world motion.</a:t>
-            </a:r>
-            <a:endParaRPr/>
-          </a:p>
-        </p:txBody>
-      </p:sp>
     </p:spTree>
   </p:cSld>
   <p:clrMapOvr>
@@ -6460,7 +6583,7 @@
       </p:grpSpPr>
       <p:sp>
         <p:nvSpPr>
-          <p:cNvPr id="688180019" name="Title 1"/>
+          <p:cNvPr id="152615836" name="Title 1"/>
           <p:cNvSpPr>
             <a:spLocks noGrp="1"/>
           </p:cNvSpPr>
@@ -6484,15 +6607,335 @@
               <a:defRPr/>
             </a:pPr>
             <a:r>
-              <a:rPr lang="en-US" sz="4400" b="0" i="0" u="none" strike="noStrike" cap="none" spc="0">
-                <a:solidFill>
-                  <a:schemeClr val="bg1"/>
-                </a:solidFill>
-                <a:latin typeface="Aptos Display"/>
-                <a:ea typeface="Aptos Display"/>
-                <a:cs typeface="Aptos Display"/>
-              </a:rPr>
-              <a:t>Encoder-Based Constant Speed Control using PI</a:t>
+              <a:rPr lang="en-US" sz="4400" b="1" i="0" u="none" strike="noStrike" cap="none" spc="0">
+                <a:solidFill>
+                  <a:schemeClr val="bg1"/>
+                </a:solidFill>
+                <a:latin typeface="Aptos Display"/>
+                <a:ea typeface="Aptos Display"/>
+                <a:cs typeface="Aptos Display"/>
+              </a:rPr>
+              <a:t>Sine Wave Trajectory Tracking</a:t>
+            </a:r>
+            <a:endParaRPr/>
+          </a:p>
+        </p:txBody>
+      </p:sp>
+      <p:sp>
+        <p:nvSpPr>
+          <p:cNvPr id="1289267295" name="Content Placeholder 2"/>
+          <p:cNvSpPr>
+            <a:spLocks noGrp="1"/>
+          </p:cNvSpPr>
+          <p:nvPr>
+            <p:ph idx="1"/>
+          </p:nvPr>
+        </p:nvSpPr>
+        <p:spPr bwMode="auto">
+          <a:xfrm flipH="0" flipV="0">
+            <a:off x="393104" y="1299670"/>
+            <a:ext cx="11023515" cy="5145279"/>
+          </a:xfrm>
+        </p:spPr>
+        <p:txBody>
+          <a:bodyPr vertOverflow="overflow" horzOverflow="overflow" vert="horz" wrap="square" lIns="91440" tIns="45720" rIns="91440" bIns="45720" numCol="1" spcCol="0" rtlCol="0" fromWordArt="0" anchor="t" anchorCtr="0" forceAA="0" upright="0" compatLnSpc="0">
+            <a:normAutofit/>
+          </a:bodyPr>
+          <a:lstStyle/>
+          <a:p>
+            <a:pPr>
+              <a:defRPr/>
+            </a:pPr>
+            <a:r>
+              <a:rPr sz="2800" b="1" i="0" u="none">
+                <a:solidFill>
+                  <a:schemeClr val="bg1"/>
+                </a:solidFill>
+                <a:latin typeface="Aptos Display"/>
+                <a:ea typeface="Aptos Display"/>
+                <a:cs typeface="Aptos Display"/>
+              </a:rPr>
+              <a:t> Distance From Encoder Ticks</a:t>
+            </a:r>
+            <a:endParaRPr sz="2800">
+              <a:solidFill>
+                <a:schemeClr val="bg1"/>
+              </a:solidFill>
+              <a:latin typeface="Aptos Display"/>
+              <a:ea typeface="Aptos Display"/>
+              <a:cs typeface="Aptos Display"/>
+            </a:endParaRPr>
+          </a:p>
+          <a:p>
+            <a:pPr marL="0" indent="0">
+              <a:buFont typeface="Arial"/>
+              <a:buNone/>
+              <a:defRPr/>
+            </a:pPr>
+            <a:endParaRPr sz="2800">
+              <a:solidFill>
+                <a:schemeClr val="bg1"/>
+              </a:solidFill>
+              <a:latin typeface="Aptos Display"/>
+              <a:cs typeface="Aptos Display"/>
+            </a:endParaRPr>
+          </a:p>
+          <a:p>
+            <a:pPr>
+              <a:defRPr/>
+            </a:pPr>
+            <a:r>
+              <a:rPr sz="2800" b="1" i="0" u="none">
+                <a:solidFill>
+                  <a:schemeClr val="bg1"/>
+                </a:solidFill>
+                <a:latin typeface="Aptos Display"/>
+                <a:ea typeface="Aptos Display"/>
+                <a:cs typeface="Aptos Display"/>
+              </a:rPr>
+              <a:t>Distance Calculation Formula</a:t>
+            </a:r>
+            <a:endParaRPr sz="2800">
+              <a:solidFill>
+                <a:schemeClr val="bg1"/>
+              </a:solidFill>
+              <a:latin typeface="Aptos Display"/>
+              <a:cs typeface="Aptos Display"/>
+            </a:endParaRPr>
+          </a:p>
+          <a:p>
+            <a:pPr marL="0" indent="0">
+              <a:buFont typeface="Arial"/>
+              <a:buNone/>
+              <a:defRPr/>
+            </a:pPr>
+            <a:endParaRPr sz="2800">
+              <a:solidFill>
+                <a:schemeClr val="bg1"/>
+              </a:solidFill>
+              <a:latin typeface="Aptos Display"/>
+              <a:cs typeface="Aptos Display"/>
+            </a:endParaRPr>
+          </a:p>
+          <a:p>
+            <a:pPr marL="0" indent="0">
+              <a:buFont typeface="Arial"/>
+              <a:buNone/>
+              <a:defRPr/>
+            </a:pPr>
+            <a:endParaRPr/>
+          </a:p>
+          <a:p>
+            <a:pPr marL="0" indent="0">
+              <a:buFont typeface="Arial"/>
+              <a:buNone/>
+              <a:defRPr/>
+            </a:pPr>
+            <a:endParaRPr/>
+          </a:p>
+          <a:p>
+            <a:pPr>
+              <a:defRPr/>
+            </a:pPr>
+            <a:r>
+              <a:rPr sz="2800" b="0" i="0" u="none">
+                <a:solidFill>
+                  <a:schemeClr val="bg1"/>
+                </a:solidFill>
+                <a:latin typeface="Aptos Display"/>
+                <a:ea typeface="Aptos Display"/>
+                <a:cs typeface="Aptos Display"/>
+              </a:rPr>
+              <a:t>In code:</a:t>
+            </a:r>
+            <a:endParaRPr sz="2800" b="0" i="0" u="none">
+              <a:solidFill>
+                <a:schemeClr val="bg1"/>
+              </a:solidFill>
+              <a:latin typeface="Aptos Display"/>
+              <a:ea typeface="Aptos Display"/>
+              <a:cs typeface="Aptos Display"/>
+            </a:endParaRPr>
+          </a:p>
+        </p:txBody>
+      </p:sp>
+      <p:pic>
+        <p:nvPicPr>
+          <p:cNvPr id="227904085" name="Picture 3"/>
+          <p:cNvPicPr>
+            <a:picLocks noChangeAspect="1"/>
+          </p:cNvPicPr>
+          <p:nvPr/>
+        </p:nvPicPr>
+        <p:blipFill>
+          <a:blip r:embed="rId3"/>
+          <a:stretch/>
+        </p:blipFill>
+        <p:spPr bwMode="auto">
+          <a:xfrm>
+            <a:off x="9971310" y="156098"/>
+            <a:ext cx="2037717" cy="549225"/>
+          </a:xfrm>
+          <a:prstGeom prst="rect">
+            <a:avLst/>
+          </a:prstGeom>
+        </p:spPr>
+      </p:pic>
+      <p:pic>
+        <p:nvPicPr>
+          <p:cNvPr id="756391904" name=""/>
+          <p:cNvPicPr>
+            <a:picLocks noChangeAspect="1"/>
+          </p:cNvPicPr>
+          <p:nvPr/>
+        </p:nvPicPr>
+        <p:blipFill>
+          <a:blip r:embed="rId4"/>
+          <a:stretch/>
+        </p:blipFill>
+        <p:spPr bwMode="auto">
+          <a:xfrm>
+            <a:off x="2294887" y="2884205"/>
+            <a:ext cx="3609974" cy="438149"/>
+          </a:xfrm>
+          <a:prstGeom prst="rect">
+            <a:avLst/>
+          </a:prstGeom>
+        </p:spPr>
+      </p:pic>
+      <p:pic>
+        <p:nvPicPr>
+          <p:cNvPr id="584401898" name=""/>
+          <p:cNvPicPr>
+            <a:picLocks noChangeAspect="1"/>
+          </p:cNvPicPr>
+          <p:nvPr/>
+        </p:nvPicPr>
+        <p:blipFill>
+          <a:blip r:embed="rId5"/>
+          <a:stretch/>
+        </p:blipFill>
+        <p:spPr bwMode="auto">
+          <a:xfrm flipH="0" flipV="0">
+            <a:off x="2294887" y="4478690"/>
+            <a:ext cx="3750392" cy="790574"/>
+          </a:xfrm>
+          <a:prstGeom prst="rect">
+            <a:avLst/>
+          </a:prstGeom>
+        </p:spPr>
+      </p:pic>
+      <p:sp>
+        <p:nvSpPr>
+          <p:cNvPr id="920034930" name=""/>
+          <p:cNvSpPr/>
+          <p:nvPr/>
+        </p:nvSpPr>
+        <p:spPr bwMode="auto">
+          <a:xfrm flipH="0" flipV="0">
+            <a:off x="500407" y="5732162"/>
+            <a:ext cx="7050007" cy="518519"/>
+          </a:xfrm>
+        </p:spPr>
+        <p:txBody>
+          <a:bodyPr rot="0" spcFirstLastPara="0" vertOverflow="overflow" horzOverflow="overflow" vert="horz" wrap="square" lIns="91440" tIns="45720" rIns="91440" bIns="45720" numCol="1" spcCol="0" rtlCol="0" fromWordArt="0" anchor="t" anchorCtr="0" forceAA="0" upright="0" compatLnSpc="1">
+            <a:prstTxWarp prst="textNoShape"/>
+            <a:spAutoFit/>
+          </a:bodyPr>
+          <a:p>
+            <a:pPr>
+              <a:defRPr/>
+            </a:pPr>
+            <a:r>
+              <a:rPr sz="2800" b="0" i="0" u="none">
+                <a:solidFill>
+                  <a:schemeClr val="bg1"/>
+                </a:solidFill>
+                <a:latin typeface="Aptos Display"/>
+                <a:ea typeface="Aptos Display"/>
+                <a:cs typeface="Aptos Display"/>
+              </a:rPr>
+              <a:t>Converts raw pulses into real-world motion.</a:t>
+            </a:r>
+            <a:endParaRPr/>
+          </a:p>
+        </p:txBody>
+      </p:sp>
+    </p:spTree>
+  </p:cSld>
+  <p:clrMapOvr>
+    <a:masterClrMapping/>
+  </p:clrMapOvr>
+  <mc:AlternateContent xmlns:mc="http://schemas.openxmlformats.org/markup-compatibility/2006">
+    <mc:Choice xmlns:p159="http://schemas.microsoft.com/office/powerpoint/2015/09/main" xmlns:p14="http://schemas.microsoft.com/office/powerpoint/2010/main" Requires="p159">
+      <p:transition p14:dur="2000" advClick="1"/>
+    </mc:Choice>
+    <mc:Fallback>
+      <p:transition advClick="1"/>
+    </mc:Fallback>
+  </mc:AlternateContent>
+</p:sld>
+</file>
+
+<file path=ppt/slides/slide13.xml><?xml version="1.0" encoding="utf-8"?>
+<p:sld xmlns:a="http://schemas.openxmlformats.org/drawingml/2006/main" xmlns:r="http://schemas.openxmlformats.org/officeDocument/2006/relationships" xmlns:p="http://schemas.openxmlformats.org/presentationml/2006/main" xmlns:m="http://schemas.openxmlformats.org/officeDocument/2006/math" xmlns:w="http://schemas.openxmlformats.org/wordprocessingml/2006/main" xmlns:mc="http://schemas.openxmlformats.org/markup-compatibility/2006" showMasterPhAnim="0" showMasterSp="1" show="1">
+  <p:cSld name="">
+    <p:bg>
+      <p:bgPr shadeToTitle="0">
+        <a:solidFill>
+          <a:schemeClr val="tx2"/>
+        </a:solidFill>
+      </p:bgPr>
+    </p:bg>
+    <p:spTree>
+      <p:nvGrpSpPr>
+        <p:cNvPr id="1" name=""/>
+        <p:cNvGrpSpPr/>
+        <p:nvPr/>
+      </p:nvGrpSpPr>
+      <p:grpSpPr bwMode="auto">
+        <a:xfrm>
+          <a:off x="0" y="0"/>
+          <a:ext cx="0" cy="0"/>
+          <a:chOff x="0" y="0"/>
+          <a:chExt cx="0" cy="0"/>
+        </a:xfrm>
+      </p:grpSpPr>
+      <p:sp>
+        <p:nvSpPr>
+          <p:cNvPr id="688180019" name="Title 1"/>
+          <p:cNvSpPr>
+            <a:spLocks noGrp="1"/>
+          </p:cNvSpPr>
+          <p:nvPr>
+            <p:ph type="title"/>
+          </p:nvPr>
+        </p:nvSpPr>
+        <p:spPr bwMode="auto">
+          <a:xfrm flipH="0" flipV="0">
+            <a:off x="108244" y="42544"/>
+            <a:ext cx="10515600" cy="1132497"/>
+          </a:xfrm>
+        </p:spPr>
+        <p:txBody>
+          <a:bodyPr vertOverflow="overflow" horzOverflow="overflow" vert="horz" wrap="square" lIns="91440" tIns="45720" rIns="91440" bIns="45720" numCol="1" spcCol="0" rtlCol="0" fromWordArt="0" anchor="ctr" anchorCtr="0" forceAA="0" upright="0" compatLnSpc="0">
+            <a:normAutofit fontScale="90000" lnSpcReduction="2000"/>
+          </a:bodyPr>
+          <a:lstStyle/>
+          <a:p>
+            <a:pPr>
+              <a:defRPr/>
+            </a:pPr>
+            <a:r>
+              <a:rPr lang="en-US" sz="4400" b="1" i="0" u="none" strike="noStrike" cap="none" spc="0">
+                <a:solidFill>
+                  <a:schemeClr val="bg1"/>
+                </a:solidFill>
+                <a:latin typeface="Aptos Display"/>
+                <a:ea typeface="Aptos Display"/>
+                <a:cs typeface="Aptos Display"/>
+              </a:rPr>
+              <a:t>Sine Wave Trajectory Tracking</a:t>
             </a:r>
             <a:endParaRPr/>
           </a:p>
@@ -6777,7 +7220,7 @@
 </p:sld>
 </file>
 
-<file path=ppt/slides/slide13.xml><?xml version="1.0" encoding="utf-8"?>
+<file path=ppt/slides/slide14.xml><?xml version="1.0" encoding="utf-8"?>
 <p:sld xmlns:a="http://schemas.openxmlformats.org/drawingml/2006/main" xmlns:r="http://schemas.openxmlformats.org/officeDocument/2006/relationships" xmlns:p="http://schemas.openxmlformats.org/presentationml/2006/main" xmlns:m="http://schemas.openxmlformats.org/officeDocument/2006/math" xmlns:w="http://schemas.openxmlformats.org/wordprocessingml/2006/main" xmlns:mc="http://schemas.openxmlformats.org/markup-compatibility/2006" showMasterPhAnim="0" showMasterSp="1" show="1">
   <p:cSld name="">
     <p:bg>
@@ -6827,15 +7270,15 @@
               <a:defRPr/>
             </a:pPr>
             <a:r>
-              <a:rPr lang="en-US" sz="4400" b="0" i="0" u="none" strike="noStrike" cap="none" spc="0">
-                <a:solidFill>
-                  <a:schemeClr val="bg1"/>
-                </a:solidFill>
-                <a:latin typeface="Aptos Display"/>
-                <a:ea typeface="Aptos Display"/>
-                <a:cs typeface="Aptos Display"/>
-              </a:rPr>
-              <a:t>Encoder-Based Constant Speed Control using PI</a:t>
+              <a:rPr lang="en-US" sz="4400" b="1" i="0" u="none" strike="noStrike" cap="none" spc="0">
+                <a:solidFill>
+                  <a:schemeClr val="bg1"/>
+                </a:solidFill>
+                <a:latin typeface="Aptos Display"/>
+                <a:ea typeface="Aptos Display"/>
+                <a:cs typeface="Aptos Display"/>
+              </a:rPr>
+              <a:t>Sine Wave Trajectory Tracking</a:t>
             </a:r>
             <a:endParaRPr/>
           </a:p>
@@ -6859,7 +7302,7 @@
         </p:spPr>
         <p:txBody>
           <a:bodyPr vertOverflow="overflow" horzOverflow="overflow" vert="horz" wrap="square" lIns="91440" tIns="45720" rIns="91440" bIns="45720" numCol="1" spcCol="0" rtlCol="0" fromWordArt="0" anchor="t" anchorCtr="0" forceAA="0" upright="0" compatLnSpc="0">
-            <a:normAutofit fontScale="80000" lnSpcReduction="4000"/>
+            <a:normAutofit fontScale="75000" lnSpcReduction="5000"/>
           </a:bodyPr>
           <a:lstStyle/>
           <a:p>
@@ -6936,7 +7379,7 @@
               <a:defRPr/>
             </a:pPr>
             <a:r>
-              <a:rPr sz="2400" b="0" i="0" u="none">
+              <a:rPr sz="2800" b="0" i="0" u="none">
                 <a:solidFill>
                   <a:schemeClr val="bg1"/>
                 </a:solidFill>
@@ -6959,7 +7402,7 @@
               <a:defRPr/>
             </a:pPr>
             <a:r>
-              <a:rPr sz="2400" b="0" i="0" u="none">
+              <a:rPr sz="2800" b="0" i="0" u="none">
                 <a:solidFill>
                   <a:schemeClr val="bg1"/>
                 </a:solidFill>
@@ -6982,7 +7425,7 @@
               <a:defRPr/>
             </a:pPr>
             <a:r>
-              <a:rPr sz="2400" b="0" i="0" u="none">
+              <a:rPr sz="2800" b="0" i="0" u="none">
                 <a:solidFill>
                   <a:schemeClr val="bg1"/>
                 </a:solidFill>
@@ -7026,6 +7469,45 @@
               </a:rPr>
               <a:t>Pure Pursuit Control</a:t>
             </a:r>
+            <a:endParaRPr sz="2800" b="1" i="0" u="none">
+              <a:solidFill>
+                <a:schemeClr val="bg1"/>
+              </a:solidFill>
+              <a:latin typeface="Aptos Display"/>
+              <a:ea typeface="Aptos Display"/>
+              <a:cs typeface="Aptos Display"/>
+            </a:endParaRPr>
+          </a:p>
+          <a:p>
+            <a:pPr marL="0" indent="0">
+              <a:buFont typeface="Arial"/>
+              <a:buNone/>
+              <a:defRPr/>
+            </a:pPr>
+            <a:endParaRPr sz="2800" b="1" i="0" u="none">
+              <a:solidFill>
+                <a:schemeClr val="bg1"/>
+              </a:solidFill>
+              <a:latin typeface="Aptos Display"/>
+              <a:ea typeface="Aptos Display"/>
+              <a:cs typeface="Aptos Display"/>
+            </a:endParaRPr>
+          </a:p>
+          <a:p>
+            <a:pPr>
+              <a:defRPr/>
+            </a:pPr>
+            <a:r>
+              <a:rPr sz="2800" b="1" i="0" u="none">
+                <a:solidFill>
+                  <a:schemeClr val="bg1"/>
+                </a:solidFill>
+                <a:latin typeface="Aptos Display"/>
+                <a:ea typeface="Aptos Display"/>
+                <a:cs typeface="Aptos Display"/>
+              </a:rPr>
+              <a:t>Pure Pursuit Concept (Intuition)</a:t>
+            </a:r>
             <a:endParaRPr sz="2800">
               <a:solidFill>
                 <a:schemeClr val="bg1"/>
@@ -7036,19 +7518,19 @@
             </a:endParaRPr>
           </a:p>
           <a:p>
-            <a:pPr lvl="1">
-              <a:defRPr/>
-            </a:pPr>
-            <a:r>
-              <a:rPr sz="2400" b="1" i="0" u="none">
-                <a:solidFill>
-                  <a:schemeClr val="bg1"/>
-                </a:solidFill>
-                <a:latin typeface="Aptos Display"/>
-                <a:ea typeface="Aptos Display"/>
-                <a:cs typeface="Aptos Display"/>
-              </a:rPr>
-              <a:t>Pure Pursuit Concept (Intuition)</a:t>
+            <a:pPr lvl="2">
+              <a:defRPr/>
+            </a:pPr>
+            <a:r>
+              <a:rPr sz="2800" b="1" i="0" u="none">
+                <a:solidFill>
+                  <a:schemeClr val="bg1"/>
+                </a:solidFill>
+                <a:latin typeface="Aptos Display"/>
+                <a:ea typeface="Aptos Display"/>
+                <a:cs typeface="Aptos Display"/>
+              </a:rPr>
+              <a:t>Pure Pursuit Explained Simply</a:t>
             </a:r>
             <a:endParaRPr sz="2800">
               <a:solidFill>
@@ -7059,19 +7541,19 @@
             </a:endParaRPr>
           </a:p>
           <a:p>
-            <a:pPr lvl="2">
-              <a:defRPr/>
-            </a:pPr>
-            <a:r>
-              <a:rPr sz="2000" b="1" i="0" u="none">
-                <a:solidFill>
-                  <a:schemeClr val="bg1"/>
-                </a:solidFill>
-                <a:latin typeface="Aptos Display"/>
-                <a:ea typeface="Aptos Display"/>
-                <a:cs typeface="Aptos Display"/>
-              </a:rPr>
-              <a:t>Pure Pursuit Explained Simply</a:t>
+            <a:pPr lvl="3">
+              <a:defRPr/>
+            </a:pPr>
+            <a:r>
+              <a:rPr sz="2800" b="0" i="0" u="none">
+                <a:solidFill>
+                  <a:schemeClr val="bg1"/>
+                </a:solidFill>
+                <a:latin typeface="Aptos Display"/>
+                <a:ea typeface="Aptos Display"/>
+                <a:cs typeface="Aptos Display"/>
+              </a:rPr>
+              <a:t>Look ahead a short distance on the path</a:t>
             </a:r>
             <a:endParaRPr sz="2800">
               <a:solidFill>
@@ -7086,15 +7568,15 @@
               <a:defRPr/>
             </a:pPr>
             <a:r>
-              <a:rPr sz="1800" b="0" i="0" u="none">
-                <a:solidFill>
-                  <a:schemeClr val="bg1"/>
-                </a:solidFill>
-                <a:latin typeface="Aptos Display"/>
-                <a:ea typeface="Aptos Display"/>
-                <a:cs typeface="Aptos Display"/>
-              </a:rPr>
-              <a:t>Look ahead a short distance on the path</a:t>
+              <a:rPr sz="2800" b="0" i="0" u="none">
+                <a:solidFill>
+                  <a:schemeClr val="bg1"/>
+                </a:solidFill>
+                <a:latin typeface="Aptos Display"/>
+                <a:ea typeface="Aptos Display"/>
+                <a:cs typeface="Aptos Display"/>
+              </a:rPr>
+              <a:t>Aim the robot toward that point</a:t>
             </a:r>
             <a:endParaRPr sz="2800">
               <a:solidFill>
@@ -7109,15 +7591,15 @@
               <a:defRPr/>
             </a:pPr>
             <a:r>
-              <a:rPr sz="1800" b="0" i="0" u="none">
-                <a:solidFill>
-                  <a:schemeClr val="bg1"/>
-                </a:solidFill>
-                <a:latin typeface="Aptos Display"/>
-                <a:ea typeface="Aptos Display"/>
-                <a:cs typeface="Aptos Display"/>
-              </a:rPr>
-              <a:t>Aim the robot toward that point</a:t>
+              <a:rPr sz="2800" b="0" i="0" u="none">
+                <a:solidFill>
+                  <a:schemeClr val="bg1"/>
+                </a:solidFill>
+                <a:latin typeface="Aptos Display"/>
+                <a:ea typeface="Aptos Display"/>
+                <a:cs typeface="Aptos Display"/>
+              </a:rPr>
+              <a:t>Continuously repeat</a:t>
             </a:r>
             <a:endParaRPr sz="2800">
               <a:solidFill>
@@ -7128,29 +7610,6 @@
             </a:endParaRPr>
           </a:p>
           <a:p>
-            <a:pPr lvl="3">
-              <a:defRPr/>
-            </a:pPr>
-            <a:r>
-              <a:rPr sz="1800" b="0" i="0" u="none">
-                <a:solidFill>
-                  <a:schemeClr val="bg1"/>
-                </a:solidFill>
-                <a:latin typeface="Aptos Display"/>
-                <a:ea typeface="Aptos Display"/>
-                <a:cs typeface="Aptos Display"/>
-              </a:rPr>
-              <a:t>Continuously repeat</a:t>
-            </a:r>
-            <a:endParaRPr sz="2800">
-              <a:solidFill>
-                <a:schemeClr val="bg1"/>
-              </a:solidFill>
-              <a:latin typeface="Aptos Display"/>
-              <a:cs typeface="Aptos Display"/>
-            </a:endParaRPr>
-          </a:p>
-          <a:p>
             <a:pPr>
               <a:defRPr/>
             </a:pPr>
@@ -7166,7 +7625,7 @@
               <a:t>📌 Like a human walking while looking a few steps ahea</a:t>
             </a:r>
             <a:r>
-              <a:rPr sz="1200" b="0" i="0" u="none">
+              <a:rPr sz="2800" b="0" i="0" u="none">
                 <a:solidFill>
                   <a:srgbClr val="000000"/>
                 </a:solidFill>
@@ -7218,7 +7677,7 @@
 </p:sld>
 </file>
 
-<file path=ppt/slides/slide14.xml><?xml version="1.0" encoding="utf-8"?>
+<file path=ppt/slides/slide15.xml><?xml version="1.0" encoding="utf-8"?>
 <p:sld xmlns:a="http://schemas.openxmlformats.org/drawingml/2006/main" xmlns:r="http://schemas.openxmlformats.org/officeDocument/2006/relationships" xmlns:p="http://schemas.openxmlformats.org/presentationml/2006/main" xmlns:m="http://schemas.openxmlformats.org/officeDocument/2006/math" xmlns:w="http://schemas.openxmlformats.org/wordprocessingml/2006/main" xmlns:mc="http://schemas.openxmlformats.org/markup-compatibility/2006" showMasterPhAnim="0" showMasterSp="1" show="1">
   <p:cSld name="">
     <p:bg>
@@ -7268,15 +7727,15 @@
               <a:defRPr/>
             </a:pPr>
             <a:r>
-              <a:rPr lang="en-US" sz="4400" b="0" i="0" u="none" strike="noStrike" cap="none" spc="0">
-                <a:solidFill>
-                  <a:schemeClr val="bg1"/>
-                </a:solidFill>
-                <a:latin typeface="Aptos Display"/>
-                <a:ea typeface="Aptos Display"/>
-                <a:cs typeface="Aptos Display"/>
-              </a:rPr>
-              <a:t>Encoder-Based Constant Speed Control using PI</a:t>
+              <a:rPr lang="en-US" sz="4400" b="1" i="0" u="none" strike="noStrike" cap="none" spc="0">
+                <a:solidFill>
+                  <a:schemeClr val="bg1"/>
+                </a:solidFill>
+                <a:latin typeface="Aptos Display"/>
+                <a:ea typeface="Aptos Display"/>
+                <a:cs typeface="Aptos Display"/>
+              </a:rPr>
+              <a:t>Sine Wave Trajectory Tracking</a:t>
             </a:r>
             <a:endParaRPr/>
           </a:p>
@@ -7637,7 +8096,7 @@
 </p:sld>
 </file>
 
-<file path=ppt/slides/slide15.xml><?xml version="1.0" encoding="utf-8"?>
+<file path=ppt/slides/slide16.xml><?xml version="1.0" encoding="utf-8"?>
 <p:sld xmlns:a="http://schemas.openxmlformats.org/drawingml/2006/main" xmlns:r="http://schemas.openxmlformats.org/officeDocument/2006/relationships" xmlns:p="http://schemas.openxmlformats.org/presentationml/2006/main" xmlns:m="http://schemas.openxmlformats.org/officeDocument/2006/math" xmlns:w="http://schemas.openxmlformats.org/wordprocessingml/2006/main" xmlns:mc="http://schemas.openxmlformats.org/markup-compatibility/2006" showMasterPhAnim="0" showMasterSp="1" show="1">
   <p:cSld name="">
     <p:bg>
@@ -7687,15 +8146,15 @@
               <a:defRPr/>
             </a:pPr>
             <a:r>
-              <a:rPr lang="en-US" sz="4400" b="0" i="0" u="none" strike="noStrike" cap="none" spc="0">
-                <a:solidFill>
-                  <a:schemeClr val="bg1"/>
-                </a:solidFill>
-                <a:latin typeface="Aptos Display"/>
-                <a:ea typeface="Aptos Display"/>
-                <a:cs typeface="Aptos Display"/>
-              </a:rPr>
-              <a:t>Encoder-Based Constant Speed Control using PI</a:t>
+              <a:rPr lang="en-US" sz="4400" b="1" i="0" u="none" strike="noStrike" cap="none" spc="0">
+                <a:solidFill>
+                  <a:schemeClr val="bg1"/>
+                </a:solidFill>
+                <a:latin typeface="Aptos Display"/>
+                <a:ea typeface="Aptos Display"/>
+                <a:cs typeface="Aptos Display"/>
+              </a:rPr>
+              <a:t>Sine Wave Trajectory Tracking</a:t>
             </a:r>
             <a:endParaRPr/>
           </a:p>
@@ -7935,7 +8394,7 @@
 </p:sld>
 </file>
 
-<file path=ppt/slides/slide16.xml><?xml version="1.0" encoding="utf-8"?>
+<file path=ppt/slides/slide17.xml><?xml version="1.0" encoding="utf-8"?>
 <p:sld xmlns:a="http://schemas.openxmlformats.org/drawingml/2006/main" xmlns:r="http://schemas.openxmlformats.org/officeDocument/2006/relationships" xmlns:p="http://schemas.openxmlformats.org/presentationml/2006/main" xmlns:m="http://schemas.openxmlformats.org/officeDocument/2006/math" xmlns:w="http://schemas.openxmlformats.org/wordprocessingml/2006/main" xmlns:mc="http://schemas.openxmlformats.org/markup-compatibility/2006" showMasterPhAnim="0" showMasterSp="1" show="1">
   <p:cSld name="">
     <p:bg>
@@ -7985,15 +8444,15 @@
               <a:defRPr/>
             </a:pPr>
             <a:r>
-              <a:rPr lang="en-US" sz="4400" b="0" i="0" u="none" strike="noStrike" cap="none" spc="0">
-                <a:solidFill>
-                  <a:schemeClr val="bg1"/>
-                </a:solidFill>
-                <a:latin typeface="Aptos Display"/>
-                <a:ea typeface="Aptos Display"/>
-                <a:cs typeface="Aptos Display"/>
-              </a:rPr>
-              <a:t>Encoder-Based Constant Speed Control using PI</a:t>
+              <a:rPr lang="en-US" sz="4400" b="1" i="0" u="none" strike="noStrike" cap="none" spc="0">
+                <a:solidFill>
+                  <a:schemeClr val="bg1"/>
+                </a:solidFill>
+                <a:latin typeface="Aptos Display"/>
+                <a:ea typeface="Aptos Display"/>
+                <a:cs typeface="Aptos Display"/>
+              </a:rPr>
+              <a:t>Sine Wave Trajectory Tracking</a:t>
             </a:r>
             <a:endParaRPr/>
           </a:p>
@@ -8338,7 +8797,7 @@
 </p:sld>
 </file>
 
-<file path=ppt/slides/slide17.xml><?xml version="1.0" encoding="utf-8"?>
+<file path=ppt/slides/slide18.xml><?xml version="1.0" encoding="utf-8"?>
 <p:sld xmlns:a="http://schemas.openxmlformats.org/drawingml/2006/main" xmlns:r="http://schemas.openxmlformats.org/officeDocument/2006/relationships" xmlns:p="http://schemas.openxmlformats.org/presentationml/2006/main" xmlns:m="http://schemas.openxmlformats.org/officeDocument/2006/math" xmlns:w="http://schemas.openxmlformats.org/wordprocessingml/2006/main" xmlns:mc="http://schemas.openxmlformats.org/markup-compatibility/2006" showMasterPhAnim="0" showMasterSp="1" show="1">
   <p:cSld name="">
     <p:bg>
@@ -8388,15 +8847,15 @@
               <a:defRPr/>
             </a:pPr>
             <a:r>
-              <a:rPr lang="en-US" sz="4400" b="0" i="0" u="none" strike="noStrike" cap="none" spc="0">
-                <a:solidFill>
-                  <a:schemeClr val="bg1"/>
-                </a:solidFill>
-                <a:latin typeface="Aptos Display"/>
-                <a:ea typeface="Aptos Display"/>
-                <a:cs typeface="Aptos Display"/>
-              </a:rPr>
-              <a:t>Encoder-Based Constant Speed Control using PI</a:t>
+              <a:rPr lang="en-US" sz="4400" b="1" i="0" u="none" strike="noStrike" cap="none" spc="0">
+                <a:solidFill>
+                  <a:schemeClr val="bg1"/>
+                </a:solidFill>
+                <a:latin typeface="Aptos Display"/>
+                <a:ea typeface="Aptos Display"/>
+                <a:cs typeface="Aptos Display"/>
+              </a:rPr>
+              <a:t>Sine Wave Trajectory Tracking</a:t>
             </a:r>
             <a:endParaRPr/>
           </a:p>
@@ -8515,333 +8974,6 @@
 </p:sld>
 </file>
 
-<file path=ppt/slides/slide18.xml><?xml version="1.0" encoding="utf-8"?>
-<p:sld xmlns:a="http://schemas.openxmlformats.org/drawingml/2006/main" xmlns:r="http://schemas.openxmlformats.org/officeDocument/2006/relationships" xmlns:p="http://schemas.openxmlformats.org/presentationml/2006/main" xmlns:m="http://schemas.openxmlformats.org/officeDocument/2006/math" xmlns:w="http://schemas.openxmlformats.org/wordprocessingml/2006/main" xmlns:mc="http://schemas.openxmlformats.org/markup-compatibility/2006" showMasterPhAnim="0" showMasterSp="1" show="1">
-  <p:cSld name="">
-    <p:bg>
-      <p:bgPr shadeToTitle="0">
-        <a:solidFill>
-          <a:schemeClr val="tx2"/>
-        </a:solidFill>
-      </p:bgPr>
-    </p:bg>
-    <p:spTree>
-      <p:nvGrpSpPr>
-        <p:cNvPr id="1" name=""/>
-        <p:cNvGrpSpPr/>
-        <p:nvPr/>
-      </p:nvGrpSpPr>
-      <p:grpSpPr bwMode="auto">
-        <a:xfrm>
-          <a:off x="0" y="0"/>
-          <a:ext cx="0" cy="0"/>
-          <a:chOff x="0" y="0"/>
-          <a:chExt cx="0" cy="0"/>
-        </a:xfrm>
-      </p:grpSpPr>
-      <p:sp>
-        <p:nvSpPr>
-          <p:cNvPr id="1252530905" name="Title 1"/>
-          <p:cNvSpPr>
-            <a:spLocks noGrp="1"/>
-          </p:cNvSpPr>
-          <p:nvPr>
-            <p:ph type="title"/>
-          </p:nvPr>
-        </p:nvSpPr>
-        <p:spPr bwMode="auto">
-          <a:xfrm flipH="0" flipV="0">
-            <a:off x="108244" y="42544"/>
-            <a:ext cx="10515600" cy="1132497"/>
-          </a:xfrm>
-        </p:spPr>
-        <p:txBody>
-          <a:bodyPr vertOverflow="overflow" horzOverflow="overflow" vert="horz" wrap="square" lIns="91440" tIns="45720" rIns="91440" bIns="45720" numCol="1" spcCol="0" rtlCol="0" fromWordArt="0" anchor="ctr" anchorCtr="0" forceAA="0" upright="0" compatLnSpc="0">
-            <a:normAutofit fontScale="90000" lnSpcReduction="2000"/>
-          </a:bodyPr>
-          <a:lstStyle/>
-          <a:p>
-            <a:pPr>
-              <a:defRPr/>
-            </a:pPr>
-            <a:r>
-              <a:rPr lang="en-US" sz="4400" b="0" i="0" u="none" strike="noStrike" cap="none" spc="0">
-                <a:solidFill>
-                  <a:schemeClr val="bg1"/>
-                </a:solidFill>
-                <a:latin typeface="Aptos Display"/>
-                <a:ea typeface="Aptos Display"/>
-                <a:cs typeface="Aptos Display"/>
-              </a:rPr>
-              <a:t>Encoder-Based Constant Speed Control using PI</a:t>
-            </a:r>
-            <a:endParaRPr/>
-          </a:p>
-        </p:txBody>
-      </p:sp>
-      <p:sp>
-        <p:nvSpPr>
-          <p:cNvPr id="179400922" name="Content Placeholder 2"/>
-          <p:cNvSpPr>
-            <a:spLocks noGrp="1"/>
-          </p:cNvSpPr>
-          <p:nvPr>
-            <p:ph idx="1"/>
-          </p:nvPr>
-        </p:nvSpPr>
-        <p:spPr bwMode="auto">
-          <a:xfrm flipH="0" flipV="0">
-            <a:off x="54322" y="1299670"/>
-            <a:ext cx="11362297" cy="5483553"/>
-          </a:xfrm>
-        </p:spPr>
-        <p:txBody>
-          <a:bodyPr vertOverflow="overflow" horzOverflow="overflow" vert="horz" wrap="square" lIns="91440" tIns="45720" rIns="91440" bIns="45720" numCol="1" spcCol="0" rtlCol="0" fromWordArt="0" anchor="t" anchorCtr="0" forceAA="0" upright="0" compatLnSpc="0">
-            <a:normAutofit/>
-          </a:bodyPr>
-          <a:lstStyle/>
-          <a:p>
-            <a:pPr>
-              <a:defRPr/>
-            </a:pPr>
-            <a:r>
-              <a:rPr sz="2800" b="0" i="0" u="none">
-                <a:solidFill>
-                  <a:schemeClr val="bg1"/>
-                </a:solidFill>
-                <a:latin typeface="Aptos Display"/>
-                <a:ea typeface="Aptos Display"/>
-                <a:cs typeface="Aptos Display"/>
-              </a:rPr>
-              <a:t> </a:t>
-            </a:r>
-            <a:r>
-              <a:rPr sz="2800" b="1" i="0" u="none">
-                <a:solidFill>
-                  <a:schemeClr val="bg1"/>
-                </a:solidFill>
-                <a:latin typeface="Aptos Display"/>
-                <a:ea typeface="Aptos Display"/>
-                <a:cs typeface="Aptos Display"/>
-              </a:rPr>
-              <a:t>Code Highlights</a:t>
-            </a:r>
-            <a:endParaRPr sz="2800">
-              <a:solidFill>
-                <a:schemeClr val="bg1"/>
-              </a:solidFill>
-              <a:latin typeface="Aptos Display"/>
-              <a:cs typeface="Aptos Display"/>
-            </a:endParaRPr>
-          </a:p>
-          <a:p>
-            <a:pPr>
-              <a:defRPr/>
-            </a:pPr>
-            <a:r>
-              <a:rPr sz="2800" b="1" i="0" u="none">
-                <a:solidFill>
-                  <a:schemeClr val="bg1"/>
-                </a:solidFill>
-                <a:latin typeface="Aptos Display"/>
-                <a:ea typeface="Aptos Display"/>
-                <a:cs typeface="Aptos Display"/>
-              </a:rPr>
-              <a:t>Key Sections to Study</a:t>
-            </a:r>
-            <a:endParaRPr sz="2800">
-              <a:solidFill>
-                <a:schemeClr val="bg1"/>
-              </a:solidFill>
-              <a:latin typeface="Aptos Display"/>
-              <a:cs typeface="Aptos Display"/>
-            </a:endParaRPr>
-          </a:p>
-          <a:p>
-            <a:pPr lvl="1">
-              <a:defRPr/>
-            </a:pPr>
-            <a:r>
-              <a:rPr sz="2400" b="0" i="0" u="none">
-                <a:solidFill>
-                  <a:schemeClr val="bg1"/>
-                </a:solidFill>
-                <a:latin typeface="Aptos Display"/>
-                <a:ea typeface="Aptos Display"/>
-                <a:cs typeface="Aptos Display"/>
-              </a:rPr>
-              <a:t>Encoder interrupts</a:t>
-            </a:r>
-            <a:endParaRPr sz="2800">
-              <a:solidFill>
-                <a:schemeClr val="bg1"/>
-              </a:solidFill>
-              <a:latin typeface="Aptos Display"/>
-              <a:cs typeface="Aptos Display"/>
-            </a:endParaRPr>
-          </a:p>
-          <a:p>
-            <a:pPr lvl="1">
-              <a:defRPr/>
-            </a:pPr>
-            <a:r>
-              <a:rPr sz="2400" b="0" i="0" u="none">
-                <a:solidFill>
-                  <a:schemeClr val="bg1"/>
-                </a:solidFill>
-                <a:latin typeface="Aptos Display"/>
-                <a:ea typeface="Aptos Display"/>
-                <a:cs typeface="Aptos Display"/>
-              </a:rPr>
-              <a:t>Odometry update function</a:t>
-            </a:r>
-            <a:endParaRPr sz="2800">
-              <a:solidFill>
-                <a:schemeClr val="bg1"/>
-              </a:solidFill>
-              <a:latin typeface="Aptos Display"/>
-              <a:cs typeface="Aptos Display"/>
-            </a:endParaRPr>
-          </a:p>
-          <a:p>
-            <a:pPr lvl="1">
-              <a:defRPr/>
-            </a:pPr>
-            <a:r>
-              <a:rPr sz="2400" b="0" i="0" u="none">
-                <a:solidFill>
-                  <a:schemeClr val="bg1"/>
-                </a:solidFill>
-                <a:latin typeface="Aptos Display"/>
-                <a:ea typeface="Aptos Display"/>
-                <a:cs typeface="Aptos Display"/>
-              </a:rPr>
-              <a:t>Sine reference function</a:t>
-            </a:r>
-            <a:endParaRPr sz="2800">
-              <a:solidFill>
-                <a:schemeClr val="bg1"/>
-              </a:solidFill>
-              <a:latin typeface="Aptos Display"/>
-              <a:cs typeface="Aptos Display"/>
-            </a:endParaRPr>
-          </a:p>
-          <a:p>
-            <a:pPr lvl="1">
-              <a:defRPr/>
-            </a:pPr>
-            <a:r>
-              <a:rPr sz="2400" b="0" i="0" u="none">
-                <a:solidFill>
-                  <a:schemeClr val="bg1"/>
-                </a:solidFill>
-                <a:latin typeface="Aptos Display"/>
-                <a:ea typeface="Aptos Display"/>
-                <a:cs typeface="Aptos Display"/>
-              </a:rPr>
-              <a:t>Pure pursuit steering logic</a:t>
-            </a:r>
-            <a:endParaRPr sz="2800">
-              <a:solidFill>
-                <a:schemeClr val="bg1"/>
-              </a:solidFill>
-              <a:latin typeface="Aptos Display"/>
-              <a:cs typeface="Aptos Display"/>
-            </a:endParaRPr>
-          </a:p>
-          <a:p>
-            <a:pPr lvl="1">
-              <a:defRPr/>
-            </a:pPr>
-            <a:r>
-              <a:rPr sz="2400" b="0" i="0" u="none">
-                <a:solidFill>
-                  <a:schemeClr val="bg1"/>
-                </a:solidFill>
-                <a:latin typeface="Aptos Display"/>
-                <a:ea typeface="Aptos Display"/>
-                <a:cs typeface="Aptos Display"/>
-              </a:rPr>
-              <a:t>PWM saturation</a:t>
-            </a:r>
-            <a:endParaRPr sz="2800">
-              <a:solidFill>
-                <a:schemeClr val="bg1"/>
-              </a:solidFill>
-              <a:latin typeface="Aptos Display"/>
-              <a:cs typeface="Aptos Display"/>
-            </a:endParaRPr>
-          </a:p>
-          <a:p>
-            <a:pPr>
-              <a:defRPr/>
-            </a:pPr>
-            <a:r>
-              <a:rPr sz="2800" b="0" i="0" u="none">
-                <a:solidFill>
-                  <a:schemeClr val="bg1"/>
-                </a:solidFill>
-                <a:latin typeface="Aptos Display"/>
-                <a:ea typeface="Aptos Display"/>
-                <a:cs typeface="Aptos Display"/>
-              </a:rPr>
-              <a:t> Students should trace data flow, not memorize code.</a:t>
-            </a:r>
-            <a:endParaRPr sz="2800">
-              <a:solidFill>
-                <a:schemeClr val="bg1"/>
-              </a:solidFill>
-              <a:latin typeface="Aptos Display"/>
-              <a:ea typeface="Aptos Display"/>
-              <a:cs typeface="Aptos Display"/>
-            </a:endParaRPr>
-          </a:p>
-          <a:p>
-            <a:pPr>
-              <a:defRPr/>
-            </a:pPr>
-            <a:endParaRPr/>
-          </a:p>
-        </p:txBody>
-      </p:sp>
-      <p:pic>
-        <p:nvPicPr>
-          <p:cNvPr id="1143339813" name="Picture 3"/>
-          <p:cNvPicPr>
-            <a:picLocks noChangeAspect="1"/>
-          </p:cNvPicPr>
-          <p:nvPr/>
-        </p:nvPicPr>
-        <p:blipFill>
-          <a:blip r:embed="rId3"/>
-          <a:stretch/>
-        </p:blipFill>
-        <p:spPr bwMode="auto">
-          <a:xfrm>
-            <a:off x="9971310" y="156098"/>
-            <a:ext cx="2037717" cy="549225"/>
-          </a:xfrm>
-          <a:prstGeom prst="rect">
-            <a:avLst/>
-          </a:prstGeom>
-        </p:spPr>
-      </p:pic>
-    </p:spTree>
-  </p:cSld>
-  <p:clrMapOvr>
-    <a:masterClrMapping/>
-  </p:clrMapOvr>
-  <mc:AlternateContent xmlns:mc="http://schemas.openxmlformats.org/markup-compatibility/2006">
-    <mc:Choice xmlns:p159="http://schemas.microsoft.com/office/powerpoint/2015/09/main" xmlns:p14="http://schemas.microsoft.com/office/powerpoint/2010/main" Requires="p159">
-      <p:transition p14:dur="2000" advClick="1"/>
-    </mc:Choice>
-    <mc:Fallback>
-      <p:transition advClick="1"/>
-    </mc:Fallback>
-  </mc:AlternateContent>
-</p:sld>
-</file>
-
 <file path=ppt/slides/slide19.xml><?xml version="1.0" encoding="utf-8"?>
 <p:sld xmlns:a="http://schemas.openxmlformats.org/drawingml/2006/main" xmlns:r="http://schemas.openxmlformats.org/officeDocument/2006/relationships" xmlns:p="http://schemas.openxmlformats.org/presentationml/2006/main" xmlns:m="http://schemas.openxmlformats.org/officeDocument/2006/math" xmlns:w="http://schemas.openxmlformats.org/wordprocessingml/2006/main" xmlns:mc="http://schemas.openxmlformats.org/markup-compatibility/2006" showMasterPhAnim="0" showMasterSp="1" show="1">
   <p:cSld name="">
@@ -8868,7 +9000,7 @@
       </p:grpSpPr>
       <p:sp>
         <p:nvSpPr>
-          <p:cNvPr id="262453982" name="Title 1"/>
+          <p:cNvPr id="1252530905" name="Title 1"/>
           <p:cNvSpPr>
             <a:spLocks noGrp="1"/>
           </p:cNvSpPr>
@@ -8892,15 +9024,15 @@
               <a:defRPr/>
             </a:pPr>
             <a:r>
-              <a:rPr lang="en-US" sz="4400" b="0" i="0" u="none" strike="noStrike" cap="none" spc="0">
-                <a:solidFill>
-                  <a:schemeClr val="bg1"/>
-                </a:solidFill>
-                <a:latin typeface="Aptos Display"/>
-                <a:ea typeface="Aptos Display"/>
-                <a:cs typeface="Aptos Display"/>
-              </a:rPr>
-              <a:t>Encoder-Based Constant Speed Control using PI</a:t>
+              <a:rPr lang="en-US" sz="4400" b="1" i="0" u="none" strike="noStrike" cap="none" spc="0">
+                <a:solidFill>
+                  <a:schemeClr val="bg1"/>
+                </a:solidFill>
+                <a:latin typeface="Aptos Display"/>
+                <a:ea typeface="Aptos Display"/>
+                <a:cs typeface="Aptos Display"/>
+              </a:rPr>
+              <a:t>Sine Wave Trajectory Tracking</a:t>
             </a:r>
             <a:endParaRPr/>
           </a:p>
@@ -8908,7 +9040,7 @@
       </p:sp>
       <p:sp>
         <p:nvSpPr>
-          <p:cNvPr id="372749548" name="Content Placeholder 2"/>
+          <p:cNvPr id="179400922" name="Content Placeholder 2"/>
           <p:cNvSpPr>
             <a:spLocks noGrp="1"/>
           </p:cNvSpPr>
@@ -8932,6 +9064,17 @@
               <a:defRPr/>
             </a:pPr>
             <a:r>
+              <a:rPr sz="2800" b="0" i="0" u="none">
+                <a:solidFill>
+                  <a:schemeClr val="bg1"/>
+                </a:solidFill>
+                <a:latin typeface="Aptos Display"/>
+                <a:ea typeface="Aptos Display"/>
+                <a:cs typeface="Aptos Display"/>
+              </a:rPr>
+              <a:t> </a:t>
+            </a:r>
+            <a:r>
               <a:rPr sz="2800" b="1" i="0" u="none">
                 <a:solidFill>
                   <a:schemeClr val="bg1"/>
@@ -8940,7 +9083,7 @@
                 <a:ea typeface="Aptos Display"/>
                 <a:cs typeface="Aptos Display"/>
               </a:rPr>
-              <a:t>Applications</a:t>
+              <a:t>Code Highlights</a:t>
             </a:r>
             <a:endParaRPr sz="2800">
               <a:solidFill>
@@ -8963,7 +9106,7 @@
                 <a:ea typeface="Aptos Display"/>
                 <a:cs typeface="Aptos Display"/>
               </a:rPr>
-              <a:t>Where This Is Used</a:t>
+              <a:t>Key Sections to Study</a:t>
             </a:r>
             <a:endParaRPr sz="2800">
               <a:solidFill>
@@ -8986,7 +9129,7 @@
                 <a:ea typeface="Aptos Display"/>
                 <a:cs typeface="Aptos Display"/>
               </a:rPr>
-              <a:t>Lane keeping in autonomous cars</a:t>
+              <a:t>Encoder interrupts</a:t>
             </a:r>
             <a:endParaRPr sz="2800">
               <a:solidFill>
@@ -9009,7 +9152,7 @@
                 <a:ea typeface="Aptos Display"/>
                 <a:cs typeface="Aptos Display"/>
               </a:rPr>
-              <a:t>AGV navigation in factories</a:t>
+              <a:t>Odometry update function</a:t>
             </a:r>
             <a:endParaRPr sz="2800">
               <a:solidFill>
@@ -9032,7 +9175,7 @@
                 <a:ea typeface="Aptos Display"/>
                 <a:cs typeface="Aptos Display"/>
               </a:rPr>
-              <a:t>Delivery robots</a:t>
+              <a:t>Sine reference function</a:t>
             </a:r>
             <a:endParaRPr sz="2800">
               <a:solidFill>
@@ -9055,7 +9198,7 @@
                 <a:ea typeface="Aptos Display"/>
                 <a:cs typeface="Aptos Display"/>
               </a:rPr>
-              <a:t>Mobile robot research</a:t>
+              <a:t>Pure pursuit steering logic</a:t>
             </a:r>
             <a:endParaRPr sz="2800">
               <a:solidFill>
@@ -9078,7 +9221,7 @@
                 <a:ea typeface="Aptos Display"/>
                 <a:cs typeface="Aptos Display"/>
               </a:rPr>
-              <a:t>Robotics competitions</a:t>
+              <a:t>PWM saturation</a:t>
             </a:r>
             <a:endParaRPr sz="2800">
               <a:solidFill>
@@ -9101,15 +9244,28 @@
                 <a:ea typeface="Aptos Display"/>
                 <a:cs typeface="Aptos Display"/>
               </a:rPr>
-              <a:t> Same principles scale to high-end robots.</a:t>
-            </a:r>
+              <a:t> Students should trace data flow, not memorize code.</a:t>
+            </a:r>
+            <a:endParaRPr sz="2800">
+              <a:solidFill>
+                <a:schemeClr val="bg1"/>
+              </a:solidFill>
+              <a:latin typeface="Aptos Display"/>
+              <a:ea typeface="Aptos Display"/>
+              <a:cs typeface="Aptos Display"/>
+            </a:endParaRPr>
+          </a:p>
+          <a:p>
+            <a:pPr>
+              <a:defRPr/>
+            </a:pPr>
             <a:endParaRPr/>
           </a:p>
         </p:txBody>
       </p:sp>
       <p:pic>
         <p:nvPicPr>
-          <p:cNvPr id="132754014" name="Picture 3"/>
+          <p:cNvPr id="1143339813" name="Picture 3"/>
           <p:cNvPicPr>
             <a:picLocks noChangeAspect="1"/>
           </p:cNvPicPr>
@@ -9171,7 +9327,7 @@
       </p:grpSpPr>
       <p:sp>
         <p:nvSpPr>
-          <p:cNvPr id="121317270" name="Title 1"/>
+          <p:cNvPr id="260485783" name="Title 1"/>
           <p:cNvSpPr>
             <a:spLocks noGrp="1"/>
           </p:cNvSpPr>
@@ -9211,7 +9367,7 @@
       </p:sp>
       <p:sp>
         <p:nvSpPr>
-          <p:cNvPr id="1720896823" name="Content Placeholder 2"/>
+          <p:cNvPr id="118500499" name="Content Placeholder 2"/>
           <p:cNvSpPr>
             <a:spLocks noGrp="1"/>
           </p:cNvSpPr>
@@ -9516,7 +9672,7 @@
       </p:sp>
       <p:pic>
         <p:nvPicPr>
-          <p:cNvPr id="1102610361" name="Picture 3"/>
+          <p:cNvPr id="1873108535" name="Picture 3"/>
           <p:cNvPicPr>
             <a:picLocks noChangeAspect="1"/>
           </p:cNvPicPr>
@@ -9578,7 +9734,7 @@
       </p:grpSpPr>
       <p:sp>
         <p:nvSpPr>
-          <p:cNvPr id="1577601483" name="Title 1"/>
+          <p:cNvPr id="262453982" name="Title 1"/>
           <p:cNvSpPr>
             <a:spLocks noGrp="1"/>
           </p:cNvSpPr>
@@ -9602,15 +9758,15 @@
               <a:defRPr/>
             </a:pPr>
             <a:r>
-              <a:rPr lang="en-US" sz="4400" b="0" i="0" u="none" strike="noStrike" cap="none" spc="0">
-                <a:solidFill>
-                  <a:schemeClr val="bg1"/>
-                </a:solidFill>
-                <a:latin typeface="Aptos Display"/>
-                <a:ea typeface="Aptos Display"/>
-                <a:cs typeface="Aptos Display"/>
-              </a:rPr>
-              <a:t>Encoder-Based Constant Speed Control using PI</a:t>
+              <a:rPr lang="en-US" sz="4400" b="1" i="0" u="none" strike="noStrike" cap="none" spc="0">
+                <a:solidFill>
+                  <a:schemeClr val="bg1"/>
+                </a:solidFill>
+                <a:latin typeface="Aptos Display"/>
+                <a:ea typeface="Aptos Display"/>
+                <a:cs typeface="Aptos Display"/>
+              </a:rPr>
+              <a:t>Sine Wave Trajectory Tracking</a:t>
             </a:r>
             <a:endParaRPr/>
           </a:p>
@@ -9618,7 +9774,7 @@
       </p:sp>
       <p:sp>
         <p:nvSpPr>
-          <p:cNvPr id="556308157" name="Content Placeholder 2"/>
+          <p:cNvPr id="372749548" name="Content Placeholder 2"/>
           <p:cNvSpPr>
             <a:spLocks noGrp="1"/>
           </p:cNvSpPr>
@@ -9650,23 +9806,31 @@
                 <a:ea typeface="Aptos Display"/>
                 <a:cs typeface="Aptos Display"/>
               </a:rPr>
-              <a:t>Key Takeaway</a:t>
+              <a:t>Applications</a:t>
             </a:r>
             <a:endParaRPr sz="2800">
               <a:solidFill>
                 <a:schemeClr val="bg1"/>
               </a:solidFill>
               <a:latin typeface="Aptos Display"/>
-              <a:ea typeface="Aptos Display"/>
-              <a:cs typeface="Aptos Display"/>
-            </a:endParaRPr>
-          </a:p>
-          <a:p>
-            <a:pPr marL="0" indent="0">
-              <a:buFont typeface="Arial"/>
-              <a:buNone/>
-              <a:defRPr/>
-            </a:pPr>
+              <a:cs typeface="Aptos Display"/>
+            </a:endParaRPr>
+          </a:p>
+          <a:p>
+            <a:pPr>
+              <a:defRPr/>
+            </a:pPr>
+            <a:r>
+              <a:rPr sz="2800" b="1" i="0" u="none">
+                <a:solidFill>
+                  <a:schemeClr val="bg1"/>
+                </a:solidFill>
+                <a:latin typeface="Aptos Display"/>
+                <a:ea typeface="Aptos Display"/>
+                <a:cs typeface="Aptos Display"/>
+              </a:rPr>
+              <a:t>Where This Is Used</a:t>
+            </a:r>
             <a:endParaRPr sz="2800">
               <a:solidFill>
                 <a:schemeClr val="bg1"/>
@@ -9676,19 +9840,19 @@
             </a:endParaRPr>
           </a:p>
           <a:p>
-            <a:pPr>
-              <a:defRPr/>
-            </a:pPr>
-            <a:r>
-              <a:rPr sz="2800" b="1" i="0" u="none">
-                <a:solidFill>
-                  <a:schemeClr val="bg1"/>
-                </a:solidFill>
-                <a:latin typeface="Aptos Display"/>
-                <a:ea typeface="Aptos Display"/>
-                <a:cs typeface="Aptos Display"/>
-              </a:rPr>
-              <a:t>Big Picture Message</a:t>
+            <a:pPr lvl="1">
+              <a:defRPr/>
+            </a:pPr>
+            <a:r>
+              <a:rPr sz="2400" b="0" i="0" u="none">
+                <a:solidFill>
+                  <a:schemeClr val="bg1"/>
+                </a:solidFill>
+                <a:latin typeface="Aptos Display"/>
+                <a:ea typeface="Aptos Display"/>
+                <a:cs typeface="Aptos Display"/>
+              </a:rPr>
+              <a:t>Lane keeping in autonomous cars</a:t>
             </a:r>
             <a:endParaRPr sz="2800">
               <a:solidFill>
@@ -9703,6 +9867,98 @@
               <a:defRPr/>
             </a:pPr>
             <a:r>
+              <a:rPr sz="2400" b="0" i="0" u="none">
+                <a:solidFill>
+                  <a:schemeClr val="bg1"/>
+                </a:solidFill>
+                <a:latin typeface="Aptos Display"/>
+                <a:ea typeface="Aptos Display"/>
+                <a:cs typeface="Aptos Display"/>
+              </a:rPr>
+              <a:t>AGV navigation in factories</a:t>
+            </a:r>
+            <a:endParaRPr sz="2800">
+              <a:solidFill>
+                <a:schemeClr val="bg1"/>
+              </a:solidFill>
+              <a:latin typeface="Aptos Display"/>
+              <a:cs typeface="Aptos Display"/>
+            </a:endParaRPr>
+          </a:p>
+          <a:p>
+            <a:pPr lvl="1">
+              <a:defRPr/>
+            </a:pPr>
+            <a:r>
+              <a:rPr sz="2400" b="0" i="0" u="none">
+                <a:solidFill>
+                  <a:schemeClr val="bg1"/>
+                </a:solidFill>
+                <a:latin typeface="Aptos Display"/>
+                <a:ea typeface="Aptos Display"/>
+                <a:cs typeface="Aptos Display"/>
+              </a:rPr>
+              <a:t>Delivery robots</a:t>
+            </a:r>
+            <a:endParaRPr sz="2800">
+              <a:solidFill>
+                <a:schemeClr val="bg1"/>
+              </a:solidFill>
+              <a:latin typeface="Aptos Display"/>
+              <a:cs typeface="Aptos Display"/>
+            </a:endParaRPr>
+          </a:p>
+          <a:p>
+            <a:pPr lvl="1">
+              <a:defRPr/>
+            </a:pPr>
+            <a:r>
+              <a:rPr sz="2400" b="0" i="0" u="none">
+                <a:solidFill>
+                  <a:schemeClr val="bg1"/>
+                </a:solidFill>
+                <a:latin typeface="Aptos Display"/>
+                <a:ea typeface="Aptos Display"/>
+                <a:cs typeface="Aptos Display"/>
+              </a:rPr>
+              <a:t>Mobile robot research</a:t>
+            </a:r>
+            <a:endParaRPr sz="2800">
+              <a:solidFill>
+                <a:schemeClr val="bg1"/>
+              </a:solidFill>
+              <a:latin typeface="Aptos Display"/>
+              <a:cs typeface="Aptos Display"/>
+            </a:endParaRPr>
+          </a:p>
+          <a:p>
+            <a:pPr lvl="1">
+              <a:defRPr/>
+            </a:pPr>
+            <a:r>
+              <a:rPr sz="2400" b="0" i="0" u="none">
+                <a:solidFill>
+                  <a:schemeClr val="bg1"/>
+                </a:solidFill>
+                <a:latin typeface="Aptos Display"/>
+                <a:ea typeface="Aptos Display"/>
+                <a:cs typeface="Aptos Display"/>
+              </a:rPr>
+              <a:t>Robotics competitions</a:t>
+            </a:r>
+            <a:endParaRPr sz="2800">
+              <a:solidFill>
+                <a:schemeClr val="bg1"/>
+              </a:solidFill>
+              <a:latin typeface="Aptos Display"/>
+              <a:cs typeface="Aptos Display"/>
+            </a:endParaRPr>
+          </a:p>
+          <a:p>
+            <a:pPr>
+              <a:defRPr/>
+            </a:pPr>
+            <a:r>
               <a:rPr sz="2800" b="0" i="0" u="none">
                 <a:solidFill>
                   <a:schemeClr val="bg1"/>
@@ -9711,132 +9967,7 @@
                 <a:ea typeface="Aptos Display"/>
                 <a:cs typeface="Aptos Display"/>
               </a:rPr>
-              <a:t>Straight motion is a </a:t>
-            </a:r>
-            <a:r>
-              <a:rPr sz="2800" b="1" i="0" u="none">
-                <a:solidFill>
-                  <a:schemeClr val="bg1"/>
-                </a:solidFill>
-                <a:latin typeface="Aptos Display"/>
-                <a:ea typeface="Aptos Display"/>
-                <a:cs typeface="Aptos Display"/>
-              </a:rPr>
-              <a:t>skill</a:t>
-            </a:r>
-            <a:endParaRPr sz="2800">
-              <a:solidFill>
-                <a:schemeClr val="bg1"/>
-              </a:solidFill>
-              <a:latin typeface="Aptos Display"/>
-              <a:cs typeface="Aptos Display"/>
-            </a:endParaRPr>
-          </a:p>
-          <a:p>
-            <a:pPr lvl="1">
-              <a:defRPr/>
-            </a:pPr>
-            <a:r>
-              <a:rPr sz="2800" b="0" i="0" u="none">
-                <a:solidFill>
-                  <a:schemeClr val="bg1"/>
-                </a:solidFill>
-                <a:latin typeface="Aptos Display"/>
-                <a:ea typeface="Aptos Display"/>
-                <a:cs typeface="Aptos Display"/>
-              </a:rPr>
-              <a:t>Path tracking is </a:t>
-            </a:r>
-            <a:r>
-              <a:rPr sz="2800" b="1" i="0" u="none">
-                <a:solidFill>
-                  <a:schemeClr val="bg1"/>
-                </a:solidFill>
-                <a:latin typeface="Aptos Display"/>
-                <a:ea typeface="Aptos Display"/>
-                <a:cs typeface="Aptos Display"/>
-              </a:rPr>
-              <a:t>autonomy</a:t>
-            </a:r>
-            <a:endParaRPr sz="2800">
-              <a:solidFill>
-                <a:schemeClr val="bg1"/>
-              </a:solidFill>
-              <a:latin typeface="Aptos Display"/>
-              <a:cs typeface="Aptos Display"/>
-            </a:endParaRPr>
-          </a:p>
-          <a:p>
-            <a:pPr lvl="1">
-              <a:defRPr/>
-            </a:pPr>
-            <a:r>
-              <a:rPr sz="2800" b="0" i="0" u="none">
-                <a:solidFill>
-                  <a:schemeClr val="bg1"/>
-                </a:solidFill>
-                <a:latin typeface="Aptos Display"/>
-                <a:ea typeface="Aptos Display"/>
-                <a:cs typeface="Aptos Display"/>
-              </a:rPr>
-              <a:t>Encoders turn motion into information</a:t>
-            </a:r>
-            <a:endParaRPr sz="2800">
-              <a:solidFill>
-                <a:schemeClr val="bg1"/>
-              </a:solidFill>
-              <a:latin typeface="Aptos Display"/>
-              <a:cs typeface="Aptos Display"/>
-            </a:endParaRPr>
-          </a:p>
-          <a:p>
-            <a:pPr lvl="1">
-              <a:defRPr/>
-            </a:pPr>
-            <a:r>
-              <a:rPr sz="2800" b="0" i="0" u="none">
-                <a:solidFill>
-                  <a:schemeClr val="bg1"/>
-                </a:solidFill>
-                <a:latin typeface="Aptos Display"/>
-                <a:ea typeface="Aptos Display"/>
-                <a:cs typeface="Aptos Display"/>
-              </a:rPr>
-              <a:t>Control turns information into intelligence</a:t>
-            </a:r>
-            <a:endParaRPr sz="2800">
-              <a:solidFill>
-                <a:schemeClr val="bg1"/>
-              </a:solidFill>
-              <a:latin typeface="Aptos Display"/>
-              <a:cs typeface="Aptos Display"/>
-            </a:endParaRPr>
-          </a:p>
-          <a:p>
-            <a:pPr>
-              <a:defRPr/>
-            </a:pPr>
-            <a:r>
-              <a:rPr sz="2800" b="0" i="0" u="none">
-                <a:solidFill>
-                  <a:schemeClr val="bg1"/>
-                </a:solidFill>
-                <a:latin typeface="Aptos Display"/>
-                <a:ea typeface="Aptos Display"/>
-                <a:cs typeface="Aptos Display"/>
-              </a:rPr>
-              <a:t> </a:t>
-            </a:r>
-            <a:r>
-              <a:rPr sz="2800" b="1" i="0" u="none">
-                <a:solidFill>
-                  <a:schemeClr val="bg1"/>
-                </a:solidFill>
-                <a:latin typeface="Aptos Display"/>
-                <a:ea typeface="Aptos Display"/>
-                <a:cs typeface="Aptos Display"/>
-              </a:rPr>
-              <a:t>This experiment is the bridge from motion to navigation</a:t>
+              <a:t> Same principles scale to high-end robots.</a:t>
             </a:r>
             <a:endParaRPr/>
           </a:p>
@@ -9844,7 +9975,7 @@
       </p:sp>
       <p:pic>
         <p:nvPicPr>
-          <p:cNvPr id="1025247466" name="Picture 3"/>
+          <p:cNvPr id="132754014" name="Picture 3"/>
           <p:cNvPicPr>
             <a:picLocks noChangeAspect="1"/>
           </p:cNvPicPr>
@@ -9906,7 +10037,1800 @@
       </p:grpSpPr>
       <p:sp>
         <p:nvSpPr>
-          <p:cNvPr id="1008314179" name="Title 1"/>
+          <p:cNvPr id="1577601483" name="Title 1"/>
+          <p:cNvSpPr>
+            <a:spLocks noGrp="1"/>
+          </p:cNvSpPr>
+          <p:nvPr>
+            <p:ph type="title"/>
+          </p:nvPr>
+        </p:nvSpPr>
+        <p:spPr bwMode="auto">
+          <a:xfrm flipH="0" flipV="0">
+            <a:off x="108244" y="42544"/>
+            <a:ext cx="10515600" cy="1132497"/>
+          </a:xfrm>
+        </p:spPr>
+        <p:txBody>
+          <a:bodyPr vertOverflow="overflow" horzOverflow="overflow" vert="horz" wrap="square" lIns="91440" tIns="45720" rIns="91440" bIns="45720" numCol="1" spcCol="0" rtlCol="0" fromWordArt="0" anchor="ctr" anchorCtr="0" forceAA="0" upright="0" compatLnSpc="0">
+            <a:normAutofit fontScale="90000" lnSpcReduction="2000"/>
+          </a:bodyPr>
+          <a:lstStyle/>
+          <a:p>
+            <a:pPr>
+              <a:defRPr/>
+            </a:pPr>
+            <a:r>
+              <a:rPr lang="en-US" sz="4400" b="1" i="0" u="none" strike="noStrike" cap="none" spc="0">
+                <a:solidFill>
+                  <a:schemeClr val="bg1"/>
+                </a:solidFill>
+                <a:latin typeface="Aptos Display"/>
+                <a:ea typeface="Aptos Display"/>
+                <a:cs typeface="Aptos Display"/>
+              </a:rPr>
+              <a:t>Sine Wave Trajectory Tracking</a:t>
+            </a:r>
+            <a:endParaRPr/>
+          </a:p>
+        </p:txBody>
+      </p:sp>
+      <p:sp>
+        <p:nvSpPr>
+          <p:cNvPr id="556308157" name="Content Placeholder 2"/>
+          <p:cNvSpPr>
+            <a:spLocks noGrp="1"/>
+          </p:cNvSpPr>
+          <p:nvPr>
+            <p:ph idx="1"/>
+          </p:nvPr>
+        </p:nvSpPr>
+        <p:spPr bwMode="auto">
+          <a:xfrm flipH="0" flipV="0">
+            <a:off x="54322" y="1299670"/>
+            <a:ext cx="11362297" cy="5483553"/>
+          </a:xfrm>
+        </p:spPr>
+        <p:txBody>
+          <a:bodyPr vertOverflow="overflow" horzOverflow="overflow" vert="horz" wrap="square" lIns="91440" tIns="45720" rIns="91440" bIns="45720" numCol="1" spcCol="0" rtlCol="0" fromWordArt="0" anchor="t" anchorCtr="0" forceAA="0" upright="0" compatLnSpc="0">
+            <a:normAutofit/>
+          </a:bodyPr>
+          <a:lstStyle/>
+          <a:p>
+            <a:pPr>
+              <a:defRPr/>
+            </a:pPr>
+            <a:r>
+              <a:rPr sz="2800" b="1" i="0" u="none">
+                <a:solidFill>
+                  <a:schemeClr val="bg1"/>
+                </a:solidFill>
+                <a:latin typeface="Aptos Display"/>
+                <a:ea typeface="Aptos Display"/>
+                <a:cs typeface="Aptos Display"/>
+              </a:rPr>
+              <a:t>Key Takeaway</a:t>
+            </a:r>
+            <a:endParaRPr sz="2800">
+              <a:solidFill>
+                <a:schemeClr val="bg1"/>
+              </a:solidFill>
+              <a:latin typeface="Aptos Display"/>
+              <a:ea typeface="Aptos Display"/>
+              <a:cs typeface="Aptos Display"/>
+            </a:endParaRPr>
+          </a:p>
+          <a:p>
+            <a:pPr marL="0" indent="0">
+              <a:buFont typeface="Arial"/>
+              <a:buNone/>
+              <a:defRPr/>
+            </a:pPr>
+            <a:endParaRPr sz="2800">
+              <a:solidFill>
+                <a:schemeClr val="bg1"/>
+              </a:solidFill>
+              <a:latin typeface="Aptos Display"/>
+              <a:cs typeface="Aptos Display"/>
+            </a:endParaRPr>
+          </a:p>
+          <a:p>
+            <a:pPr>
+              <a:defRPr/>
+            </a:pPr>
+            <a:r>
+              <a:rPr sz="2800" b="1" i="0" u="none">
+                <a:solidFill>
+                  <a:schemeClr val="bg1"/>
+                </a:solidFill>
+                <a:latin typeface="Aptos Display"/>
+                <a:ea typeface="Aptos Display"/>
+                <a:cs typeface="Aptos Display"/>
+              </a:rPr>
+              <a:t>Big Picture Message</a:t>
+            </a:r>
+            <a:endParaRPr sz="2800">
+              <a:solidFill>
+                <a:schemeClr val="bg1"/>
+              </a:solidFill>
+              <a:latin typeface="Aptos Display"/>
+              <a:cs typeface="Aptos Display"/>
+            </a:endParaRPr>
+          </a:p>
+          <a:p>
+            <a:pPr lvl="1">
+              <a:defRPr/>
+            </a:pPr>
+            <a:r>
+              <a:rPr sz="2800" b="0" i="0" u="none">
+                <a:solidFill>
+                  <a:schemeClr val="bg1"/>
+                </a:solidFill>
+                <a:latin typeface="Aptos Display"/>
+                <a:ea typeface="Aptos Display"/>
+                <a:cs typeface="Aptos Display"/>
+              </a:rPr>
+              <a:t>Straight motion is a </a:t>
+            </a:r>
+            <a:r>
+              <a:rPr sz="2800" b="1" i="0" u="none">
+                <a:solidFill>
+                  <a:schemeClr val="bg1"/>
+                </a:solidFill>
+                <a:latin typeface="Aptos Display"/>
+                <a:ea typeface="Aptos Display"/>
+                <a:cs typeface="Aptos Display"/>
+              </a:rPr>
+              <a:t>skill</a:t>
+            </a:r>
+            <a:endParaRPr sz="2800">
+              <a:solidFill>
+                <a:schemeClr val="bg1"/>
+              </a:solidFill>
+              <a:latin typeface="Aptos Display"/>
+              <a:cs typeface="Aptos Display"/>
+            </a:endParaRPr>
+          </a:p>
+          <a:p>
+            <a:pPr lvl="1">
+              <a:defRPr/>
+            </a:pPr>
+            <a:r>
+              <a:rPr sz="2800" b="0" i="0" u="none">
+                <a:solidFill>
+                  <a:schemeClr val="bg1"/>
+                </a:solidFill>
+                <a:latin typeface="Aptos Display"/>
+                <a:ea typeface="Aptos Display"/>
+                <a:cs typeface="Aptos Display"/>
+              </a:rPr>
+              <a:t>Path tracking is </a:t>
+            </a:r>
+            <a:r>
+              <a:rPr sz="2800" b="1" i="0" u="none">
+                <a:solidFill>
+                  <a:schemeClr val="bg1"/>
+                </a:solidFill>
+                <a:latin typeface="Aptos Display"/>
+                <a:ea typeface="Aptos Display"/>
+                <a:cs typeface="Aptos Display"/>
+              </a:rPr>
+              <a:t>autonomy</a:t>
+            </a:r>
+            <a:endParaRPr sz="2800">
+              <a:solidFill>
+                <a:schemeClr val="bg1"/>
+              </a:solidFill>
+              <a:latin typeface="Aptos Display"/>
+              <a:cs typeface="Aptos Display"/>
+            </a:endParaRPr>
+          </a:p>
+          <a:p>
+            <a:pPr lvl="1">
+              <a:defRPr/>
+            </a:pPr>
+            <a:r>
+              <a:rPr sz="2800" b="0" i="0" u="none">
+                <a:solidFill>
+                  <a:schemeClr val="bg1"/>
+                </a:solidFill>
+                <a:latin typeface="Aptos Display"/>
+                <a:ea typeface="Aptos Display"/>
+                <a:cs typeface="Aptos Display"/>
+              </a:rPr>
+              <a:t>Encoders turn motion into information</a:t>
+            </a:r>
+            <a:endParaRPr sz="2800">
+              <a:solidFill>
+                <a:schemeClr val="bg1"/>
+              </a:solidFill>
+              <a:latin typeface="Aptos Display"/>
+              <a:cs typeface="Aptos Display"/>
+            </a:endParaRPr>
+          </a:p>
+          <a:p>
+            <a:pPr lvl="1">
+              <a:defRPr/>
+            </a:pPr>
+            <a:r>
+              <a:rPr sz="2800" b="0" i="0" u="none">
+                <a:solidFill>
+                  <a:schemeClr val="bg1"/>
+                </a:solidFill>
+                <a:latin typeface="Aptos Display"/>
+                <a:ea typeface="Aptos Display"/>
+                <a:cs typeface="Aptos Display"/>
+              </a:rPr>
+              <a:t>Control turns information into intelligence</a:t>
+            </a:r>
+            <a:endParaRPr sz="2800">
+              <a:solidFill>
+                <a:schemeClr val="bg1"/>
+              </a:solidFill>
+              <a:latin typeface="Aptos Display"/>
+              <a:cs typeface="Aptos Display"/>
+            </a:endParaRPr>
+          </a:p>
+          <a:p>
+            <a:pPr>
+              <a:defRPr/>
+            </a:pPr>
+            <a:r>
+              <a:rPr sz="2800" b="0" i="0" u="none">
+                <a:solidFill>
+                  <a:schemeClr val="bg1"/>
+                </a:solidFill>
+                <a:latin typeface="Aptos Display"/>
+                <a:ea typeface="Aptos Display"/>
+                <a:cs typeface="Aptos Display"/>
+              </a:rPr>
+              <a:t> </a:t>
+            </a:r>
+            <a:r>
+              <a:rPr sz="2800" b="1" i="0" u="none">
+                <a:solidFill>
+                  <a:schemeClr val="bg1"/>
+                </a:solidFill>
+                <a:latin typeface="Aptos Display"/>
+                <a:ea typeface="Aptos Display"/>
+                <a:cs typeface="Aptos Display"/>
+              </a:rPr>
+              <a:t>This experiment is the bridge from motion to navigation</a:t>
+            </a:r>
+            <a:endParaRPr/>
+          </a:p>
+        </p:txBody>
+      </p:sp>
+      <p:pic>
+        <p:nvPicPr>
+          <p:cNvPr id="1025247466" name="Picture 3"/>
+          <p:cNvPicPr>
+            <a:picLocks noChangeAspect="1"/>
+          </p:cNvPicPr>
+          <p:nvPr/>
+        </p:nvPicPr>
+        <p:blipFill>
+          <a:blip r:embed="rId3"/>
+          <a:stretch/>
+        </p:blipFill>
+        <p:spPr bwMode="auto">
+          <a:xfrm>
+            <a:off x="9971310" y="156098"/>
+            <a:ext cx="2037717" cy="549225"/>
+          </a:xfrm>
+          <a:prstGeom prst="rect">
+            <a:avLst/>
+          </a:prstGeom>
+        </p:spPr>
+      </p:pic>
+    </p:spTree>
+  </p:cSld>
+  <p:clrMapOvr>
+    <a:masterClrMapping/>
+  </p:clrMapOvr>
+  <mc:AlternateContent xmlns:mc="http://schemas.openxmlformats.org/markup-compatibility/2006">
+    <mc:Choice xmlns:p159="http://schemas.microsoft.com/office/powerpoint/2015/09/main" xmlns:p14="http://schemas.microsoft.com/office/powerpoint/2010/main" Requires="p159">
+      <p:transition p14:dur="2000" advClick="1"/>
+    </mc:Choice>
+    <mc:Fallback>
+      <p:transition advClick="1"/>
+    </mc:Fallback>
+  </mc:AlternateContent>
+</p:sld>
+</file>
+
+<file path=ppt/slides/slide22.xml><?xml version="1.0" encoding="utf-8"?>
+<p:sld xmlns:a="http://schemas.openxmlformats.org/drawingml/2006/main" xmlns:r="http://schemas.openxmlformats.org/officeDocument/2006/relationships" xmlns:p="http://schemas.openxmlformats.org/presentationml/2006/main" xmlns:m="http://schemas.openxmlformats.org/officeDocument/2006/math" xmlns:w="http://schemas.openxmlformats.org/wordprocessingml/2006/main" xmlns:mc="http://schemas.openxmlformats.org/markup-compatibility/2006" showMasterPhAnim="0" showMasterSp="1" show="1">
+  <p:cSld name="">
+    <p:bg>
+      <p:bgPr shadeToTitle="0">
+        <a:solidFill>
+          <a:schemeClr val="tx2"/>
+        </a:solidFill>
+      </p:bgPr>
+    </p:bg>
+    <p:spTree>
+      <p:nvGrpSpPr>
+        <p:cNvPr id="1" name=""/>
+        <p:cNvGrpSpPr/>
+        <p:nvPr/>
+      </p:nvGrpSpPr>
+      <p:grpSpPr bwMode="auto">
+        <a:xfrm>
+          <a:off x="0" y="0"/>
+          <a:ext cx="0" cy="0"/>
+          <a:chOff x="0" y="0"/>
+          <a:chExt cx="0" cy="0"/>
+        </a:xfrm>
+      </p:grpSpPr>
+      <p:sp>
+        <p:nvSpPr>
+          <p:cNvPr id="1972934203" name="Title 1"/>
+          <p:cNvSpPr>
+            <a:spLocks noGrp="1"/>
+          </p:cNvSpPr>
+          <p:nvPr>
+            <p:ph type="title"/>
+          </p:nvPr>
+        </p:nvSpPr>
+        <p:spPr bwMode="auto">
+          <a:xfrm>
+            <a:off x="197113" y="156098"/>
+            <a:ext cx="10515600" cy="1325559"/>
+          </a:xfrm>
+        </p:spPr>
+        <p:txBody>
+          <a:bodyPr/>
+          <a:lstStyle/>
+          <a:p>
+            <a:pPr>
+              <a:defRPr/>
+            </a:pPr>
+            <a:r>
+              <a:rPr lang="en-US" sz="4400" b="1" i="0" u="none" strike="noStrike" cap="none" spc="0">
+                <a:solidFill>
+                  <a:schemeClr val="bg1"/>
+                </a:solidFill>
+                <a:latin typeface="Aptos Display"/>
+                <a:ea typeface="Aptos Display"/>
+                <a:cs typeface="Aptos Display"/>
+              </a:rPr>
+              <a:t>Sine Wave Trajectory Tracking</a:t>
+            </a:r>
+            <a:endParaRPr/>
+          </a:p>
+        </p:txBody>
+      </p:sp>
+      <p:sp>
+        <p:nvSpPr>
+          <p:cNvPr id="1139217352" name="Content Placeholder 2"/>
+          <p:cNvSpPr>
+            <a:spLocks noGrp="1"/>
+          </p:cNvSpPr>
+          <p:nvPr>
+            <p:ph idx="1"/>
+          </p:nvPr>
+        </p:nvSpPr>
+        <p:spPr bwMode="auto">
+          <a:xfrm flipH="0" flipV="0">
+            <a:off x="197113" y="1530681"/>
+            <a:ext cx="11196689" cy="5982711"/>
+          </a:xfrm>
+        </p:spPr>
+        <p:txBody>
+          <a:bodyPr vertOverflow="overflow" horzOverflow="overflow" vert="horz" wrap="square" lIns="91440" tIns="45720" rIns="91440" bIns="45720" numCol="1" spcCol="0" rtlCol="0" fromWordArt="0" anchor="t" anchorCtr="0" forceAA="0" upright="0" compatLnSpc="0">
+            <a:normAutofit/>
+          </a:bodyPr>
+          <a:lstStyle/>
+          <a:p>
+            <a:pPr>
+              <a:defRPr/>
+            </a:pPr>
+            <a:r>
+              <a:rPr sz="2800" b="1" i="0" u="none">
+                <a:solidFill>
+                  <a:schemeClr val="accent5"/>
+                </a:solidFill>
+                <a:latin typeface="Aptos Display"/>
+                <a:ea typeface="Aptos Display"/>
+                <a:cs typeface="Aptos Display"/>
+              </a:rPr>
+              <a:t>Critical Programming Setup</a:t>
+            </a:r>
+            <a:r>
+              <a:rPr sz="2800" b="1" i="0" u="none">
+                <a:solidFill>
+                  <a:schemeClr val="bg1"/>
+                </a:solidFill>
+                <a:latin typeface="Aptos Display"/>
+                <a:ea typeface="Aptos Display"/>
+                <a:cs typeface="Aptos Display"/>
+              </a:rPr>
+              <a:t> </a:t>
+            </a:r>
+            <a:endParaRPr sz="2800">
+              <a:solidFill>
+                <a:schemeClr val="bg1"/>
+              </a:solidFill>
+              <a:latin typeface="Aptos Display"/>
+              <a:cs typeface="Aptos Display"/>
+            </a:endParaRPr>
+          </a:p>
+          <a:p>
+            <a:pPr lvl="1">
+              <a:defRPr/>
+            </a:pPr>
+            <a:r>
+              <a:rPr sz="2800" b="1" i="0" u="none">
+                <a:solidFill>
+                  <a:schemeClr val="bg1"/>
+                </a:solidFill>
+                <a:latin typeface="Aptos Display"/>
+                <a:ea typeface="Aptos Display"/>
+                <a:cs typeface="Aptos Display"/>
+              </a:rPr>
+              <a:t>MANDATORY Switch Settings Before Uploading Code</a:t>
+            </a:r>
+            <a:endParaRPr sz="2800">
+              <a:solidFill>
+                <a:schemeClr val="bg1"/>
+              </a:solidFill>
+              <a:latin typeface="Aptos Display"/>
+              <a:cs typeface="Aptos Display"/>
+            </a:endParaRPr>
+          </a:p>
+          <a:p>
+            <a:pPr lvl="1">
+              <a:defRPr/>
+            </a:pPr>
+            <a:r>
+              <a:rPr sz="2800" b="1" i="0" u="none">
+                <a:solidFill>
+                  <a:schemeClr val="bg1"/>
+                </a:solidFill>
+                <a:latin typeface="Aptos Display"/>
+                <a:ea typeface="Aptos Display"/>
+                <a:cs typeface="Aptos Display"/>
+              </a:rPr>
+              <a:t>Before connecting USB and uploading program:</a:t>
+            </a:r>
+            <a:endParaRPr sz="2800">
+              <a:solidFill>
+                <a:schemeClr val="bg1"/>
+              </a:solidFill>
+              <a:latin typeface="Aptos Display"/>
+              <a:cs typeface="Aptos Display"/>
+            </a:endParaRPr>
+          </a:p>
+          <a:p>
+            <a:pPr lvl="2">
+              <a:defRPr/>
+            </a:pPr>
+            <a:r>
+              <a:rPr sz="2800" b="1" i="1" u="none">
+                <a:solidFill>
+                  <a:schemeClr val="accent5"/>
+                </a:solidFill>
+                <a:latin typeface="Aptos Display"/>
+                <a:ea typeface="Aptos Display"/>
+                <a:cs typeface="Aptos Display"/>
+              </a:rPr>
+              <a:t>“Motor Driver ON/OFF”  Switch</a:t>
+            </a:r>
+            <a:r>
+              <a:rPr sz="2800" b="1" i="0" u="none">
+                <a:solidFill>
+                  <a:schemeClr val="bg1"/>
+                </a:solidFill>
+                <a:latin typeface="Aptos Display"/>
+                <a:ea typeface="Aptos Display"/>
+                <a:cs typeface="Aptos Display"/>
+              </a:rPr>
+              <a:t> </a:t>
+            </a:r>
+            <a:endParaRPr sz="2800">
+              <a:solidFill>
+                <a:schemeClr val="bg1"/>
+              </a:solidFill>
+              <a:latin typeface="Aptos Display"/>
+              <a:cs typeface="Aptos Display"/>
+            </a:endParaRPr>
+          </a:p>
+          <a:p>
+            <a:pPr lvl="3">
+              <a:defRPr/>
+            </a:pPr>
+            <a:r>
+              <a:rPr sz="2800" b="0" i="0" u="none">
+                <a:solidFill>
+                  <a:schemeClr val="accent4">
+                    <a:lumMod val="75000"/>
+                  </a:schemeClr>
+                </a:solidFill>
+                <a:latin typeface="Aptos Display"/>
+                <a:ea typeface="Aptos Display"/>
+                <a:cs typeface="Aptos Display"/>
+              </a:rPr>
+              <a:t>⚠️ MUST BE SET TO: OFF</a:t>
+            </a:r>
+            <a:endParaRPr sz="2800">
+              <a:solidFill>
+                <a:schemeClr val="bg1"/>
+              </a:solidFill>
+              <a:latin typeface="Aptos Display"/>
+              <a:cs typeface="Aptos Display"/>
+            </a:endParaRPr>
+          </a:p>
+          <a:p>
+            <a:pPr lvl="2">
+              <a:defRPr/>
+            </a:pPr>
+            <a:r>
+              <a:rPr sz="2800" b="1" i="0" u="none">
+                <a:solidFill>
+                  <a:schemeClr val="bg1"/>
+                </a:solidFill>
+                <a:latin typeface="Aptos Display"/>
+                <a:ea typeface="Aptos Display"/>
+                <a:cs typeface="Aptos Display"/>
+              </a:rPr>
+              <a:t>Why?</a:t>
+            </a:r>
+            <a:endParaRPr sz="2800">
+              <a:solidFill>
+                <a:schemeClr val="bg1"/>
+              </a:solidFill>
+              <a:latin typeface="Aptos Display"/>
+              <a:cs typeface="Aptos Display"/>
+            </a:endParaRPr>
+          </a:p>
+          <a:p>
+            <a:pPr lvl="3">
+              <a:defRPr/>
+            </a:pPr>
+            <a:r>
+              <a:rPr sz="2800" b="0" i="0" u="none">
+                <a:solidFill>
+                  <a:schemeClr val="bg1"/>
+                </a:solidFill>
+                <a:latin typeface="Aptos Display"/>
+                <a:ea typeface="Aptos Display"/>
+                <a:cs typeface="Aptos Display"/>
+              </a:rPr>
+              <a:t>Prevents motors from running during code upload</a:t>
+            </a:r>
+            <a:endParaRPr sz="2800">
+              <a:solidFill>
+                <a:schemeClr val="bg1"/>
+              </a:solidFill>
+              <a:latin typeface="Aptos Display"/>
+              <a:cs typeface="Aptos Display"/>
+            </a:endParaRPr>
+          </a:p>
+          <a:p>
+            <a:pPr lvl="3">
+              <a:defRPr/>
+            </a:pPr>
+            <a:r>
+              <a:rPr sz="2800" b="0" i="0" u="none">
+                <a:solidFill>
+                  <a:schemeClr val="bg1"/>
+                </a:solidFill>
+                <a:latin typeface="Aptos Display"/>
+                <a:ea typeface="Aptos Display"/>
+                <a:cs typeface="Aptos Display"/>
+              </a:rPr>
+              <a:t>Avoids car moving unexpectedly on desk</a:t>
+            </a:r>
+            <a:endParaRPr sz="2800">
+              <a:solidFill>
+                <a:schemeClr val="bg1"/>
+              </a:solidFill>
+              <a:latin typeface="Aptos Display"/>
+              <a:cs typeface="Aptos Display"/>
+            </a:endParaRPr>
+          </a:p>
+          <a:p>
+            <a:pPr lvl="3">
+              <a:defRPr/>
+            </a:pPr>
+            <a:r>
+              <a:rPr sz="2800" b="0" i="0" u="none">
+                <a:solidFill>
+                  <a:schemeClr val="bg1"/>
+                </a:solidFill>
+                <a:latin typeface="Aptos Display"/>
+                <a:ea typeface="Aptos Display"/>
+                <a:cs typeface="Aptos Display"/>
+              </a:rPr>
+              <a:t>Protects USB connection from power surges</a:t>
+            </a:r>
+            <a:endParaRPr sz="2800">
+              <a:solidFill>
+                <a:schemeClr val="bg1"/>
+              </a:solidFill>
+              <a:latin typeface="Aptos Display"/>
+              <a:cs typeface="Aptos Display"/>
+            </a:endParaRPr>
+          </a:p>
+        </p:txBody>
+      </p:sp>
+      <p:pic>
+        <p:nvPicPr>
+          <p:cNvPr id="1621728054" name="Picture 3"/>
+          <p:cNvPicPr>
+            <a:picLocks noChangeAspect="1"/>
+          </p:cNvPicPr>
+          <p:nvPr/>
+        </p:nvPicPr>
+        <p:blipFill>
+          <a:blip r:embed="rId3"/>
+          <a:stretch/>
+        </p:blipFill>
+        <p:spPr bwMode="auto">
+          <a:xfrm>
+            <a:off x="9971313" y="156099"/>
+            <a:ext cx="2037717" cy="549226"/>
+          </a:xfrm>
+          <a:prstGeom prst="rect">
+            <a:avLst/>
+          </a:prstGeom>
+        </p:spPr>
+      </p:pic>
+      <p:sp>
+        <p:nvSpPr>
+          <p:cNvPr id="809791061" name=""/>
+          <p:cNvSpPr txBox="1"/>
+          <p:nvPr/>
+        </p:nvSpPr>
+        <p:spPr bwMode="auto">
+          <a:xfrm flipH="0" flipV="0">
+            <a:off x="6004378" y="3246120"/>
+            <a:ext cx="183240" cy="365756"/>
+          </a:xfrm>
+          <a:prstGeom prst="rect">
+            <a:avLst/>
+          </a:prstGeom>
+          <a:noFill/>
+        </p:spPr>
+        <p:txBody>
+          <a:bodyPr vertOverflow="overflow" horzOverflow="overflow" vert="horz" wrap="square" lIns="91440" tIns="45720" rIns="91440" bIns="45720" numCol="1" spcCol="0" rtlCol="0" fromWordArt="0" anchor="t" anchorCtr="0" forceAA="0" upright="0" compatLnSpc="0">
+            <a:spAutoFit/>
+          </a:bodyPr>
+          <a:p>
+            <a:pPr algn="l">
+              <a:defRPr/>
+            </a:pPr>
+            <a:endParaRPr/>
+          </a:p>
+        </p:txBody>
+      </p:sp>
+      <p:pic>
+        <p:nvPicPr>
+          <p:cNvPr id="1056131816" name=""/>
+          <p:cNvPicPr>
+            <a:picLocks noChangeAspect="1"/>
+          </p:cNvPicPr>
+          <p:nvPr/>
+        </p:nvPicPr>
+        <p:blipFill>
+          <a:blip r:embed="rId4"/>
+          <a:stretch/>
+        </p:blipFill>
+        <p:spPr bwMode="auto">
+          <a:xfrm flipH="0" flipV="0">
+            <a:off x="9126493" y="3479257"/>
+            <a:ext cx="2545290" cy="2800125"/>
+          </a:xfrm>
+          <a:prstGeom prst="rect">
+            <a:avLst/>
+          </a:prstGeom>
+        </p:spPr>
+      </p:pic>
+    </p:spTree>
+  </p:cSld>
+  <p:clrMapOvr>
+    <a:masterClrMapping/>
+  </p:clrMapOvr>
+  <mc:AlternateContent xmlns:mc="http://schemas.openxmlformats.org/markup-compatibility/2006">
+    <mc:Choice xmlns:p159="http://schemas.microsoft.com/office/powerpoint/2015/09/main" xmlns:p14="http://schemas.microsoft.com/office/powerpoint/2010/main" Requires="p159">
+      <p:transition p14:dur="2000" advClick="1"/>
+    </mc:Choice>
+    <mc:Fallback>
+      <p:transition advClick="1"/>
+    </mc:Fallback>
+  </mc:AlternateContent>
+</p:sld>
+</file>
+
+<file path=ppt/slides/slide23.xml><?xml version="1.0" encoding="utf-8"?>
+<p:sld xmlns:a="http://schemas.openxmlformats.org/drawingml/2006/main" xmlns:r="http://schemas.openxmlformats.org/officeDocument/2006/relationships" xmlns:p="http://schemas.openxmlformats.org/presentationml/2006/main" xmlns:m="http://schemas.openxmlformats.org/officeDocument/2006/math" xmlns:w="http://schemas.openxmlformats.org/wordprocessingml/2006/main" xmlns:mc="http://schemas.openxmlformats.org/markup-compatibility/2006" showMasterPhAnim="0" showMasterSp="1" show="1">
+  <p:cSld name="">
+    <p:bg>
+      <p:bgPr shadeToTitle="0">
+        <a:solidFill>
+          <a:schemeClr val="tx2"/>
+        </a:solidFill>
+      </p:bgPr>
+    </p:bg>
+    <p:spTree>
+      <p:nvGrpSpPr>
+        <p:cNvPr id="1" name=""/>
+        <p:cNvGrpSpPr/>
+        <p:nvPr/>
+      </p:nvGrpSpPr>
+      <p:grpSpPr bwMode="auto">
+        <a:xfrm>
+          <a:off x="0" y="0"/>
+          <a:ext cx="0" cy="0"/>
+          <a:chOff x="0" y="0"/>
+          <a:chExt cx="0" cy="0"/>
+        </a:xfrm>
+      </p:grpSpPr>
+      <p:sp>
+        <p:nvSpPr>
+          <p:cNvPr id="114091317" name="Title 1"/>
+          <p:cNvSpPr>
+            <a:spLocks noGrp="1"/>
+          </p:cNvSpPr>
+          <p:nvPr>
+            <p:ph type="title"/>
+          </p:nvPr>
+        </p:nvSpPr>
+        <p:spPr bwMode="auto">
+          <a:xfrm>
+            <a:off x="295032" y="-10865"/>
+            <a:ext cx="10515600" cy="1325559"/>
+          </a:xfrm>
+        </p:spPr>
+        <p:txBody>
+          <a:bodyPr/>
+          <a:lstStyle/>
+          <a:p>
+            <a:pPr>
+              <a:defRPr/>
+            </a:pPr>
+            <a:r>
+              <a:rPr lang="en-US" sz="4400" b="1" i="0" u="none" strike="noStrike" cap="none" spc="0">
+                <a:solidFill>
+                  <a:schemeClr val="bg1"/>
+                </a:solidFill>
+                <a:latin typeface="Aptos Display"/>
+                <a:ea typeface="Aptos Display"/>
+                <a:cs typeface="Aptos Display"/>
+              </a:rPr>
+              <a:t>Sine Wave Trajectory Tracking</a:t>
+            </a:r>
+            <a:endParaRPr/>
+          </a:p>
+        </p:txBody>
+      </p:sp>
+      <p:sp>
+        <p:nvSpPr>
+          <p:cNvPr id="575559259" name="Content Placeholder 2"/>
+          <p:cNvSpPr>
+            <a:spLocks noGrp="1"/>
+          </p:cNvSpPr>
+          <p:nvPr>
+            <p:ph idx="1"/>
+          </p:nvPr>
+        </p:nvSpPr>
+        <p:spPr bwMode="auto">
+          <a:xfrm flipH="0" flipV="0">
+            <a:off x="194068" y="1210214"/>
+            <a:ext cx="11620618" cy="5982711"/>
+          </a:xfrm>
+        </p:spPr>
+        <p:txBody>
+          <a:bodyPr vertOverflow="overflow" horzOverflow="overflow" vert="horz" wrap="square" lIns="91440" tIns="45720" rIns="91440" bIns="45720" numCol="1" spcCol="0" rtlCol="0" fromWordArt="0" anchor="t" anchorCtr="0" forceAA="0" upright="0" compatLnSpc="0">
+            <a:normAutofit/>
+          </a:bodyPr>
+          <a:lstStyle/>
+          <a:p>
+            <a:pPr>
+              <a:defRPr/>
+            </a:pPr>
+            <a:r>
+              <a:rPr sz="2800" b="1" i="0" u="none">
+                <a:solidFill>
+                  <a:schemeClr val="bg1"/>
+                </a:solidFill>
+                <a:latin typeface="Aptos Display"/>
+                <a:ea typeface="Aptos Display"/>
+                <a:cs typeface="Aptos Display"/>
+              </a:rPr>
+              <a:t>During Programming (Code Upload):</a:t>
+            </a:r>
+            <a:endParaRPr sz="2800">
+              <a:solidFill>
+                <a:schemeClr val="bg1"/>
+              </a:solidFill>
+              <a:latin typeface="Aptos Display"/>
+              <a:cs typeface="Aptos Display"/>
+            </a:endParaRPr>
+          </a:p>
+          <a:p>
+            <a:pPr lvl="1">
+              <a:defRPr/>
+            </a:pPr>
+            <a:r>
+              <a:rPr sz="2400" b="0" i="0" u="none">
+                <a:solidFill>
+                  <a:schemeClr val="bg1"/>
+                </a:solidFill>
+                <a:latin typeface="Aptos Display"/>
+                <a:ea typeface="Aptos Display"/>
+                <a:cs typeface="Aptos Display"/>
+              </a:rPr>
+              <a:t>Step 1: Connect USB cable to computer</a:t>
+            </a:r>
+            <a:endParaRPr sz="2800" b="0" i="0" u="none">
+              <a:solidFill>
+                <a:schemeClr val="bg1"/>
+              </a:solidFill>
+              <a:latin typeface="Aptos Display"/>
+              <a:ea typeface="Aptos Display"/>
+              <a:cs typeface="Aptos Display"/>
+            </a:endParaRPr>
+          </a:p>
+          <a:p>
+            <a:pPr lvl="1">
+              <a:defRPr/>
+            </a:pPr>
+            <a:r>
+              <a:rPr sz="2400" b="0" i="0" u="none">
+                <a:solidFill>
+                  <a:schemeClr val="bg1"/>
+                </a:solidFill>
+                <a:latin typeface="Aptos Display"/>
+                <a:ea typeface="Aptos Display"/>
+                <a:cs typeface="Aptos Display"/>
+              </a:rPr>
+              <a:t>Step 2: Set Switch “</a:t>
+            </a:r>
+            <a:r>
+              <a:rPr lang="en-US" sz="2400" b="1" i="1" u="none" strike="noStrike" cap="none" spc="0">
+                <a:solidFill>
+                  <a:schemeClr val="accent5"/>
+                </a:solidFill>
+                <a:latin typeface="Aptos Display"/>
+                <a:ea typeface="Aptos Display"/>
+                <a:cs typeface="Aptos Display"/>
+              </a:rPr>
+              <a:t>Motor Driver ON/OFF</a:t>
+            </a:r>
+            <a:r>
+              <a:rPr sz="2400" b="0" i="0" u="none">
+                <a:solidFill>
+                  <a:schemeClr val="bg1"/>
+                </a:solidFill>
+                <a:latin typeface="Aptos Display"/>
+                <a:ea typeface="Aptos Display"/>
+                <a:cs typeface="Aptos Display"/>
+              </a:rPr>
+              <a:t>” → OFF</a:t>
+            </a:r>
+            <a:endParaRPr sz="2800" b="0" i="0" u="none">
+              <a:solidFill>
+                <a:schemeClr val="bg1"/>
+              </a:solidFill>
+              <a:latin typeface="Aptos Display"/>
+              <a:ea typeface="Aptos Display"/>
+              <a:cs typeface="Aptos Display"/>
+            </a:endParaRPr>
+          </a:p>
+          <a:p>
+            <a:pPr lvl="1">
+              <a:defRPr/>
+            </a:pPr>
+            <a:r>
+              <a:rPr lang="en-US" sz="2400" b="0" i="0" u="none" strike="noStrike" cap="none" spc="0">
+                <a:solidFill>
+                  <a:schemeClr val="bg1"/>
+                </a:solidFill>
+                <a:latin typeface="Aptos Display"/>
+                <a:ea typeface="Aptos Display"/>
+                <a:cs typeface="Aptos Display"/>
+              </a:rPr>
+              <a:t>Step 3: Set Switch “</a:t>
+            </a:r>
+            <a:r>
+              <a:rPr lang="en-US" sz="2400" b="1" i="0" u="none" strike="noStrike" cap="none" spc="0">
+                <a:solidFill>
+                  <a:schemeClr val="accent5"/>
+                </a:solidFill>
+                <a:latin typeface="Times New Roman"/>
+                <a:ea typeface="Times New Roman"/>
+                <a:cs typeface="Times New Roman"/>
+              </a:rPr>
+              <a:t>Battery ON/OFF </a:t>
+            </a:r>
+            <a:r>
+              <a:rPr lang="en-US" sz="2400" b="0" i="0" u="none" strike="noStrike" cap="none" spc="0">
+                <a:solidFill>
+                  <a:schemeClr val="bg1"/>
+                </a:solidFill>
+                <a:latin typeface="Aptos Display"/>
+                <a:ea typeface="Aptos Display"/>
+                <a:cs typeface="Aptos Display"/>
+              </a:rPr>
+              <a:t>” → OFF -&gt;for batter power</a:t>
+            </a:r>
+            <a:endParaRPr sz="2800" b="0" i="0" u="none">
+              <a:solidFill>
+                <a:schemeClr val="bg1"/>
+              </a:solidFill>
+              <a:latin typeface="Aptos Display"/>
+              <a:ea typeface="Aptos Display"/>
+              <a:cs typeface="Aptos Display"/>
+            </a:endParaRPr>
+          </a:p>
+          <a:p>
+            <a:pPr lvl="1">
+              <a:defRPr/>
+            </a:pPr>
+            <a:r>
+              <a:rPr sz="2400" b="0" i="0" u="none">
+                <a:solidFill>
+                  <a:schemeClr val="bg1"/>
+                </a:solidFill>
+                <a:latin typeface="Aptos Display"/>
+                <a:ea typeface="Aptos Display"/>
+                <a:cs typeface="Aptos Display"/>
+              </a:rPr>
+              <a:t>Step 4: Upload your the respective program</a:t>
+            </a:r>
+            <a:endParaRPr sz="2800" b="0" i="0" u="none">
+              <a:solidFill>
+                <a:schemeClr val="bg1"/>
+              </a:solidFill>
+              <a:latin typeface="Aptos Display"/>
+              <a:ea typeface="Aptos Display"/>
+              <a:cs typeface="Aptos Display"/>
+            </a:endParaRPr>
+          </a:p>
+          <a:p>
+            <a:pPr lvl="1">
+              <a:defRPr/>
+            </a:pPr>
+            <a:r>
+              <a:rPr sz="2400" b="0" i="0" u="none">
+                <a:solidFill>
+                  <a:schemeClr val="bg1"/>
+                </a:solidFill>
+                <a:latin typeface="Aptos Display"/>
+                <a:ea typeface="Aptos Display"/>
+                <a:cs typeface="Aptos Display"/>
+              </a:rPr>
+              <a:t>Step 5: Wait for "Upload Complete" message</a:t>
+            </a:r>
+            <a:endParaRPr sz="2800" b="0" i="0" u="none">
+              <a:solidFill>
+                <a:schemeClr val="bg1"/>
+              </a:solidFill>
+              <a:latin typeface="Aptos Display"/>
+              <a:ea typeface="Aptos Display"/>
+              <a:cs typeface="Aptos Display"/>
+            </a:endParaRPr>
+          </a:p>
+          <a:p>
+            <a:pPr lvl="1">
+              <a:defRPr/>
+            </a:pPr>
+            <a:r>
+              <a:rPr sz="2400" b="0" i="0" u="none">
+                <a:solidFill>
+                  <a:schemeClr val="bg1"/>
+                </a:solidFill>
+                <a:latin typeface="Aptos Display"/>
+                <a:ea typeface="Aptos Display"/>
+                <a:cs typeface="Aptos Display"/>
+              </a:rPr>
+              <a:t>Step 6: Disconnect USB cable</a:t>
+            </a:r>
+            <a:endParaRPr sz="2800">
+              <a:solidFill>
+                <a:schemeClr val="bg1"/>
+              </a:solidFill>
+              <a:latin typeface="Aptos Display"/>
+              <a:cs typeface="Aptos Display"/>
+            </a:endParaRPr>
+          </a:p>
+          <a:p>
+            <a:pPr>
+              <a:defRPr/>
+            </a:pPr>
+            <a:r>
+              <a:rPr sz="2800" b="1" i="0" u="none">
+                <a:solidFill>
+                  <a:schemeClr val="bg1"/>
+                </a:solidFill>
+                <a:latin typeface="Aptos Display"/>
+                <a:ea typeface="Aptos Display"/>
+                <a:cs typeface="Aptos Display"/>
+              </a:rPr>
+              <a:t>Before Testing (Running the Robot):</a:t>
+            </a:r>
+            <a:endParaRPr sz="2800">
+              <a:solidFill>
+                <a:schemeClr val="bg1"/>
+              </a:solidFill>
+              <a:latin typeface="Aptos Display"/>
+              <a:cs typeface="Aptos Display"/>
+            </a:endParaRPr>
+          </a:p>
+          <a:p>
+            <a:pPr lvl="1">
+              <a:defRPr/>
+            </a:pPr>
+            <a:r>
+              <a:rPr sz="2400" b="0" i="0" u="none">
+                <a:solidFill>
+                  <a:schemeClr val="bg1"/>
+                </a:solidFill>
+                <a:latin typeface="Aptos Display"/>
+                <a:ea typeface="Aptos Display"/>
+                <a:cs typeface="Aptos Display"/>
+              </a:rPr>
+              <a:t>Step 1: Place robot on the ground. No obstacle as this test for basic movements </a:t>
+            </a:r>
+            <a:endParaRPr sz="2400" b="0" i="0" u="none">
+              <a:solidFill>
+                <a:schemeClr val="bg1"/>
+              </a:solidFill>
+              <a:latin typeface="Aptos Display"/>
+              <a:ea typeface="Aptos Display"/>
+              <a:cs typeface="Aptos Display"/>
+            </a:endParaRPr>
+          </a:p>
+          <a:p>
+            <a:pPr lvl="1">
+              <a:defRPr/>
+            </a:pPr>
+            <a:r>
+              <a:rPr sz="2400" b="0" i="0" u="none">
+                <a:solidFill>
+                  <a:schemeClr val="bg1"/>
+                </a:solidFill>
+                <a:latin typeface="Aptos Display"/>
+                <a:ea typeface="Aptos Display"/>
+                <a:cs typeface="Aptos Display"/>
+              </a:rPr>
+              <a:t>Step 2: Set Switch </a:t>
+            </a:r>
+            <a:r>
+              <a:rPr lang="en-US" sz="2400" b="0" i="0" u="none" strike="noStrike" cap="none" spc="0">
+                <a:solidFill>
+                  <a:schemeClr val="bg1"/>
+                </a:solidFill>
+                <a:latin typeface="Aptos Display"/>
+                <a:ea typeface="Aptos Display"/>
+                <a:cs typeface="Aptos Display"/>
+              </a:rPr>
+              <a:t>“</a:t>
+            </a:r>
+            <a:r>
+              <a:rPr lang="en-US" sz="2400" b="1" i="1" u="none" strike="noStrike" cap="none" spc="0">
+                <a:solidFill>
+                  <a:schemeClr val="accent5"/>
+                </a:solidFill>
+                <a:latin typeface="Aptos Display"/>
+                <a:ea typeface="Aptos Display"/>
+                <a:cs typeface="Aptos Display"/>
+              </a:rPr>
+              <a:t>Motor Driver ON/OFF</a:t>
+            </a:r>
+            <a:r>
+              <a:rPr lang="en-US" sz="2400" b="0" i="0" u="none" strike="noStrike" cap="none" spc="0">
+                <a:solidFill>
+                  <a:schemeClr val="bg1"/>
+                </a:solidFill>
+                <a:latin typeface="Aptos Display"/>
+                <a:ea typeface="Aptos Display"/>
+                <a:cs typeface="Aptos Display"/>
+              </a:rPr>
+              <a:t>”</a:t>
+            </a:r>
+            <a:r>
+              <a:rPr sz="2400" b="0" i="0" u="none">
+                <a:solidFill>
+                  <a:schemeClr val="bg1"/>
+                </a:solidFill>
+                <a:latin typeface="Aptos Display"/>
+                <a:ea typeface="Aptos Display"/>
+                <a:cs typeface="Aptos Display"/>
+              </a:rPr>
+              <a:t> -&gt;</a:t>
+            </a:r>
+            <a:r>
+              <a:rPr sz="2400" b="0" i="0" u="none">
+                <a:solidFill>
+                  <a:schemeClr val="bg1"/>
+                </a:solidFill>
+                <a:latin typeface="Aptos Display"/>
+                <a:ea typeface="Aptos Display"/>
+                <a:cs typeface="Aptos Display"/>
+              </a:rPr>
+              <a:t>ON (  motor driver</a:t>
+            </a:r>
+            <a:r>
+              <a:rPr lang="en-US" sz="2400" b="0" i="0" u="none" strike="noStrike" cap="none" spc="0">
+                <a:solidFill>
+                  <a:schemeClr val="bg1"/>
+                </a:solidFill>
+                <a:latin typeface="Aptos Display"/>
+                <a:ea typeface="Aptos Display"/>
+                <a:cs typeface="Aptos Display"/>
+              </a:rPr>
+              <a:t> ON</a:t>
+            </a:r>
+            <a:r>
+              <a:rPr sz="2400" b="0" i="0" u="none">
+                <a:solidFill>
+                  <a:schemeClr val="bg1"/>
+                </a:solidFill>
+                <a:latin typeface="Aptos Display"/>
+                <a:ea typeface="Aptos Display"/>
+                <a:cs typeface="Aptos Display"/>
+              </a:rPr>
+              <a:t>)</a:t>
+            </a:r>
+            <a:endParaRPr sz="2400" b="0" i="0" u="none">
+              <a:solidFill>
+                <a:schemeClr val="bg1"/>
+              </a:solidFill>
+              <a:latin typeface="Aptos Display"/>
+              <a:ea typeface="Aptos Display"/>
+              <a:cs typeface="Aptos Display"/>
+            </a:endParaRPr>
+          </a:p>
+          <a:p>
+            <a:pPr lvl="1">
+              <a:defRPr/>
+            </a:pPr>
+            <a:r>
+              <a:rPr lang="en-US" sz="2400" b="0" i="0" u="none" strike="noStrike" cap="none" spc="0">
+                <a:solidFill>
+                  <a:schemeClr val="bg1"/>
+                </a:solidFill>
+                <a:latin typeface="Aptos Display"/>
+                <a:ea typeface="Aptos Display"/>
+                <a:cs typeface="Aptos Display"/>
+              </a:rPr>
+              <a:t>Step 3: Set Switch “</a:t>
+            </a:r>
+            <a:r>
+              <a:rPr lang="en-US" sz="2800" b="1" i="0" u="none" strike="noStrike" cap="none" spc="0">
+                <a:solidFill>
+                  <a:schemeClr val="accent5"/>
+                </a:solidFill>
+                <a:latin typeface="Times New Roman"/>
+                <a:ea typeface="Times New Roman"/>
+                <a:cs typeface="Times New Roman"/>
+              </a:rPr>
+              <a:t>Battery ON/OFF</a:t>
+            </a:r>
+            <a:r>
+              <a:rPr lang="en-US" sz="2400" b="0" i="0" u="none" strike="noStrike" cap="none" spc="0">
+                <a:solidFill>
+                  <a:schemeClr val="bg1"/>
+                </a:solidFill>
+                <a:latin typeface="Aptos Display"/>
+                <a:ea typeface="Aptos Display"/>
+                <a:cs typeface="Aptos Display"/>
+              </a:rPr>
+              <a:t>” → ON -&gt; for batter power</a:t>
+            </a:r>
+            <a:endParaRPr sz="2400" b="0" i="0" u="none">
+              <a:solidFill>
+                <a:schemeClr val="bg1"/>
+              </a:solidFill>
+              <a:latin typeface="Aptos Display"/>
+              <a:ea typeface="Aptos Display"/>
+              <a:cs typeface="Aptos Display"/>
+            </a:endParaRPr>
+          </a:p>
+          <a:p>
+            <a:pPr lvl="1">
+              <a:defRPr/>
+            </a:pPr>
+            <a:r>
+              <a:rPr sz="2400" b="0" i="0" u="none">
+                <a:solidFill>
+                  <a:schemeClr val="bg1"/>
+                </a:solidFill>
+                <a:latin typeface="Aptos Display"/>
+                <a:ea typeface="Aptos Display"/>
+                <a:cs typeface="Aptos Display"/>
+              </a:rPr>
+              <a:t>Step 4: Monitor the Robot car-3 Movements &amp; OLED , Monitior the functionality according to the program</a:t>
+            </a:r>
+            <a:endParaRPr sz="2400" b="0" i="0" u="none">
+              <a:solidFill>
+                <a:schemeClr val="bg1"/>
+              </a:solidFill>
+              <a:latin typeface="Aptos Display"/>
+              <a:ea typeface="Aptos Display"/>
+              <a:cs typeface="Aptos Display"/>
+            </a:endParaRPr>
+          </a:p>
+        </p:txBody>
+      </p:sp>
+      <p:pic>
+        <p:nvPicPr>
+          <p:cNvPr id="1339571962" name="Picture 3"/>
+          <p:cNvPicPr>
+            <a:picLocks noChangeAspect="1"/>
+          </p:cNvPicPr>
+          <p:nvPr/>
+        </p:nvPicPr>
+        <p:blipFill>
+          <a:blip r:embed="rId3"/>
+          <a:stretch/>
+        </p:blipFill>
+        <p:spPr bwMode="auto">
+          <a:xfrm>
+            <a:off x="9971313" y="156099"/>
+            <a:ext cx="2037717" cy="549226"/>
+          </a:xfrm>
+          <a:prstGeom prst="rect">
+            <a:avLst/>
+          </a:prstGeom>
+        </p:spPr>
+      </p:pic>
+      <p:sp>
+        <p:nvSpPr>
+          <p:cNvPr id="1573483869" name=""/>
+          <p:cNvSpPr txBox="1"/>
+          <p:nvPr/>
+        </p:nvSpPr>
+        <p:spPr bwMode="auto">
+          <a:xfrm flipH="0" flipV="0">
+            <a:off x="6004378" y="3246120"/>
+            <a:ext cx="183240" cy="365756"/>
+          </a:xfrm>
+          <a:prstGeom prst="rect">
+            <a:avLst/>
+          </a:prstGeom>
+          <a:noFill/>
+        </p:spPr>
+        <p:txBody>
+          <a:bodyPr vertOverflow="overflow" horzOverflow="overflow" vert="horz" wrap="square" lIns="91440" tIns="45720" rIns="91440" bIns="45720" numCol="1" spcCol="0" rtlCol="0" fromWordArt="0" anchor="t" anchorCtr="0" forceAA="0" upright="0" compatLnSpc="0">
+            <a:spAutoFit/>
+          </a:bodyPr>
+          <a:p>
+            <a:pPr algn="l">
+              <a:defRPr/>
+            </a:pPr>
+            <a:endParaRPr/>
+          </a:p>
+        </p:txBody>
+      </p:sp>
+      <p:sp>
+        <p:nvSpPr>
+          <p:cNvPr id="1874613918" name=""/>
+          <p:cNvSpPr txBox="1"/>
+          <p:nvPr/>
+        </p:nvSpPr>
+        <p:spPr bwMode="auto">
+          <a:xfrm flipH="0" flipV="0">
+            <a:off x="495643" y="6493988"/>
+            <a:ext cx="2862434" cy="365759"/>
+          </a:xfrm>
+          <a:prstGeom prst="rect">
+            <a:avLst/>
+          </a:prstGeom>
+          <a:noFill/>
+        </p:spPr>
+        <p:txBody>
+          <a:bodyPr vertOverflow="overflow" horzOverflow="overflow" vert="horz" wrap="square" lIns="91440" tIns="45720" rIns="91440" bIns="45720" numCol="1" spcCol="0" rtlCol="0" fromWordArt="0" anchor="t" anchorCtr="0" forceAA="0" upright="0" compatLnSpc="0">
+            <a:spAutoFit/>
+          </a:bodyPr>
+          <a:p>
+            <a:pPr algn="l">
+              <a:defRPr/>
+            </a:pPr>
+            <a:r>
+              <a:rPr b="0" i="0" u="none">
+                <a:solidFill>
+                  <a:schemeClr val="bg1"/>
+                </a:solidFill>
+                <a:latin typeface="Times New Roman"/>
+                <a:ea typeface="Times New Roman"/>
+                <a:cs typeface="Times New Roman"/>
+              </a:rPr>
+              <a:t>Lesson Code – GitHub URL:</a:t>
+            </a:r>
+            <a:endParaRPr/>
+          </a:p>
+        </p:txBody>
+      </p:sp>
+      <p:sp>
+        <p:nvSpPr>
+          <p:cNvPr id="258553512" name=""/>
+          <p:cNvSpPr txBox="1"/>
+          <p:nvPr/>
+        </p:nvSpPr>
+        <p:spPr bwMode="auto">
+          <a:xfrm flipH="0" flipV="0">
+            <a:off x="4351745" y="6173767"/>
+            <a:ext cx="7276086" cy="640440"/>
+          </a:xfrm>
+          <a:prstGeom prst="rect">
+            <a:avLst/>
+          </a:prstGeom>
+          <a:noFill/>
+        </p:spPr>
+        <p:txBody>
+          <a:bodyPr vertOverflow="overflow" horzOverflow="overflow" vert="horz" wrap="square" lIns="91440" tIns="45720" rIns="91440" bIns="45720" numCol="1" spcCol="0" rtlCol="0" fromWordArt="0" anchor="t" anchorCtr="0" forceAA="0" upright="0" compatLnSpc="0">
+            <a:spAutoFit/>
+          </a:bodyPr>
+          <a:p>
+            <a:pPr algn="l">
+              <a:defRPr/>
+            </a:pPr>
+            <a:r>
+              <a:rPr>
+                <a:solidFill>
+                  <a:schemeClr val="bg1"/>
+                </a:solidFill>
+              </a:rPr>
+              <a:t>https://github.com/info-zas/zas-robotics-car-3-encoders-imu-gps/tree/main/01_FoundationProjects/10_Car-3_Sine_Trajectory</a:t>
+            </a:r>
+            <a:endParaRPr/>
+          </a:p>
+        </p:txBody>
+      </p:sp>
+    </p:spTree>
+  </p:cSld>
+  <p:clrMapOvr>
+    <a:masterClrMapping/>
+  </p:clrMapOvr>
+  <mc:AlternateContent xmlns:mc="http://schemas.openxmlformats.org/markup-compatibility/2006">
+    <mc:Choice xmlns:p159="http://schemas.microsoft.com/office/powerpoint/2015/09/main" xmlns:p14="http://schemas.microsoft.com/office/powerpoint/2010/main" Requires="p159">
+      <p:transition p14:dur="2000" advClick="1"/>
+    </mc:Choice>
+    <mc:Fallback>
+      <p:transition advClick="1"/>
+    </mc:Fallback>
+  </mc:AlternateContent>
+</p:sld>
+</file>
+
+<file path=ppt/slides/slide24.xml><?xml version="1.0" encoding="utf-8"?>
+<p:sld xmlns:a="http://schemas.openxmlformats.org/drawingml/2006/main" xmlns:r="http://schemas.openxmlformats.org/officeDocument/2006/relationships" xmlns:p="http://schemas.openxmlformats.org/presentationml/2006/main" xmlns:m="http://schemas.openxmlformats.org/officeDocument/2006/math" xmlns:w="http://schemas.openxmlformats.org/wordprocessingml/2006/main" xmlns:mc="http://schemas.openxmlformats.org/markup-compatibility/2006" showMasterPhAnim="0" showMasterSp="1" show="1">
+  <p:cSld name="">
+    <p:bg>
+      <p:bgPr shadeToTitle="0">
+        <a:solidFill>
+          <a:schemeClr val="tx2"/>
+        </a:solidFill>
+      </p:bgPr>
+    </p:bg>
+    <p:spTree>
+      <p:nvGrpSpPr>
+        <p:cNvPr id="1" name=""/>
+        <p:cNvGrpSpPr/>
+        <p:nvPr/>
+      </p:nvGrpSpPr>
+      <p:grpSpPr bwMode="auto">
+        <a:xfrm>
+          <a:off x="0" y="0"/>
+          <a:ext cx="0" cy="0"/>
+          <a:chOff x="0" y="0"/>
+          <a:chExt cx="0" cy="0"/>
+        </a:xfrm>
+      </p:grpSpPr>
+      <p:sp>
+        <p:nvSpPr>
+          <p:cNvPr id="163758182" name="Title 1"/>
+          <p:cNvSpPr>
+            <a:spLocks noGrp="1"/>
+          </p:cNvSpPr>
+          <p:nvPr>
+            <p:ph type="title"/>
+          </p:nvPr>
+        </p:nvSpPr>
+        <p:spPr bwMode="auto">
+          <a:xfrm flipH="0" flipV="0">
+            <a:off x="838198" y="365124"/>
+            <a:ext cx="10515600" cy="2536884"/>
+          </a:xfrm>
+        </p:spPr>
+        <p:txBody>
+          <a:bodyPr/>
+          <a:lstStyle/>
+          <a:p>
+            <a:pPr>
+              <a:defRPr/>
+            </a:pPr>
+            <a:r>
+              <a:rPr lang="en-GB">
+                <a:solidFill>
+                  <a:schemeClr val="bg1"/>
+                </a:solidFill>
+              </a:rPr>
+              <a:t>Q&amp;A</a:t>
+            </a:r>
+            <a:endParaRPr/>
+          </a:p>
+        </p:txBody>
+      </p:sp>
+      <p:sp>
+        <p:nvSpPr>
+          <p:cNvPr id="1249441527" name="Content Placeholder 2"/>
+          <p:cNvSpPr>
+            <a:spLocks noGrp="1"/>
+          </p:cNvSpPr>
+          <p:nvPr>
+            <p:ph idx="1"/>
+          </p:nvPr>
+        </p:nvSpPr>
+        <p:spPr bwMode="auto"/>
+        <p:txBody>
+          <a:bodyPr/>
+          <a:lstStyle/>
+          <a:p>
+            <a:pPr>
+              <a:defRPr/>
+            </a:pPr>
+            <a:endParaRPr lang="en-GB"/>
+          </a:p>
+          <a:p>
+            <a:pPr>
+              <a:defRPr/>
+            </a:pPr>
+            <a:endParaRPr sz="2800" b="0" i="0" u="none">
+              <a:solidFill>
+                <a:schemeClr val="bg1"/>
+              </a:solidFill>
+              <a:latin typeface="Times New Roman"/>
+              <a:ea typeface="Times New Roman"/>
+              <a:cs typeface="Times New Roman"/>
+            </a:endParaRPr>
+          </a:p>
+          <a:p>
+            <a:pPr>
+              <a:defRPr/>
+            </a:pPr>
+            <a:r>
+              <a:rPr sz="2800" b="1" i="0" u="none">
+                <a:solidFill>
+                  <a:schemeClr val="bg1"/>
+                </a:solidFill>
+                <a:latin typeface="Times New Roman"/>
+                <a:ea typeface="Times New Roman"/>
+                <a:cs typeface="Times New Roman"/>
+              </a:rPr>
+              <a:t>Invite Questions</a:t>
+            </a:r>
+            <a:r>
+              <a:rPr sz="2800" b="0" i="0" u="none">
+                <a:solidFill>
+                  <a:schemeClr val="bg1"/>
+                </a:solidFill>
+                <a:latin typeface="Times New Roman"/>
+                <a:ea typeface="Times New Roman"/>
+                <a:cs typeface="Times New Roman"/>
+              </a:rPr>
+              <a:t>: Encourage the audience to ask questions for further clarification or discussion.</a:t>
+            </a:r>
+            <a:endParaRPr sz="2800" b="0" i="0" u="none">
+              <a:solidFill>
+                <a:schemeClr val="bg1"/>
+              </a:solidFill>
+              <a:latin typeface="Times New Roman"/>
+              <a:ea typeface="Times New Roman"/>
+              <a:cs typeface="Times New Roman"/>
+            </a:endParaRPr>
+          </a:p>
+          <a:p>
+            <a:pPr marL="0" indent="0">
+              <a:buFont typeface="Arial"/>
+              <a:buNone/>
+              <a:defRPr/>
+            </a:pPr>
+            <a:endParaRPr lang="en-GB">
+              <a:solidFill>
+                <a:schemeClr val="bg1"/>
+              </a:solidFill>
+            </a:endParaRPr>
+          </a:p>
+        </p:txBody>
+      </p:sp>
+      <p:pic>
+        <p:nvPicPr>
+          <p:cNvPr id="561922392" name="Picture 3"/>
+          <p:cNvPicPr>
+            <a:picLocks noChangeAspect="1"/>
+          </p:cNvPicPr>
+          <p:nvPr/>
+        </p:nvPicPr>
+        <p:blipFill>
+          <a:blip r:embed="rId3"/>
+          <a:stretch/>
+        </p:blipFill>
+        <p:spPr bwMode="auto">
+          <a:xfrm>
+            <a:off x="9971314" y="156102"/>
+            <a:ext cx="2037720" cy="549229"/>
+          </a:xfrm>
+          <a:prstGeom prst="rect">
+            <a:avLst/>
+          </a:prstGeom>
+        </p:spPr>
+      </p:pic>
+    </p:spTree>
+  </p:cSld>
+  <p:clrMapOvr>
+    <a:masterClrMapping/>
+  </p:clrMapOvr>
+  <mc:AlternateContent xmlns:mc="http://schemas.openxmlformats.org/markup-compatibility/2006">
+    <mc:Choice xmlns:p159="http://schemas.microsoft.com/office/powerpoint/2015/09/main" xmlns:p14="http://schemas.microsoft.com/office/powerpoint/2010/main" Requires="p159">
+      <p:transition p14:dur="2000" advClick="1"/>
+    </mc:Choice>
+    <mc:Fallback>
+      <p:transition advClick="1"/>
+    </mc:Fallback>
+  </mc:AlternateContent>
+</p:sld>
+</file>
+
+<file path=ppt/slides/slide3.xml><?xml version="1.0" encoding="utf-8"?>
+<p:sld xmlns:a="http://schemas.openxmlformats.org/drawingml/2006/main" xmlns:r="http://schemas.openxmlformats.org/officeDocument/2006/relationships" xmlns:p="http://schemas.openxmlformats.org/presentationml/2006/main" xmlns:m="http://schemas.openxmlformats.org/officeDocument/2006/math" xmlns:w="http://schemas.openxmlformats.org/wordprocessingml/2006/main" xmlns:mc="http://schemas.openxmlformats.org/markup-compatibility/2006" showMasterPhAnim="0" showMasterSp="1" show="1">
+  <p:cSld name="">
+    <p:bg>
+      <p:bgPr shadeToTitle="0">
+        <a:solidFill>
+          <a:schemeClr val="tx2"/>
+        </a:solidFill>
+      </p:bgPr>
+    </p:bg>
+    <p:spTree>
+      <p:nvGrpSpPr>
+        <p:cNvPr id="1" name=""/>
+        <p:cNvGrpSpPr/>
+        <p:nvPr/>
+      </p:nvGrpSpPr>
+      <p:grpSpPr bwMode="auto">
+        <a:xfrm>
+          <a:off x="0" y="0"/>
+          <a:ext cx="0" cy="0"/>
+          <a:chOff x="0" y="0"/>
+          <a:chExt cx="0" cy="0"/>
+        </a:xfrm>
+      </p:grpSpPr>
+      <p:sp>
+        <p:nvSpPr>
+          <p:cNvPr id="439222413" name="Title 1"/>
+          <p:cNvSpPr>
+            <a:spLocks noGrp="1"/>
+          </p:cNvSpPr>
+          <p:nvPr>
+            <p:ph type="title"/>
+          </p:nvPr>
+        </p:nvSpPr>
+        <p:spPr bwMode="auto">
+          <a:xfrm flipH="0" flipV="0">
+            <a:off x="123284" y="-35461"/>
+            <a:ext cx="10515600" cy="1103685"/>
+          </a:xfrm>
+        </p:spPr>
+        <p:txBody>
+          <a:bodyPr vertOverflow="overflow" horzOverflow="overflow" vert="horz" wrap="square" lIns="91440" tIns="45720" rIns="91440" bIns="45720" numCol="1" spcCol="0" rtlCol="0" fromWordArt="0" anchor="ctr" anchorCtr="0" forceAA="0" upright="0" compatLnSpc="0">
+            <a:normAutofit fontScale="90000" lnSpcReduction="2000"/>
+          </a:bodyPr>
+          <a:lstStyle/>
+          <a:p>
+            <a:pPr>
+              <a:defRPr/>
+            </a:pPr>
+            <a:r>
+              <a:rPr lang="en-US" sz="4400" b="1" i="0" u="none" strike="noStrike" cap="none" spc="0">
+                <a:solidFill>
+                  <a:schemeClr val="bg1"/>
+                </a:solidFill>
+                <a:latin typeface="Aptos Display"/>
+                <a:ea typeface="Aptos Display"/>
+                <a:cs typeface="Aptos Display"/>
+              </a:rPr>
+              <a:t>Sine Wave Trajectory Tracking</a:t>
+            </a:r>
+            <a:endParaRPr/>
+          </a:p>
+        </p:txBody>
+      </p:sp>
+      <p:sp>
+        <p:nvSpPr>
+          <p:cNvPr id="1916951988" name="Content Placeholder 2"/>
+          <p:cNvSpPr>
+            <a:spLocks noGrp="1"/>
+          </p:cNvSpPr>
+          <p:nvPr>
+            <p:ph idx="1"/>
+          </p:nvPr>
+        </p:nvSpPr>
+        <p:spPr bwMode="auto">
+          <a:xfrm flipH="0" flipV="0">
+            <a:off x="187850" y="961401"/>
+            <a:ext cx="11643644" cy="5795116"/>
+          </a:xfrm>
+        </p:spPr>
+        <p:txBody>
+          <a:bodyPr vertOverflow="overflow" horzOverflow="overflow" vert="horz" wrap="square" lIns="91440" tIns="45720" rIns="91440" bIns="45720" numCol="1" spcCol="0" rtlCol="0" fromWordArt="0" anchor="t" anchorCtr="0" forceAA="0" upright="0" compatLnSpc="0">
+            <a:normAutofit/>
+          </a:bodyPr>
+          <a:lstStyle/>
+          <a:p>
+            <a:pPr>
+              <a:defRPr/>
+            </a:pPr>
+            <a:r>
+              <a:rPr lang="en-US" sz="2800" b="1" i="0" u="none" strike="noStrike" cap="none" spc="0">
+                <a:solidFill>
+                  <a:schemeClr val="bg1"/>
+                </a:solidFill>
+                <a:latin typeface="Times New Roman"/>
+                <a:ea typeface="Times New Roman"/>
+                <a:cs typeface="Times New Roman"/>
+              </a:rPr>
+              <a:t>Robot Car-3 - Assembled view and Creative Board component layout</a:t>
+            </a:r>
+            <a:endParaRPr sz="2800" b="1" i="0" u="none">
+              <a:solidFill>
+                <a:schemeClr val="bg1"/>
+              </a:solidFill>
+              <a:latin typeface="Times New Roman"/>
+              <a:ea typeface="Times New Roman"/>
+              <a:cs typeface="Times New Roman"/>
+            </a:endParaRPr>
+          </a:p>
+        </p:txBody>
+      </p:sp>
+      <p:pic>
+        <p:nvPicPr>
+          <p:cNvPr id="431506144" name="Picture 3"/>
+          <p:cNvPicPr>
+            <a:picLocks noChangeAspect="1"/>
+          </p:cNvPicPr>
+          <p:nvPr/>
+        </p:nvPicPr>
+        <p:blipFill>
+          <a:blip r:embed="rId3"/>
+          <a:stretch/>
+        </p:blipFill>
+        <p:spPr bwMode="auto">
+          <a:xfrm>
+            <a:off x="9971313" y="156101"/>
+            <a:ext cx="2037719" cy="549228"/>
+          </a:xfrm>
+          <a:prstGeom prst="rect">
+            <a:avLst/>
+          </a:prstGeom>
+        </p:spPr>
+      </p:pic>
+      <p:pic>
+        <p:nvPicPr>
+          <p:cNvPr id="1717240568" name=""/>
+          <p:cNvPicPr>
+            <a:picLocks noChangeAspect="1"/>
+          </p:cNvPicPr>
+          <p:nvPr/>
+        </p:nvPicPr>
+        <p:blipFill>
+          <a:blip r:embed="rId4"/>
+          <a:stretch/>
+        </p:blipFill>
+        <p:spPr bwMode="auto">
+          <a:xfrm flipH="0" flipV="0">
+            <a:off x="526121" y="1554661"/>
+            <a:ext cx="4557756" cy="5014917"/>
+          </a:xfrm>
+          <a:prstGeom prst="rect">
+            <a:avLst/>
+          </a:prstGeom>
+        </p:spPr>
+      </p:pic>
+      <p:sp>
+        <p:nvSpPr>
+          <p:cNvPr id="219064765" name=""/>
+          <p:cNvSpPr/>
+          <p:nvPr/>
+        </p:nvSpPr>
+        <p:spPr bwMode="auto">
+          <a:xfrm flipH="0" flipV="0">
+            <a:off x="3819812" y="3302593"/>
+            <a:ext cx="2020724" cy="195841"/>
+          </a:xfrm>
+          <a:prstGeom prst="rightArrow">
+            <a:avLst>
+              <a:gd name="adj1" fmla="val 50000"/>
+              <a:gd name="adj2" fmla="val 50000"/>
+            </a:avLst>
+          </a:prstGeom>
+        </p:spPr>
+        <p:style>
+          <a:lnRef idx="2">
+            <a:schemeClr val="accent1">
+              <a:shade val="50000"/>
+            </a:schemeClr>
+          </a:lnRef>
+          <a:fillRef idx="1">
+            <a:schemeClr val="accent1"/>
+          </a:fillRef>
+          <a:effectRef idx="0">
+            <a:schemeClr val="accent1"/>
+          </a:effectRef>
+          <a:fontRef idx="minor">
+            <a:schemeClr val="lt1"/>
+          </a:fontRef>
+        </p:style>
+      </p:sp>
+      <p:pic>
+        <p:nvPicPr>
+          <p:cNvPr id="587524176" name=""/>
+          <p:cNvPicPr>
+            <a:picLocks noChangeAspect="1"/>
+          </p:cNvPicPr>
+          <p:nvPr/>
+        </p:nvPicPr>
+        <p:blipFill>
+          <a:blip r:embed="rId5"/>
+          <a:stretch/>
+        </p:blipFill>
+        <p:spPr bwMode="auto">
+          <a:xfrm rot="0" flipH="0" flipV="0">
+            <a:off x="5840537" y="1495513"/>
+            <a:ext cx="5287710" cy="5127476"/>
+          </a:xfrm>
+          <a:prstGeom prst="rect">
+            <a:avLst/>
+          </a:prstGeom>
+        </p:spPr>
+      </p:pic>
+    </p:spTree>
+  </p:cSld>
+  <p:clrMapOvr>
+    <a:masterClrMapping/>
+  </p:clrMapOvr>
+  <mc:AlternateContent xmlns:mc="http://schemas.openxmlformats.org/markup-compatibility/2006">
+    <mc:Choice xmlns:p159="http://schemas.microsoft.com/office/powerpoint/2015/09/main" xmlns:p14="http://schemas.microsoft.com/office/powerpoint/2010/main" Requires="p159">
+      <p:transition p14:dur="2000" advClick="1"/>
+    </mc:Choice>
+    <mc:Fallback>
+      <p:transition advClick="1"/>
+    </mc:Fallback>
+  </mc:AlternateContent>
+</p:sld>
+</file>
+
+<file path=ppt/slides/slide4.xml><?xml version="1.0" encoding="utf-8"?>
+<p:sld xmlns:a="http://schemas.openxmlformats.org/drawingml/2006/main" xmlns:r="http://schemas.openxmlformats.org/officeDocument/2006/relationships" xmlns:p="http://schemas.openxmlformats.org/presentationml/2006/main" xmlns:m="http://schemas.openxmlformats.org/officeDocument/2006/math" xmlns:w="http://schemas.openxmlformats.org/wordprocessingml/2006/main" xmlns:mc="http://schemas.openxmlformats.org/markup-compatibility/2006" showMasterPhAnim="0" showMasterSp="1" show="1">
+  <p:cSld name="">
+    <p:bg>
+      <p:bgPr shadeToTitle="0">
+        <a:solidFill>
+          <a:schemeClr val="tx2"/>
+        </a:solidFill>
+      </p:bgPr>
+    </p:bg>
+    <p:spTree>
+      <p:nvGrpSpPr>
+        <p:cNvPr id="1" name=""/>
+        <p:cNvGrpSpPr/>
+        <p:nvPr/>
+      </p:nvGrpSpPr>
+      <p:grpSpPr bwMode="auto">
+        <a:xfrm>
+          <a:off x="0" y="0"/>
+          <a:ext cx="0" cy="0"/>
+          <a:chOff x="0" y="0"/>
+          <a:chExt cx="0" cy="0"/>
+        </a:xfrm>
+      </p:grpSpPr>
+      <p:sp>
+        <p:nvSpPr>
+          <p:cNvPr id="1610535724" name="Title 1"/>
           <p:cNvSpPr>
             <a:spLocks noGrp="1"/>
           </p:cNvSpPr>
@@ -9930,15 +11854,15 @@
               <a:defRPr/>
             </a:pPr>
             <a:r>
-              <a:rPr lang="en-US" sz="4400" b="0" i="0" u="none" strike="noStrike" cap="none" spc="0">
-                <a:solidFill>
-                  <a:schemeClr val="bg1"/>
-                </a:solidFill>
-                <a:latin typeface="Aptos Display"/>
-                <a:ea typeface="Aptos Display"/>
-                <a:cs typeface="Aptos Display"/>
-              </a:rPr>
-              <a:t>Encoder-Based Constant Speed Control using PI</a:t>
+              <a:rPr lang="en-US" sz="4400" b="1" i="0" u="none" strike="noStrike" cap="none" spc="0">
+                <a:solidFill>
+                  <a:schemeClr val="bg1"/>
+                </a:solidFill>
+                <a:latin typeface="Aptos Display"/>
+                <a:ea typeface="Aptos Display"/>
+                <a:cs typeface="Aptos Display"/>
+              </a:rPr>
+              <a:t>Sine Wave Trajectory Tracking</a:t>
             </a:r>
             <a:endParaRPr/>
           </a:p>
@@ -9946,7 +11870,7 @@
       </p:sp>
       <p:sp>
         <p:nvSpPr>
-          <p:cNvPr id="630741570" name="Content Placeholder 2"/>
+          <p:cNvPr id="1508790542" name="Content Placeholder 2"/>
           <p:cNvSpPr>
             <a:spLocks noGrp="1"/>
           </p:cNvSpPr>
@@ -10012,7 +11936,7 @@
       </p:sp>
       <p:pic>
         <p:nvPicPr>
-          <p:cNvPr id="2016858145" name="Picture 3"/>
+          <p:cNvPr id="845006103" name="Picture 3"/>
           <p:cNvPicPr>
             <a:picLocks noChangeAspect="1"/>
           </p:cNvPicPr>
@@ -10034,7 +11958,7 @@
       </p:pic>
       <p:graphicFrame>
         <p:nvGraphicFramePr>
-          <p:cNvPr id="649575991" name=""/>
+          <p:cNvPr id="1009058466" name=""/>
           <p:cNvGraphicFramePr>
             <a:graphicFrameLocks xmlns:a="http://schemas.openxmlformats.org/drawingml/2006/main"/>
           </p:cNvGraphicFramePr>
@@ -11331,1858 +13255,6 @@
 </p:sld>
 </file>
 
-<file path=ppt/slides/slide22.xml><?xml version="1.0" encoding="utf-8"?>
-<p:sld xmlns:a="http://schemas.openxmlformats.org/drawingml/2006/main" xmlns:r="http://schemas.openxmlformats.org/officeDocument/2006/relationships" xmlns:p="http://schemas.openxmlformats.org/presentationml/2006/main" xmlns:m="http://schemas.openxmlformats.org/officeDocument/2006/math" xmlns:w="http://schemas.openxmlformats.org/wordprocessingml/2006/main" xmlns:mc="http://schemas.openxmlformats.org/markup-compatibility/2006" showMasterPhAnim="0" showMasterSp="1" show="1">
-  <p:cSld name="">
-    <p:bg>
-      <p:bgPr shadeToTitle="0">
-        <a:solidFill>
-          <a:schemeClr val="tx2"/>
-        </a:solidFill>
-      </p:bgPr>
-    </p:bg>
-    <p:spTree>
-      <p:nvGrpSpPr>
-        <p:cNvPr id="1" name=""/>
-        <p:cNvGrpSpPr/>
-        <p:nvPr/>
-      </p:nvGrpSpPr>
-      <p:grpSpPr bwMode="auto">
-        <a:xfrm>
-          <a:off x="0" y="0"/>
-          <a:ext cx="0" cy="0"/>
-          <a:chOff x="0" y="0"/>
-          <a:chExt cx="0" cy="0"/>
-        </a:xfrm>
-      </p:grpSpPr>
-      <p:sp>
-        <p:nvSpPr>
-          <p:cNvPr id="1717450292" name="Title 1"/>
-          <p:cNvSpPr>
-            <a:spLocks noGrp="1"/>
-          </p:cNvSpPr>
-          <p:nvPr>
-            <p:ph type="title"/>
-          </p:nvPr>
-        </p:nvSpPr>
-        <p:spPr bwMode="auto">
-          <a:xfrm>
-            <a:off x="197113" y="156098"/>
-            <a:ext cx="10515600" cy="1325559"/>
-          </a:xfrm>
-        </p:spPr>
-        <p:txBody>
-          <a:bodyPr/>
-          <a:lstStyle/>
-          <a:p>
-            <a:pPr>
-              <a:defRPr/>
-            </a:pPr>
-            <a:r>
-              <a:rPr lang="en-US" sz="4400" b="0" i="0" u="none" strike="noStrike" cap="none" spc="0">
-                <a:solidFill>
-                  <a:schemeClr val="bg1"/>
-                </a:solidFill>
-                <a:latin typeface="Aptos Display"/>
-                <a:ea typeface="Aptos Display"/>
-                <a:cs typeface="Aptos Display"/>
-              </a:rPr>
-              <a:t>Encoder-Based Constant Speed Control using PI</a:t>
-            </a:r>
-            <a:endParaRPr/>
-          </a:p>
-        </p:txBody>
-      </p:sp>
-      <p:sp>
-        <p:nvSpPr>
-          <p:cNvPr id="282923642" name="Content Placeholder 2"/>
-          <p:cNvSpPr>
-            <a:spLocks noGrp="1"/>
-          </p:cNvSpPr>
-          <p:nvPr>
-            <p:ph idx="1"/>
-          </p:nvPr>
-        </p:nvSpPr>
-        <p:spPr bwMode="auto">
-          <a:xfrm flipH="0" flipV="0">
-            <a:off x="197113" y="1530681"/>
-            <a:ext cx="11196689" cy="5982711"/>
-          </a:xfrm>
-        </p:spPr>
-        <p:txBody>
-          <a:bodyPr vertOverflow="overflow" horzOverflow="overflow" vert="horz" wrap="square" lIns="91440" tIns="45720" rIns="91440" bIns="45720" numCol="1" spcCol="0" rtlCol="0" fromWordArt="0" anchor="t" anchorCtr="0" forceAA="0" upright="0" compatLnSpc="0">
-            <a:normAutofit/>
-          </a:bodyPr>
-          <a:lstStyle/>
-          <a:p>
-            <a:pPr>
-              <a:defRPr/>
-            </a:pPr>
-            <a:r>
-              <a:rPr sz="2800" b="1" i="0" u="none">
-                <a:solidFill>
-                  <a:schemeClr val="accent5"/>
-                </a:solidFill>
-                <a:latin typeface="Aptos Display"/>
-                <a:ea typeface="Aptos Display"/>
-                <a:cs typeface="Aptos Display"/>
-              </a:rPr>
-              <a:t>Critical Programming Setup</a:t>
-            </a:r>
-            <a:r>
-              <a:rPr sz="2800" b="1" i="0" u="none">
-                <a:solidFill>
-                  <a:schemeClr val="bg1"/>
-                </a:solidFill>
-                <a:latin typeface="Aptos Display"/>
-                <a:ea typeface="Aptos Display"/>
-                <a:cs typeface="Aptos Display"/>
-              </a:rPr>
-              <a:t> </a:t>
-            </a:r>
-            <a:endParaRPr sz="2800">
-              <a:solidFill>
-                <a:schemeClr val="bg1"/>
-              </a:solidFill>
-              <a:latin typeface="Aptos Display"/>
-              <a:cs typeface="Aptos Display"/>
-            </a:endParaRPr>
-          </a:p>
-          <a:p>
-            <a:pPr lvl="1">
-              <a:defRPr/>
-            </a:pPr>
-            <a:r>
-              <a:rPr sz="2800" b="1" i="0" u="none">
-                <a:solidFill>
-                  <a:schemeClr val="bg1"/>
-                </a:solidFill>
-                <a:latin typeface="Aptos Display"/>
-                <a:ea typeface="Aptos Display"/>
-                <a:cs typeface="Aptos Display"/>
-              </a:rPr>
-              <a:t>MANDATORY Switch Settings Before Uploading Code</a:t>
-            </a:r>
-            <a:endParaRPr sz="2800">
-              <a:solidFill>
-                <a:schemeClr val="bg1"/>
-              </a:solidFill>
-              <a:latin typeface="Aptos Display"/>
-              <a:cs typeface="Aptos Display"/>
-            </a:endParaRPr>
-          </a:p>
-          <a:p>
-            <a:pPr lvl="1">
-              <a:defRPr/>
-            </a:pPr>
-            <a:r>
-              <a:rPr sz="2800" b="1" i="0" u="none">
-                <a:solidFill>
-                  <a:schemeClr val="bg1"/>
-                </a:solidFill>
-                <a:latin typeface="Aptos Display"/>
-                <a:ea typeface="Aptos Display"/>
-                <a:cs typeface="Aptos Display"/>
-              </a:rPr>
-              <a:t>Before connecting USB and uploading program:</a:t>
-            </a:r>
-            <a:endParaRPr sz="2800">
-              <a:solidFill>
-                <a:schemeClr val="bg1"/>
-              </a:solidFill>
-              <a:latin typeface="Aptos Display"/>
-              <a:cs typeface="Aptos Display"/>
-            </a:endParaRPr>
-          </a:p>
-          <a:p>
-            <a:pPr lvl="2">
-              <a:defRPr/>
-            </a:pPr>
-            <a:r>
-              <a:rPr sz="2800" b="1" i="1" u="none">
-                <a:solidFill>
-                  <a:schemeClr val="accent5"/>
-                </a:solidFill>
-                <a:latin typeface="Aptos Display"/>
-                <a:ea typeface="Aptos Display"/>
-                <a:cs typeface="Aptos Display"/>
-              </a:rPr>
-              <a:t>“Motor Driver ON/OFF”  Switch</a:t>
-            </a:r>
-            <a:r>
-              <a:rPr sz="2800" b="1" i="0" u="none">
-                <a:solidFill>
-                  <a:schemeClr val="bg1"/>
-                </a:solidFill>
-                <a:latin typeface="Aptos Display"/>
-                <a:ea typeface="Aptos Display"/>
-                <a:cs typeface="Aptos Display"/>
-              </a:rPr>
-              <a:t> </a:t>
-            </a:r>
-            <a:endParaRPr sz="2800">
-              <a:solidFill>
-                <a:schemeClr val="bg1"/>
-              </a:solidFill>
-              <a:latin typeface="Aptos Display"/>
-              <a:cs typeface="Aptos Display"/>
-            </a:endParaRPr>
-          </a:p>
-          <a:p>
-            <a:pPr lvl="3">
-              <a:defRPr/>
-            </a:pPr>
-            <a:r>
-              <a:rPr sz="2800" b="0" i="0" u="none">
-                <a:solidFill>
-                  <a:schemeClr val="accent4">
-                    <a:lumMod val="75000"/>
-                  </a:schemeClr>
-                </a:solidFill>
-                <a:latin typeface="Aptos Display"/>
-                <a:ea typeface="Aptos Display"/>
-                <a:cs typeface="Aptos Display"/>
-              </a:rPr>
-              <a:t>⚠️ MUST BE SET TO: OFF</a:t>
-            </a:r>
-            <a:endParaRPr sz="2800">
-              <a:solidFill>
-                <a:schemeClr val="bg1"/>
-              </a:solidFill>
-              <a:latin typeface="Aptos Display"/>
-              <a:cs typeface="Aptos Display"/>
-            </a:endParaRPr>
-          </a:p>
-          <a:p>
-            <a:pPr lvl="2">
-              <a:defRPr/>
-            </a:pPr>
-            <a:r>
-              <a:rPr sz="2800" b="1" i="0" u="none">
-                <a:solidFill>
-                  <a:schemeClr val="bg1"/>
-                </a:solidFill>
-                <a:latin typeface="Aptos Display"/>
-                <a:ea typeface="Aptos Display"/>
-                <a:cs typeface="Aptos Display"/>
-              </a:rPr>
-              <a:t>Why?</a:t>
-            </a:r>
-            <a:endParaRPr sz="2800">
-              <a:solidFill>
-                <a:schemeClr val="bg1"/>
-              </a:solidFill>
-              <a:latin typeface="Aptos Display"/>
-              <a:cs typeface="Aptos Display"/>
-            </a:endParaRPr>
-          </a:p>
-          <a:p>
-            <a:pPr lvl="3">
-              <a:defRPr/>
-            </a:pPr>
-            <a:r>
-              <a:rPr sz="2800" b="0" i="0" u="none">
-                <a:solidFill>
-                  <a:schemeClr val="bg1"/>
-                </a:solidFill>
-                <a:latin typeface="Aptos Display"/>
-                <a:ea typeface="Aptos Display"/>
-                <a:cs typeface="Aptos Display"/>
-              </a:rPr>
-              <a:t>Prevents motors from running during code upload</a:t>
-            </a:r>
-            <a:endParaRPr sz="2800">
-              <a:solidFill>
-                <a:schemeClr val="bg1"/>
-              </a:solidFill>
-              <a:latin typeface="Aptos Display"/>
-              <a:cs typeface="Aptos Display"/>
-            </a:endParaRPr>
-          </a:p>
-          <a:p>
-            <a:pPr lvl="3">
-              <a:defRPr/>
-            </a:pPr>
-            <a:r>
-              <a:rPr sz="2800" b="0" i="0" u="none">
-                <a:solidFill>
-                  <a:schemeClr val="bg1"/>
-                </a:solidFill>
-                <a:latin typeface="Aptos Display"/>
-                <a:ea typeface="Aptos Display"/>
-                <a:cs typeface="Aptos Display"/>
-              </a:rPr>
-              <a:t>Avoids car moving unexpectedly on desk</a:t>
-            </a:r>
-            <a:endParaRPr sz="2800">
-              <a:solidFill>
-                <a:schemeClr val="bg1"/>
-              </a:solidFill>
-              <a:latin typeface="Aptos Display"/>
-              <a:cs typeface="Aptos Display"/>
-            </a:endParaRPr>
-          </a:p>
-          <a:p>
-            <a:pPr lvl="3">
-              <a:defRPr/>
-            </a:pPr>
-            <a:r>
-              <a:rPr sz="2800" b="0" i="0" u="none">
-                <a:solidFill>
-                  <a:schemeClr val="bg1"/>
-                </a:solidFill>
-                <a:latin typeface="Aptos Display"/>
-                <a:ea typeface="Aptos Display"/>
-                <a:cs typeface="Aptos Display"/>
-              </a:rPr>
-              <a:t>Protects USB connection from power surges</a:t>
-            </a:r>
-            <a:endParaRPr sz="2800">
-              <a:solidFill>
-                <a:schemeClr val="bg1"/>
-              </a:solidFill>
-              <a:latin typeface="Aptos Display"/>
-              <a:cs typeface="Aptos Display"/>
-            </a:endParaRPr>
-          </a:p>
-        </p:txBody>
-      </p:sp>
-      <p:pic>
-        <p:nvPicPr>
-          <p:cNvPr id="68711810" name="Picture 3"/>
-          <p:cNvPicPr>
-            <a:picLocks noChangeAspect="1"/>
-          </p:cNvPicPr>
-          <p:nvPr/>
-        </p:nvPicPr>
-        <p:blipFill>
-          <a:blip r:embed="rId3"/>
-          <a:stretch/>
-        </p:blipFill>
-        <p:spPr bwMode="auto">
-          <a:xfrm>
-            <a:off x="9971313" y="156099"/>
-            <a:ext cx="2037717" cy="549226"/>
-          </a:xfrm>
-          <a:prstGeom prst="rect">
-            <a:avLst/>
-          </a:prstGeom>
-        </p:spPr>
-      </p:pic>
-      <p:sp>
-        <p:nvSpPr>
-          <p:cNvPr id="795196045" name=""/>
-          <p:cNvSpPr txBox="1"/>
-          <p:nvPr/>
-        </p:nvSpPr>
-        <p:spPr bwMode="auto">
-          <a:xfrm flipH="0" flipV="0">
-            <a:off x="6004378" y="3246120"/>
-            <a:ext cx="183240" cy="365756"/>
-          </a:xfrm>
-          <a:prstGeom prst="rect">
-            <a:avLst/>
-          </a:prstGeom>
-          <a:noFill/>
-        </p:spPr>
-        <p:txBody>
-          <a:bodyPr vertOverflow="overflow" horzOverflow="overflow" vert="horz" wrap="square" lIns="91440" tIns="45720" rIns="91440" bIns="45720" numCol="1" spcCol="0" rtlCol="0" fromWordArt="0" anchor="t" anchorCtr="0" forceAA="0" upright="0" compatLnSpc="0">
-            <a:spAutoFit/>
-          </a:bodyPr>
-          <a:p>
-            <a:pPr algn="l">
-              <a:defRPr/>
-            </a:pPr>
-            <a:endParaRPr/>
-          </a:p>
-        </p:txBody>
-      </p:sp>
-      <p:pic>
-        <p:nvPicPr>
-          <p:cNvPr id="274255101" name=""/>
-          <p:cNvPicPr>
-            <a:picLocks noChangeAspect="1"/>
-          </p:cNvPicPr>
-          <p:nvPr/>
-        </p:nvPicPr>
-        <p:blipFill>
-          <a:blip r:embed="rId4"/>
-          <a:stretch/>
-        </p:blipFill>
-        <p:spPr bwMode="auto">
-          <a:xfrm flipH="0" flipV="0">
-            <a:off x="9126493" y="3479257"/>
-            <a:ext cx="2545290" cy="2800125"/>
-          </a:xfrm>
-          <a:prstGeom prst="rect">
-            <a:avLst/>
-          </a:prstGeom>
-        </p:spPr>
-      </p:pic>
-    </p:spTree>
-  </p:cSld>
-  <p:clrMapOvr>
-    <a:masterClrMapping/>
-  </p:clrMapOvr>
-  <mc:AlternateContent xmlns:mc="http://schemas.openxmlformats.org/markup-compatibility/2006">
-    <mc:Choice xmlns:p159="http://schemas.microsoft.com/office/powerpoint/2015/09/main" xmlns:p14="http://schemas.microsoft.com/office/powerpoint/2010/main" Requires="p159">
-      <p:transition p14:dur="2000" advClick="1"/>
-    </mc:Choice>
-    <mc:Fallback>
-      <p:transition advClick="1"/>
-    </mc:Fallback>
-  </mc:AlternateContent>
-</p:sld>
-</file>
-
-<file path=ppt/slides/slide23.xml><?xml version="1.0" encoding="utf-8"?>
-<p:sld xmlns:a="http://schemas.openxmlformats.org/drawingml/2006/main" xmlns:r="http://schemas.openxmlformats.org/officeDocument/2006/relationships" xmlns:p="http://schemas.openxmlformats.org/presentationml/2006/main" xmlns:m="http://schemas.openxmlformats.org/officeDocument/2006/math" xmlns:w="http://schemas.openxmlformats.org/wordprocessingml/2006/main" xmlns:mc="http://schemas.openxmlformats.org/markup-compatibility/2006" showMasterPhAnim="0" showMasterSp="1" show="1">
-  <p:cSld name="">
-    <p:bg>
-      <p:bgPr shadeToTitle="0">
-        <a:solidFill>
-          <a:schemeClr val="tx2"/>
-        </a:solidFill>
-      </p:bgPr>
-    </p:bg>
-    <p:spTree>
-      <p:nvGrpSpPr>
-        <p:cNvPr id="1" name=""/>
-        <p:cNvGrpSpPr/>
-        <p:nvPr/>
-      </p:nvGrpSpPr>
-      <p:grpSpPr bwMode="auto">
-        <a:xfrm>
-          <a:off x="0" y="0"/>
-          <a:ext cx="0" cy="0"/>
-          <a:chOff x="0" y="0"/>
-          <a:chExt cx="0" cy="0"/>
-        </a:xfrm>
-      </p:grpSpPr>
-      <p:sp>
-        <p:nvSpPr>
-          <p:cNvPr id="1815508960" name="Title 1"/>
-          <p:cNvSpPr>
-            <a:spLocks noGrp="1"/>
-          </p:cNvSpPr>
-          <p:nvPr>
-            <p:ph type="title"/>
-          </p:nvPr>
-        </p:nvSpPr>
-        <p:spPr bwMode="auto">
-          <a:xfrm>
-            <a:off x="295033" y="42545"/>
-            <a:ext cx="10515600" cy="1325559"/>
-          </a:xfrm>
-        </p:spPr>
-        <p:txBody>
-          <a:bodyPr/>
-          <a:lstStyle/>
-          <a:p>
-            <a:pPr>
-              <a:defRPr/>
-            </a:pPr>
-            <a:r>
-              <a:rPr lang="en-US" sz="4400" b="0" i="0" u="none" strike="noStrike" cap="none" spc="0">
-                <a:solidFill>
-                  <a:schemeClr val="bg1"/>
-                </a:solidFill>
-                <a:latin typeface="Aptos Display"/>
-                <a:ea typeface="Aptos Display"/>
-                <a:cs typeface="Aptos Display"/>
-              </a:rPr>
-              <a:t>Encoder-Based Constant Speed Control using PI</a:t>
-            </a:r>
-            <a:endParaRPr/>
-          </a:p>
-        </p:txBody>
-      </p:sp>
-      <p:sp>
-        <p:nvSpPr>
-          <p:cNvPr id="257511806" name="Content Placeholder 2"/>
-          <p:cNvSpPr>
-            <a:spLocks noGrp="1"/>
-          </p:cNvSpPr>
-          <p:nvPr>
-            <p:ph idx="1"/>
-          </p:nvPr>
-        </p:nvSpPr>
-        <p:spPr bwMode="auto">
-          <a:xfrm flipH="0" flipV="0">
-            <a:off x="194068" y="1210214"/>
-            <a:ext cx="11620618" cy="5982711"/>
-          </a:xfrm>
-        </p:spPr>
-        <p:txBody>
-          <a:bodyPr vertOverflow="overflow" horzOverflow="overflow" vert="horz" wrap="square" lIns="91440" tIns="45720" rIns="91440" bIns="45720" numCol="1" spcCol="0" rtlCol="0" fromWordArt="0" anchor="t" anchorCtr="0" forceAA="0" upright="0" compatLnSpc="0">
-            <a:normAutofit/>
-          </a:bodyPr>
-          <a:lstStyle/>
-          <a:p>
-            <a:pPr>
-              <a:defRPr/>
-            </a:pPr>
-            <a:r>
-              <a:rPr sz="2800" b="1" i="0" u="none">
-                <a:solidFill>
-                  <a:schemeClr val="bg1"/>
-                </a:solidFill>
-                <a:latin typeface="Aptos Display"/>
-                <a:ea typeface="Aptos Display"/>
-                <a:cs typeface="Aptos Display"/>
-              </a:rPr>
-              <a:t>During Programming (Code Upload):</a:t>
-            </a:r>
-            <a:endParaRPr sz="2800">
-              <a:solidFill>
-                <a:schemeClr val="bg1"/>
-              </a:solidFill>
-              <a:latin typeface="Aptos Display"/>
-              <a:cs typeface="Aptos Display"/>
-            </a:endParaRPr>
-          </a:p>
-          <a:p>
-            <a:pPr lvl="1">
-              <a:defRPr/>
-            </a:pPr>
-            <a:r>
-              <a:rPr sz="2400" b="0" i="0" u="none">
-                <a:solidFill>
-                  <a:schemeClr val="bg1"/>
-                </a:solidFill>
-                <a:latin typeface="Aptos Display"/>
-                <a:ea typeface="Aptos Display"/>
-                <a:cs typeface="Aptos Display"/>
-              </a:rPr>
-              <a:t>Step 1: Connect USB cable to computer</a:t>
-            </a:r>
-            <a:endParaRPr sz="2800" b="0" i="0" u="none">
-              <a:solidFill>
-                <a:schemeClr val="bg1"/>
-              </a:solidFill>
-              <a:latin typeface="Aptos Display"/>
-              <a:ea typeface="Aptos Display"/>
-              <a:cs typeface="Aptos Display"/>
-            </a:endParaRPr>
-          </a:p>
-          <a:p>
-            <a:pPr lvl="1">
-              <a:defRPr/>
-            </a:pPr>
-            <a:r>
-              <a:rPr sz="2400" b="0" i="0" u="none">
-                <a:solidFill>
-                  <a:schemeClr val="bg1"/>
-                </a:solidFill>
-                <a:latin typeface="Aptos Display"/>
-                <a:ea typeface="Aptos Display"/>
-                <a:cs typeface="Aptos Display"/>
-              </a:rPr>
-              <a:t>Step 2: Set Switch “</a:t>
-            </a:r>
-            <a:r>
-              <a:rPr lang="en-US" sz="2400" b="1" i="1" u="none" strike="noStrike" cap="none" spc="0">
-                <a:solidFill>
-                  <a:schemeClr val="accent5"/>
-                </a:solidFill>
-                <a:latin typeface="Aptos Display"/>
-                <a:ea typeface="Aptos Display"/>
-                <a:cs typeface="Aptos Display"/>
-              </a:rPr>
-              <a:t>Motor Driver ON/OFF</a:t>
-            </a:r>
-            <a:r>
-              <a:rPr sz="2400" b="0" i="0" u="none">
-                <a:solidFill>
-                  <a:schemeClr val="bg1"/>
-                </a:solidFill>
-                <a:latin typeface="Aptos Display"/>
-                <a:ea typeface="Aptos Display"/>
-                <a:cs typeface="Aptos Display"/>
-              </a:rPr>
-              <a:t>” → OFF</a:t>
-            </a:r>
-            <a:endParaRPr sz="2800" b="0" i="0" u="none">
-              <a:solidFill>
-                <a:schemeClr val="bg1"/>
-              </a:solidFill>
-              <a:latin typeface="Aptos Display"/>
-              <a:ea typeface="Aptos Display"/>
-              <a:cs typeface="Aptos Display"/>
-            </a:endParaRPr>
-          </a:p>
-          <a:p>
-            <a:pPr lvl="1">
-              <a:defRPr/>
-            </a:pPr>
-            <a:r>
-              <a:rPr lang="en-US" sz="2400" b="0" i="0" u="none" strike="noStrike" cap="none" spc="0">
-                <a:solidFill>
-                  <a:schemeClr val="bg1"/>
-                </a:solidFill>
-                <a:latin typeface="Aptos Display"/>
-                <a:ea typeface="Aptos Display"/>
-                <a:cs typeface="Aptos Display"/>
-              </a:rPr>
-              <a:t>Step 3: Set Switch “</a:t>
-            </a:r>
-            <a:r>
-              <a:rPr lang="en-US" sz="2400" b="1" i="0" u="none" strike="noStrike" cap="none" spc="0">
-                <a:solidFill>
-                  <a:schemeClr val="accent5"/>
-                </a:solidFill>
-                <a:latin typeface="Times New Roman"/>
-                <a:ea typeface="Times New Roman"/>
-                <a:cs typeface="Times New Roman"/>
-              </a:rPr>
-              <a:t>Battery ON/OFF </a:t>
-            </a:r>
-            <a:r>
-              <a:rPr lang="en-US" sz="2400" b="0" i="0" u="none" strike="noStrike" cap="none" spc="0">
-                <a:solidFill>
-                  <a:schemeClr val="bg1"/>
-                </a:solidFill>
-                <a:latin typeface="Aptos Display"/>
-                <a:ea typeface="Aptos Display"/>
-                <a:cs typeface="Aptos Display"/>
-              </a:rPr>
-              <a:t>” → OFF -&gt;for batter power</a:t>
-            </a:r>
-            <a:endParaRPr sz="2800" b="0" i="0" u="none">
-              <a:solidFill>
-                <a:schemeClr val="bg1"/>
-              </a:solidFill>
-              <a:latin typeface="Aptos Display"/>
-              <a:ea typeface="Aptos Display"/>
-              <a:cs typeface="Aptos Display"/>
-            </a:endParaRPr>
-          </a:p>
-          <a:p>
-            <a:pPr lvl="1">
-              <a:defRPr/>
-            </a:pPr>
-            <a:r>
-              <a:rPr sz="2400" b="0" i="0" u="none">
-                <a:solidFill>
-                  <a:schemeClr val="bg1"/>
-                </a:solidFill>
-                <a:latin typeface="Aptos Display"/>
-                <a:ea typeface="Aptos Display"/>
-                <a:cs typeface="Aptos Display"/>
-              </a:rPr>
-              <a:t>Step 4: Upload your the respective program</a:t>
-            </a:r>
-            <a:endParaRPr sz="2800" b="0" i="0" u="none">
-              <a:solidFill>
-                <a:schemeClr val="bg1"/>
-              </a:solidFill>
-              <a:latin typeface="Aptos Display"/>
-              <a:ea typeface="Aptos Display"/>
-              <a:cs typeface="Aptos Display"/>
-            </a:endParaRPr>
-          </a:p>
-          <a:p>
-            <a:pPr lvl="1">
-              <a:defRPr/>
-            </a:pPr>
-            <a:r>
-              <a:rPr sz="2400" b="0" i="0" u="none">
-                <a:solidFill>
-                  <a:schemeClr val="bg1"/>
-                </a:solidFill>
-                <a:latin typeface="Aptos Display"/>
-                <a:ea typeface="Aptos Display"/>
-                <a:cs typeface="Aptos Display"/>
-              </a:rPr>
-              <a:t>Step 5: Wait for "Upload Complete" message</a:t>
-            </a:r>
-            <a:endParaRPr sz="2800" b="0" i="0" u="none">
-              <a:solidFill>
-                <a:schemeClr val="bg1"/>
-              </a:solidFill>
-              <a:latin typeface="Aptos Display"/>
-              <a:ea typeface="Aptos Display"/>
-              <a:cs typeface="Aptos Display"/>
-            </a:endParaRPr>
-          </a:p>
-          <a:p>
-            <a:pPr lvl="1">
-              <a:defRPr/>
-            </a:pPr>
-            <a:r>
-              <a:rPr sz="2400" b="0" i="0" u="none">
-                <a:solidFill>
-                  <a:schemeClr val="bg1"/>
-                </a:solidFill>
-                <a:latin typeface="Aptos Display"/>
-                <a:ea typeface="Aptos Display"/>
-                <a:cs typeface="Aptos Display"/>
-              </a:rPr>
-              <a:t>Step 6: Disconnect USB cable</a:t>
-            </a:r>
-            <a:endParaRPr sz="2800">
-              <a:solidFill>
-                <a:schemeClr val="bg1"/>
-              </a:solidFill>
-              <a:latin typeface="Aptos Display"/>
-              <a:cs typeface="Aptos Display"/>
-            </a:endParaRPr>
-          </a:p>
-          <a:p>
-            <a:pPr>
-              <a:defRPr/>
-            </a:pPr>
-            <a:r>
-              <a:rPr sz="2800" b="1" i="0" u="none">
-                <a:solidFill>
-                  <a:schemeClr val="bg1"/>
-                </a:solidFill>
-                <a:latin typeface="Aptos Display"/>
-                <a:ea typeface="Aptos Display"/>
-                <a:cs typeface="Aptos Display"/>
-              </a:rPr>
-              <a:t>Before Testing (Running the Robot):</a:t>
-            </a:r>
-            <a:endParaRPr sz="2800">
-              <a:solidFill>
-                <a:schemeClr val="bg1"/>
-              </a:solidFill>
-              <a:latin typeface="Aptos Display"/>
-              <a:cs typeface="Aptos Display"/>
-            </a:endParaRPr>
-          </a:p>
-          <a:p>
-            <a:pPr lvl="1">
-              <a:defRPr/>
-            </a:pPr>
-            <a:r>
-              <a:rPr sz="2400" b="0" i="0" u="none">
-                <a:solidFill>
-                  <a:schemeClr val="bg1"/>
-                </a:solidFill>
-                <a:latin typeface="Aptos Display"/>
-                <a:ea typeface="Aptos Display"/>
-                <a:cs typeface="Aptos Display"/>
-              </a:rPr>
-              <a:t>Step 1: Place robot on the ground. No obstacle as this test for basic movements </a:t>
-            </a:r>
-            <a:endParaRPr sz="2400" b="0" i="0" u="none">
-              <a:solidFill>
-                <a:schemeClr val="bg1"/>
-              </a:solidFill>
-              <a:latin typeface="Aptos Display"/>
-              <a:ea typeface="Aptos Display"/>
-              <a:cs typeface="Aptos Display"/>
-            </a:endParaRPr>
-          </a:p>
-          <a:p>
-            <a:pPr lvl="1">
-              <a:defRPr/>
-            </a:pPr>
-            <a:r>
-              <a:rPr sz="2400" b="0" i="0" u="none">
-                <a:solidFill>
-                  <a:schemeClr val="bg1"/>
-                </a:solidFill>
-                <a:latin typeface="Aptos Display"/>
-                <a:ea typeface="Aptos Display"/>
-                <a:cs typeface="Aptos Display"/>
-              </a:rPr>
-              <a:t>Step 2: Set Switch </a:t>
-            </a:r>
-            <a:r>
-              <a:rPr lang="en-US" sz="2400" b="0" i="0" u="none" strike="noStrike" cap="none" spc="0">
-                <a:solidFill>
-                  <a:schemeClr val="bg1"/>
-                </a:solidFill>
-                <a:latin typeface="Aptos Display"/>
-                <a:ea typeface="Aptos Display"/>
-                <a:cs typeface="Aptos Display"/>
-              </a:rPr>
-              <a:t>“</a:t>
-            </a:r>
-            <a:r>
-              <a:rPr lang="en-US" sz="2400" b="1" i="1" u="none" strike="noStrike" cap="none" spc="0">
-                <a:solidFill>
-                  <a:schemeClr val="accent5"/>
-                </a:solidFill>
-                <a:latin typeface="Aptos Display"/>
-                <a:ea typeface="Aptos Display"/>
-                <a:cs typeface="Aptos Display"/>
-              </a:rPr>
-              <a:t>Motor Driver ON/OFF</a:t>
-            </a:r>
-            <a:r>
-              <a:rPr lang="en-US" sz="2400" b="0" i="0" u="none" strike="noStrike" cap="none" spc="0">
-                <a:solidFill>
-                  <a:schemeClr val="bg1"/>
-                </a:solidFill>
-                <a:latin typeface="Aptos Display"/>
-                <a:ea typeface="Aptos Display"/>
-                <a:cs typeface="Aptos Display"/>
-              </a:rPr>
-              <a:t>”</a:t>
-            </a:r>
-            <a:r>
-              <a:rPr sz="2400" b="0" i="0" u="none">
-                <a:solidFill>
-                  <a:schemeClr val="bg1"/>
-                </a:solidFill>
-                <a:latin typeface="Aptos Display"/>
-                <a:ea typeface="Aptos Display"/>
-                <a:cs typeface="Aptos Display"/>
-              </a:rPr>
-              <a:t> -&gt;</a:t>
-            </a:r>
-            <a:r>
-              <a:rPr sz="2400" b="0" i="0" u="none">
-                <a:solidFill>
-                  <a:schemeClr val="bg1"/>
-                </a:solidFill>
-                <a:latin typeface="Aptos Display"/>
-                <a:ea typeface="Aptos Display"/>
-                <a:cs typeface="Aptos Display"/>
-              </a:rPr>
-              <a:t>ON (  motor driver</a:t>
-            </a:r>
-            <a:r>
-              <a:rPr lang="en-US" sz="2400" b="0" i="0" u="none" strike="noStrike" cap="none" spc="0">
-                <a:solidFill>
-                  <a:schemeClr val="bg1"/>
-                </a:solidFill>
-                <a:latin typeface="Aptos Display"/>
-                <a:ea typeface="Aptos Display"/>
-                <a:cs typeface="Aptos Display"/>
-              </a:rPr>
-              <a:t> ON</a:t>
-            </a:r>
-            <a:r>
-              <a:rPr sz="2400" b="0" i="0" u="none">
-                <a:solidFill>
-                  <a:schemeClr val="bg1"/>
-                </a:solidFill>
-                <a:latin typeface="Aptos Display"/>
-                <a:ea typeface="Aptos Display"/>
-                <a:cs typeface="Aptos Display"/>
-              </a:rPr>
-              <a:t>)</a:t>
-            </a:r>
-            <a:endParaRPr sz="2400" b="0" i="0" u="none">
-              <a:solidFill>
-                <a:schemeClr val="bg1"/>
-              </a:solidFill>
-              <a:latin typeface="Aptos Display"/>
-              <a:ea typeface="Aptos Display"/>
-              <a:cs typeface="Aptos Display"/>
-            </a:endParaRPr>
-          </a:p>
-          <a:p>
-            <a:pPr lvl="1">
-              <a:defRPr/>
-            </a:pPr>
-            <a:r>
-              <a:rPr lang="en-US" sz="2400" b="0" i="0" u="none" strike="noStrike" cap="none" spc="0">
-                <a:solidFill>
-                  <a:schemeClr val="bg1"/>
-                </a:solidFill>
-                <a:latin typeface="Aptos Display"/>
-                <a:ea typeface="Aptos Display"/>
-                <a:cs typeface="Aptos Display"/>
-              </a:rPr>
-              <a:t>Step 3: Set Switch “</a:t>
-            </a:r>
-            <a:r>
-              <a:rPr lang="en-US" sz="2800" b="1" i="0" u="none" strike="noStrike" cap="none" spc="0">
-                <a:solidFill>
-                  <a:schemeClr val="accent5"/>
-                </a:solidFill>
-                <a:latin typeface="Times New Roman"/>
-                <a:ea typeface="Times New Roman"/>
-                <a:cs typeface="Times New Roman"/>
-              </a:rPr>
-              <a:t>Battery ON/OFF</a:t>
-            </a:r>
-            <a:r>
-              <a:rPr lang="en-US" sz="2400" b="0" i="0" u="none" strike="noStrike" cap="none" spc="0">
-                <a:solidFill>
-                  <a:schemeClr val="bg1"/>
-                </a:solidFill>
-                <a:latin typeface="Aptos Display"/>
-                <a:ea typeface="Aptos Display"/>
-                <a:cs typeface="Aptos Display"/>
-              </a:rPr>
-              <a:t>” → ON -&gt; for batter power</a:t>
-            </a:r>
-            <a:endParaRPr sz="2400" b="0" i="0" u="none">
-              <a:solidFill>
-                <a:schemeClr val="bg1"/>
-              </a:solidFill>
-              <a:latin typeface="Aptos Display"/>
-              <a:ea typeface="Aptos Display"/>
-              <a:cs typeface="Aptos Display"/>
-            </a:endParaRPr>
-          </a:p>
-          <a:p>
-            <a:pPr lvl="1">
-              <a:defRPr/>
-            </a:pPr>
-            <a:r>
-              <a:rPr sz="2400" b="0" i="0" u="none">
-                <a:solidFill>
-                  <a:schemeClr val="bg1"/>
-                </a:solidFill>
-                <a:latin typeface="Aptos Display"/>
-                <a:ea typeface="Aptos Display"/>
-                <a:cs typeface="Aptos Display"/>
-              </a:rPr>
-              <a:t>Step 4: Monitor the Robot car-3 Movements &amp; OLED , Monitior the functionality according to the program</a:t>
-            </a:r>
-            <a:endParaRPr sz="2400" b="0" i="0" u="none">
-              <a:solidFill>
-                <a:schemeClr val="bg1"/>
-              </a:solidFill>
-              <a:latin typeface="Aptos Display"/>
-              <a:ea typeface="Aptos Display"/>
-              <a:cs typeface="Aptos Display"/>
-            </a:endParaRPr>
-          </a:p>
-        </p:txBody>
-      </p:sp>
-      <p:pic>
-        <p:nvPicPr>
-          <p:cNvPr id="375698662" name="Picture 3"/>
-          <p:cNvPicPr>
-            <a:picLocks noChangeAspect="1"/>
-          </p:cNvPicPr>
-          <p:nvPr/>
-        </p:nvPicPr>
-        <p:blipFill>
-          <a:blip r:embed="rId3"/>
-          <a:stretch/>
-        </p:blipFill>
-        <p:spPr bwMode="auto">
-          <a:xfrm>
-            <a:off x="9971313" y="156099"/>
-            <a:ext cx="2037717" cy="549226"/>
-          </a:xfrm>
-          <a:prstGeom prst="rect">
-            <a:avLst/>
-          </a:prstGeom>
-        </p:spPr>
-      </p:pic>
-      <p:sp>
-        <p:nvSpPr>
-          <p:cNvPr id="2046003631" name=""/>
-          <p:cNvSpPr txBox="1"/>
-          <p:nvPr/>
-        </p:nvSpPr>
-        <p:spPr bwMode="auto">
-          <a:xfrm flipH="0" flipV="0">
-            <a:off x="6004378" y="3246120"/>
-            <a:ext cx="183240" cy="365756"/>
-          </a:xfrm>
-          <a:prstGeom prst="rect">
-            <a:avLst/>
-          </a:prstGeom>
-          <a:noFill/>
-        </p:spPr>
-        <p:txBody>
-          <a:bodyPr vertOverflow="overflow" horzOverflow="overflow" vert="horz" wrap="square" lIns="91440" tIns="45720" rIns="91440" bIns="45720" numCol="1" spcCol="0" rtlCol="0" fromWordArt="0" anchor="t" anchorCtr="0" forceAA="0" upright="0" compatLnSpc="0">
-            <a:spAutoFit/>
-          </a:bodyPr>
-          <a:p>
-            <a:pPr algn="l">
-              <a:defRPr/>
-            </a:pPr>
-            <a:endParaRPr/>
-          </a:p>
-        </p:txBody>
-      </p:sp>
-      <p:sp>
-        <p:nvSpPr>
-          <p:cNvPr id="1341695195" name=""/>
-          <p:cNvSpPr txBox="1"/>
-          <p:nvPr/>
-        </p:nvSpPr>
-        <p:spPr bwMode="auto">
-          <a:xfrm flipH="0" flipV="0">
-            <a:off x="495643" y="6493988"/>
-            <a:ext cx="2862434" cy="365759"/>
-          </a:xfrm>
-          <a:prstGeom prst="rect">
-            <a:avLst/>
-          </a:prstGeom>
-          <a:noFill/>
-        </p:spPr>
-        <p:txBody>
-          <a:bodyPr vertOverflow="overflow" horzOverflow="overflow" vert="horz" wrap="square" lIns="91440" tIns="45720" rIns="91440" bIns="45720" numCol="1" spcCol="0" rtlCol="0" fromWordArt="0" anchor="t" anchorCtr="0" forceAA="0" upright="0" compatLnSpc="0">
-            <a:spAutoFit/>
-          </a:bodyPr>
-          <a:p>
-            <a:pPr algn="l">
-              <a:defRPr/>
-            </a:pPr>
-            <a:r>
-              <a:rPr b="0" i="0" u="none">
-                <a:solidFill>
-                  <a:schemeClr val="bg1"/>
-                </a:solidFill>
-                <a:latin typeface="Times New Roman"/>
-                <a:ea typeface="Times New Roman"/>
-                <a:cs typeface="Times New Roman"/>
-              </a:rPr>
-              <a:t>Lesson Code – GitHub URL:</a:t>
-            </a:r>
-            <a:endParaRPr/>
-          </a:p>
-        </p:txBody>
-      </p:sp>
-      <p:sp>
-        <p:nvSpPr>
-          <p:cNvPr id="258553512" name=""/>
-          <p:cNvSpPr txBox="1"/>
-          <p:nvPr/>
-        </p:nvSpPr>
-        <p:spPr bwMode="auto">
-          <a:xfrm flipH="0" flipV="0">
-            <a:off x="4351745" y="6173767"/>
-            <a:ext cx="7276086" cy="640440"/>
-          </a:xfrm>
-          <a:prstGeom prst="rect">
-            <a:avLst/>
-          </a:prstGeom>
-          <a:noFill/>
-        </p:spPr>
-        <p:txBody>
-          <a:bodyPr vertOverflow="overflow" horzOverflow="overflow" vert="horz" wrap="square" lIns="91440" tIns="45720" rIns="91440" bIns="45720" numCol="1" spcCol="0" rtlCol="0" fromWordArt="0" anchor="t" anchorCtr="0" forceAA="0" upright="0" compatLnSpc="0">
-            <a:spAutoFit/>
-          </a:bodyPr>
-          <a:p>
-            <a:pPr algn="l">
-              <a:defRPr/>
-            </a:pPr>
-            <a:r>
-              <a:rPr>
-                <a:solidFill>
-                  <a:schemeClr val="bg1"/>
-                </a:solidFill>
-              </a:rPr>
-              <a:t>https://github.com/info-zas/zas-robotics-car-3-encoders-imu-gps/tree/main/01_FoundationProjects/10_Car-3_Sine_Trajectory</a:t>
-            </a:r>
-            <a:endParaRPr/>
-          </a:p>
-        </p:txBody>
-      </p:sp>
-    </p:spTree>
-  </p:cSld>
-  <p:clrMapOvr>
-    <a:masterClrMapping/>
-  </p:clrMapOvr>
-  <mc:AlternateContent xmlns:mc="http://schemas.openxmlformats.org/markup-compatibility/2006">
-    <mc:Choice xmlns:p159="http://schemas.microsoft.com/office/powerpoint/2015/09/main" xmlns:p14="http://schemas.microsoft.com/office/powerpoint/2010/main" Requires="p159">
-      <p:transition p14:dur="2000" advClick="1"/>
-    </mc:Choice>
-    <mc:Fallback>
-      <p:transition advClick="1"/>
-    </mc:Fallback>
-  </mc:AlternateContent>
-</p:sld>
-</file>
-
-<file path=ppt/slides/slide24.xml><?xml version="1.0" encoding="utf-8"?>
-<p:sld xmlns:a="http://schemas.openxmlformats.org/drawingml/2006/main" xmlns:r="http://schemas.openxmlformats.org/officeDocument/2006/relationships" xmlns:p="http://schemas.openxmlformats.org/presentationml/2006/main" xmlns:m="http://schemas.openxmlformats.org/officeDocument/2006/math" xmlns:w="http://schemas.openxmlformats.org/wordprocessingml/2006/main" xmlns:mc="http://schemas.openxmlformats.org/markup-compatibility/2006" showMasterPhAnim="0" showMasterSp="1" show="1">
-  <p:cSld name="">
-    <p:bg>
-      <p:bgPr shadeToTitle="0">
-        <a:solidFill>
-          <a:schemeClr val="tx2"/>
-        </a:solidFill>
-      </p:bgPr>
-    </p:bg>
-    <p:spTree>
-      <p:nvGrpSpPr>
-        <p:cNvPr id="1" name=""/>
-        <p:cNvGrpSpPr/>
-        <p:nvPr/>
-      </p:nvGrpSpPr>
-      <p:grpSpPr bwMode="auto">
-        <a:xfrm>
-          <a:off x="0" y="0"/>
-          <a:ext cx="0" cy="0"/>
-          <a:chOff x="0" y="0"/>
-          <a:chExt cx="0" cy="0"/>
-        </a:xfrm>
-      </p:grpSpPr>
-      <p:sp>
-        <p:nvSpPr>
-          <p:cNvPr id="1628688435" name="Title 1"/>
-          <p:cNvSpPr>
-            <a:spLocks noGrp="1"/>
-          </p:cNvSpPr>
-          <p:nvPr>
-            <p:ph type="title"/>
-          </p:nvPr>
-        </p:nvSpPr>
-        <p:spPr bwMode="auto">
-          <a:xfrm flipH="0" flipV="0">
-            <a:off x="838198" y="365124"/>
-            <a:ext cx="10515600" cy="2536884"/>
-          </a:xfrm>
-        </p:spPr>
-        <p:txBody>
-          <a:bodyPr/>
-          <a:lstStyle/>
-          <a:p>
-            <a:pPr>
-              <a:defRPr/>
-            </a:pPr>
-            <a:r>
-              <a:rPr lang="en-GB">
-                <a:solidFill>
-                  <a:schemeClr val="bg1"/>
-                </a:solidFill>
-              </a:rPr>
-              <a:t>Q&amp;A</a:t>
-            </a:r>
-            <a:endParaRPr/>
-          </a:p>
-        </p:txBody>
-      </p:sp>
-      <p:sp>
-        <p:nvSpPr>
-          <p:cNvPr id="2014701037" name="Content Placeholder 2"/>
-          <p:cNvSpPr>
-            <a:spLocks noGrp="1"/>
-          </p:cNvSpPr>
-          <p:nvPr>
-            <p:ph idx="1"/>
-          </p:nvPr>
-        </p:nvSpPr>
-        <p:spPr bwMode="auto"/>
-        <p:txBody>
-          <a:bodyPr/>
-          <a:lstStyle/>
-          <a:p>
-            <a:pPr>
-              <a:defRPr/>
-            </a:pPr>
-            <a:endParaRPr lang="en-GB"/>
-          </a:p>
-          <a:p>
-            <a:pPr>
-              <a:defRPr/>
-            </a:pPr>
-            <a:endParaRPr sz="2800" b="0" i="0" u="none">
-              <a:solidFill>
-                <a:schemeClr val="bg1"/>
-              </a:solidFill>
-              <a:latin typeface="Times New Roman"/>
-              <a:ea typeface="Times New Roman"/>
-              <a:cs typeface="Times New Roman"/>
-            </a:endParaRPr>
-          </a:p>
-          <a:p>
-            <a:pPr>
-              <a:defRPr/>
-            </a:pPr>
-            <a:r>
-              <a:rPr sz="2800" b="1" i="0" u="none">
-                <a:solidFill>
-                  <a:schemeClr val="bg1"/>
-                </a:solidFill>
-                <a:latin typeface="Times New Roman"/>
-                <a:ea typeface="Times New Roman"/>
-                <a:cs typeface="Times New Roman"/>
-              </a:rPr>
-              <a:t>Invite Questions</a:t>
-            </a:r>
-            <a:r>
-              <a:rPr sz="2800" b="0" i="0" u="none">
-                <a:solidFill>
-                  <a:schemeClr val="bg1"/>
-                </a:solidFill>
-                <a:latin typeface="Times New Roman"/>
-                <a:ea typeface="Times New Roman"/>
-                <a:cs typeface="Times New Roman"/>
-              </a:rPr>
-              <a:t>: Encourage the audience to ask questions for further clarification or discussion.</a:t>
-            </a:r>
-            <a:endParaRPr sz="2800" b="0" i="0" u="none">
-              <a:solidFill>
-                <a:schemeClr val="bg1"/>
-              </a:solidFill>
-              <a:latin typeface="Times New Roman"/>
-              <a:ea typeface="Times New Roman"/>
-              <a:cs typeface="Times New Roman"/>
-            </a:endParaRPr>
-          </a:p>
-          <a:p>
-            <a:pPr marL="0" indent="0">
-              <a:buFont typeface="Arial"/>
-              <a:buNone/>
-              <a:defRPr/>
-            </a:pPr>
-            <a:endParaRPr lang="en-GB">
-              <a:solidFill>
-                <a:schemeClr val="bg1"/>
-              </a:solidFill>
-            </a:endParaRPr>
-          </a:p>
-        </p:txBody>
-      </p:sp>
-      <p:pic>
-        <p:nvPicPr>
-          <p:cNvPr id="1420597050" name="Picture 3"/>
-          <p:cNvPicPr>
-            <a:picLocks noChangeAspect="1"/>
-          </p:cNvPicPr>
-          <p:nvPr/>
-        </p:nvPicPr>
-        <p:blipFill>
-          <a:blip r:embed="rId3"/>
-          <a:stretch/>
-        </p:blipFill>
-        <p:spPr bwMode="auto">
-          <a:xfrm>
-            <a:off x="9971314" y="156102"/>
-            <a:ext cx="2037720" cy="549229"/>
-          </a:xfrm>
-          <a:prstGeom prst="rect">
-            <a:avLst/>
-          </a:prstGeom>
-        </p:spPr>
-      </p:pic>
-    </p:spTree>
-  </p:cSld>
-  <p:clrMapOvr>
-    <a:masterClrMapping/>
-  </p:clrMapOvr>
-  <mc:AlternateContent xmlns:mc="http://schemas.openxmlformats.org/markup-compatibility/2006">
-    <mc:Choice xmlns:p159="http://schemas.microsoft.com/office/powerpoint/2015/09/main" xmlns:p14="http://schemas.microsoft.com/office/powerpoint/2010/main" Requires="p159">
-      <p:transition p14:dur="2000" advClick="1"/>
-    </mc:Choice>
-    <mc:Fallback>
-      <p:transition advClick="1"/>
-    </mc:Fallback>
-  </mc:AlternateContent>
-</p:sld>
-</file>
-
-<file path=ppt/slides/slide3.xml><?xml version="1.0" encoding="utf-8"?>
-<p:sld xmlns:a="http://schemas.openxmlformats.org/drawingml/2006/main" xmlns:r="http://schemas.openxmlformats.org/officeDocument/2006/relationships" xmlns:p="http://schemas.openxmlformats.org/presentationml/2006/main" xmlns:m="http://schemas.openxmlformats.org/officeDocument/2006/math" xmlns:w="http://schemas.openxmlformats.org/wordprocessingml/2006/main" xmlns:mc="http://schemas.openxmlformats.org/markup-compatibility/2006" showMasterPhAnim="0" showMasterSp="1" show="1">
-  <p:cSld name="">
-    <p:bg>
-      <p:bgPr shadeToTitle="0">
-        <a:solidFill>
-          <a:schemeClr val="tx2"/>
-        </a:solidFill>
-      </p:bgPr>
-    </p:bg>
-    <p:spTree>
-      <p:nvGrpSpPr>
-        <p:cNvPr id="1" name=""/>
-        <p:cNvGrpSpPr/>
-        <p:nvPr/>
-      </p:nvGrpSpPr>
-      <p:grpSpPr bwMode="auto">
-        <a:xfrm>
-          <a:off x="0" y="0"/>
-          <a:ext cx="0" cy="0"/>
-          <a:chOff x="0" y="0"/>
-          <a:chExt cx="0" cy="0"/>
-        </a:xfrm>
-      </p:grpSpPr>
-      <p:sp>
-        <p:nvSpPr>
-          <p:cNvPr id="419065916" name="Title 1"/>
-          <p:cNvSpPr>
-            <a:spLocks noGrp="1"/>
-          </p:cNvSpPr>
-          <p:nvPr>
-            <p:ph type="title"/>
-          </p:nvPr>
-        </p:nvSpPr>
-        <p:spPr bwMode="auto">
-          <a:xfrm flipH="0" flipV="0">
-            <a:off x="123284" y="-35461"/>
-            <a:ext cx="10515600" cy="1103685"/>
-          </a:xfrm>
-        </p:spPr>
-        <p:txBody>
-          <a:bodyPr vertOverflow="overflow" horzOverflow="overflow" vert="horz" wrap="square" lIns="91440" tIns="45720" rIns="91440" bIns="45720" numCol="1" spcCol="0" rtlCol="0" fromWordArt="0" anchor="ctr" anchorCtr="0" forceAA="0" upright="0" compatLnSpc="0">
-            <a:normAutofit fontScale="90000" lnSpcReduction="2000"/>
-          </a:bodyPr>
-          <a:lstStyle/>
-          <a:p>
-            <a:pPr>
-              <a:defRPr/>
-            </a:pPr>
-            <a:r>
-              <a:rPr lang="en-US" sz="4400" b="1" i="0" u="none" strike="noStrike" cap="none" spc="0">
-                <a:solidFill>
-                  <a:schemeClr val="bg1"/>
-                </a:solidFill>
-                <a:latin typeface="Aptos Display"/>
-                <a:ea typeface="Aptos Display"/>
-                <a:cs typeface="Aptos Display"/>
-              </a:rPr>
-              <a:t>Sine Wave Trajectory Tracking</a:t>
-            </a:r>
-            <a:endParaRPr/>
-          </a:p>
-        </p:txBody>
-      </p:sp>
-      <p:sp>
-        <p:nvSpPr>
-          <p:cNvPr id="1092693333" name="Content Placeholder 2"/>
-          <p:cNvSpPr>
-            <a:spLocks noGrp="1"/>
-          </p:cNvSpPr>
-          <p:nvPr>
-            <p:ph idx="1"/>
-          </p:nvPr>
-        </p:nvSpPr>
-        <p:spPr bwMode="auto">
-          <a:xfrm flipH="0" flipV="0">
-            <a:off x="187850" y="961401"/>
-            <a:ext cx="11643644" cy="5795116"/>
-          </a:xfrm>
-        </p:spPr>
-        <p:txBody>
-          <a:bodyPr vertOverflow="overflow" horzOverflow="overflow" vert="horz" wrap="square" lIns="91440" tIns="45720" rIns="91440" bIns="45720" numCol="1" spcCol="0" rtlCol="0" fromWordArt="0" anchor="t" anchorCtr="0" forceAA="0" upright="0" compatLnSpc="0">
-            <a:normAutofit/>
-          </a:bodyPr>
-          <a:lstStyle/>
-          <a:p>
-            <a:pPr>
-              <a:defRPr/>
-            </a:pPr>
-            <a:r>
-              <a:rPr lang="en-US" sz="2800" b="1" i="0" u="none" strike="noStrike" cap="none" spc="0">
-                <a:solidFill>
-                  <a:schemeClr val="bg1"/>
-                </a:solidFill>
-                <a:latin typeface="Times New Roman"/>
-                <a:ea typeface="Times New Roman"/>
-                <a:cs typeface="Times New Roman"/>
-              </a:rPr>
-              <a:t>Robot Car-3 - Assembled view and Creative Board component layout</a:t>
-            </a:r>
-            <a:endParaRPr sz="2800" b="1" i="0" u="none">
-              <a:solidFill>
-                <a:schemeClr val="bg1"/>
-              </a:solidFill>
-              <a:latin typeface="Times New Roman"/>
-              <a:ea typeface="Times New Roman"/>
-              <a:cs typeface="Times New Roman"/>
-            </a:endParaRPr>
-          </a:p>
-        </p:txBody>
-      </p:sp>
-      <p:pic>
-        <p:nvPicPr>
-          <p:cNvPr id="80309166" name="Picture 3"/>
-          <p:cNvPicPr>
-            <a:picLocks noChangeAspect="1"/>
-          </p:cNvPicPr>
-          <p:nvPr/>
-        </p:nvPicPr>
-        <p:blipFill>
-          <a:blip r:embed="rId3"/>
-          <a:stretch/>
-        </p:blipFill>
-        <p:spPr bwMode="auto">
-          <a:xfrm>
-            <a:off x="9971313" y="156101"/>
-            <a:ext cx="2037719" cy="549228"/>
-          </a:xfrm>
-          <a:prstGeom prst="rect">
-            <a:avLst/>
-          </a:prstGeom>
-        </p:spPr>
-      </p:pic>
-      <p:pic>
-        <p:nvPicPr>
-          <p:cNvPr id="1466744258" name=""/>
-          <p:cNvPicPr>
-            <a:picLocks noChangeAspect="1"/>
-          </p:cNvPicPr>
-          <p:nvPr/>
-        </p:nvPicPr>
-        <p:blipFill>
-          <a:blip r:embed="rId4"/>
-          <a:stretch/>
-        </p:blipFill>
-        <p:spPr bwMode="auto">
-          <a:xfrm flipH="0" flipV="0">
-            <a:off x="526121" y="1554661"/>
-            <a:ext cx="4557756" cy="5014917"/>
-          </a:xfrm>
-          <a:prstGeom prst="rect">
-            <a:avLst/>
-          </a:prstGeom>
-        </p:spPr>
-      </p:pic>
-      <p:sp>
-        <p:nvSpPr>
-          <p:cNvPr id="891797594" name=""/>
-          <p:cNvSpPr/>
-          <p:nvPr/>
-        </p:nvSpPr>
-        <p:spPr bwMode="auto">
-          <a:xfrm flipH="0" flipV="0">
-            <a:off x="3819812" y="3302593"/>
-            <a:ext cx="2020724" cy="195841"/>
-          </a:xfrm>
-          <a:prstGeom prst="rightArrow">
-            <a:avLst>
-              <a:gd name="adj1" fmla="val 50000"/>
-              <a:gd name="adj2" fmla="val 50000"/>
-            </a:avLst>
-          </a:prstGeom>
-        </p:spPr>
-        <p:style>
-          <a:lnRef idx="2">
-            <a:schemeClr val="accent1">
-              <a:shade val="50000"/>
-            </a:schemeClr>
-          </a:lnRef>
-          <a:fillRef idx="1">
-            <a:schemeClr val="accent1"/>
-          </a:fillRef>
-          <a:effectRef idx="0">
-            <a:schemeClr val="accent1"/>
-          </a:effectRef>
-          <a:fontRef idx="minor">
-            <a:schemeClr val="lt1"/>
-          </a:fontRef>
-        </p:style>
-      </p:sp>
-      <p:pic>
-        <p:nvPicPr>
-          <p:cNvPr id="1170212665" name=""/>
-          <p:cNvPicPr>
-            <a:picLocks noChangeAspect="1"/>
-          </p:cNvPicPr>
-          <p:nvPr/>
-        </p:nvPicPr>
-        <p:blipFill>
-          <a:blip r:embed="rId5"/>
-          <a:stretch/>
-        </p:blipFill>
-        <p:spPr bwMode="auto">
-          <a:xfrm rot="0" flipH="0" flipV="0">
-            <a:off x="5840537" y="1495513"/>
-            <a:ext cx="5287710" cy="5127476"/>
-          </a:xfrm>
-          <a:prstGeom prst="rect">
-            <a:avLst/>
-          </a:prstGeom>
-        </p:spPr>
-      </p:pic>
-    </p:spTree>
-  </p:cSld>
-  <p:clrMapOvr>
-    <a:masterClrMapping/>
-  </p:clrMapOvr>
-  <mc:AlternateContent xmlns:mc="http://schemas.openxmlformats.org/markup-compatibility/2006">
-    <mc:Choice xmlns:p159="http://schemas.microsoft.com/office/powerpoint/2015/09/main" xmlns:p14="http://schemas.microsoft.com/office/powerpoint/2010/main" Requires="p159">
-      <p:transition p14:dur="2000" advClick="1"/>
-    </mc:Choice>
-    <mc:Fallback>
-      <p:transition advClick="1"/>
-    </mc:Fallback>
-  </mc:AlternateContent>
-</p:sld>
-</file>
-
-<file path=ppt/slides/slide4.xml><?xml version="1.0" encoding="utf-8"?>
-<p:sld xmlns:a="http://schemas.openxmlformats.org/drawingml/2006/main" xmlns:r="http://schemas.openxmlformats.org/officeDocument/2006/relationships" xmlns:p="http://schemas.openxmlformats.org/presentationml/2006/main" xmlns:m="http://schemas.openxmlformats.org/officeDocument/2006/math" xmlns:w="http://schemas.openxmlformats.org/wordprocessingml/2006/main" xmlns:mc="http://schemas.openxmlformats.org/markup-compatibility/2006" showMasterPhAnim="0" showMasterSp="1" show="1">
-  <p:cSld name="">
-    <p:bg>
-      <p:bgPr shadeToTitle="0">
-        <a:solidFill>
-          <a:schemeClr val="tx2"/>
-        </a:solidFill>
-      </p:bgPr>
-    </p:bg>
-    <p:spTree>
-      <p:nvGrpSpPr>
-        <p:cNvPr id="1" name=""/>
-        <p:cNvGrpSpPr/>
-        <p:nvPr/>
-      </p:nvGrpSpPr>
-      <p:grpSpPr bwMode="auto">
-        <a:xfrm>
-          <a:off x="0" y="0"/>
-          <a:ext cx="0" cy="0"/>
-          <a:chOff x="0" y="0"/>
-          <a:chExt cx="0" cy="0"/>
-        </a:xfrm>
-      </p:grpSpPr>
-      <p:sp>
-        <p:nvSpPr>
-          <p:cNvPr id="1161213594" name="Title 1"/>
-          <p:cNvSpPr>
-            <a:spLocks noGrp="1"/>
-          </p:cNvSpPr>
-          <p:nvPr>
-            <p:ph type="title"/>
-          </p:nvPr>
-        </p:nvSpPr>
-        <p:spPr bwMode="auto">
-          <a:xfrm flipH="0" flipV="0">
-            <a:off x="108245" y="42545"/>
-            <a:ext cx="10515600" cy="1132498"/>
-          </a:xfrm>
-        </p:spPr>
-        <p:txBody>
-          <a:bodyPr vertOverflow="overflow" horzOverflow="overflow" vert="horz" wrap="square" lIns="91440" tIns="45720" rIns="91440" bIns="45720" numCol="1" spcCol="0" rtlCol="0" fromWordArt="0" anchor="ctr" anchorCtr="0" forceAA="0" upright="0" compatLnSpc="0">
-            <a:normAutofit fontScale="90000" lnSpcReduction="2000"/>
-          </a:bodyPr>
-          <a:lstStyle/>
-          <a:p>
-            <a:pPr>
-              <a:defRPr/>
-            </a:pPr>
-            <a:r>
-              <a:rPr lang="en-US" sz="4400" b="0" i="0" u="none" strike="noStrike" cap="none" spc="0">
-                <a:solidFill>
-                  <a:schemeClr val="bg1"/>
-                </a:solidFill>
-                <a:latin typeface="Aptos Display"/>
-                <a:ea typeface="Aptos Display"/>
-                <a:cs typeface="Aptos Display"/>
-              </a:rPr>
-              <a:t>Encoder-Based Constant Speed Control using PI</a:t>
-            </a:r>
-            <a:endParaRPr/>
-          </a:p>
-        </p:txBody>
-      </p:sp>
-      <p:sp>
-        <p:nvSpPr>
-          <p:cNvPr id="1074141751" name="Content Placeholder 2"/>
-          <p:cNvSpPr>
-            <a:spLocks noGrp="1"/>
-          </p:cNvSpPr>
-          <p:nvPr>
-            <p:ph idx="1"/>
-          </p:nvPr>
-        </p:nvSpPr>
-        <p:spPr bwMode="auto">
-          <a:xfrm flipH="0" flipV="0">
-            <a:off x="393105" y="1299671"/>
-            <a:ext cx="11023515" cy="5145280"/>
-          </a:xfrm>
-        </p:spPr>
-        <p:txBody>
-          <a:bodyPr vertOverflow="overflow" horzOverflow="overflow" vert="horz" wrap="square" lIns="91440" tIns="45720" rIns="91440" bIns="45720" numCol="1" spcCol="0" rtlCol="0" fromWordArt="0" anchor="t" anchorCtr="0" forceAA="0" upright="0" compatLnSpc="0">
-            <a:normAutofit/>
-          </a:bodyPr>
-          <a:lstStyle/>
-          <a:p>
-            <a:pPr>
-              <a:defRPr/>
-            </a:pPr>
-            <a:r>
-              <a:rPr sz="2800" b="1" i="0" u="none">
-                <a:solidFill>
-                  <a:schemeClr val="bg1"/>
-                </a:solidFill>
-                <a:latin typeface="Aptos Display"/>
-                <a:ea typeface="Aptos Display"/>
-                <a:cs typeface="Aptos Display"/>
-              </a:rPr>
-              <a:t>Prerequisites (What Students Should Know)</a:t>
-            </a:r>
-            <a:endParaRPr sz="2800">
-              <a:solidFill>
-                <a:schemeClr val="bg1"/>
-              </a:solidFill>
-              <a:latin typeface="Aptos Display"/>
-              <a:cs typeface="Aptos Display"/>
-            </a:endParaRPr>
-          </a:p>
-          <a:p>
-            <a:pPr>
-              <a:defRPr/>
-            </a:pPr>
-            <a:r>
-              <a:rPr sz="2800" b="0" i="0" u="none">
-                <a:solidFill>
-                  <a:schemeClr val="bg1"/>
-                </a:solidFill>
-                <a:latin typeface="Aptos Display"/>
-                <a:ea typeface="Aptos Display"/>
-                <a:cs typeface="Aptos Display"/>
-              </a:rPr>
-              <a:t>Before this experiment, students should understand:</a:t>
-            </a:r>
-            <a:endParaRPr sz="2800">
-              <a:solidFill>
-                <a:schemeClr val="bg1"/>
-              </a:solidFill>
-              <a:latin typeface="Aptos Display"/>
-              <a:cs typeface="Aptos Display"/>
-            </a:endParaRPr>
-          </a:p>
-          <a:p>
-            <a:pPr lvl="1">
-              <a:defRPr/>
-            </a:pPr>
-            <a:r>
-              <a:rPr sz="2400" b="0" i="0" u="none">
-                <a:solidFill>
-                  <a:schemeClr val="bg1"/>
-                </a:solidFill>
-                <a:latin typeface="Aptos Display"/>
-                <a:ea typeface="Aptos Display"/>
-                <a:cs typeface="Aptos Display"/>
-              </a:rPr>
-              <a:t>PWM motor control</a:t>
-            </a:r>
-            <a:endParaRPr sz="2800">
-              <a:solidFill>
-                <a:schemeClr val="bg1"/>
-              </a:solidFill>
-              <a:latin typeface="Aptos Display"/>
-              <a:cs typeface="Aptos Display"/>
-            </a:endParaRPr>
-          </a:p>
-          <a:p>
-            <a:pPr lvl="1">
-              <a:defRPr/>
-            </a:pPr>
-            <a:r>
-              <a:rPr sz="2400" b="0" i="0" u="none">
-                <a:solidFill>
-                  <a:schemeClr val="bg1"/>
-                </a:solidFill>
-                <a:latin typeface="Aptos Display"/>
-                <a:ea typeface="Aptos Display"/>
-                <a:cs typeface="Aptos Display"/>
-              </a:rPr>
-              <a:t>Incremental encoders (ticks)</a:t>
-            </a:r>
-            <a:endParaRPr sz="2800">
-              <a:solidFill>
-                <a:schemeClr val="bg1"/>
-              </a:solidFill>
-              <a:latin typeface="Aptos Display"/>
-              <a:cs typeface="Aptos Display"/>
-            </a:endParaRPr>
-          </a:p>
-          <a:p>
-            <a:pPr lvl="1">
-              <a:defRPr/>
-            </a:pPr>
-            <a:r>
-              <a:rPr sz="2400" b="0" i="0" u="none">
-                <a:solidFill>
-                  <a:schemeClr val="bg1"/>
-                </a:solidFill>
-                <a:latin typeface="Aptos Display"/>
-                <a:ea typeface="Aptos Display"/>
-                <a:cs typeface="Aptos Display"/>
-              </a:rPr>
-              <a:t>Basic trigonometry</a:t>
-            </a:r>
-            <a:endParaRPr sz="2800">
-              <a:solidFill>
-                <a:schemeClr val="bg1"/>
-              </a:solidFill>
-              <a:latin typeface="Aptos Display"/>
-              <a:cs typeface="Aptos Display"/>
-            </a:endParaRPr>
-          </a:p>
-          <a:p>
-            <a:pPr lvl="1">
-              <a:defRPr/>
-            </a:pPr>
-            <a:r>
-              <a:rPr sz="2400" b="0" i="0" u="none">
-                <a:solidFill>
-                  <a:schemeClr val="bg1"/>
-                </a:solidFill>
-                <a:latin typeface="Aptos Display"/>
-                <a:ea typeface="Aptos Display"/>
-                <a:cs typeface="Aptos Display"/>
-              </a:rPr>
-              <a:t>Cartesian coordinates </a:t>
-            </a:r>
-            <a:r>
-              <a:rPr sz="2400" b="0" i="0" u="none">
-                <a:solidFill>
-                  <a:schemeClr val="bg1"/>
-                </a:solidFill>
-                <a:latin typeface="Aptos Display"/>
-                <a:ea typeface="Aptos Display"/>
-                <a:cs typeface="Aptos Display"/>
-              </a:rPr>
-              <a:t>(</a:t>
-            </a:r>
-            <a:r>
-              <a:rPr sz="2400" b="0" i="0" u="none">
-                <a:solidFill>
-                  <a:schemeClr val="bg1"/>
-                </a:solidFill>
-                <a:latin typeface="Aptos Display"/>
-                <a:ea typeface="Aptos Display"/>
-                <a:cs typeface="Aptos Display"/>
-              </a:rPr>
-              <a:t>x</a:t>
-            </a:r>
-            <a:r>
-              <a:rPr sz="2400" b="0" i="0" u="none">
-                <a:solidFill>
-                  <a:schemeClr val="bg1"/>
-                </a:solidFill>
-                <a:latin typeface="Aptos Display"/>
-                <a:ea typeface="Aptos Display"/>
-                <a:cs typeface="Aptos Display"/>
-              </a:rPr>
-              <a:t>,</a:t>
-            </a:r>
-            <a:r>
-              <a:rPr sz="2400" b="0" i="0" u="none">
-                <a:solidFill>
-                  <a:schemeClr val="bg1"/>
-                </a:solidFill>
-                <a:latin typeface="Aptos Display"/>
-                <a:ea typeface="Aptos Display"/>
-                <a:cs typeface="Aptos Display"/>
-              </a:rPr>
-              <a:t>y</a:t>
-            </a:r>
-            <a:r>
-              <a:rPr sz="2400" b="0" i="0" u="none">
-                <a:solidFill>
-                  <a:schemeClr val="bg1"/>
-                </a:solidFill>
-                <a:latin typeface="Aptos Display"/>
-                <a:ea typeface="Aptos Display"/>
-                <a:cs typeface="Aptos Display"/>
-              </a:rPr>
-              <a:t>)</a:t>
-            </a:r>
-            <a:endParaRPr sz="2800">
-              <a:solidFill>
-                <a:schemeClr val="bg1"/>
-              </a:solidFill>
-              <a:latin typeface="Aptos Display"/>
-              <a:cs typeface="Aptos Display"/>
-            </a:endParaRPr>
-          </a:p>
-          <a:p>
-            <a:pPr>
-              <a:defRPr/>
-            </a:pPr>
-            <a:r>
-              <a:rPr sz="2800" b="0" i="0" u="none">
-                <a:solidFill>
-                  <a:schemeClr val="bg1"/>
-                </a:solidFill>
-                <a:latin typeface="Aptos Display"/>
-                <a:ea typeface="Aptos Display"/>
-                <a:cs typeface="Aptos Display"/>
-              </a:rPr>
-              <a:t>Differential drive concept</a:t>
-            </a:r>
-            <a:endParaRPr sz="2800">
-              <a:solidFill>
-                <a:schemeClr val="bg1"/>
-              </a:solidFill>
-              <a:latin typeface="Aptos Display"/>
-              <a:cs typeface="Aptos Display"/>
-            </a:endParaRPr>
-          </a:p>
-          <a:p>
-            <a:pPr>
-              <a:defRPr/>
-            </a:pPr>
-            <a:r>
-              <a:rPr sz="2800" b="0" i="0" u="none">
-                <a:solidFill>
-                  <a:schemeClr val="bg1"/>
-                </a:solidFill>
-                <a:latin typeface="Aptos Display"/>
-                <a:ea typeface="Aptos Display"/>
-                <a:cs typeface="Aptos Display"/>
-              </a:rPr>
-              <a:t>This lab </a:t>
-            </a:r>
-            <a:r>
-              <a:rPr sz="2800" b="1" i="0" u="none">
-                <a:solidFill>
-                  <a:schemeClr val="bg1"/>
-                </a:solidFill>
-                <a:latin typeface="Aptos Display"/>
-                <a:ea typeface="Aptos Display"/>
-                <a:cs typeface="Aptos Display"/>
-              </a:rPr>
-              <a:t>builds on</a:t>
-            </a:r>
-            <a:r>
-              <a:rPr sz="2800" b="0" i="0" u="none">
-                <a:solidFill>
-                  <a:schemeClr val="bg1"/>
-                </a:solidFill>
-                <a:latin typeface="Aptos Display"/>
-                <a:ea typeface="Aptos Display"/>
-                <a:cs typeface="Aptos Display"/>
-              </a:rPr>
-              <a:t> earlier straight-line and distance-control experiments.</a:t>
-            </a:r>
-            <a:endParaRPr sz="2800" b="1" i="0" u="none">
-              <a:solidFill>
-                <a:schemeClr val="bg1"/>
-              </a:solidFill>
-              <a:latin typeface="Aptos Display"/>
-              <a:ea typeface="Aptos Display"/>
-              <a:cs typeface="Aptos Display"/>
-            </a:endParaRPr>
-          </a:p>
-        </p:txBody>
-      </p:sp>
-      <p:pic>
-        <p:nvPicPr>
-          <p:cNvPr id="1268797769" name="Picture 3"/>
-          <p:cNvPicPr>
-            <a:picLocks noChangeAspect="1"/>
-          </p:cNvPicPr>
-          <p:nvPr/>
-        </p:nvPicPr>
-        <p:blipFill>
-          <a:blip r:embed="rId3"/>
-          <a:stretch/>
-        </p:blipFill>
-        <p:spPr bwMode="auto">
-          <a:xfrm>
-            <a:off x="9971311" y="156099"/>
-            <a:ext cx="2037717" cy="549226"/>
-          </a:xfrm>
-          <a:prstGeom prst="rect">
-            <a:avLst/>
-          </a:prstGeom>
-        </p:spPr>
-      </p:pic>
-    </p:spTree>
-  </p:cSld>
-  <p:clrMapOvr>
-    <a:masterClrMapping/>
-  </p:clrMapOvr>
-  <mc:AlternateContent xmlns:mc="http://schemas.openxmlformats.org/markup-compatibility/2006">
-    <mc:Choice xmlns:p159="http://schemas.microsoft.com/office/powerpoint/2015/09/main" xmlns:p14="http://schemas.microsoft.com/office/powerpoint/2010/main" Requires="p159">
-      <p:transition p14:dur="2000" advClick="1"/>
-    </mc:Choice>
-    <mc:Fallback>
-      <p:transition advClick="1"/>
-    </mc:Fallback>
-  </mc:AlternateContent>
-</p:sld>
-</file>
-
 <file path=ppt/slides/slide5.xml><?xml version="1.0" encoding="utf-8"?>
 <p:sld xmlns:a="http://schemas.openxmlformats.org/drawingml/2006/main" xmlns:r="http://schemas.openxmlformats.org/officeDocument/2006/relationships" xmlns:p="http://schemas.openxmlformats.org/presentationml/2006/main" xmlns:m="http://schemas.openxmlformats.org/officeDocument/2006/math" xmlns:w="http://schemas.openxmlformats.org/wordprocessingml/2006/main" xmlns:mc="http://schemas.openxmlformats.org/markup-compatibility/2006" showMasterPhAnim="0" showMasterSp="1" show="1">
   <p:cSld name="">
@@ -13209,7 +13281,7 @@
       </p:grpSpPr>
       <p:sp>
         <p:nvSpPr>
-          <p:cNvPr id="121889961" name="Title 1"/>
+          <p:cNvPr id="1214168247" name="Title 1"/>
           <p:cNvSpPr>
             <a:spLocks noGrp="1"/>
           </p:cNvSpPr>
@@ -13219,8 +13291,8 @@
         </p:nvSpPr>
         <p:spPr bwMode="auto">
           <a:xfrm flipH="0" flipV="0">
-            <a:off x="108244" y="42544"/>
-            <a:ext cx="10515600" cy="1132497"/>
+            <a:off x="108245" y="42545"/>
+            <a:ext cx="10515600" cy="1132498"/>
           </a:xfrm>
         </p:spPr>
         <p:txBody>
@@ -13233,15 +13305,15 @@
               <a:defRPr/>
             </a:pPr>
             <a:r>
-              <a:rPr lang="en-US" sz="4400" b="0" i="0" u="none" strike="noStrike" cap="none" spc="0">
-                <a:solidFill>
-                  <a:schemeClr val="bg1"/>
-                </a:solidFill>
-                <a:latin typeface="Aptos Display"/>
-                <a:ea typeface="Aptos Display"/>
-                <a:cs typeface="Aptos Display"/>
-              </a:rPr>
-              <a:t>Encoder-Based Constant Speed Control using PI</a:t>
+              <a:rPr lang="en-US" sz="4400" b="1" i="0" u="none" strike="noStrike" cap="none" spc="0">
+                <a:solidFill>
+                  <a:schemeClr val="bg1"/>
+                </a:solidFill>
+                <a:latin typeface="Aptos Display"/>
+                <a:ea typeface="Aptos Display"/>
+                <a:cs typeface="Aptos Display"/>
+              </a:rPr>
+              <a:t>Sine Wave Trajectory Tracking</a:t>
             </a:r>
             <a:endParaRPr/>
           </a:p>
@@ -13249,7 +13321,7 @@
       </p:sp>
       <p:sp>
         <p:nvSpPr>
-          <p:cNvPr id="941405558" name="Content Placeholder 2"/>
+          <p:cNvPr id="2070509774" name="Content Placeholder 2"/>
           <p:cNvSpPr>
             <a:spLocks noGrp="1"/>
           </p:cNvSpPr>
@@ -13259,8 +13331,8 @@
         </p:nvSpPr>
         <p:spPr bwMode="auto">
           <a:xfrm flipH="0" flipV="0">
-            <a:off x="393104" y="1299670"/>
-            <a:ext cx="11023515" cy="5145279"/>
+            <a:off x="393105" y="1299671"/>
+            <a:ext cx="11023515" cy="5145280"/>
           </a:xfrm>
         </p:spPr>
         <p:txBody>
@@ -13281,7 +13353,7 @@
                 <a:ea typeface="Aptos Display"/>
                 <a:cs typeface="Aptos Display"/>
               </a:rPr>
-              <a:t>Learning Outcomes</a:t>
+              <a:t>Prerequisites (What Students Should Know)</a:t>
             </a:r>
             <a:endParaRPr sz="2800">
               <a:solidFill>
@@ -13296,6 +13368,225 @@
               <a:defRPr/>
             </a:pPr>
             <a:r>
+              <a:rPr sz="2800" b="0" i="0" u="none">
+                <a:solidFill>
+                  <a:schemeClr val="bg1"/>
+                </a:solidFill>
+                <a:latin typeface="Aptos Display"/>
+                <a:ea typeface="Aptos Display"/>
+                <a:cs typeface="Aptos Display"/>
+              </a:rPr>
+              <a:t>Before this experiment, students should understand:</a:t>
+            </a:r>
+            <a:endParaRPr sz="2800">
+              <a:solidFill>
+                <a:schemeClr val="bg1"/>
+              </a:solidFill>
+              <a:latin typeface="Aptos Display"/>
+              <a:cs typeface="Aptos Display"/>
+            </a:endParaRPr>
+          </a:p>
+          <a:p>
+            <a:pPr lvl="1">
+              <a:defRPr/>
+            </a:pPr>
+            <a:r>
+              <a:rPr sz="2400" b="0" i="0" u="none">
+                <a:solidFill>
+                  <a:schemeClr val="bg1"/>
+                </a:solidFill>
+                <a:latin typeface="Aptos Display"/>
+                <a:ea typeface="Aptos Display"/>
+                <a:cs typeface="Aptos Display"/>
+              </a:rPr>
+              <a:t>PWM motor control</a:t>
+            </a:r>
+            <a:endParaRPr sz="2800">
+              <a:solidFill>
+                <a:schemeClr val="bg1"/>
+              </a:solidFill>
+              <a:latin typeface="Aptos Display"/>
+              <a:cs typeface="Aptos Display"/>
+            </a:endParaRPr>
+          </a:p>
+          <a:p>
+            <a:pPr lvl="1">
+              <a:defRPr/>
+            </a:pPr>
+            <a:r>
+              <a:rPr sz="2400" b="0" i="0" u="none">
+                <a:solidFill>
+                  <a:schemeClr val="bg1"/>
+                </a:solidFill>
+                <a:latin typeface="Aptos Display"/>
+                <a:ea typeface="Aptos Display"/>
+                <a:cs typeface="Aptos Display"/>
+              </a:rPr>
+              <a:t>Incremental encoders (ticks)</a:t>
+            </a:r>
+            <a:endParaRPr sz="2800">
+              <a:solidFill>
+                <a:schemeClr val="bg1"/>
+              </a:solidFill>
+              <a:latin typeface="Aptos Display"/>
+              <a:cs typeface="Aptos Display"/>
+            </a:endParaRPr>
+          </a:p>
+          <a:p>
+            <a:pPr lvl="1">
+              <a:defRPr/>
+            </a:pPr>
+            <a:r>
+              <a:rPr sz="2400" b="0" i="0" u="none">
+                <a:solidFill>
+                  <a:schemeClr val="bg1"/>
+                </a:solidFill>
+                <a:latin typeface="Aptos Display"/>
+                <a:ea typeface="Aptos Display"/>
+                <a:cs typeface="Aptos Display"/>
+              </a:rPr>
+              <a:t>Basic trigonometry</a:t>
+            </a:r>
+            <a:endParaRPr sz="2800">
+              <a:solidFill>
+                <a:schemeClr val="bg1"/>
+              </a:solidFill>
+              <a:latin typeface="Aptos Display"/>
+              <a:cs typeface="Aptos Display"/>
+            </a:endParaRPr>
+          </a:p>
+          <a:p>
+            <a:pPr lvl="1">
+              <a:defRPr/>
+            </a:pPr>
+            <a:r>
+              <a:rPr sz="2400" b="0" i="0" u="none">
+                <a:solidFill>
+                  <a:schemeClr val="bg1"/>
+                </a:solidFill>
+                <a:latin typeface="Aptos Display"/>
+                <a:ea typeface="Aptos Display"/>
+                <a:cs typeface="Aptos Display"/>
+              </a:rPr>
+              <a:t>Cartesian coordinates </a:t>
+            </a:r>
+            <a:r>
+              <a:rPr sz="2400" b="0" i="0" u="none">
+                <a:solidFill>
+                  <a:schemeClr val="bg1"/>
+                </a:solidFill>
+                <a:latin typeface="Aptos Display"/>
+                <a:ea typeface="Aptos Display"/>
+                <a:cs typeface="Aptos Display"/>
+              </a:rPr>
+              <a:t>(</a:t>
+            </a:r>
+            <a:r>
+              <a:rPr sz="2400" b="0" i="0" u="none">
+                <a:solidFill>
+                  <a:schemeClr val="bg1"/>
+                </a:solidFill>
+                <a:latin typeface="Aptos Display"/>
+                <a:ea typeface="Aptos Display"/>
+                <a:cs typeface="Aptos Display"/>
+              </a:rPr>
+              <a:t>x</a:t>
+            </a:r>
+            <a:r>
+              <a:rPr sz="2400" b="0" i="0" u="none">
+                <a:solidFill>
+                  <a:schemeClr val="bg1"/>
+                </a:solidFill>
+                <a:latin typeface="Aptos Display"/>
+                <a:ea typeface="Aptos Display"/>
+                <a:cs typeface="Aptos Display"/>
+              </a:rPr>
+              <a:t>,</a:t>
+            </a:r>
+            <a:r>
+              <a:rPr sz="2400" b="0" i="0" u="none">
+                <a:solidFill>
+                  <a:schemeClr val="bg1"/>
+                </a:solidFill>
+                <a:latin typeface="Aptos Display"/>
+                <a:ea typeface="Aptos Display"/>
+                <a:cs typeface="Aptos Display"/>
+              </a:rPr>
+              <a:t>y</a:t>
+            </a:r>
+            <a:r>
+              <a:rPr sz="2400" b="0" i="0" u="none">
+                <a:solidFill>
+                  <a:schemeClr val="bg1"/>
+                </a:solidFill>
+                <a:latin typeface="Aptos Display"/>
+                <a:ea typeface="Aptos Display"/>
+                <a:cs typeface="Aptos Display"/>
+              </a:rPr>
+              <a:t>)</a:t>
+            </a:r>
+            <a:endParaRPr sz="2400">
+              <a:solidFill>
+                <a:schemeClr val="bg1"/>
+              </a:solidFill>
+              <a:latin typeface="Aptos Display"/>
+              <a:ea typeface="Aptos Display"/>
+              <a:cs typeface="Aptos Display"/>
+            </a:endParaRPr>
+          </a:p>
+          <a:p>
+            <a:pPr marL="457200" lvl="1" indent="0">
+              <a:buFont typeface="Arial"/>
+              <a:buNone/>
+              <a:defRPr/>
+            </a:pPr>
+            <a:endParaRPr sz="2800">
+              <a:solidFill>
+                <a:schemeClr val="bg1"/>
+              </a:solidFill>
+              <a:latin typeface="Aptos Display"/>
+              <a:cs typeface="Aptos Display"/>
+            </a:endParaRPr>
+          </a:p>
+          <a:p>
+            <a:pPr>
+              <a:defRPr/>
+            </a:pPr>
+            <a:r>
+              <a:rPr sz="2800" b="0" i="0" u="none">
+                <a:solidFill>
+                  <a:schemeClr val="bg1"/>
+                </a:solidFill>
+                <a:latin typeface="Aptos Display"/>
+                <a:ea typeface="Aptos Display"/>
+                <a:cs typeface="Aptos Display"/>
+              </a:rPr>
+              <a:t>Differential drive concept</a:t>
+            </a:r>
+            <a:endParaRPr sz="2800">
+              <a:solidFill>
+                <a:schemeClr val="bg1"/>
+              </a:solidFill>
+              <a:latin typeface="Aptos Display"/>
+              <a:cs typeface="Aptos Display"/>
+            </a:endParaRPr>
+          </a:p>
+          <a:p>
+            <a:pPr>
+              <a:defRPr/>
+            </a:pPr>
+            <a:r>
+              <a:rPr sz="2800" b="0" i="0" u="none">
+                <a:solidFill>
+                  <a:schemeClr val="bg1"/>
+                </a:solidFill>
+                <a:latin typeface="Aptos Display"/>
+                <a:ea typeface="Aptos Display"/>
+                <a:cs typeface="Aptos Display"/>
+              </a:rPr>
+              <a:t>This lab </a:t>
+            </a:r>
+            <a:r>
               <a:rPr sz="2800" b="1" i="0" u="none">
                 <a:solidFill>
                   <a:schemeClr val="bg1"/>
@@ -13304,130 +13595,33 @@
                 <a:ea typeface="Aptos Display"/>
                 <a:cs typeface="Aptos Display"/>
               </a:rPr>
-              <a:t>After This Experiment, Students Can:</a:t>
-            </a:r>
-            <a:endParaRPr sz="2800">
-              <a:solidFill>
-                <a:schemeClr val="bg1"/>
-              </a:solidFill>
-              <a:latin typeface="Aptos Display"/>
-              <a:cs typeface="Aptos Display"/>
-            </a:endParaRPr>
-          </a:p>
-          <a:p>
-            <a:pPr lvl="1">
-              <a:defRPr/>
-            </a:pPr>
-            <a:r>
-              <a:rPr sz="2400" b="0" i="0" u="none">
-                <a:solidFill>
-                  <a:schemeClr val="bg1"/>
-                </a:solidFill>
-                <a:latin typeface="Aptos Display"/>
-                <a:ea typeface="Aptos Display"/>
-                <a:cs typeface="Aptos Display"/>
-              </a:rPr>
-              <a:t>Understand trajectory tracking</a:t>
-            </a:r>
-            <a:endParaRPr sz="2800">
-              <a:solidFill>
-                <a:schemeClr val="bg1"/>
-              </a:solidFill>
-              <a:latin typeface="Aptos Display"/>
-              <a:cs typeface="Aptos Display"/>
-            </a:endParaRPr>
-          </a:p>
-          <a:p>
-            <a:pPr lvl="1">
-              <a:defRPr/>
-            </a:pPr>
-            <a:r>
-              <a:rPr sz="2400" b="0" i="0" u="none">
-                <a:solidFill>
-                  <a:schemeClr val="bg1"/>
-                </a:solidFill>
-                <a:latin typeface="Aptos Display"/>
-                <a:ea typeface="Aptos Display"/>
-                <a:cs typeface="Aptos Display"/>
-              </a:rPr>
-              <a:t>Use encoders for localization</a:t>
-            </a:r>
-            <a:endParaRPr sz="2800">
-              <a:solidFill>
-                <a:schemeClr val="bg1"/>
-              </a:solidFill>
-              <a:latin typeface="Aptos Display"/>
-              <a:cs typeface="Aptos Display"/>
-            </a:endParaRPr>
-          </a:p>
-          <a:p>
-            <a:pPr lvl="1">
-              <a:defRPr/>
-            </a:pPr>
-            <a:r>
-              <a:rPr sz="2400" b="0" i="0" u="none">
-                <a:solidFill>
-                  <a:schemeClr val="bg1"/>
-                </a:solidFill>
-                <a:latin typeface="Aptos Display"/>
-                <a:ea typeface="Aptos Display"/>
-                <a:cs typeface="Aptos Display"/>
-              </a:rPr>
-              <a:t>Implement pure pursuit control</a:t>
-            </a:r>
-            <a:endParaRPr sz="2800">
-              <a:solidFill>
-                <a:schemeClr val="bg1"/>
-              </a:solidFill>
-              <a:latin typeface="Aptos Display"/>
-              <a:cs typeface="Aptos Display"/>
-            </a:endParaRPr>
-          </a:p>
-          <a:p>
-            <a:pPr lvl="1">
-              <a:defRPr/>
-            </a:pPr>
-            <a:r>
-              <a:rPr sz="2400" b="0" i="0" u="none">
-                <a:solidFill>
-                  <a:schemeClr val="bg1"/>
-                </a:solidFill>
-                <a:latin typeface="Aptos Display"/>
-                <a:ea typeface="Aptos Display"/>
-                <a:cs typeface="Aptos Display"/>
-              </a:rPr>
-              <a:t>Connect math with real robot motion</a:t>
-            </a:r>
-            <a:endParaRPr sz="2800">
-              <a:solidFill>
-                <a:schemeClr val="bg1"/>
-              </a:solidFill>
-              <a:latin typeface="Aptos Display"/>
-              <a:cs typeface="Aptos Display"/>
-            </a:endParaRPr>
-          </a:p>
-          <a:p>
-            <a:pPr lvl="1">
-              <a:defRPr/>
-            </a:pPr>
-            <a:r>
-              <a:rPr sz="2400" b="0" i="0" u="none">
-                <a:solidFill>
-                  <a:schemeClr val="bg1"/>
-                </a:solidFill>
-                <a:latin typeface="Aptos Display"/>
-                <a:ea typeface="Aptos Display"/>
-                <a:cs typeface="Aptos Display"/>
-              </a:rPr>
-              <a:t>Explain how autonomy is built step-by-step</a:t>
-            </a:r>
-            <a:endParaRPr/>
+              <a:t>builds on</a:t>
+            </a:r>
+            <a:r>
+              <a:rPr sz="2800" b="0" i="0" u="none">
+                <a:solidFill>
+                  <a:schemeClr val="bg1"/>
+                </a:solidFill>
+                <a:latin typeface="Aptos Display"/>
+                <a:ea typeface="Aptos Display"/>
+                <a:cs typeface="Aptos Display"/>
+              </a:rPr>
+              <a:t> earlier straight-line and distance-control experiments.</a:t>
+            </a:r>
+            <a:endParaRPr sz="2800" b="1" i="0" u="none">
+              <a:solidFill>
+                <a:schemeClr val="bg1"/>
+              </a:solidFill>
+              <a:latin typeface="Aptos Display"/>
+              <a:ea typeface="Aptos Display"/>
+              <a:cs typeface="Aptos Display"/>
+            </a:endParaRPr>
           </a:p>
         </p:txBody>
       </p:sp>
       <p:pic>
         <p:nvPicPr>
-          <p:cNvPr id="1102784563" name="Picture 3"/>
+          <p:cNvPr id="855864128" name="Picture 3"/>
           <p:cNvPicPr>
             <a:picLocks noChangeAspect="1"/>
           </p:cNvPicPr>
@@ -13439,8 +13633,8 @@
         </p:blipFill>
         <p:spPr bwMode="auto">
           <a:xfrm>
-            <a:off x="9971310" y="156098"/>
-            <a:ext cx="2037717" cy="549225"/>
+            <a:off x="9971311" y="156099"/>
+            <a:ext cx="2037717" cy="549226"/>
           </a:xfrm>
           <a:prstGeom prst="rect">
             <a:avLst/>
@@ -13489,7 +13683,7 @@
       </p:grpSpPr>
       <p:sp>
         <p:nvSpPr>
-          <p:cNvPr id="35887578" name="Title 1"/>
+          <p:cNvPr id="121889961" name="Title 1"/>
           <p:cNvSpPr>
             <a:spLocks noGrp="1"/>
           </p:cNvSpPr>
@@ -13513,15 +13707,15 @@
               <a:defRPr/>
             </a:pPr>
             <a:r>
-              <a:rPr lang="en-US" sz="4400" b="0" i="0" u="none" strike="noStrike" cap="none" spc="0">
-                <a:solidFill>
-                  <a:schemeClr val="bg1"/>
-                </a:solidFill>
-                <a:latin typeface="Aptos Display"/>
-                <a:ea typeface="Aptos Display"/>
-                <a:cs typeface="Aptos Display"/>
-              </a:rPr>
-              <a:t>Encoder-Based Constant Speed Control using PI</a:t>
+              <a:rPr lang="en-US" sz="4400" b="1" i="0" u="none" strike="noStrike" cap="none" spc="0">
+                <a:solidFill>
+                  <a:schemeClr val="bg1"/>
+                </a:solidFill>
+                <a:latin typeface="Aptos Display"/>
+                <a:ea typeface="Aptos Display"/>
+                <a:cs typeface="Aptos Display"/>
+              </a:rPr>
+              <a:t>Sine Wave Trajectory Tracking</a:t>
             </a:r>
             <a:endParaRPr/>
           </a:p>
@@ -13529,7 +13723,7 @@
       </p:sp>
       <p:sp>
         <p:nvSpPr>
-          <p:cNvPr id="1580214862" name="Content Placeholder 2"/>
+          <p:cNvPr id="941405558" name="Content Placeholder 2"/>
           <p:cNvSpPr>
             <a:spLocks noGrp="1"/>
           </p:cNvSpPr>
@@ -13545,7 +13739,7 @@
         </p:spPr>
         <p:txBody>
           <a:bodyPr vertOverflow="overflow" horzOverflow="overflow" vert="horz" wrap="square" lIns="91440" tIns="45720" rIns="91440" bIns="45720" numCol="1" spcCol="0" rtlCol="0" fromWordArt="0" anchor="t" anchorCtr="0" forceAA="0" upright="0" compatLnSpc="0">
-            <a:normAutofit fontScale="90000" lnSpcReduction="2000"/>
+            <a:normAutofit/>
           </a:bodyPr>
           <a:lstStyle/>
           <a:p>
@@ -13561,13 +13755,28 @@
                 <a:ea typeface="Aptos Display"/>
                 <a:cs typeface="Aptos Display"/>
               </a:rPr>
-              <a:t>What Is New in This Experiment</a:t>
+              <a:t>Learning Outcomes</a:t>
             </a:r>
             <a:endParaRPr sz="2800">
               <a:solidFill>
                 <a:schemeClr val="bg1"/>
               </a:solidFill>
               <a:latin typeface="Aptos Display"/>
+              <a:ea typeface="Aptos Display"/>
+              <a:cs typeface="Aptos Display"/>
+            </a:endParaRPr>
+          </a:p>
+          <a:p>
+            <a:pPr marL="0" indent="0">
+              <a:buFont typeface="Arial"/>
+              <a:buNone/>
+              <a:defRPr/>
+            </a:pPr>
+            <a:endParaRPr sz="2800">
+              <a:solidFill>
+                <a:schemeClr val="bg1"/>
+              </a:solidFill>
+              <a:latin typeface="Aptos Display"/>
               <a:cs typeface="Aptos Display"/>
             </a:endParaRPr>
           </a:p>
@@ -13584,7 +13793,7 @@
                 <a:ea typeface="Aptos Display"/>
                 <a:cs typeface="Aptos Display"/>
               </a:rPr>
-              <a:t>Key Learning Upgrade</a:t>
+              <a:t>After This Experiment, Students Can:</a:t>
             </a:r>
             <a:endParaRPr sz="2800">
               <a:solidFill>
@@ -13595,19 +13804,19 @@
             </a:endParaRPr>
           </a:p>
           <a:p>
-            <a:pPr>
-              <a:defRPr/>
-            </a:pPr>
-            <a:r>
-              <a:rPr sz="2800" b="0" i="0" u="none">
-                <a:solidFill>
-                  <a:schemeClr val="bg1"/>
-                </a:solidFill>
-                <a:latin typeface="Aptos Display"/>
-                <a:ea typeface="Aptos Display"/>
-                <a:cs typeface="Aptos Display"/>
-              </a:rPr>
-              <a:t>Earlier experiments taught:</a:t>
+            <a:pPr lvl="1">
+              <a:defRPr/>
+            </a:pPr>
+            <a:r>
+              <a:rPr sz="2400" b="0" i="0" u="none">
+                <a:solidFill>
+                  <a:schemeClr val="bg1"/>
+                </a:solidFill>
+                <a:latin typeface="Aptos Display"/>
+                <a:ea typeface="Aptos Display"/>
+                <a:cs typeface="Aptos Display"/>
+              </a:rPr>
+              <a:t>Understand trajectory tracking</a:t>
             </a:r>
             <a:endParaRPr sz="2800">
               <a:solidFill>
@@ -13630,7 +13839,7 @@
                 <a:ea typeface="Aptos Display"/>
                 <a:cs typeface="Aptos Display"/>
               </a:rPr>
-              <a:t>Go forward</a:t>
+              <a:t>Use encoders for localization</a:t>
             </a:r>
             <a:endParaRPr sz="2800">
               <a:solidFill>
@@ -13653,7 +13862,7 @@
                 <a:ea typeface="Aptos Display"/>
                 <a:cs typeface="Aptos Display"/>
               </a:rPr>
-              <a:t>Stop at distance</a:t>
+              <a:t>Implement pure pursuit control</a:t>
             </a:r>
             <a:endParaRPr sz="2800">
               <a:solidFill>
@@ -13676,7 +13885,7 @@
                 <a:ea typeface="Aptos Display"/>
                 <a:cs typeface="Aptos Display"/>
               </a:rPr>
-              <a:t>Turn left / right</a:t>
+              <a:t>Connect math with real robot motion</a:t>
             </a:r>
             <a:endParaRPr sz="2800">
               <a:solidFill>
@@ -13687,29 +13896,6 @@
             </a:endParaRPr>
           </a:p>
           <a:p>
-            <a:pPr>
-              <a:defRPr/>
-            </a:pPr>
-            <a:r>
-              <a:rPr sz="2800" b="0" i="0" u="none">
-                <a:solidFill>
-                  <a:schemeClr val="bg1"/>
-                </a:solidFill>
-                <a:latin typeface="Aptos Display"/>
-                <a:ea typeface="Aptos Display"/>
-                <a:cs typeface="Aptos Display"/>
-              </a:rPr>
-              <a:t>This experiment teaches:</a:t>
-            </a:r>
-            <a:endParaRPr sz="2800">
-              <a:solidFill>
-                <a:schemeClr val="bg1"/>
-              </a:solidFill>
-              <a:latin typeface="Aptos Display"/>
-              <a:cs typeface="Aptos Display"/>
-            </a:endParaRPr>
-          </a:p>
-          <a:p>
             <a:pPr lvl="1">
               <a:defRPr/>
             </a:pPr>
@@ -13722,87 +13908,7 @@
                 <a:ea typeface="Aptos Display"/>
                 <a:cs typeface="Aptos Display"/>
               </a:rPr>
-              <a:t>Follow a continuous curve</a:t>
-            </a:r>
-            <a:endParaRPr sz="2800" b="0">
-              <a:solidFill>
-                <a:schemeClr val="bg1"/>
-              </a:solidFill>
-              <a:latin typeface="Aptos Display"/>
-              <a:cs typeface="Aptos Display"/>
-            </a:endParaRPr>
-          </a:p>
-          <a:p>
-            <a:pPr lvl="1">
-              <a:defRPr/>
-            </a:pPr>
-            <a:r>
-              <a:rPr sz="2400" b="0" i="0" u="none">
-                <a:solidFill>
-                  <a:schemeClr val="bg1"/>
-                </a:solidFill>
-                <a:latin typeface="Aptos Display"/>
-                <a:ea typeface="Aptos Display"/>
-                <a:cs typeface="Aptos Display"/>
-              </a:rPr>
-              <a:t>Steer smoothly</a:t>
-            </a:r>
-            <a:endParaRPr sz="2800" b="0">
-              <a:solidFill>
-                <a:schemeClr val="bg1"/>
-              </a:solidFill>
-              <a:latin typeface="Aptos Display"/>
-              <a:cs typeface="Aptos Display"/>
-            </a:endParaRPr>
-          </a:p>
-          <a:p>
-            <a:pPr lvl="1">
-              <a:defRPr/>
-            </a:pPr>
-            <a:r>
-              <a:rPr sz="2400" b="0" i="0" u="none">
-                <a:solidFill>
-                  <a:schemeClr val="bg1"/>
-                </a:solidFill>
-                <a:latin typeface="Aptos Display"/>
-                <a:ea typeface="Aptos Display"/>
-                <a:cs typeface="Aptos Display"/>
-              </a:rPr>
-              <a:t>Correct motion in real time</a:t>
-            </a:r>
-            <a:endParaRPr sz="2800">
-              <a:solidFill>
-                <a:schemeClr val="bg1"/>
-              </a:solidFill>
-              <a:latin typeface="Aptos Display"/>
-              <a:cs typeface="Aptos Display"/>
-            </a:endParaRPr>
-          </a:p>
-          <a:p>
-            <a:pPr>
-              <a:defRPr/>
-            </a:pPr>
-            <a:r>
-              <a:rPr sz="2800" b="0" i="0" u="none">
-                <a:solidFill>
-                  <a:schemeClr val="bg1"/>
-                </a:solidFill>
-                <a:latin typeface="Aptos Display"/>
-                <a:ea typeface="Aptos Display"/>
-                <a:cs typeface="Aptos Display"/>
-              </a:rPr>
-              <a:t>📌 This is the </a:t>
-            </a:r>
-            <a:r>
-              <a:rPr sz="2800" b="1" i="0" u="none">
-                <a:solidFill>
-                  <a:schemeClr val="bg1"/>
-                </a:solidFill>
-                <a:latin typeface="Aptos Display"/>
-                <a:ea typeface="Aptos Display"/>
-                <a:cs typeface="Aptos Display"/>
-              </a:rPr>
-              <a:t>entry point to autonomous navigation</a:t>
+              <a:t>Explain how autonomy is built step-by-step</a:t>
             </a:r>
             <a:endParaRPr/>
           </a:p>
@@ -13810,7 +13916,7 @@
       </p:sp>
       <p:pic>
         <p:nvPicPr>
-          <p:cNvPr id="2054813755" name="Picture 3"/>
+          <p:cNvPr id="1102784563" name="Picture 3"/>
           <p:cNvPicPr>
             <a:picLocks noChangeAspect="1"/>
           </p:cNvPicPr>
@@ -13872,7 +13978,7 @@
       </p:grpSpPr>
       <p:sp>
         <p:nvSpPr>
-          <p:cNvPr id="1639461961" name="Title 1"/>
+          <p:cNvPr id="35887578" name="Title 1"/>
           <p:cNvSpPr>
             <a:spLocks noGrp="1"/>
           </p:cNvSpPr>
@@ -13896,15 +14002,15 @@
               <a:defRPr/>
             </a:pPr>
             <a:r>
-              <a:rPr lang="en-US" sz="4400" b="0" i="0" u="none" strike="noStrike" cap="none" spc="0">
-                <a:solidFill>
-                  <a:schemeClr val="bg1"/>
-                </a:solidFill>
-                <a:latin typeface="Aptos Display"/>
-                <a:ea typeface="Aptos Display"/>
-                <a:cs typeface="Aptos Display"/>
-              </a:rPr>
-              <a:t>Encoder-Based Constant Speed Control using PI</a:t>
+              <a:rPr lang="en-US" sz="4400" b="1" i="0" u="none" strike="noStrike" cap="none" spc="0">
+                <a:solidFill>
+                  <a:schemeClr val="bg1"/>
+                </a:solidFill>
+                <a:latin typeface="Aptos Display"/>
+                <a:ea typeface="Aptos Display"/>
+                <a:cs typeface="Aptos Display"/>
+              </a:rPr>
+              <a:t>Sine Wave Trajectory Tracking</a:t>
             </a:r>
             <a:endParaRPr/>
           </a:p>
@@ -13912,7 +14018,7 @@
       </p:sp>
       <p:sp>
         <p:nvSpPr>
-          <p:cNvPr id="1755651512" name="Content Placeholder 2"/>
+          <p:cNvPr id="1580214862" name="Content Placeholder 2"/>
           <p:cNvSpPr>
             <a:spLocks noGrp="1"/>
           </p:cNvSpPr>
@@ -13944,7 +14050,7 @@
                 <a:ea typeface="Aptos Display"/>
                 <a:cs typeface="Aptos Display"/>
               </a:rPr>
-              <a:t>Why This Experiment Matters </a:t>
+              <a:t>What Is New in This Experiment</a:t>
             </a:r>
             <a:endParaRPr sz="2800">
               <a:solidFill>
@@ -13967,7 +14073,7 @@
                 <a:ea typeface="Aptos Display"/>
                 <a:cs typeface="Aptos Display"/>
               </a:rPr>
-              <a:t>Why Trajectory Tracking Is Important</a:t>
+              <a:t>Key Learning Upgrade</a:t>
             </a:r>
             <a:endParaRPr sz="2800">
               <a:solidFill>
@@ -13990,7 +14096,191 @@
                 <a:ea typeface="Aptos Display"/>
                 <a:cs typeface="Aptos Display"/>
               </a:rPr>
-              <a:t>Robots </a:t>
+              <a:t>Earlier experiments taught:</a:t>
+            </a:r>
+            <a:endParaRPr sz="2800">
+              <a:solidFill>
+                <a:schemeClr val="bg1"/>
+              </a:solidFill>
+              <a:latin typeface="Aptos Display"/>
+              <a:cs typeface="Aptos Display"/>
+            </a:endParaRPr>
+          </a:p>
+          <a:p>
+            <a:pPr lvl="1">
+              <a:defRPr/>
+            </a:pPr>
+            <a:r>
+              <a:rPr sz="2400" b="0" i="0" u="none">
+                <a:solidFill>
+                  <a:schemeClr val="bg1"/>
+                </a:solidFill>
+                <a:latin typeface="Aptos Display"/>
+                <a:ea typeface="Aptos Display"/>
+                <a:cs typeface="Aptos Display"/>
+              </a:rPr>
+              <a:t>Go forward</a:t>
+            </a:r>
+            <a:endParaRPr sz="2800">
+              <a:solidFill>
+                <a:schemeClr val="bg1"/>
+              </a:solidFill>
+              <a:latin typeface="Aptos Display"/>
+              <a:cs typeface="Aptos Display"/>
+            </a:endParaRPr>
+          </a:p>
+          <a:p>
+            <a:pPr lvl="1">
+              <a:defRPr/>
+            </a:pPr>
+            <a:r>
+              <a:rPr sz="2400" b="0" i="0" u="none">
+                <a:solidFill>
+                  <a:schemeClr val="bg1"/>
+                </a:solidFill>
+                <a:latin typeface="Aptos Display"/>
+                <a:ea typeface="Aptos Display"/>
+                <a:cs typeface="Aptos Display"/>
+              </a:rPr>
+              <a:t>Stop at distance</a:t>
+            </a:r>
+            <a:endParaRPr sz="2800">
+              <a:solidFill>
+                <a:schemeClr val="bg1"/>
+              </a:solidFill>
+              <a:latin typeface="Aptos Display"/>
+              <a:cs typeface="Aptos Display"/>
+            </a:endParaRPr>
+          </a:p>
+          <a:p>
+            <a:pPr lvl="1">
+              <a:defRPr/>
+            </a:pPr>
+            <a:r>
+              <a:rPr sz="2400" b="0" i="0" u="none">
+                <a:solidFill>
+                  <a:schemeClr val="bg1"/>
+                </a:solidFill>
+                <a:latin typeface="Aptos Display"/>
+                <a:ea typeface="Aptos Display"/>
+                <a:cs typeface="Aptos Display"/>
+              </a:rPr>
+              <a:t>Turn left / right</a:t>
+            </a:r>
+            <a:endParaRPr sz="2800">
+              <a:solidFill>
+                <a:schemeClr val="bg1"/>
+              </a:solidFill>
+              <a:latin typeface="Aptos Display"/>
+              <a:cs typeface="Aptos Display"/>
+            </a:endParaRPr>
+          </a:p>
+          <a:p>
+            <a:pPr>
+              <a:defRPr/>
+            </a:pPr>
+            <a:r>
+              <a:rPr sz="2800" b="0" i="0" u="none">
+                <a:solidFill>
+                  <a:schemeClr val="bg1"/>
+                </a:solidFill>
+                <a:latin typeface="Aptos Display"/>
+                <a:ea typeface="Aptos Display"/>
+                <a:cs typeface="Aptos Display"/>
+              </a:rPr>
+              <a:t>This experiment teaches:</a:t>
+            </a:r>
+            <a:endParaRPr sz="2800">
+              <a:solidFill>
+                <a:schemeClr val="bg1"/>
+              </a:solidFill>
+              <a:latin typeface="Aptos Display"/>
+              <a:cs typeface="Aptos Display"/>
+            </a:endParaRPr>
+          </a:p>
+          <a:p>
+            <a:pPr lvl="1">
+              <a:defRPr/>
+            </a:pPr>
+            <a:r>
+              <a:rPr sz="2400" b="0" i="0" u="none">
+                <a:solidFill>
+                  <a:schemeClr val="bg1"/>
+                </a:solidFill>
+                <a:latin typeface="Aptos Display"/>
+                <a:ea typeface="Aptos Display"/>
+                <a:cs typeface="Aptos Display"/>
+              </a:rPr>
+              <a:t>Follow a continuous curve</a:t>
+            </a:r>
+            <a:endParaRPr sz="2800" b="0">
+              <a:solidFill>
+                <a:schemeClr val="bg1"/>
+              </a:solidFill>
+              <a:latin typeface="Aptos Display"/>
+              <a:cs typeface="Aptos Display"/>
+            </a:endParaRPr>
+          </a:p>
+          <a:p>
+            <a:pPr lvl="1">
+              <a:defRPr/>
+            </a:pPr>
+            <a:r>
+              <a:rPr sz="2400" b="0" i="0" u="none">
+                <a:solidFill>
+                  <a:schemeClr val="bg1"/>
+                </a:solidFill>
+                <a:latin typeface="Aptos Display"/>
+                <a:ea typeface="Aptos Display"/>
+                <a:cs typeface="Aptos Display"/>
+              </a:rPr>
+              <a:t>Steer smoothly</a:t>
+            </a:r>
+            <a:endParaRPr sz="2800" b="0">
+              <a:solidFill>
+                <a:schemeClr val="bg1"/>
+              </a:solidFill>
+              <a:latin typeface="Aptos Display"/>
+              <a:cs typeface="Aptos Display"/>
+            </a:endParaRPr>
+          </a:p>
+          <a:p>
+            <a:pPr lvl="1">
+              <a:defRPr/>
+            </a:pPr>
+            <a:r>
+              <a:rPr sz="2400" b="0" i="0" u="none">
+                <a:solidFill>
+                  <a:schemeClr val="bg1"/>
+                </a:solidFill>
+                <a:latin typeface="Aptos Display"/>
+                <a:ea typeface="Aptos Display"/>
+                <a:cs typeface="Aptos Display"/>
+              </a:rPr>
+              <a:t>Correct motion in real time</a:t>
+            </a:r>
+            <a:endParaRPr sz="2800">
+              <a:solidFill>
+                <a:schemeClr val="bg1"/>
+              </a:solidFill>
+              <a:latin typeface="Aptos Display"/>
+              <a:cs typeface="Aptos Display"/>
+            </a:endParaRPr>
+          </a:p>
+          <a:p>
+            <a:pPr>
+              <a:defRPr/>
+            </a:pPr>
+            <a:r>
+              <a:rPr sz="2800" b="0" i="0" u="none">
+                <a:solidFill>
+                  <a:schemeClr val="bg1"/>
+                </a:solidFill>
+                <a:latin typeface="Aptos Display"/>
+                <a:ea typeface="Aptos Display"/>
+                <a:cs typeface="Aptos Display"/>
+              </a:rPr>
+              <a:t>This is the </a:t>
             </a:r>
             <a:r>
               <a:rPr sz="2800" b="1" i="0" u="none">
@@ -14001,243 +14291,7 @@
                 <a:ea typeface="Aptos Display"/>
                 <a:cs typeface="Aptos Display"/>
               </a:rPr>
-              <a:t>can</a:t>
-            </a:r>
-            <a:r>
-              <a:rPr sz="2800" b="0" i="0" u="none">
-                <a:solidFill>
-                  <a:schemeClr val="bg1"/>
-                </a:solidFill>
-                <a:latin typeface="Aptos Display"/>
-                <a:ea typeface="Aptos Display"/>
-                <a:cs typeface="Aptos Display"/>
-              </a:rPr>
-              <a:t> move straight using simple logic.</a:t>
-            </a:r>
-            <a:br>
-              <a:rPr sz="2800" b="0" i="0" u="none">
-                <a:solidFill>
-                  <a:schemeClr val="bg1"/>
-                </a:solidFill>
-                <a:latin typeface="Aptos Display"/>
-                <a:ea typeface="Aptos Display"/>
-                <a:cs typeface="Aptos Display"/>
-              </a:rPr>
-            </a:br>
-            <a:r>
-              <a:rPr sz="2800" b="0" i="0" u="none">
-                <a:solidFill>
-                  <a:schemeClr val="bg1"/>
-                </a:solidFill>
-                <a:latin typeface="Aptos Display"/>
-                <a:ea typeface="Aptos Display"/>
-                <a:cs typeface="Aptos Display"/>
-              </a:rPr>
-              <a:t> But real autonomy requires </a:t>
-            </a:r>
-            <a:r>
-              <a:rPr sz="2800" b="1" i="0" u="none">
-                <a:solidFill>
-                  <a:schemeClr val="bg1"/>
-                </a:solidFill>
-                <a:latin typeface="Aptos Display"/>
-                <a:ea typeface="Aptos Display"/>
-                <a:cs typeface="Aptos Display"/>
-              </a:rPr>
-              <a:t>trajectory tracking</a:t>
-            </a:r>
-            <a:r>
-              <a:rPr sz="2800" b="0" i="0" u="none">
-                <a:solidFill>
-                  <a:schemeClr val="bg1"/>
-                </a:solidFill>
-                <a:latin typeface="Aptos Display"/>
-                <a:ea typeface="Aptos Display"/>
-                <a:cs typeface="Aptos Display"/>
-              </a:rPr>
-              <a:t>:</a:t>
-            </a:r>
-            <a:endParaRPr sz="2800">
-              <a:solidFill>
-                <a:schemeClr val="bg1"/>
-              </a:solidFill>
-              <a:latin typeface="Aptos Display"/>
-              <a:cs typeface="Aptos Display"/>
-            </a:endParaRPr>
-          </a:p>
-          <a:p>
-            <a:pPr lvl="1">
-              <a:defRPr/>
-            </a:pPr>
-            <a:r>
-              <a:rPr sz="2400" b="0" i="0" u="none">
-                <a:solidFill>
-                  <a:schemeClr val="bg1"/>
-                </a:solidFill>
-                <a:latin typeface="Aptos Display"/>
-                <a:ea typeface="Aptos Display"/>
-                <a:cs typeface="Aptos Display"/>
-              </a:rPr>
-              <a:t>Following a </a:t>
-            </a:r>
-            <a:r>
-              <a:rPr sz="2400" b="1" i="0" u="none">
-                <a:solidFill>
-                  <a:schemeClr val="bg1"/>
-                </a:solidFill>
-                <a:latin typeface="Aptos Display"/>
-                <a:ea typeface="Aptos Display"/>
-                <a:cs typeface="Aptos Display"/>
-              </a:rPr>
-              <a:t>planned path</a:t>
-            </a:r>
-            <a:endParaRPr sz="2800">
-              <a:solidFill>
-                <a:schemeClr val="bg1"/>
-              </a:solidFill>
-              <a:latin typeface="Aptos Display"/>
-              <a:cs typeface="Aptos Display"/>
-            </a:endParaRPr>
-          </a:p>
-          <a:p>
-            <a:pPr lvl="1">
-              <a:defRPr/>
-            </a:pPr>
-            <a:r>
-              <a:rPr sz="2400" b="0" i="0" u="none">
-                <a:solidFill>
-                  <a:schemeClr val="bg1"/>
-                </a:solidFill>
-                <a:latin typeface="Aptos Display"/>
-                <a:ea typeface="Aptos Display"/>
-                <a:cs typeface="Aptos Display"/>
-              </a:rPr>
-              <a:t>Adjusting steering continuously</a:t>
-            </a:r>
-            <a:endParaRPr sz="2800">
-              <a:solidFill>
-                <a:schemeClr val="bg1"/>
-              </a:solidFill>
-              <a:latin typeface="Aptos Display"/>
-              <a:cs typeface="Aptos Display"/>
-            </a:endParaRPr>
-          </a:p>
-          <a:p>
-            <a:pPr lvl="1">
-              <a:defRPr/>
-            </a:pPr>
-            <a:r>
-              <a:rPr sz="2400" b="0" i="0" u="none">
-                <a:solidFill>
-                  <a:schemeClr val="bg1"/>
-                </a:solidFill>
-                <a:latin typeface="Aptos Display"/>
-                <a:ea typeface="Aptos Display"/>
-                <a:cs typeface="Aptos Display"/>
-              </a:rPr>
-              <a:t>Estimating position using sensors</a:t>
-            </a:r>
-            <a:endParaRPr sz="2800">
-              <a:solidFill>
-                <a:schemeClr val="bg1"/>
-              </a:solidFill>
-              <a:latin typeface="Aptos Display"/>
-              <a:cs typeface="Aptos Display"/>
-            </a:endParaRPr>
-          </a:p>
-          <a:p>
-            <a:pPr lvl="1">
-              <a:defRPr/>
-            </a:pPr>
-            <a:r>
-              <a:rPr sz="2400" b="0" i="0" u="none">
-                <a:solidFill>
-                  <a:schemeClr val="bg1"/>
-                </a:solidFill>
-                <a:latin typeface="Aptos Display"/>
-                <a:ea typeface="Aptos Display"/>
-                <a:cs typeface="Aptos Display"/>
-              </a:rPr>
-              <a:t>Correcting errors during motion</a:t>
-            </a:r>
-            <a:endParaRPr sz="2800">
-              <a:solidFill>
-                <a:schemeClr val="bg1"/>
-              </a:solidFill>
-              <a:latin typeface="Aptos Display"/>
-              <a:cs typeface="Aptos Display"/>
-            </a:endParaRPr>
-          </a:p>
-          <a:p>
-            <a:pPr>
-              <a:defRPr/>
-            </a:pPr>
-            <a:r>
-              <a:rPr sz="2800" b="1" i="0" u="none">
-                <a:solidFill>
-                  <a:schemeClr val="bg1"/>
-                </a:solidFill>
-                <a:latin typeface="Aptos Display"/>
-                <a:ea typeface="Aptos Display"/>
-                <a:cs typeface="Aptos Display"/>
-              </a:rPr>
-              <a:t>This experiment teaches the transition:</a:t>
-            </a:r>
-            <a:endParaRPr sz="2800">
-              <a:solidFill>
-                <a:schemeClr val="bg1"/>
-              </a:solidFill>
-              <a:latin typeface="Aptos Display"/>
-              <a:cs typeface="Aptos Display"/>
-            </a:endParaRPr>
-          </a:p>
-          <a:p>
-            <a:pPr lvl="1">
-              <a:defRPr/>
-            </a:pPr>
-            <a:r>
-              <a:rPr sz="2400" b="0" i="0" u="none">
-                <a:solidFill>
-                  <a:schemeClr val="bg1"/>
-                </a:solidFill>
-                <a:latin typeface="Aptos Display"/>
-                <a:ea typeface="Aptos Display"/>
-                <a:cs typeface="Aptos Display"/>
-              </a:rPr>
-              <a:t>From </a:t>
-            </a:r>
-            <a:r>
-              <a:rPr sz="2400" b="0" i="1" u="none">
-                <a:solidFill>
-                  <a:schemeClr val="bg1"/>
-                </a:solidFill>
-                <a:latin typeface="Aptos Display"/>
-                <a:ea typeface="Aptos Display"/>
-                <a:cs typeface="Aptos Display"/>
-              </a:rPr>
-              <a:t>basic motion</a:t>
-            </a:r>
-            <a:r>
-              <a:rPr sz="2400" b="0" i="0" u="none">
-                <a:solidFill>
-                  <a:schemeClr val="bg1"/>
-                </a:solidFill>
-                <a:latin typeface="Aptos Display"/>
-                <a:ea typeface="Aptos Display"/>
-                <a:cs typeface="Aptos Display"/>
-              </a:rPr>
-              <a:t> → to </a:t>
-            </a:r>
-            <a:r>
-              <a:rPr sz="2400" b="0" i="1" u="none">
-                <a:solidFill>
-                  <a:schemeClr val="bg1"/>
-                </a:solidFill>
-                <a:latin typeface="Aptos Display"/>
-                <a:ea typeface="Aptos Display"/>
-                <a:cs typeface="Aptos Display"/>
-              </a:rPr>
-              <a:t>autonomous path-following control</a:t>
+              <a:t>entry point to autonomous navigation</a:t>
             </a:r>
             <a:endParaRPr/>
           </a:p>
@@ -14245,7 +14299,7 @@
       </p:sp>
       <p:pic>
         <p:nvPicPr>
-          <p:cNvPr id="2062447534" name="Picture 3"/>
+          <p:cNvPr id="2054813755" name="Picture 3"/>
           <p:cNvPicPr>
             <a:picLocks noChangeAspect="1"/>
           </p:cNvPicPr>
@@ -14307,7 +14361,7 @@
       </p:grpSpPr>
       <p:sp>
         <p:nvSpPr>
-          <p:cNvPr id="1395669775" name="Title 1"/>
+          <p:cNvPr id="1639461961" name="Title 1"/>
           <p:cNvSpPr>
             <a:spLocks noGrp="1"/>
           </p:cNvSpPr>
@@ -14331,15 +14385,15 @@
               <a:defRPr/>
             </a:pPr>
             <a:r>
-              <a:rPr lang="en-US" sz="4400" b="0" i="0" u="none" strike="noStrike" cap="none" spc="0">
-                <a:solidFill>
-                  <a:schemeClr val="bg1"/>
-                </a:solidFill>
-                <a:latin typeface="Aptos Display"/>
-                <a:ea typeface="Aptos Display"/>
-                <a:cs typeface="Aptos Display"/>
-              </a:rPr>
-              <a:t>Encoder-Based Constant Speed Control using PI</a:t>
+              <a:rPr lang="en-US" sz="4400" b="1" i="0" u="none" strike="noStrike" cap="none" spc="0">
+                <a:solidFill>
+                  <a:schemeClr val="bg1"/>
+                </a:solidFill>
+                <a:latin typeface="Aptos Display"/>
+                <a:ea typeface="Aptos Display"/>
+                <a:cs typeface="Aptos Display"/>
+              </a:rPr>
+              <a:t>Sine Wave Trajectory Tracking</a:t>
             </a:r>
             <a:endParaRPr/>
           </a:p>
@@ -14347,7 +14401,7 @@
       </p:sp>
       <p:sp>
         <p:nvSpPr>
-          <p:cNvPr id="1408320324" name="Content Placeholder 2"/>
+          <p:cNvPr id="1755651512" name="Content Placeholder 2"/>
           <p:cNvSpPr>
             <a:spLocks noGrp="1"/>
           </p:cNvSpPr>
@@ -14379,7 +14433,7 @@
                 <a:ea typeface="Aptos Display"/>
                 <a:cs typeface="Aptos Display"/>
               </a:rPr>
-              <a:t>Path Definition (Mathematical Model)</a:t>
+              <a:t>Why This Experiment Matters </a:t>
             </a:r>
             <a:endParaRPr sz="2800">
               <a:solidFill>
@@ -14394,6 +14448,29 @@
               <a:defRPr/>
             </a:pPr>
             <a:r>
+              <a:rPr sz="2800" b="1" i="0" u="none">
+                <a:solidFill>
+                  <a:schemeClr val="bg1"/>
+                </a:solidFill>
+                <a:latin typeface="Aptos Display"/>
+                <a:ea typeface="Aptos Display"/>
+                <a:cs typeface="Aptos Display"/>
+              </a:rPr>
+              <a:t>Why Trajectory Tracking Is Important</a:t>
+            </a:r>
+            <a:endParaRPr sz="2800">
+              <a:solidFill>
+                <a:schemeClr val="bg1"/>
+              </a:solidFill>
+              <a:latin typeface="Aptos Display"/>
+              <a:cs typeface="Aptos Display"/>
+            </a:endParaRPr>
+          </a:p>
+          <a:p>
+            <a:pPr>
+              <a:defRPr/>
+            </a:pPr>
+            <a:r>
               <a:rPr sz="2800" b="0" i="0" u="none">
                 <a:solidFill>
                   <a:schemeClr val="bg1"/>
@@ -14402,7 +14479,72 @@
                 <a:ea typeface="Aptos Display"/>
                 <a:cs typeface="Aptos Display"/>
               </a:rPr>
-              <a:t>Reference Path: Sine Wave</a:t>
+              <a:t>Robots </a:t>
+            </a:r>
+            <a:r>
+              <a:rPr sz="2800" b="1" i="0" u="none">
+                <a:solidFill>
+                  <a:schemeClr val="bg1"/>
+                </a:solidFill>
+                <a:latin typeface="Aptos Display"/>
+                <a:ea typeface="Aptos Display"/>
+                <a:cs typeface="Aptos Display"/>
+              </a:rPr>
+              <a:t>can</a:t>
+            </a:r>
+            <a:r>
+              <a:rPr sz="2800" b="0" i="0" u="none">
+                <a:solidFill>
+                  <a:schemeClr val="bg1"/>
+                </a:solidFill>
+                <a:latin typeface="Aptos Display"/>
+                <a:ea typeface="Aptos Display"/>
+                <a:cs typeface="Aptos Display"/>
+              </a:rPr>
+              <a:t> move straight using simple logic.</a:t>
+            </a:r>
+            <a:br>
+              <a:rPr sz="2800" b="0" i="0" u="none">
+                <a:solidFill>
+                  <a:schemeClr val="bg1"/>
+                </a:solidFill>
+                <a:latin typeface="Aptos Display"/>
+                <a:ea typeface="Aptos Display"/>
+                <a:cs typeface="Aptos Display"/>
+              </a:rPr>
+            </a:br>
+            <a:r>
+              <a:rPr sz="2800" b="0" i="0" u="none">
+                <a:solidFill>
+                  <a:schemeClr val="bg1"/>
+                </a:solidFill>
+                <a:latin typeface="Aptos Display"/>
+                <a:ea typeface="Aptos Display"/>
+                <a:cs typeface="Aptos Display"/>
+              </a:rPr>
+              <a:t> But real autonomy requires </a:t>
+            </a:r>
+            <a:r>
+              <a:rPr sz="2800" b="1" i="0" u="none">
+                <a:solidFill>
+                  <a:schemeClr val="bg1"/>
+                </a:solidFill>
+                <a:latin typeface="Aptos Display"/>
+                <a:ea typeface="Aptos Display"/>
+                <a:cs typeface="Aptos Display"/>
+              </a:rPr>
+              <a:t>trajectory tracking</a:t>
+            </a:r>
+            <a:r>
+              <a:rPr sz="2800" b="0" i="0" u="none">
+                <a:solidFill>
+                  <a:schemeClr val="bg1"/>
+                </a:solidFill>
+                <a:latin typeface="Aptos Display"/>
+                <a:ea typeface="Aptos Display"/>
+                <a:cs typeface="Aptos Display"/>
+              </a:rPr>
+              <a:t>:</a:t>
             </a:r>
             <a:endParaRPr sz="2800">
               <a:solidFill>
@@ -14413,19 +14555,30 @@
             </a:endParaRPr>
           </a:p>
           <a:p>
-            <a:pPr>
-              <a:defRPr/>
-            </a:pPr>
-            <a:r>
-              <a:rPr sz="2800" b="0" i="0" u="none">
-                <a:solidFill>
-                  <a:schemeClr val="bg1"/>
-                </a:solidFill>
-                <a:latin typeface="Aptos Display"/>
-                <a:ea typeface="Aptos Display"/>
-                <a:cs typeface="Aptos Display"/>
-              </a:rPr>
-              <a:t>The desired path is defined as:</a:t>
+            <a:pPr lvl="1">
+              <a:defRPr/>
+            </a:pPr>
+            <a:r>
+              <a:rPr sz="2400" b="0" i="0" u="none">
+                <a:solidFill>
+                  <a:schemeClr val="bg1"/>
+                </a:solidFill>
+                <a:latin typeface="Aptos Display"/>
+                <a:ea typeface="Aptos Display"/>
+                <a:cs typeface="Aptos Display"/>
+              </a:rPr>
+              <a:t>Following a </a:t>
+            </a:r>
+            <a:r>
+              <a:rPr sz="2400" b="1" i="0" u="none">
+                <a:solidFill>
+                  <a:schemeClr val="bg1"/>
+                </a:solidFill>
+                <a:latin typeface="Aptos Display"/>
+                <a:ea typeface="Aptos Display"/>
+                <a:cs typeface="Aptos Display"/>
+              </a:rPr>
+              <a:t>planned path</a:t>
             </a:r>
             <a:endParaRPr sz="2800">
               <a:solidFill>
@@ -14436,11 +14589,20 @@
             </a:endParaRPr>
           </a:p>
           <a:p>
-            <a:pPr marL="0" indent="0">
-              <a:buFont typeface="Arial"/>
-              <a:buNone/>
-              <a:defRPr/>
-            </a:pPr>
+            <a:pPr lvl="1">
+              <a:defRPr/>
+            </a:pPr>
+            <a:r>
+              <a:rPr sz="2400" b="0" i="0" u="none">
+                <a:solidFill>
+                  <a:schemeClr val="bg1"/>
+                </a:solidFill>
+                <a:latin typeface="Aptos Display"/>
+                <a:ea typeface="Aptos Display"/>
+                <a:cs typeface="Aptos Display"/>
+              </a:rPr>
+              <a:t>Adjusting steering continuously</a:t>
+            </a:r>
             <a:endParaRPr sz="2800">
               <a:solidFill>
                 <a:schemeClr val="bg1"/>
@@ -14450,19 +14612,19 @@
             </a:endParaRPr>
           </a:p>
           <a:p>
-            <a:pPr>
-              <a:defRPr/>
-            </a:pPr>
-            <a:r>
-              <a:rPr sz="2800" b="0" i="0" u="none">
-                <a:solidFill>
-                  <a:schemeClr val="bg1"/>
-                </a:solidFill>
-                <a:latin typeface="Aptos Display"/>
-                <a:ea typeface="Aptos Display"/>
-                <a:cs typeface="Aptos Display"/>
-              </a:rPr>
-              <a:t>Where:</a:t>
+            <a:pPr lvl="1">
+              <a:defRPr/>
+            </a:pPr>
+            <a:r>
+              <a:rPr sz="2400" b="0" i="0" u="none">
+                <a:solidFill>
+                  <a:schemeClr val="bg1"/>
+                </a:solidFill>
+                <a:latin typeface="Aptos Display"/>
+                <a:ea typeface="Aptos Display"/>
+                <a:cs typeface="Aptos Display"/>
+              </a:rPr>
+              <a:t>Estimating position using sensors</a:t>
             </a:r>
             <a:endParaRPr sz="2800">
               <a:solidFill>
@@ -14473,30 +14635,19 @@
             </a:endParaRPr>
           </a:p>
           <a:p>
-            <a:pPr>
-              <a:defRPr/>
-            </a:pPr>
-            <a:r>
-              <a:rPr sz="2800" b="0" i="0" u="none">
-                <a:solidFill>
-                  <a:schemeClr val="bg1"/>
-                </a:solidFill>
-                <a:latin typeface="Aptos Display"/>
-                <a:ea typeface="Aptos Display"/>
-                <a:cs typeface="Aptos Display"/>
-              </a:rPr>
-              <a:t>A</a:t>
-            </a:r>
-            <a:r>
-              <a:rPr sz="2800" b="0" i="0" u="none">
-                <a:solidFill>
-                  <a:schemeClr val="bg1"/>
-                </a:solidFill>
-                <a:latin typeface="Aptos Display"/>
-                <a:ea typeface="Aptos Display"/>
-                <a:cs typeface="Aptos Display"/>
-              </a:rPr>
-              <a:t> = amplitude (sideways swing)</a:t>
+            <a:pPr lvl="1">
+              <a:defRPr/>
+            </a:pPr>
+            <a:r>
+              <a:rPr sz="2400" b="0" i="0" u="none">
+                <a:solidFill>
+                  <a:schemeClr val="bg1"/>
+                </a:solidFill>
+                <a:latin typeface="Aptos Display"/>
+                <a:ea typeface="Aptos Display"/>
+                <a:cs typeface="Aptos Display"/>
+              </a:rPr>
+              <a:t>Correcting errors during motion</a:t>
             </a:r>
             <a:endParaRPr sz="2800">
               <a:solidFill>
@@ -14511,26 +14662,15 @@
               <a:defRPr/>
             </a:pPr>
             <a:r>
-              <a:rPr sz="2800" b="0" i="0" u="none">
-                <a:solidFill>
-                  <a:schemeClr val="bg1"/>
-                </a:solidFill>
-                <a:latin typeface="Aptos Display"/>
-                <a:ea typeface="Aptos Display"/>
-                <a:cs typeface="Aptos Display"/>
-              </a:rPr>
-              <a:t>λ</a:t>
-            </a:r>
-            <a:r>
-              <a:rPr sz="2800" b="0" i="0" u="none">
-                <a:solidFill>
-                  <a:schemeClr val="bg1"/>
-                </a:solidFill>
-                <a:latin typeface="Aptos Display"/>
-                <a:ea typeface="Aptos Display"/>
-                <a:cs typeface="Aptos Display"/>
-              </a:rPr>
-              <a:t> = wavelength (distance per cycle)</a:t>
+              <a:rPr sz="2800" b="1" i="0" u="none">
+                <a:solidFill>
+                  <a:schemeClr val="bg1"/>
+                </a:solidFill>
+                <a:latin typeface="Aptos Display"/>
+                <a:ea typeface="Aptos Display"/>
+                <a:cs typeface="Aptos Display"/>
+              </a:rPr>
+              <a:t>This experiment teaches the transition:</a:t>
             </a:r>
             <a:endParaRPr sz="2800">
               <a:solidFill>
@@ -14541,40 +14681,60 @@
             </a:endParaRPr>
           </a:p>
           <a:p>
-            <a:pPr>
-              <a:defRPr/>
-            </a:pPr>
+            <a:pPr lvl="1">
+              <a:defRPr/>
+            </a:pPr>
+            <a:r>
+              <a:rPr sz="2400" b="0" i="0" u="none">
+                <a:solidFill>
+                  <a:schemeClr val="bg1"/>
+                </a:solidFill>
+                <a:latin typeface="Aptos Display"/>
+                <a:ea typeface="Aptos Display"/>
+                <a:cs typeface="Aptos Display"/>
+              </a:rPr>
+              <a:t>From </a:t>
+            </a:r>
+            <a:r>
+              <a:rPr sz="2400" b="0" i="1" u="none">
+                <a:solidFill>
+                  <a:schemeClr val="bg1"/>
+                </a:solidFill>
+                <a:latin typeface="Aptos Display"/>
+                <a:ea typeface="Aptos Display"/>
+                <a:cs typeface="Aptos Display"/>
+              </a:rPr>
+              <a:t>basic motion</a:t>
+            </a:r>
+            <a:r>
+              <a:rPr sz="2400" b="0" i="0" u="none">
+                <a:solidFill>
+                  <a:schemeClr val="bg1"/>
+                </a:solidFill>
+                <a:latin typeface="Aptos Display"/>
+                <a:ea typeface="Aptos Display"/>
+                <a:cs typeface="Aptos Display"/>
+              </a:rPr>
+              <a:t> → to </a:t>
+            </a:r>
+            <a:r>
+              <a:rPr sz="2400" b="0" i="1" u="none">
+                <a:solidFill>
+                  <a:schemeClr val="bg1"/>
+                </a:solidFill>
+                <a:latin typeface="Aptos Display"/>
+                <a:ea typeface="Aptos Display"/>
+                <a:cs typeface="Aptos Display"/>
+              </a:rPr>
+              <a:t>autonomous path-following control</a:t>
+            </a:r>
             <a:endParaRPr/>
-          </a:p>
-          <a:p>
-            <a:pPr>
-              <a:defRPr/>
-            </a:pPr>
-            <a:r>
-              <a:rPr sz="2800" b="0" i="0" u="none">
-                <a:solidFill>
-                  <a:schemeClr val="bg1"/>
-                </a:solidFill>
-                <a:latin typeface="Aptos Display"/>
-                <a:ea typeface="Aptos Display"/>
-                <a:cs typeface="Aptos Display"/>
-              </a:rPr>
-              <a:t>A sine path is smooth, continuous, and ideal for learning steering control.</a:t>
-            </a:r>
-            <a:endParaRPr sz="2800" b="0" i="0" u="none">
-              <a:solidFill>
-                <a:schemeClr val="bg1"/>
-              </a:solidFill>
-              <a:latin typeface="Aptos Display"/>
-              <a:ea typeface="Aptos Display"/>
-              <a:cs typeface="Aptos Display"/>
-            </a:endParaRPr>
           </a:p>
         </p:txBody>
       </p:sp>
       <p:pic>
         <p:nvPicPr>
-          <p:cNvPr id="168164421" name="Picture 3"/>
+          <p:cNvPr id="2062447534" name="Picture 3"/>
           <p:cNvPicPr>
             <a:picLocks noChangeAspect="1"/>
           </p:cNvPicPr>
@@ -14588,28 +14748,6 @@
           <a:xfrm>
             <a:off x="9971310" y="156098"/>
             <a:ext cx="2037717" cy="549225"/>
-          </a:xfrm>
-          <a:prstGeom prst="rect">
-            <a:avLst/>
-          </a:prstGeom>
-        </p:spPr>
-      </p:pic>
-      <p:pic>
-        <p:nvPicPr>
-          <p:cNvPr id="1158472706" name=""/>
-          <p:cNvPicPr>
-            <a:picLocks noChangeAspect="1"/>
-          </p:cNvPicPr>
-          <p:nvPr/>
-        </p:nvPicPr>
-        <p:blipFill>
-          <a:blip r:embed="rId4"/>
-          <a:stretch/>
-        </p:blipFill>
-        <p:spPr bwMode="auto">
-          <a:xfrm>
-            <a:off x="5366044" y="2412406"/>
-            <a:ext cx="2600325" cy="942975"/>
           </a:xfrm>
           <a:prstGeom prst="rect">
             <a:avLst/>
@@ -14658,7 +14796,7 @@
       </p:grpSpPr>
       <p:sp>
         <p:nvSpPr>
-          <p:cNvPr id="795734793" name="Title 1"/>
+          <p:cNvPr id="1395669775" name="Title 1"/>
           <p:cNvSpPr>
             <a:spLocks noGrp="1"/>
           </p:cNvSpPr>
@@ -14682,15 +14820,15 @@
               <a:defRPr/>
             </a:pPr>
             <a:r>
-              <a:rPr lang="en-US" sz="4400" b="0" i="0" u="none" strike="noStrike" cap="none" spc="0">
-                <a:solidFill>
-                  <a:schemeClr val="bg1"/>
-                </a:solidFill>
-                <a:latin typeface="Aptos Display"/>
-                <a:ea typeface="Aptos Display"/>
-                <a:cs typeface="Aptos Display"/>
-              </a:rPr>
-              <a:t>Encoder-Based Constant Speed Control using PI</a:t>
+              <a:rPr lang="en-US" sz="4400" b="1" i="0" u="none" strike="noStrike" cap="none" spc="0">
+                <a:solidFill>
+                  <a:schemeClr val="bg1"/>
+                </a:solidFill>
+                <a:latin typeface="Aptos Display"/>
+                <a:ea typeface="Aptos Display"/>
+                <a:cs typeface="Aptos Display"/>
+              </a:rPr>
+              <a:t>Sine Wave Trajectory Tracking</a:t>
             </a:r>
             <a:endParaRPr/>
           </a:p>
@@ -14698,7 +14836,7 @@
       </p:sp>
       <p:sp>
         <p:nvSpPr>
-          <p:cNvPr id="1850519925" name="Content Placeholder 2"/>
+          <p:cNvPr id="1408320324" name="Content Placeholder 2"/>
           <p:cNvSpPr>
             <a:spLocks noGrp="1"/>
           </p:cNvSpPr>
@@ -14730,7 +14868,7 @@
                 <a:ea typeface="Aptos Display"/>
                 <a:cs typeface="Aptos Display"/>
               </a:rPr>
-              <a:t>Robot Coordinate System</a:t>
+              <a:t>Path Definition (Mathematical Model)</a:t>
             </a:r>
             <a:endParaRPr sz="2800">
               <a:solidFill>
@@ -14745,15 +14883,15 @@
               <a:defRPr/>
             </a:pPr>
             <a:r>
-              <a:rPr sz="2800" b="1" i="0" u="none">
-                <a:solidFill>
-                  <a:schemeClr val="bg1"/>
-                </a:solidFill>
-                <a:latin typeface="Aptos Display"/>
-                <a:ea typeface="Aptos Display"/>
-                <a:cs typeface="Aptos Display"/>
-              </a:rPr>
-              <a:t>Robot Pose Definition</a:t>
+              <a:rPr sz="2800" b="0" i="0" u="none">
+                <a:solidFill>
+                  <a:schemeClr val="bg1"/>
+                </a:solidFill>
+                <a:latin typeface="Aptos Display"/>
+                <a:ea typeface="Aptos Display"/>
+                <a:cs typeface="Aptos Display"/>
+              </a:rPr>
+              <a:t>Reference Path: Sine Wave</a:t>
             </a:r>
             <a:endParaRPr sz="2800">
               <a:solidFill>
@@ -14776,154 +14914,7 @@
                 <a:ea typeface="Aptos Display"/>
                 <a:cs typeface="Aptos Display"/>
               </a:rPr>
-              <a:t>The robot state is represented as:</a:t>
-            </a:r>
-            <a:endParaRPr sz="2800">
-              <a:solidFill>
-                <a:schemeClr val="bg1"/>
-              </a:solidFill>
-              <a:latin typeface="Aptos Display"/>
-              <a:cs typeface="Aptos Display"/>
-            </a:endParaRPr>
-          </a:p>
-          <a:p>
-            <a:pPr lvl="1">
-              <a:defRPr/>
-            </a:pPr>
-            <a:r>
-              <a:rPr sz="2400" b="0" i="0" u="none">
-                <a:solidFill>
-                  <a:schemeClr val="bg1"/>
-                </a:solidFill>
-                <a:latin typeface="Aptos Display"/>
-                <a:ea typeface="Aptos Display"/>
-                <a:cs typeface="Aptos Display"/>
-              </a:rPr>
-              <a:t>x</a:t>
-            </a:r>
-            <a:r>
-              <a:rPr sz="2400" b="0" i="0" u="none">
-                <a:solidFill>
-                  <a:schemeClr val="bg1"/>
-                </a:solidFill>
-                <a:latin typeface="Aptos Display"/>
-                <a:ea typeface="Aptos Display"/>
-                <a:cs typeface="Aptos Display"/>
-              </a:rPr>
-              <a:t>: forward position (meters)</a:t>
-            </a:r>
-            <a:endParaRPr sz="2800">
-              <a:solidFill>
-                <a:schemeClr val="bg1"/>
-              </a:solidFill>
-              <a:latin typeface="Aptos Display"/>
-              <a:cs typeface="Aptos Display"/>
-            </a:endParaRPr>
-          </a:p>
-          <a:p>
-            <a:pPr lvl="1">
-              <a:defRPr/>
-            </a:pPr>
-            <a:r>
-              <a:rPr sz="2400" b="0" i="0" u="none">
-                <a:solidFill>
-                  <a:schemeClr val="bg1"/>
-                </a:solidFill>
-                <a:latin typeface="Aptos Display"/>
-                <a:ea typeface="Aptos Display"/>
-                <a:cs typeface="Aptos Display"/>
-              </a:rPr>
-              <a:t>y</a:t>
-            </a:r>
-            <a:r>
-              <a:rPr sz="2400" b="0" i="0" u="none">
-                <a:solidFill>
-                  <a:schemeClr val="bg1"/>
-                </a:solidFill>
-                <a:latin typeface="Aptos Display"/>
-                <a:ea typeface="Aptos Display"/>
-                <a:cs typeface="Aptos Display"/>
-              </a:rPr>
-              <a:t>: sideways position (meters)</a:t>
-            </a:r>
-            <a:endParaRPr sz="2800">
-              <a:solidFill>
-                <a:schemeClr val="bg1"/>
-              </a:solidFill>
-              <a:latin typeface="Aptos Display"/>
-              <a:cs typeface="Aptos Display"/>
-            </a:endParaRPr>
-          </a:p>
-          <a:p>
-            <a:pPr lvl="1">
-              <a:defRPr/>
-            </a:pPr>
-            <a:r>
-              <a:rPr sz="2400" b="0" i="0" u="none">
-                <a:solidFill>
-                  <a:schemeClr val="bg1"/>
-                </a:solidFill>
-                <a:latin typeface="Aptos Display"/>
-                <a:ea typeface="Aptos Display"/>
-                <a:cs typeface="Aptos Display"/>
-              </a:rPr>
-              <a:t>θ</a:t>
-            </a:r>
-            <a:r>
-              <a:rPr sz="2400" b="0" i="0" u="none">
-                <a:solidFill>
-                  <a:schemeClr val="bg1"/>
-                </a:solidFill>
-                <a:latin typeface="Aptos Display"/>
-                <a:ea typeface="Aptos Display"/>
-                <a:cs typeface="Aptos Display"/>
-              </a:rPr>
-              <a:t>: heading angle (radians)</a:t>
-            </a:r>
-            <a:endParaRPr sz="2800">
-              <a:solidFill>
-                <a:schemeClr val="bg1"/>
-              </a:solidFill>
-              <a:latin typeface="Aptos Display"/>
-              <a:cs typeface="Aptos Display"/>
-            </a:endParaRPr>
-          </a:p>
-          <a:p>
-            <a:pPr>
-              <a:defRPr/>
-            </a:pPr>
-            <a:r>
-              <a:rPr sz="2800" b="0" i="0" u="none">
-                <a:solidFill>
-                  <a:schemeClr val="bg1"/>
-                </a:solidFill>
-                <a:latin typeface="Aptos Display"/>
-                <a:ea typeface="Aptos Display"/>
-                <a:cs typeface="Aptos Display"/>
-              </a:rPr>
-              <a:t>This is called the </a:t>
-            </a:r>
-            <a:r>
-              <a:rPr sz="2800" b="1" i="0" u="none">
-                <a:solidFill>
-                  <a:schemeClr val="bg1"/>
-                </a:solidFill>
-                <a:latin typeface="Aptos Display"/>
-                <a:ea typeface="Aptos Display"/>
-                <a:cs typeface="Aptos Display"/>
-              </a:rPr>
-              <a:t>robot pose</a:t>
-            </a:r>
-            <a:r>
-              <a:rPr sz="2800" b="0" i="0" u="none">
-                <a:solidFill>
-                  <a:schemeClr val="bg1"/>
-                </a:solidFill>
-                <a:latin typeface="Aptos Display"/>
-                <a:ea typeface="Aptos Display"/>
-                <a:cs typeface="Aptos Display"/>
-              </a:rPr>
-              <a:t>:</a:t>
+              <a:t>The desired path is defined as:</a:t>
             </a:r>
             <a:endParaRPr sz="2800">
               <a:solidFill>
@@ -14948,6 +14939,20 @@
             </a:endParaRPr>
           </a:p>
           <a:p>
+            <a:pPr marL="0" indent="0">
+              <a:buFont typeface="Arial"/>
+              <a:buNone/>
+              <a:defRPr/>
+            </a:pPr>
+            <a:endParaRPr sz="2800">
+              <a:solidFill>
+                <a:schemeClr val="bg1"/>
+              </a:solidFill>
+              <a:latin typeface="Aptos Display"/>
+              <a:cs typeface="Aptos Display"/>
+            </a:endParaRPr>
+          </a:p>
+          <a:p>
             <a:pPr>
               <a:defRPr/>
             </a:pPr>
@@ -14960,26 +14965,113 @@
                 <a:ea typeface="Aptos Display"/>
                 <a:cs typeface="Aptos Display"/>
               </a:rPr>
-              <a:t>📌 The robot estimates its pose using </a:t>
-            </a:r>
-            <a:r>
-              <a:rPr sz="2800" b="1" i="0" u="none">
-                <a:solidFill>
-                  <a:schemeClr val="bg1"/>
-                </a:solidFill>
-                <a:latin typeface="Aptos Display"/>
-                <a:ea typeface="Aptos Display"/>
-                <a:cs typeface="Aptos Display"/>
-              </a:rPr>
-              <a:t>encoder odometry</a:t>
-            </a:r>
-            <a:endParaRPr/>
+              <a:t>Where:</a:t>
+            </a:r>
+            <a:endParaRPr sz="2800">
+              <a:solidFill>
+                <a:schemeClr val="bg1"/>
+              </a:solidFill>
+              <a:latin typeface="Aptos Display"/>
+              <a:cs typeface="Aptos Display"/>
+            </a:endParaRPr>
+          </a:p>
+          <a:p>
+            <a:pPr>
+              <a:defRPr/>
+            </a:pPr>
+            <a:r>
+              <a:rPr sz="2800" b="0" i="0" u="none">
+                <a:solidFill>
+                  <a:schemeClr val="bg1"/>
+                </a:solidFill>
+                <a:latin typeface="Aptos Display"/>
+                <a:ea typeface="Aptos Display"/>
+                <a:cs typeface="Aptos Display"/>
+              </a:rPr>
+              <a:t>A</a:t>
+            </a:r>
+            <a:r>
+              <a:rPr sz="2800" b="0" i="0" u="none">
+                <a:solidFill>
+                  <a:schemeClr val="bg1"/>
+                </a:solidFill>
+                <a:latin typeface="Aptos Display"/>
+                <a:ea typeface="Aptos Display"/>
+                <a:cs typeface="Aptos Display"/>
+              </a:rPr>
+              <a:t> = amplitude (sideways swing)</a:t>
+            </a:r>
+            <a:endParaRPr sz="2800">
+              <a:solidFill>
+                <a:schemeClr val="bg1"/>
+              </a:solidFill>
+              <a:latin typeface="Aptos Display"/>
+              <a:cs typeface="Aptos Display"/>
+            </a:endParaRPr>
+          </a:p>
+          <a:p>
+            <a:pPr>
+              <a:defRPr/>
+            </a:pPr>
+            <a:r>
+              <a:rPr sz="2800" b="0" i="0" u="none">
+                <a:solidFill>
+                  <a:schemeClr val="bg1"/>
+                </a:solidFill>
+                <a:latin typeface="Aptos Display"/>
+                <a:ea typeface="Aptos Display"/>
+                <a:cs typeface="Aptos Display"/>
+              </a:rPr>
+              <a:t>λ</a:t>
+            </a:r>
+            <a:r>
+              <a:rPr sz="2800" b="0" i="0" u="none">
+                <a:solidFill>
+                  <a:schemeClr val="bg1"/>
+                </a:solidFill>
+                <a:latin typeface="Aptos Display"/>
+                <a:ea typeface="Aptos Display"/>
+                <a:cs typeface="Aptos Display"/>
+              </a:rPr>
+              <a:t> = wavelength (distance per cycle)</a:t>
+            </a:r>
+            <a:endParaRPr sz="2800">
+              <a:solidFill>
+                <a:schemeClr val="bg1"/>
+              </a:solidFill>
+              <a:latin typeface="Aptos Display"/>
+              <a:cs typeface="Aptos Display"/>
+            </a:endParaRPr>
+          </a:p>
+          <a:p>
+            <a:pPr>
+              <a:defRPr/>
+            </a:pPr>
+            <a:r>
+              <a:rPr sz="2800" b="0" i="0" u="none">
+                <a:solidFill>
+                  <a:schemeClr val="bg1"/>
+                </a:solidFill>
+                <a:latin typeface="Aptos Display"/>
+                <a:ea typeface="Aptos Display"/>
+                <a:cs typeface="Aptos Display"/>
+              </a:rPr>
+              <a:t>A sine path is smooth, continuous, and ideal for learning steering control.</a:t>
+            </a:r>
+            <a:endParaRPr sz="2800" b="0" i="0" u="none">
+              <a:solidFill>
+                <a:schemeClr val="bg1"/>
+              </a:solidFill>
+              <a:latin typeface="Aptos Display"/>
+              <a:ea typeface="Aptos Display"/>
+              <a:cs typeface="Aptos Display"/>
+            </a:endParaRPr>
           </a:p>
         </p:txBody>
       </p:sp>
       <p:pic>
         <p:nvPicPr>
-          <p:cNvPr id="222853969" name="Picture 3"/>
+          <p:cNvPr id="168164421" name="Picture 3"/>
           <p:cNvPicPr>
             <a:picLocks noChangeAspect="1"/>
           </p:cNvPicPr>
@@ -15001,7 +15093,7 @@
       </p:pic>
       <p:pic>
         <p:nvPicPr>
-          <p:cNvPr id="1888142977" name=""/>
+          <p:cNvPr id="1158472706" name=""/>
           <p:cNvPicPr>
             <a:picLocks noChangeAspect="1"/>
           </p:cNvPicPr>
@@ -15013,8 +15105,8 @@
         </p:blipFill>
         <p:spPr bwMode="auto">
           <a:xfrm>
-            <a:off x="3594394" y="4424228"/>
-            <a:ext cx="1771650" cy="571500"/>
+            <a:off x="3709807" y="2821892"/>
+            <a:ext cx="2600325" cy="942975"/>
           </a:xfrm>
           <a:prstGeom prst="rect">
             <a:avLst/>
